--- a/presentacion/INFOCOMEDOR - PPT.pptx
+++ b/presentacion/INFOCOMEDOR - PPT.pptx
@@ -5,7 +5,7 @@
     <p:sldMasterId id="2147483672" r:id="rId1"/>
   </p:sldMasterIdLst>
   <p:notesMasterIdLst>
-    <p:notesMasterId r:id="rId23"/>
+    <p:notesMasterId r:id="rId36"/>
   </p:notesMasterIdLst>
   <p:sldIdLst>
     <p:sldId id="256" r:id="rId2"/>
@@ -24,11 +24,24 @@
     <p:sldId id="269" r:id="rId15"/>
     <p:sldId id="270" r:id="rId16"/>
     <p:sldId id="271" r:id="rId17"/>
-    <p:sldId id="272" r:id="rId18"/>
-    <p:sldId id="273" r:id="rId19"/>
-    <p:sldId id="274" r:id="rId20"/>
-    <p:sldId id="275" r:id="rId21"/>
-    <p:sldId id="276" r:id="rId22"/>
+    <p:sldId id="278" r:id="rId18"/>
+    <p:sldId id="279" r:id="rId19"/>
+    <p:sldId id="280" r:id="rId20"/>
+    <p:sldId id="281" r:id="rId21"/>
+    <p:sldId id="282" r:id="rId22"/>
+    <p:sldId id="287" r:id="rId23"/>
+    <p:sldId id="272" r:id="rId24"/>
+    <p:sldId id="288" r:id="rId25"/>
+    <p:sldId id="291" r:id="rId26"/>
+    <p:sldId id="289" r:id="rId27"/>
+    <p:sldId id="290" r:id="rId28"/>
+    <p:sldId id="273" r:id="rId29"/>
+    <p:sldId id="274" r:id="rId30"/>
+    <p:sldId id="284" r:id="rId31"/>
+    <p:sldId id="285" r:id="rId32"/>
+    <p:sldId id="286" r:id="rId33"/>
+    <p:sldId id="275" r:id="rId34"/>
+    <p:sldId id="276" r:id="rId35"/>
   </p:sldIdLst>
   <p:sldSz cx="9144000" cy="6858000" type="screen4x3"/>
   <p:notesSz cx="6858000" cy="9144000"/>
@@ -713,7 +726,7 @@
           <a:p>
             <a:fld id="{79CCBA43-0A6D-49E2-A941-DE91C65E1DC2}" type="slidenum">
               <a:rPr lang="es-ES" smtClean="0"/>
-              <a:t>17</a:t>
+              <a:t>23</a:t>
             </a:fld>
             <a:endParaRPr lang="es-ES"/>
           </a:p>
@@ -776,7 +789,7 @@
           <a:bodyPr/>
           <a:lstStyle/>
           <a:p>
-            <a:endParaRPr lang="es-ES" dirty="0"/>
+            <a:endParaRPr lang="es-ES"/>
           </a:p>
         </p:txBody>
       </p:sp>
@@ -797,7 +810,7 @@
           <a:p>
             <a:fld id="{79CCBA43-0A6D-49E2-A941-DE91C65E1DC2}" type="slidenum">
               <a:rPr lang="es-ES" smtClean="0"/>
-              <a:t>18</a:t>
+              <a:t>27</a:t>
             </a:fld>
             <a:endParaRPr lang="es-ES"/>
           </a:p>
@@ -806,7 +819,7 @@
     </p:spTree>
     <p:extLst>
       <p:ext uri="{BB962C8B-B14F-4D97-AF65-F5344CB8AC3E}">
-        <p14:creationId xmlns:p14="http://schemas.microsoft.com/office/powerpoint/2010/main" val="2427911329"/>
+        <p14:creationId xmlns:p14="http://schemas.microsoft.com/office/powerpoint/2010/main" val="410757533"/>
       </p:ext>
     </p:extLst>
   </p:cSld>
@@ -881,7 +894,7 @@
           <a:p>
             <a:fld id="{79CCBA43-0A6D-49E2-A941-DE91C65E1DC2}" type="slidenum">
               <a:rPr lang="es-ES" smtClean="0"/>
-              <a:t>19</a:t>
+              <a:t>28</a:t>
             </a:fld>
             <a:endParaRPr lang="es-ES"/>
           </a:p>
@@ -965,7 +978,7 @@
           <a:p>
             <a:fld id="{79CCBA43-0A6D-49E2-A941-DE91C65E1DC2}" type="slidenum">
               <a:rPr lang="es-ES" smtClean="0"/>
-              <a:t>20</a:t>
+              <a:t>29</a:t>
             </a:fld>
             <a:endParaRPr lang="es-ES"/>
           </a:p>
@@ -1049,7 +1062,91 @@
           <a:p>
             <a:fld id="{79CCBA43-0A6D-49E2-A941-DE91C65E1DC2}" type="slidenum">
               <a:rPr lang="es-ES" smtClean="0"/>
-              <a:t>21</a:t>
+              <a:t>33</a:t>
+            </a:fld>
+            <a:endParaRPr lang="es-ES"/>
+          </a:p>
+        </p:txBody>
+      </p:sp>
+    </p:spTree>
+    <p:extLst>
+      <p:ext uri="{BB962C8B-B14F-4D97-AF65-F5344CB8AC3E}">
+        <p14:creationId xmlns:p14="http://schemas.microsoft.com/office/powerpoint/2010/main" val="2427911329"/>
+      </p:ext>
+    </p:extLst>
+  </p:cSld>
+  <p:clrMapOvr>
+    <a:masterClrMapping/>
+  </p:clrMapOvr>
+</p:notes>
+</file>
+
+<file path=ppt/notesSlides/notesSlide16.xml><?xml version="1.0" encoding="utf-8"?>
+<p:notes xmlns:a="http://schemas.openxmlformats.org/drawingml/2006/main" xmlns:r="http://schemas.openxmlformats.org/officeDocument/2006/relationships" xmlns:p="http://schemas.openxmlformats.org/presentationml/2006/main">
+  <p:cSld>
+    <p:spTree>
+      <p:nvGrpSpPr>
+        <p:cNvPr id="1" name=""/>
+        <p:cNvGrpSpPr/>
+        <p:nvPr/>
+      </p:nvGrpSpPr>
+      <p:grpSpPr>
+        <a:xfrm>
+          <a:off x="0" y="0"/>
+          <a:ext cx="0" cy="0"/>
+          <a:chOff x="0" y="0"/>
+          <a:chExt cx="0" cy="0"/>
+        </a:xfrm>
+      </p:grpSpPr>
+      <p:sp>
+        <p:nvSpPr>
+          <p:cNvPr id="2" name="1 Marcador de imagen de diapositiva"/>
+          <p:cNvSpPr>
+            <a:spLocks noGrp="1" noRot="1" noChangeAspect="1"/>
+          </p:cNvSpPr>
+          <p:nvPr>
+            <p:ph type="sldImg"/>
+          </p:nvPr>
+        </p:nvSpPr>
+        <p:spPr/>
+      </p:sp>
+      <p:sp>
+        <p:nvSpPr>
+          <p:cNvPr id="3" name="2 Marcador de notas"/>
+          <p:cNvSpPr>
+            <a:spLocks noGrp="1"/>
+          </p:cNvSpPr>
+          <p:nvPr>
+            <p:ph type="body" idx="1"/>
+          </p:nvPr>
+        </p:nvSpPr>
+        <p:spPr/>
+        <p:txBody>
+          <a:bodyPr/>
+          <a:lstStyle/>
+          <a:p>
+            <a:endParaRPr lang="es-ES" dirty="0"/>
+          </a:p>
+        </p:txBody>
+      </p:sp>
+      <p:sp>
+        <p:nvSpPr>
+          <p:cNvPr id="4" name="3 Marcador de número de diapositiva"/>
+          <p:cNvSpPr>
+            <a:spLocks noGrp="1"/>
+          </p:cNvSpPr>
+          <p:nvPr>
+            <p:ph type="sldNum" sz="quarter" idx="10"/>
+          </p:nvPr>
+        </p:nvSpPr>
+        <p:spPr/>
+        <p:txBody>
+          <a:bodyPr/>
+          <a:lstStyle/>
+          <a:p>
+            <a:fld id="{79CCBA43-0A6D-49E2-A941-DE91C65E1DC2}" type="slidenum">
+              <a:rPr lang="es-ES" smtClean="0"/>
+              <a:t>34</a:t>
             </a:fld>
             <a:endParaRPr lang="es-ES"/>
           </a:p>
@@ -16896,12 +16993,12 @@
       </p:grpSpPr>
       <p:sp>
         <p:nvSpPr>
-          <p:cNvPr id="2" name="1 Título"/>
+          <p:cNvPr id="3" name="2 Título"/>
           <p:cNvSpPr>
             <a:spLocks noGrp="1"/>
           </p:cNvSpPr>
           <p:nvPr>
-            <p:ph type="ctrTitle"/>
+            <p:ph type="title"/>
           </p:nvPr>
         </p:nvSpPr>
         <p:spPr/>
@@ -16911,16 +17008,46 @@
           <a:p>
             <a:r>
               <a:rPr lang="es-ES" dirty="0" smtClean="0"/>
-              <a:t>VENTAS</a:t>
+              <a:t>MENU</a:t>
             </a:r>
             <a:endParaRPr lang="es-ES" dirty="0"/>
           </a:p>
         </p:txBody>
       </p:sp>
+      <p:pic>
+        <p:nvPicPr>
+          <p:cNvPr id="4" name="3 Imagen"/>
+          <p:cNvPicPr>
+            <a:picLocks noChangeAspect="1"/>
+          </p:cNvPicPr>
+          <p:nvPr/>
+        </p:nvPicPr>
+        <p:blipFill>
+          <a:blip r:embed="rId2">
+            <a:extLst>
+              <a:ext uri="{28A0092B-C50C-407E-A947-70E740481C1C}">
+                <a14:useLocalDpi xmlns:a14="http://schemas.microsoft.com/office/drawing/2010/main" val="0"/>
+              </a:ext>
+            </a:extLst>
+          </a:blip>
+          <a:stretch>
+            <a:fillRect/>
+          </a:stretch>
+        </p:blipFill>
+        <p:spPr>
+          <a:xfrm>
+            <a:off x="1259632" y="1484784"/>
+            <a:ext cx="6624736" cy="4968552"/>
+          </a:xfrm>
+          <a:prstGeom prst="rect">
+            <a:avLst/>
+          </a:prstGeom>
+        </p:spPr>
+      </p:pic>
     </p:spTree>
     <p:extLst>
       <p:ext uri="{BB962C8B-B14F-4D97-AF65-F5344CB8AC3E}">
-        <p14:creationId xmlns:p14="http://schemas.microsoft.com/office/powerpoint/2010/main" val="2916678532"/>
+        <p14:creationId xmlns:p14="http://schemas.microsoft.com/office/powerpoint/2010/main" val="3177420052"/>
       </p:ext>
     </p:extLst>
   </p:cSld>
@@ -16956,23 +17083,137 @@
       </p:grpSpPr>
       <p:sp>
         <p:nvSpPr>
-          <p:cNvPr id="2" name="1 Título"/>
+          <p:cNvPr id="3" name="2 Título"/>
           <p:cNvSpPr>
             <a:spLocks noGrp="1"/>
           </p:cNvSpPr>
           <p:nvPr>
-            <p:ph type="ctrTitle"/>
+            <p:ph type="title"/>
           </p:nvPr>
         </p:nvSpPr>
         <p:spPr/>
         <p:txBody>
-          <a:bodyPr/>
+          <a:bodyPr>
+            <a:normAutofit fontScale="90000"/>
+          </a:bodyPr>
           <a:lstStyle/>
           <a:p>
             <a:r>
-              <a:rPr lang="es-ES" dirty="0" smtClean="0"/>
-              <a:t>INVENTARIO</a:t>
+              <a:rPr lang="es-ES" dirty="0">
+                <a:solidFill>
+                  <a:schemeClr val="bg1"/>
+                </a:solidFill>
+              </a:rPr>
+              <a:t>Requerimientos del Modulo de Compras</a:t>
             </a:r>
+            <a:endParaRPr lang="es-ES" dirty="0"/>
+          </a:p>
+        </p:txBody>
+      </p:sp>
+      <p:sp>
+        <p:nvSpPr>
+          <p:cNvPr id="5" name="1 Marcador de contenido"/>
+          <p:cNvSpPr>
+            <a:spLocks noGrp="1"/>
+          </p:cNvSpPr>
+          <p:nvPr>
+            <p:ph idx="1"/>
+          </p:nvPr>
+        </p:nvSpPr>
+        <p:spPr>
+          <a:xfrm>
+            <a:off x="872067" y="2675467"/>
+            <a:ext cx="7408333" cy="3450696"/>
+          </a:xfrm>
+        </p:spPr>
+        <p:txBody>
+          <a:bodyPr vert="horz" lIns="91440" tIns="45720" rIns="91440" bIns="45720" rtlCol="0">
+            <a:normAutofit fontScale="77500" lnSpcReduction="20000"/>
+          </a:bodyPr>
+          <a:lstStyle/>
+          <a:p>
+            <a:r>
+              <a:rPr lang="es-ES" dirty="0"/>
+              <a:t>1. Se registraran los datos relacionados al producto.</a:t>
+            </a:r>
+          </a:p>
+          <a:p>
+            <a:pPr lvl="1"/>
+            <a:r>
+              <a:rPr lang="es-ES" dirty="0"/>
+              <a:t>Aspectos adicionales a ser considerados</a:t>
+            </a:r>
+          </a:p>
+          <a:p>
+            <a:pPr lvl="2"/>
+            <a:r>
+              <a:rPr lang="es-ES" dirty="0"/>
+              <a:t>Tipo de producto- Unidad de medida.</a:t>
+            </a:r>
+          </a:p>
+          <a:p>
+            <a:r>
+              <a:rPr lang="es-ES" dirty="0"/>
+              <a:t>2. Se registran los datos de los proveedores.</a:t>
+            </a:r>
+          </a:p>
+          <a:p>
+            <a:r>
+              <a:rPr lang="es-ES" dirty="0"/>
+              <a:t>3. Se registran los pagos</a:t>
+            </a:r>
+          </a:p>
+          <a:p>
+            <a:pPr lvl="1"/>
+            <a:r>
+              <a:rPr lang="es-ES" dirty="0"/>
+              <a:t>Aspectos adicionales a ser considerados</a:t>
+            </a:r>
+          </a:p>
+          <a:p>
+            <a:pPr lvl="2"/>
+            <a:r>
+              <a:rPr lang="es-ES" dirty="0"/>
+              <a:t>Contado - Crédito</a:t>
+            </a:r>
+          </a:p>
+          <a:p>
+            <a:r>
+              <a:rPr lang="es-ES" dirty="0"/>
+              <a:t>4. Se registran egresos de dinero por compras</a:t>
+            </a:r>
+          </a:p>
+          <a:p>
+            <a:pPr lvl="1"/>
+            <a:r>
+              <a:rPr lang="es-ES" dirty="0"/>
+              <a:t>Aspectos adicionales a ser considerados</a:t>
+            </a:r>
+          </a:p>
+          <a:p>
+            <a:pPr lvl="2"/>
+            <a:r>
+              <a:rPr lang="es-ES" dirty="0"/>
+              <a:t>Compras fuera del local</a:t>
+            </a:r>
+          </a:p>
+          <a:p>
+            <a:pPr lvl="2"/>
+            <a:r>
+              <a:rPr lang="es-ES" dirty="0"/>
+              <a:t>Compras dentro del local</a:t>
+            </a:r>
+          </a:p>
+          <a:p>
+            <a:r>
+              <a:rPr lang="es-ES" dirty="0"/>
+              <a:t>5. Registrar factura</a:t>
+            </a:r>
+          </a:p>
+          <a:p>
+            <a:endParaRPr lang="es-ES" dirty="0"/>
+          </a:p>
+          <a:p>
             <a:endParaRPr lang="es-ES" dirty="0"/>
           </a:p>
         </p:txBody>
@@ -16980,7 +17221,7 @@
     </p:spTree>
     <p:extLst>
       <p:ext uri="{BB962C8B-B14F-4D97-AF65-F5344CB8AC3E}">
-        <p14:creationId xmlns:p14="http://schemas.microsoft.com/office/powerpoint/2010/main" val="3835046543"/>
+        <p14:creationId xmlns:p14="http://schemas.microsoft.com/office/powerpoint/2010/main" val="1856263806"/>
       </p:ext>
     </p:extLst>
   </p:cSld>
@@ -17016,31 +17257,67 @@
       </p:grpSpPr>
       <p:sp>
         <p:nvSpPr>
-          <p:cNvPr id="2" name="1 Título"/>
+          <p:cNvPr id="3" name="2 Título"/>
           <p:cNvSpPr>
             <a:spLocks noGrp="1"/>
           </p:cNvSpPr>
           <p:nvPr>
-            <p:ph type="ctrTitle"/>
+            <p:ph type="title"/>
           </p:nvPr>
         </p:nvSpPr>
         <p:spPr/>
         <p:txBody>
-          <a:bodyPr/>
+          <a:bodyPr>
+            <a:normAutofit/>
+          </a:bodyPr>
           <a:lstStyle/>
           <a:p>
             <a:r>
-              <a:rPr lang="es-ES" dirty="0" smtClean="0"/>
-              <a:t>CAJA</a:t>
+              <a:rPr lang="es-ES" dirty="0" smtClean="0">
+                <a:solidFill>
+                  <a:schemeClr val="bg1"/>
+                </a:solidFill>
+              </a:rPr>
+              <a:t>Diagrama de proceso</a:t>
             </a:r>
             <a:endParaRPr lang="es-ES" dirty="0"/>
           </a:p>
         </p:txBody>
       </p:sp>
+      <p:pic>
+        <p:nvPicPr>
+          <p:cNvPr id="6" name="3 Marcador de contenido"/>
+          <p:cNvPicPr>
+            <a:picLocks noChangeAspect="1"/>
+          </p:cNvPicPr>
+          <p:nvPr/>
+        </p:nvPicPr>
+        <p:blipFill>
+          <a:blip r:embed="rId2">
+            <a:extLst>
+              <a:ext uri="{28A0092B-C50C-407E-A947-70E740481C1C}">
+                <a14:useLocalDpi xmlns:a14="http://schemas.microsoft.com/office/drawing/2010/main" val="0"/>
+              </a:ext>
+            </a:extLst>
+          </a:blip>
+          <a:stretch>
+            <a:fillRect/>
+          </a:stretch>
+        </p:blipFill>
+        <p:spPr>
+          <a:xfrm>
+            <a:off x="971600" y="1651394"/>
+            <a:ext cx="6948264" cy="5122573"/>
+          </a:xfrm>
+          <a:prstGeom prst="rect">
+            <a:avLst/>
+          </a:prstGeom>
+        </p:spPr>
+      </p:pic>
     </p:spTree>
     <p:extLst>
       <p:ext uri="{BB962C8B-B14F-4D97-AF65-F5344CB8AC3E}">
-        <p14:creationId xmlns:p14="http://schemas.microsoft.com/office/powerpoint/2010/main" val="2019038403"/>
+        <p14:creationId xmlns:p14="http://schemas.microsoft.com/office/powerpoint/2010/main" val="246504266"/>
       </p:ext>
     </p:extLst>
   </p:cSld>
@@ -17136,31 +17413,61 @@
       </p:grpSpPr>
       <p:sp>
         <p:nvSpPr>
-          <p:cNvPr id="2" name="1 Título"/>
+          <p:cNvPr id="3" name="2 Título"/>
           <p:cNvSpPr>
             <a:spLocks noGrp="1"/>
           </p:cNvSpPr>
           <p:nvPr>
-            <p:ph type="ctrTitle"/>
+            <p:ph type="title"/>
           </p:nvPr>
         </p:nvSpPr>
         <p:spPr/>
         <p:txBody>
-          <a:bodyPr/>
+          <a:bodyPr>
+            <a:normAutofit/>
+          </a:bodyPr>
           <a:lstStyle/>
           <a:p>
             <a:r>
               <a:rPr lang="es-ES" dirty="0" smtClean="0"/>
-              <a:t>CONCLUSION</a:t>
+              <a:t>Flujo compra</a:t>
             </a:r>
             <a:endParaRPr lang="es-ES" dirty="0"/>
           </a:p>
         </p:txBody>
       </p:sp>
+      <p:pic>
+        <p:nvPicPr>
+          <p:cNvPr id="4" name="5 Marcador de contenido"/>
+          <p:cNvPicPr>
+            <a:picLocks noGrp="1" noChangeAspect="1"/>
+          </p:cNvPicPr>
+          <p:nvPr>
+            <p:ph idx="1"/>
+          </p:nvPr>
+        </p:nvPicPr>
+        <p:blipFill rotWithShape="1">
+          <a:blip r:embed="rId2">
+            <a:extLst>
+              <a:ext uri="{28A0092B-C50C-407E-A947-70E740481C1C}">
+                <a14:useLocalDpi xmlns:a14="http://schemas.microsoft.com/office/drawing/2010/main" val="0"/>
+              </a:ext>
+            </a:extLst>
+          </a:blip>
+          <a:srcRect t="4403" b="9306"/>
+          <a:stretch/>
+        </p:blipFill>
+        <p:spPr>
+          <a:xfrm>
+            <a:off x="251520" y="1602221"/>
+            <a:ext cx="8640960" cy="5139147"/>
+          </a:xfrm>
+        </p:spPr>
+      </p:pic>
     </p:spTree>
     <p:extLst>
       <p:ext uri="{BB962C8B-B14F-4D97-AF65-F5344CB8AC3E}">
-        <p14:creationId xmlns:p14="http://schemas.microsoft.com/office/powerpoint/2010/main" val="3849437460"/>
+        <p14:creationId xmlns:p14="http://schemas.microsoft.com/office/powerpoint/2010/main" val="2807143563"/>
       </p:ext>
     </p:extLst>
   </p:cSld>
@@ -17196,6 +17503,194 @@
       </p:grpSpPr>
       <p:sp>
         <p:nvSpPr>
+          <p:cNvPr id="3" name="2 Título"/>
+          <p:cNvSpPr>
+            <a:spLocks noGrp="1"/>
+          </p:cNvSpPr>
+          <p:nvPr>
+            <p:ph type="title"/>
+          </p:nvPr>
+        </p:nvSpPr>
+        <p:spPr/>
+        <p:txBody>
+          <a:bodyPr>
+            <a:normAutofit/>
+          </a:bodyPr>
+          <a:lstStyle/>
+          <a:p>
+            <a:r>
+              <a:rPr lang="es-ES" dirty="0" smtClean="0">
+                <a:solidFill>
+                  <a:schemeClr val="bg1"/>
+                </a:solidFill>
+              </a:rPr>
+              <a:t>Flujo pago</a:t>
+            </a:r>
+            <a:endParaRPr lang="es-ES" dirty="0"/>
+          </a:p>
+        </p:txBody>
+      </p:sp>
+      <p:pic>
+        <p:nvPicPr>
+          <p:cNvPr id="5" name="5 Marcador de contenido"/>
+          <p:cNvPicPr>
+            <a:picLocks noGrp="1" noChangeAspect="1"/>
+          </p:cNvPicPr>
+          <p:nvPr>
+            <p:ph idx="1"/>
+          </p:nvPr>
+        </p:nvPicPr>
+        <p:blipFill rotWithShape="1">
+          <a:blip r:embed="rId2">
+            <a:extLst>
+              <a:ext uri="{28A0092B-C50C-407E-A947-70E740481C1C}">
+                <a14:useLocalDpi xmlns:a14="http://schemas.microsoft.com/office/drawing/2010/main" val="0"/>
+              </a:ext>
+            </a:extLst>
+          </a:blip>
+          <a:srcRect t="368" r="3467" b="3173"/>
+          <a:stretch/>
+        </p:blipFill>
+        <p:spPr>
+          <a:xfrm>
+            <a:off x="255224" y="1720700"/>
+            <a:ext cx="8637256" cy="4979157"/>
+          </a:xfrm>
+        </p:spPr>
+      </p:pic>
+    </p:spTree>
+    <p:extLst>
+      <p:ext uri="{BB962C8B-B14F-4D97-AF65-F5344CB8AC3E}">
+        <p14:creationId xmlns:p14="http://schemas.microsoft.com/office/powerpoint/2010/main" val="2389628800"/>
+      </p:ext>
+    </p:extLst>
+  </p:cSld>
+  <p:clrMapOvr>
+    <a:masterClrMapping/>
+  </p:clrMapOvr>
+  <p:timing>
+    <p:tnLst>
+      <p:par>
+        <p:cTn id="1" dur="indefinite" restart="never" nodeType="tmRoot"/>
+      </p:par>
+    </p:tnLst>
+  </p:timing>
+</p:sld>
+</file>
+
+<file path=ppt/slides/slide22.xml><?xml version="1.0" encoding="utf-8"?>
+<p:sld xmlns:a="http://schemas.openxmlformats.org/drawingml/2006/main" xmlns:r="http://schemas.openxmlformats.org/officeDocument/2006/relationships" xmlns:p="http://schemas.openxmlformats.org/presentationml/2006/main">
+  <p:cSld>
+    <p:spTree>
+      <p:nvGrpSpPr>
+        <p:cNvPr id="1" name=""/>
+        <p:cNvGrpSpPr/>
+        <p:nvPr/>
+      </p:nvGrpSpPr>
+      <p:grpSpPr>
+        <a:xfrm>
+          <a:off x="0" y="0"/>
+          <a:ext cx="0" cy="0"/>
+          <a:chOff x="0" y="0"/>
+          <a:chExt cx="0" cy="0"/>
+        </a:xfrm>
+      </p:grpSpPr>
+      <p:sp>
+        <p:nvSpPr>
+          <p:cNvPr id="3" name="2 Título"/>
+          <p:cNvSpPr>
+            <a:spLocks noGrp="1"/>
+          </p:cNvSpPr>
+          <p:nvPr>
+            <p:ph type="title"/>
+          </p:nvPr>
+        </p:nvSpPr>
+        <p:spPr/>
+        <p:txBody>
+          <a:bodyPr>
+            <a:normAutofit/>
+          </a:bodyPr>
+          <a:lstStyle/>
+          <a:p>
+            <a:r>
+              <a:rPr lang="es-ES" dirty="0" smtClean="0">
+                <a:solidFill>
+                  <a:schemeClr val="bg1"/>
+                </a:solidFill>
+              </a:rPr>
+              <a:t>Flujo pago</a:t>
+            </a:r>
+            <a:endParaRPr lang="es-ES" dirty="0"/>
+          </a:p>
+        </p:txBody>
+      </p:sp>
+      <p:pic>
+        <p:nvPicPr>
+          <p:cNvPr id="5" name="5 Marcador de contenido"/>
+          <p:cNvPicPr>
+            <a:picLocks noGrp="1" noChangeAspect="1"/>
+          </p:cNvPicPr>
+          <p:nvPr>
+            <p:ph idx="1"/>
+          </p:nvPr>
+        </p:nvPicPr>
+        <p:blipFill rotWithShape="1">
+          <a:blip r:embed="rId2">
+            <a:extLst>
+              <a:ext uri="{28A0092B-C50C-407E-A947-70E740481C1C}">
+                <a14:useLocalDpi xmlns:a14="http://schemas.microsoft.com/office/drawing/2010/main" val="0"/>
+              </a:ext>
+            </a:extLst>
+          </a:blip>
+          <a:srcRect t="368" r="3467" b="3173"/>
+          <a:stretch/>
+        </p:blipFill>
+        <p:spPr>
+          <a:xfrm>
+            <a:off x="255224" y="1720700"/>
+            <a:ext cx="8637256" cy="4979157"/>
+          </a:xfrm>
+        </p:spPr>
+      </p:pic>
+    </p:spTree>
+    <p:extLst>
+      <p:ext uri="{BB962C8B-B14F-4D97-AF65-F5344CB8AC3E}">
+        <p14:creationId xmlns:p14="http://schemas.microsoft.com/office/powerpoint/2010/main" val="924761619"/>
+      </p:ext>
+    </p:extLst>
+  </p:cSld>
+  <p:clrMapOvr>
+    <a:masterClrMapping/>
+  </p:clrMapOvr>
+  <p:timing>
+    <p:tnLst>
+      <p:par>
+        <p:cTn id="1" dur="indefinite" restart="never" nodeType="tmRoot"/>
+      </p:par>
+    </p:tnLst>
+  </p:timing>
+</p:sld>
+</file>
+
+<file path=ppt/slides/slide23.xml><?xml version="1.0" encoding="utf-8"?>
+<p:sld xmlns:a="http://schemas.openxmlformats.org/drawingml/2006/main" xmlns:r="http://schemas.openxmlformats.org/officeDocument/2006/relationships" xmlns:p="http://schemas.openxmlformats.org/presentationml/2006/main">
+  <p:cSld>
+    <p:spTree>
+      <p:nvGrpSpPr>
+        <p:cNvPr id="1" name=""/>
+        <p:cNvGrpSpPr/>
+        <p:nvPr/>
+      </p:nvGrpSpPr>
+      <p:grpSpPr>
+        <a:xfrm>
+          <a:off x="0" y="0"/>
+          <a:ext cx="0" cy="0"/>
+          <a:chOff x="0" y="0"/>
+          <a:chExt cx="0" cy="0"/>
+        </a:xfrm>
+      </p:grpSpPr>
+      <p:sp>
+        <p:nvSpPr>
           <p:cNvPr id="2" name="1 Título"/>
           <p:cNvSpPr>
             <a:spLocks noGrp="1"/>
@@ -17211,7 +17706,7 @@
           <a:p>
             <a:r>
               <a:rPr lang="es-ES" dirty="0" smtClean="0"/>
-              <a:t>GRACIAS POR LA ATENCION</a:t>
+              <a:t>VENTAS</a:t>
             </a:r>
             <a:endParaRPr lang="es-ES" dirty="0"/>
           </a:p>
@@ -17220,7 +17715,621 @@
     </p:spTree>
     <p:extLst>
       <p:ext uri="{BB962C8B-B14F-4D97-AF65-F5344CB8AC3E}">
-        <p14:creationId xmlns:p14="http://schemas.microsoft.com/office/powerpoint/2010/main" val="1849125306"/>
+        <p14:creationId xmlns:p14="http://schemas.microsoft.com/office/powerpoint/2010/main" val="2916678532"/>
+      </p:ext>
+    </p:extLst>
+  </p:cSld>
+  <p:clrMapOvr>
+    <a:masterClrMapping/>
+  </p:clrMapOvr>
+  <p:timing>
+    <p:tnLst>
+      <p:par>
+        <p:cTn id="1" dur="indefinite" restart="never" nodeType="tmRoot"/>
+      </p:par>
+    </p:tnLst>
+  </p:timing>
+</p:sld>
+</file>
+
+<file path=ppt/slides/slide24.xml><?xml version="1.0" encoding="utf-8"?>
+<p:sld xmlns:a="http://schemas.openxmlformats.org/drawingml/2006/main" xmlns:r="http://schemas.openxmlformats.org/officeDocument/2006/relationships" xmlns:p="http://schemas.openxmlformats.org/presentationml/2006/main">
+  <p:cSld>
+    <p:spTree>
+      <p:nvGrpSpPr>
+        <p:cNvPr id="1" name=""/>
+        <p:cNvGrpSpPr/>
+        <p:nvPr/>
+      </p:nvGrpSpPr>
+      <p:grpSpPr>
+        <a:xfrm>
+          <a:off x="0" y="0"/>
+          <a:ext cx="0" cy="0"/>
+          <a:chOff x="0" y="0"/>
+          <a:chExt cx="0" cy="0"/>
+        </a:xfrm>
+      </p:grpSpPr>
+      <p:sp>
+        <p:nvSpPr>
+          <p:cNvPr id="3" name="2 Título"/>
+          <p:cNvSpPr>
+            <a:spLocks noGrp="1"/>
+          </p:cNvSpPr>
+          <p:nvPr>
+            <p:ph type="title"/>
+          </p:nvPr>
+        </p:nvSpPr>
+        <p:spPr/>
+        <p:txBody>
+          <a:bodyPr>
+            <a:normAutofit fontScale="90000"/>
+          </a:bodyPr>
+          <a:lstStyle/>
+          <a:p>
+            <a:r>
+              <a:rPr lang="es-ES" dirty="0">
+                <a:solidFill>
+                  <a:schemeClr val="bg1"/>
+                </a:solidFill>
+              </a:rPr>
+              <a:t>Requerimientos del Modulo de </a:t>
+            </a:r>
+            <a:r>
+              <a:rPr lang="es-ES" dirty="0" smtClean="0">
+                <a:solidFill>
+                  <a:schemeClr val="bg1"/>
+                </a:solidFill>
+              </a:rPr>
+              <a:t>Venta</a:t>
+            </a:r>
+            <a:endParaRPr lang="es-ES" dirty="0"/>
+          </a:p>
+        </p:txBody>
+      </p:sp>
+      <p:sp>
+        <p:nvSpPr>
+          <p:cNvPr id="5" name="1 Marcador de contenido"/>
+          <p:cNvSpPr>
+            <a:spLocks noGrp="1"/>
+          </p:cNvSpPr>
+          <p:nvPr>
+            <p:ph idx="1"/>
+          </p:nvPr>
+        </p:nvSpPr>
+        <p:spPr>
+          <a:xfrm>
+            <a:off x="872067" y="2675467"/>
+            <a:ext cx="7408333" cy="3450696"/>
+          </a:xfrm>
+        </p:spPr>
+        <p:txBody>
+          <a:bodyPr vert="horz" lIns="91440" tIns="45720" rIns="91440" bIns="45720" rtlCol="0">
+            <a:normAutofit fontScale="92500" lnSpcReduction="10000"/>
+          </a:bodyPr>
+          <a:lstStyle/>
+          <a:p>
+            <a:r>
+              <a:rPr lang="es-ES" dirty="0" smtClean="0"/>
+              <a:t>1</a:t>
+            </a:r>
+            <a:r>
+              <a:rPr lang="es-ES" dirty="0"/>
+              <a:t>. Se registraran los datos relacionados al cliente. </a:t>
+            </a:r>
+          </a:p>
+          <a:p>
+            <a:r>
+              <a:rPr lang="es-ES" dirty="0"/>
+              <a:t>2. Se registra los pedidos. </a:t>
+            </a:r>
+          </a:p>
+          <a:p>
+            <a:r>
+              <a:rPr lang="es-ES" dirty="0"/>
+              <a:t>3. Se realiza la facturación. </a:t>
+            </a:r>
+          </a:p>
+          <a:p>
+            <a:endParaRPr lang="es-ES" dirty="0"/>
+          </a:p>
+          <a:p>
+            <a:r>
+              <a:rPr lang="es-ES" dirty="0"/>
+              <a:t>_Selecciona pedidos. </a:t>
+            </a:r>
+          </a:p>
+          <a:p>
+            <a:r>
+              <a:rPr lang="es-ES" dirty="0"/>
+              <a:t>_Carga pedidos. </a:t>
+            </a:r>
+          </a:p>
+          <a:p>
+            <a:r>
+              <a:rPr lang="es-ES" b="1" dirty="0"/>
+              <a:t>Aspectos adicionales a ser considerados </a:t>
+            </a:r>
+            <a:endParaRPr lang="es-ES" dirty="0"/>
+          </a:p>
+          <a:p>
+            <a:r>
+              <a:rPr lang="es-ES" dirty="0" smtClean="0"/>
+              <a:t>- Contado</a:t>
+            </a:r>
+            <a:r>
+              <a:rPr lang="es-ES" dirty="0"/>
+              <a:t>. </a:t>
+            </a:r>
+          </a:p>
+          <a:p>
+            <a:r>
+              <a:rPr lang="es-ES" dirty="0"/>
+              <a:t>	</a:t>
+            </a:r>
+          </a:p>
+          <a:p>
+            <a:endParaRPr lang="es-ES" dirty="0"/>
+          </a:p>
+          <a:p>
+            <a:endParaRPr lang="es-ES" dirty="0"/>
+          </a:p>
+        </p:txBody>
+      </p:sp>
+    </p:spTree>
+    <p:extLst>
+      <p:ext uri="{BB962C8B-B14F-4D97-AF65-F5344CB8AC3E}">
+        <p14:creationId xmlns:p14="http://schemas.microsoft.com/office/powerpoint/2010/main" val="1127780079"/>
+      </p:ext>
+    </p:extLst>
+  </p:cSld>
+  <p:clrMapOvr>
+    <a:masterClrMapping/>
+  </p:clrMapOvr>
+  <p:timing>
+    <p:tnLst>
+      <p:par>
+        <p:cTn id="1" dur="indefinite" restart="never" nodeType="tmRoot"/>
+      </p:par>
+    </p:tnLst>
+  </p:timing>
+</p:sld>
+</file>
+
+<file path=ppt/slides/slide25.xml><?xml version="1.0" encoding="utf-8"?>
+<p:sld xmlns:a="http://schemas.openxmlformats.org/drawingml/2006/main" xmlns:r="http://schemas.openxmlformats.org/officeDocument/2006/relationships" xmlns:p="http://schemas.openxmlformats.org/presentationml/2006/main">
+  <p:cSld>
+    <p:spTree>
+      <p:nvGrpSpPr>
+        <p:cNvPr id="1" name=""/>
+        <p:cNvGrpSpPr/>
+        <p:nvPr/>
+      </p:nvGrpSpPr>
+      <p:grpSpPr>
+        <a:xfrm>
+          <a:off x="0" y="0"/>
+          <a:ext cx="0" cy="0"/>
+          <a:chOff x="0" y="0"/>
+          <a:chExt cx="0" cy="0"/>
+        </a:xfrm>
+      </p:grpSpPr>
+      <p:sp>
+        <p:nvSpPr>
+          <p:cNvPr id="3" name="2 Título"/>
+          <p:cNvSpPr>
+            <a:spLocks noGrp="1"/>
+          </p:cNvSpPr>
+          <p:nvPr>
+            <p:ph type="title"/>
+          </p:nvPr>
+        </p:nvSpPr>
+        <p:spPr/>
+        <p:txBody>
+          <a:bodyPr>
+            <a:normAutofit/>
+          </a:bodyPr>
+          <a:lstStyle/>
+          <a:p>
+            <a:r>
+              <a:rPr lang="es-ES" dirty="0" smtClean="0"/>
+              <a:t>Diagrama de Proceso</a:t>
+            </a:r>
+            <a:endParaRPr lang="es-ES" dirty="0"/>
+          </a:p>
+        </p:txBody>
+      </p:sp>
+      <p:pic>
+        <p:nvPicPr>
+          <p:cNvPr id="4098" name="Picture 2" descr="C:\Users\Ivan\Documents\Dropbox\infocomedor-final\DP_Venta.jpg"/>
+          <p:cNvPicPr>
+            <a:picLocks noChangeAspect="1" noChangeArrowheads="1"/>
+          </p:cNvPicPr>
+          <p:nvPr/>
+        </p:nvPicPr>
+        <p:blipFill>
+          <a:blip r:embed="rId2">
+            <a:extLst>
+              <a:ext uri="{28A0092B-C50C-407E-A947-70E740481C1C}">
+                <a14:useLocalDpi xmlns:a14="http://schemas.microsoft.com/office/drawing/2010/main" val="0"/>
+              </a:ext>
+            </a:extLst>
+          </a:blip>
+          <a:srcRect/>
+          <a:stretch>
+            <a:fillRect/>
+          </a:stretch>
+        </p:blipFill>
+        <p:spPr bwMode="auto">
+          <a:xfrm>
+            <a:off x="1126854" y="1767458"/>
+            <a:ext cx="6973538" cy="4469854"/>
+          </a:xfrm>
+          <a:prstGeom prst="rect">
+            <a:avLst/>
+          </a:prstGeom>
+          <a:noFill/>
+          <a:extLst>
+            <a:ext uri="{909E8E84-426E-40DD-AFC4-6F175D3DCCD1}">
+              <a14:hiddenFill xmlns:a14="http://schemas.microsoft.com/office/drawing/2010/main">
+                <a:solidFill>
+                  <a:srgbClr val="FFFFFF"/>
+                </a:solidFill>
+              </a14:hiddenFill>
+            </a:ext>
+          </a:extLst>
+        </p:spPr>
+      </p:pic>
+    </p:spTree>
+    <p:extLst>
+      <p:ext uri="{BB962C8B-B14F-4D97-AF65-F5344CB8AC3E}">
+        <p14:creationId xmlns:p14="http://schemas.microsoft.com/office/powerpoint/2010/main" val="2539620563"/>
+      </p:ext>
+    </p:extLst>
+  </p:cSld>
+  <p:clrMapOvr>
+    <a:masterClrMapping/>
+  </p:clrMapOvr>
+  <p:timing>
+    <p:tnLst>
+      <p:par>
+        <p:cTn id="1" dur="indefinite" restart="never" nodeType="tmRoot"/>
+      </p:par>
+    </p:tnLst>
+  </p:timing>
+</p:sld>
+</file>
+
+<file path=ppt/slides/slide26.xml><?xml version="1.0" encoding="utf-8"?>
+<p:sld xmlns:a="http://schemas.openxmlformats.org/drawingml/2006/main" xmlns:r="http://schemas.openxmlformats.org/officeDocument/2006/relationships" xmlns:p="http://schemas.openxmlformats.org/presentationml/2006/main">
+  <p:cSld>
+    <p:spTree>
+      <p:nvGrpSpPr>
+        <p:cNvPr id="1" name=""/>
+        <p:cNvGrpSpPr/>
+        <p:nvPr/>
+      </p:nvGrpSpPr>
+      <p:grpSpPr>
+        <a:xfrm>
+          <a:off x="0" y="0"/>
+          <a:ext cx="0" cy="0"/>
+          <a:chOff x="0" y="0"/>
+          <a:chExt cx="0" cy="0"/>
+        </a:xfrm>
+      </p:grpSpPr>
+      <p:sp>
+        <p:nvSpPr>
+          <p:cNvPr id="3" name="2 Título"/>
+          <p:cNvSpPr>
+            <a:spLocks noGrp="1"/>
+          </p:cNvSpPr>
+          <p:nvPr>
+            <p:ph type="title"/>
+          </p:nvPr>
+        </p:nvSpPr>
+        <p:spPr/>
+        <p:txBody>
+          <a:bodyPr>
+            <a:normAutofit/>
+          </a:bodyPr>
+          <a:lstStyle/>
+          <a:p>
+            <a:r>
+              <a:rPr lang="es-ES" dirty="0" smtClean="0">
+                <a:solidFill>
+                  <a:schemeClr val="bg1"/>
+                </a:solidFill>
+              </a:rPr>
+              <a:t>Flujo </a:t>
+            </a:r>
+            <a:r>
+              <a:rPr lang="es-ES" dirty="0" smtClean="0">
+                <a:solidFill>
+                  <a:schemeClr val="bg1"/>
+                </a:solidFill>
+              </a:rPr>
+              <a:t>pedido</a:t>
+            </a:r>
+            <a:endParaRPr lang="es-ES" dirty="0"/>
+          </a:p>
+        </p:txBody>
+      </p:sp>
+      <p:pic>
+        <p:nvPicPr>
+          <p:cNvPr id="2051" name="Picture 3" descr="C:\Users\Ivan\Downloads\Untitled (2).png"/>
+          <p:cNvPicPr>
+            <a:picLocks noChangeAspect="1" noChangeArrowheads="1"/>
+          </p:cNvPicPr>
+          <p:nvPr/>
+        </p:nvPicPr>
+        <p:blipFill>
+          <a:blip r:embed="rId2">
+            <a:extLst>
+              <a:ext uri="{28A0092B-C50C-407E-A947-70E740481C1C}">
+                <a14:useLocalDpi xmlns:a14="http://schemas.microsoft.com/office/drawing/2010/main" val="0"/>
+              </a:ext>
+            </a:extLst>
+          </a:blip>
+          <a:srcRect/>
+          <a:stretch>
+            <a:fillRect/>
+          </a:stretch>
+        </p:blipFill>
+        <p:spPr bwMode="auto">
+          <a:xfrm>
+            <a:off x="2339752" y="1412776"/>
+            <a:ext cx="4608512" cy="5390613"/>
+          </a:xfrm>
+          <a:prstGeom prst="rect">
+            <a:avLst/>
+          </a:prstGeom>
+          <a:noFill/>
+          <a:extLst>
+            <a:ext uri="{909E8E84-426E-40DD-AFC4-6F175D3DCCD1}">
+              <a14:hiddenFill xmlns:a14="http://schemas.microsoft.com/office/drawing/2010/main">
+                <a:solidFill>
+                  <a:srgbClr val="FFFFFF"/>
+                </a:solidFill>
+              </a14:hiddenFill>
+            </a:ext>
+          </a:extLst>
+        </p:spPr>
+      </p:pic>
+    </p:spTree>
+    <p:extLst>
+      <p:ext uri="{BB962C8B-B14F-4D97-AF65-F5344CB8AC3E}">
+        <p14:creationId xmlns:p14="http://schemas.microsoft.com/office/powerpoint/2010/main" val="881439518"/>
+      </p:ext>
+    </p:extLst>
+  </p:cSld>
+  <p:clrMapOvr>
+    <a:masterClrMapping/>
+  </p:clrMapOvr>
+  <p:timing>
+    <p:tnLst>
+      <p:par>
+        <p:cTn id="1" dur="indefinite" restart="never" nodeType="tmRoot"/>
+      </p:par>
+    </p:tnLst>
+  </p:timing>
+</p:sld>
+</file>
+
+<file path=ppt/slides/slide27.xml><?xml version="1.0" encoding="utf-8"?>
+<p:sld xmlns:a="http://schemas.openxmlformats.org/drawingml/2006/main" xmlns:r="http://schemas.openxmlformats.org/officeDocument/2006/relationships" xmlns:p="http://schemas.openxmlformats.org/presentationml/2006/main">
+  <p:cSld>
+    <p:spTree>
+      <p:nvGrpSpPr>
+        <p:cNvPr id="1" name=""/>
+        <p:cNvGrpSpPr/>
+        <p:nvPr/>
+      </p:nvGrpSpPr>
+      <p:grpSpPr>
+        <a:xfrm>
+          <a:off x="0" y="0"/>
+          <a:ext cx="0" cy="0"/>
+          <a:chOff x="0" y="0"/>
+          <a:chExt cx="0" cy="0"/>
+        </a:xfrm>
+      </p:grpSpPr>
+      <p:sp>
+        <p:nvSpPr>
+          <p:cNvPr id="3" name="2 Título"/>
+          <p:cNvSpPr>
+            <a:spLocks noGrp="1"/>
+          </p:cNvSpPr>
+          <p:nvPr>
+            <p:ph type="title"/>
+          </p:nvPr>
+        </p:nvSpPr>
+        <p:spPr/>
+        <p:txBody>
+          <a:bodyPr>
+            <a:normAutofit/>
+          </a:bodyPr>
+          <a:lstStyle/>
+          <a:p>
+            <a:r>
+              <a:rPr lang="es-ES" dirty="0" smtClean="0">
+                <a:solidFill>
+                  <a:schemeClr val="bg1"/>
+                </a:solidFill>
+              </a:rPr>
+              <a:t>Flujo </a:t>
+            </a:r>
+            <a:r>
+              <a:rPr lang="es-ES" dirty="0" smtClean="0">
+                <a:solidFill>
+                  <a:schemeClr val="bg1"/>
+                </a:solidFill>
+              </a:rPr>
+              <a:t>factura</a:t>
+            </a:r>
+            <a:endParaRPr lang="es-ES" dirty="0"/>
+          </a:p>
+        </p:txBody>
+      </p:sp>
+      <p:pic>
+        <p:nvPicPr>
+          <p:cNvPr id="3074" name="Picture 2" descr="C:\Users\Ivan\Downloads\Untitled (1).png"/>
+          <p:cNvPicPr>
+            <a:picLocks noChangeAspect="1" noChangeArrowheads="1"/>
+          </p:cNvPicPr>
+          <p:nvPr/>
+        </p:nvPicPr>
+        <p:blipFill rotWithShape="1">
+          <a:blip r:embed="rId3">
+            <a:extLst>
+              <a:ext uri="{28A0092B-C50C-407E-A947-70E740481C1C}">
+                <a14:useLocalDpi xmlns:a14="http://schemas.microsoft.com/office/drawing/2010/main" val="0"/>
+              </a:ext>
+            </a:extLst>
+          </a:blip>
+          <a:srcRect r="14178"/>
+          <a:stretch/>
+        </p:blipFill>
+        <p:spPr bwMode="auto">
+          <a:xfrm>
+            <a:off x="1907704" y="1196752"/>
+            <a:ext cx="5492873" cy="5518944"/>
+          </a:xfrm>
+          <a:prstGeom prst="rect">
+            <a:avLst/>
+          </a:prstGeom>
+          <a:noFill/>
+          <a:extLst>
+            <a:ext uri="{909E8E84-426E-40DD-AFC4-6F175D3DCCD1}">
+              <a14:hiddenFill xmlns:a14="http://schemas.microsoft.com/office/drawing/2010/main">
+                <a:solidFill>
+                  <a:srgbClr val="FFFFFF"/>
+                </a:solidFill>
+              </a14:hiddenFill>
+            </a:ext>
+          </a:extLst>
+        </p:spPr>
+      </p:pic>
+    </p:spTree>
+    <p:extLst>
+      <p:ext uri="{BB962C8B-B14F-4D97-AF65-F5344CB8AC3E}">
+        <p14:creationId xmlns:p14="http://schemas.microsoft.com/office/powerpoint/2010/main" val="2174467515"/>
+      </p:ext>
+    </p:extLst>
+  </p:cSld>
+  <p:clrMapOvr>
+    <a:masterClrMapping/>
+  </p:clrMapOvr>
+  <p:timing>
+    <p:tnLst>
+      <p:par>
+        <p:cTn id="1" dur="indefinite" restart="never" nodeType="tmRoot"/>
+      </p:par>
+    </p:tnLst>
+  </p:timing>
+</p:sld>
+</file>
+
+<file path=ppt/slides/slide28.xml><?xml version="1.0" encoding="utf-8"?>
+<p:sld xmlns:a="http://schemas.openxmlformats.org/drawingml/2006/main" xmlns:r="http://schemas.openxmlformats.org/officeDocument/2006/relationships" xmlns:p="http://schemas.openxmlformats.org/presentationml/2006/main">
+  <p:cSld>
+    <p:spTree>
+      <p:nvGrpSpPr>
+        <p:cNvPr id="1" name=""/>
+        <p:cNvGrpSpPr/>
+        <p:nvPr/>
+      </p:nvGrpSpPr>
+      <p:grpSpPr>
+        <a:xfrm>
+          <a:off x="0" y="0"/>
+          <a:ext cx="0" cy="0"/>
+          <a:chOff x="0" y="0"/>
+          <a:chExt cx="0" cy="0"/>
+        </a:xfrm>
+      </p:grpSpPr>
+      <p:sp>
+        <p:nvSpPr>
+          <p:cNvPr id="2" name="1 Título"/>
+          <p:cNvSpPr>
+            <a:spLocks noGrp="1"/>
+          </p:cNvSpPr>
+          <p:nvPr>
+            <p:ph type="ctrTitle"/>
+          </p:nvPr>
+        </p:nvSpPr>
+        <p:spPr/>
+        <p:txBody>
+          <a:bodyPr/>
+          <a:lstStyle/>
+          <a:p>
+            <a:r>
+              <a:rPr lang="es-ES" dirty="0" smtClean="0"/>
+              <a:t>INVENTARIO</a:t>
+            </a:r>
+            <a:endParaRPr lang="es-ES" dirty="0"/>
+          </a:p>
+        </p:txBody>
+      </p:sp>
+    </p:spTree>
+    <p:extLst>
+      <p:ext uri="{BB962C8B-B14F-4D97-AF65-F5344CB8AC3E}">
+        <p14:creationId xmlns:p14="http://schemas.microsoft.com/office/powerpoint/2010/main" val="3835046543"/>
+      </p:ext>
+    </p:extLst>
+  </p:cSld>
+  <p:clrMapOvr>
+    <a:masterClrMapping/>
+  </p:clrMapOvr>
+  <p:timing>
+    <p:tnLst>
+      <p:par>
+        <p:cTn id="1" dur="indefinite" restart="never" nodeType="tmRoot"/>
+      </p:par>
+    </p:tnLst>
+  </p:timing>
+</p:sld>
+</file>
+
+<file path=ppt/slides/slide29.xml><?xml version="1.0" encoding="utf-8"?>
+<p:sld xmlns:a="http://schemas.openxmlformats.org/drawingml/2006/main" xmlns:r="http://schemas.openxmlformats.org/officeDocument/2006/relationships" xmlns:p="http://schemas.openxmlformats.org/presentationml/2006/main">
+  <p:cSld>
+    <p:spTree>
+      <p:nvGrpSpPr>
+        <p:cNvPr id="1" name=""/>
+        <p:cNvGrpSpPr/>
+        <p:nvPr/>
+      </p:nvGrpSpPr>
+      <p:grpSpPr>
+        <a:xfrm>
+          <a:off x="0" y="0"/>
+          <a:ext cx="0" cy="0"/>
+          <a:chOff x="0" y="0"/>
+          <a:chExt cx="0" cy="0"/>
+        </a:xfrm>
+      </p:grpSpPr>
+      <p:sp>
+        <p:nvSpPr>
+          <p:cNvPr id="2" name="1 Título"/>
+          <p:cNvSpPr>
+            <a:spLocks noGrp="1"/>
+          </p:cNvSpPr>
+          <p:nvPr>
+            <p:ph type="ctrTitle"/>
+          </p:nvPr>
+        </p:nvSpPr>
+        <p:spPr/>
+        <p:txBody>
+          <a:bodyPr/>
+          <a:lstStyle/>
+          <a:p>
+            <a:r>
+              <a:rPr lang="es-ES" dirty="0" smtClean="0"/>
+              <a:t>CAJA</a:t>
+            </a:r>
+            <a:endParaRPr lang="es-ES" dirty="0"/>
+          </a:p>
+        </p:txBody>
+      </p:sp>
+    </p:spTree>
+    <p:extLst>
+      <p:ext uri="{BB962C8B-B14F-4D97-AF65-F5344CB8AC3E}">
+        <p14:creationId xmlns:p14="http://schemas.microsoft.com/office/powerpoint/2010/main" val="2019038403"/>
       </p:ext>
     </p:extLst>
   </p:cSld>
@@ -17281,6 +18390,456 @@
     <p:extLst>
       <p:ext uri="{BB962C8B-B14F-4D97-AF65-F5344CB8AC3E}">
         <p14:creationId xmlns:p14="http://schemas.microsoft.com/office/powerpoint/2010/main" val="3621897503"/>
+      </p:ext>
+    </p:extLst>
+  </p:cSld>
+  <p:clrMapOvr>
+    <a:masterClrMapping/>
+  </p:clrMapOvr>
+  <p:timing>
+    <p:tnLst>
+      <p:par>
+        <p:cTn id="1" dur="indefinite" restart="never" nodeType="tmRoot"/>
+      </p:par>
+    </p:tnLst>
+  </p:timing>
+</p:sld>
+</file>
+
+<file path=ppt/slides/slide30.xml><?xml version="1.0" encoding="utf-8"?>
+<p:sld xmlns:a="http://schemas.openxmlformats.org/drawingml/2006/main" xmlns:r="http://schemas.openxmlformats.org/officeDocument/2006/relationships" xmlns:p="http://schemas.openxmlformats.org/presentationml/2006/main">
+  <p:cSld>
+    <p:spTree>
+      <p:nvGrpSpPr>
+        <p:cNvPr id="1" name=""/>
+        <p:cNvGrpSpPr/>
+        <p:nvPr/>
+      </p:nvGrpSpPr>
+      <p:grpSpPr>
+        <a:xfrm>
+          <a:off x="0" y="0"/>
+          <a:ext cx="0" cy="0"/>
+          <a:chOff x="0" y="0"/>
+          <a:chExt cx="0" cy="0"/>
+        </a:xfrm>
+      </p:grpSpPr>
+      <p:sp>
+        <p:nvSpPr>
+          <p:cNvPr id="3" name="2 Título"/>
+          <p:cNvSpPr>
+            <a:spLocks noGrp="1"/>
+          </p:cNvSpPr>
+          <p:nvPr>
+            <p:ph type="title"/>
+          </p:nvPr>
+        </p:nvSpPr>
+        <p:spPr/>
+        <p:txBody>
+          <a:bodyPr>
+            <a:normAutofit fontScale="90000"/>
+          </a:bodyPr>
+          <a:lstStyle/>
+          <a:p>
+            <a:r>
+              <a:rPr lang="es-ES" dirty="0">
+                <a:solidFill>
+                  <a:schemeClr val="bg1"/>
+                </a:solidFill>
+              </a:rPr>
+              <a:t>Requerimientos del Modulo de </a:t>
+            </a:r>
+            <a:r>
+              <a:rPr lang="es-ES" dirty="0" smtClean="0">
+                <a:solidFill>
+                  <a:schemeClr val="bg1"/>
+                </a:solidFill>
+              </a:rPr>
+              <a:t>Caja</a:t>
+            </a:r>
+            <a:endParaRPr lang="es-ES" dirty="0"/>
+          </a:p>
+        </p:txBody>
+      </p:sp>
+      <p:sp>
+        <p:nvSpPr>
+          <p:cNvPr id="5" name="1 Marcador de contenido"/>
+          <p:cNvSpPr>
+            <a:spLocks noGrp="1"/>
+          </p:cNvSpPr>
+          <p:nvPr>
+            <p:ph idx="1"/>
+          </p:nvPr>
+        </p:nvSpPr>
+        <p:spPr>
+          <a:xfrm>
+            <a:off x="872067" y="2675467"/>
+            <a:ext cx="7408333" cy="3450696"/>
+          </a:xfrm>
+        </p:spPr>
+        <p:txBody>
+          <a:bodyPr vert="horz" lIns="91440" tIns="45720" rIns="91440" bIns="45720" rtlCol="0">
+            <a:normAutofit/>
+          </a:bodyPr>
+          <a:lstStyle/>
+          <a:p>
+            <a:r>
+              <a:rPr lang="es-PY" dirty="0"/>
+              <a:t>1. Se registraran los datos relacionados al ingreso y el egreso de dinero.</a:t>
+            </a:r>
+          </a:p>
+          <a:p>
+            <a:pPr lvl="1"/>
+            <a:r>
+              <a:rPr lang="es-PY" dirty="0"/>
+              <a:t>Aspectos adicionales a ser considerados</a:t>
+            </a:r>
+          </a:p>
+          <a:p>
+            <a:pPr lvl="2"/>
+            <a:r>
+              <a:rPr lang="es-PY" dirty="0"/>
+              <a:t>Se asociaran los egresos e ingresos si corresponden a la factura de compra y factura de venta.</a:t>
+            </a:r>
+          </a:p>
+          <a:p>
+            <a:r>
+              <a:rPr lang="es-PY" dirty="0"/>
+              <a:t>2. Se realizaran apertura , arqueo y cierre de caja</a:t>
+            </a:r>
+          </a:p>
+          <a:p>
+            <a:endParaRPr lang="es-ES" dirty="0"/>
+          </a:p>
+          <a:p>
+            <a:endParaRPr lang="es-ES" dirty="0"/>
+          </a:p>
+        </p:txBody>
+      </p:sp>
+    </p:spTree>
+    <p:extLst>
+      <p:ext uri="{BB962C8B-B14F-4D97-AF65-F5344CB8AC3E}">
+        <p14:creationId xmlns:p14="http://schemas.microsoft.com/office/powerpoint/2010/main" val="2120551304"/>
+      </p:ext>
+    </p:extLst>
+  </p:cSld>
+  <p:clrMapOvr>
+    <a:masterClrMapping/>
+  </p:clrMapOvr>
+  <p:timing>
+    <p:tnLst>
+      <p:par>
+        <p:cTn id="1" dur="indefinite" restart="never" nodeType="tmRoot"/>
+      </p:par>
+    </p:tnLst>
+  </p:timing>
+</p:sld>
+</file>
+
+<file path=ppt/slides/slide31.xml><?xml version="1.0" encoding="utf-8"?>
+<p:sld xmlns:a="http://schemas.openxmlformats.org/drawingml/2006/main" xmlns:r="http://schemas.openxmlformats.org/officeDocument/2006/relationships" xmlns:p="http://schemas.openxmlformats.org/presentationml/2006/main">
+  <p:cSld>
+    <p:spTree>
+      <p:nvGrpSpPr>
+        <p:cNvPr id="1" name=""/>
+        <p:cNvGrpSpPr/>
+        <p:nvPr/>
+      </p:nvGrpSpPr>
+      <p:grpSpPr>
+        <a:xfrm>
+          <a:off x="0" y="0"/>
+          <a:ext cx="0" cy="0"/>
+          <a:chOff x="0" y="0"/>
+          <a:chExt cx="0" cy="0"/>
+        </a:xfrm>
+      </p:grpSpPr>
+      <p:sp>
+        <p:nvSpPr>
+          <p:cNvPr id="3" name="2 Título"/>
+          <p:cNvSpPr>
+            <a:spLocks noGrp="1"/>
+          </p:cNvSpPr>
+          <p:nvPr>
+            <p:ph type="title"/>
+          </p:nvPr>
+        </p:nvSpPr>
+        <p:spPr/>
+        <p:txBody>
+          <a:bodyPr>
+            <a:normAutofit/>
+          </a:bodyPr>
+          <a:lstStyle/>
+          <a:p>
+            <a:r>
+              <a:rPr lang="es-ES" dirty="0" smtClean="0">
+                <a:solidFill>
+                  <a:schemeClr val="bg1"/>
+                </a:solidFill>
+              </a:rPr>
+              <a:t>Diagrama de proceso</a:t>
+            </a:r>
+            <a:endParaRPr lang="es-ES" dirty="0"/>
+          </a:p>
+        </p:txBody>
+      </p:sp>
+      <p:pic>
+        <p:nvPicPr>
+          <p:cNvPr id="4" name="Picture 2" descr="C:\Users\Ivan\Documents\infocomedorv1\presentacion\fede\diagrama_proceso_caja.png"/>
+          <p:cNvPicPr>
+            <a:picLocks noChangeAspect="1" noChangeArrowheads="1"/>
+          </p:cNvPicPr>
+          <p:nvPr/>
+        </p:nvPicPr>
+        <p:blipFill>
+          <a:blip r:embed="rId2">
+            <a:extLst>
+              <a:ext uri="{28A0092B-C50C-407E-A947-70E740481C1C}">
+                <a14:useLocalDpi xmlns:a14="http://schemas.microsoft.com/office/drawing/2010/main" val="0"/>
+              </a:ext>
+            </a:extLst>
+          </a:blip>
+          <a:srcRect/>
+          <a:stretch>
+            <a:fillRect/>
+          </a:stretch>
+        </p:blipFill>
+        <p:spPr bwMode="auto">
+          <a:xfrm>
+            <a:off x="992197" y="1711400"/>
+            <a:ext cx="7324219" cy="4885952"/>
+          </a:xfrm>
+          <a:prstGeom prst="rect">
+            <a:avLst/>
+          </a:prstGeom>
+          <a:noFill/>
+          <a:extLst>
+            <a:ext uri="{909E8E84-426E-40DD-AFC4-6F175D3DCCD1}">
+              <a14:hiddenFill xmlns:a14="http://schemas.microsoft.com/office/drawing/2010/main">
+                <a:solidFill>
+                  <a:srgbClr val="FFFFFF"/>
+                </a:solidFill>
+              </a14:hiddenFill>
+            </a:ext>
+          </a:extLst>
+        </p:spPr>
+      </p:pic>
+    </p:spTree>
+    <p:extLst>
+      <p:ext uri="{BB962C8B-B14F-4D97-AF65-F5344CB8AC3E}">
+        <p14:creationId xmlns:p14="http://schemas.microsoft.com/office/powerpoint/2010/main" val="3963311830"/>
+      </p:ext>
+    </p:extLst>
+  </p:cSld>
+  <p:clrMapOvr>
+    <a:masterClrMapping/>
+  </p:clrMapOvr>
+  <p:timing>
+    <p:tnLst>
+      <p:par>
+        <p:cTn id="1" dur="indefinite" restart="never" nodeType="tmRoot"/>
+      </p:par>
+    </p:tnLst>
+  </p:timing>
+</p:sld>
+</file>
+
+<file path=ppt/slides/slide32.xml><?xml version="1.0" encoding="utf-8"?>
+<p:sld xmlns:a="http://schemas.openxmlformats.org/drawingml/2006/main" xmlns:r="http://schemas.openxmlformats.org/officeDocument/2006/relationships" xmlns:p="http://schemas.openxmlformats.org/presentationml/2006/main">
+  <p:cSld>
+    <p:spTree>
+      <p:nvGrpSpPr>
+        <p:cNvPr id="1" name=""/>
+        <p:cNvGrpSpPr/>
+        <p:nvPr/>
+      </p:nvGrpSpPr>
+      <p:grpSpPr>
+        <a:xfrm>
+          <a:off x="0" y="0"/>
+          <a:ext cx="0" cy="0"/>
+          <a:chOff x="0" y="0"/>
+          <a:chExt cx="0" cy="0"/>
+        </a:xfrm>
+      </p:grpSpPr>
+      <p:sp>
+        <p:nvSpPr>
+          <p:cNvPr id="3" name="2 Título"/>
+          <p:cNvSpPr>
+            <a:spLocks noGrp="1"/>
+          </p:cNvSpPr>
+          <p:nvPr>
+            <p:ph type="title"/>
+          </p:nvPr>
+        </p:nvSpPr>
+        <p:spPr/>
+        <p:txBody>
+          <a:bodyPr>
+            <a:normAutofit/>
+          </a:bodyPr>
+          <a:lstStyle/>
+          <a:p>
+            <a:r>
+              <a:rPr lang="es-ES" dirty="0" smtClean="0">
+                <a:solidFill>
+                  <a:schemeClr val="bg1"/>
+                </a:solidFill>
+              </a:rPr>
+              <a:t>Flujo caja</a:t>
+            </a:r>
+            <a:endParaRPr lang="es-ES" dirty="0"/>
+          </a:p>
+        </p:txBody>
+      </p:sp>
+      <p:pic>
+        <p:nvPicPr>
+          <p:cNvPr id="4" name="7 Marcador de contenido"/>
+          <p:cNvPicPr>
+            <a:picLocks noGrp="1" noChangeAspect="1"/>
+          </p:cNvPicPr>
+          <p:nvPr>
+            <p:ph idx="1"/>
+          </p:nvPr>
+        </p:nvPicPr>
+        <p:blipFill rotWithShape="1">
+          <a:blip r:embed="rId2">
+            <a:extLst>
+              <a:ext uri="{28A0092B-C50C-407E-A947-70E740481C1C}">
+                <a14:useLocalDpi xmlns:a14="http://schemas.microsoft.com/office/drawing/2010/main" val="0"/>
+              </a:ext>
+            </a:extLst>
+          </a:blip>
+          <a:srcRect t="4457" r="10240" b="4733"/>
+          <a:stretch/>
+        </p:blipFill>
+        <p:spPr>
+          <a:xfrm>
+            <a:off x="246179" y="1104142"/>
+            <a:ext cx="8646301" cy="5601458"/>
+          </a:xfrm>
+        </p:spPr>
+      </p:pic>
+    </p:spTree>
+    <p:extLst>
+      <p:ext uri="{BB962C8B-B14F-4D97-AF65-F5344CB8AC3E}">
+        <p14:creationId xmlns:p14="http://schemas.microsoft.com/office/powerpoint/2010/main" val="3038991231"/>
+      </p:ext>
+    </p:extLst>
+  </p:cSld>
+  <p:clrMapOvr>
+    <a:masterClrMapping/>
+  </p:clrMapOvr>
+  <p:timing>
+    <p:tnLst>
+      <p:par>
+        <p:cTn id="1" dur="indefinite" restart="never" nodeType="tmRoot"/>
+      </p:par>
+    </p:tnLst>
+  </p:timing>
+</p:sld>
+</file>
+
+<file path=ppt/slides/slide33.xml><?xml version="1.0" encoding="utf-8"?>
+<p:sld xmlns:a="http://schemas.openxmlformats.org/drawingml/2006/main" xmlns:r="http://schemas.openxmlformats.org/officeDocument/2006/relationships" xmlns:p="http://schemas.openxmlformats.org/presentationml/2006/main">
+  <p:cSld>
+    <p:spTree>
+      <p:nvGrpSpPr>
+        <p:cNvPr id="1" name=""/>
+        <p:cNvGrpSpPr/>
+        <p:nvPr/>
+      </p:nvGrpSpPr>
+      <p:grpSpPr>
+        <a:xfrm>
+          <a:off x="0" y="0"/>
+          <a:ext cx="0" cy="0"/>
+          <a:chOff x="0" y="0"/>
+          <a:chExt cx="0" cy="0"/>
+        </a:xfrm>
+      </p:grpSpPr>
+      <p:sp>
+        <p:nvSpPr>
+          <p:cNvPr id="2" name="1 Título"/>
+          <p:cNvSpPr>
+            <a:spLocks noGrp="1"/>
+          </p:cNvSpPr>
+          <p:nvPr>
+            <p:ph type="ctrTitle"/>
+          </p:nvPr>
+        </p:nvSpPr>
+        <p:spPr/>
+        <p:txBody>
+          <a:bodyPr/>
+          <a:lstStyle/>
+          <a:p>
+            <a:r>
+              <a:rPr lang="es-ES" dirty="0" smtClean="0"/>
+              <a:t>CONCLUSION</a:t>
+            </a:r>
+            <a:endParaRPr lang="es-ES" dirty="0"/>
+          </a:p>
+        </p:txBody>
+      </p:sp>
+    </p:spTree>
+    <p:extLst>
+      <p:ext uri="{BB962C8B-B14F-4D97-AF65-F5344CB8AC3E}">
+        <p14:creationId xmlns:p14="http://schemas.microsoft.com/office/powerpoint/2010/main" val="3849437460"/>
+      </p:ext>
+    </p:extLst>
+  </p:cSld>
+  <p:clrMapOvr>
+    <a:masterClrMapping/>
+  </p:clrMapOvr>
+  <p:timing>
+    <p:tnLst>
+      <p:par>
+        <p:cTn id="1" dur="indefinite" restart="never" nodeType="tmRoot"/>
+      </p:par>
+    </p:tnLst>
+  </p:timing>
+</p:sld>
+</file>
+
+<file path=ppt/slides/slide34.xml><?xml version="1.0" encoding="utf-8"?>
+<p:sld xmlns:a="http://schemas.openxmlformats.org/drawingml/2006/main" xmlns:r="http://schemas.openxmlformats.org/officeDocument/2006/relationships" xmlns:p="http://schemas.openxmlformats.org/presentationml/2006/main">
+  <p:cSld>
+    <p:spTree>
+      <p:nvGrpSpPr>
+        <p:cNvPr id="1" name=""/>
+        <p:cNvGrpSpPr/>
+        <p:nvPr/>
+      </p:nvGrpSpPr>
+      <p:grpSpPr>
+        <a:xfrm>
+          <a:off x="0" y="0"/>
+          <a:ext cx="0" cy="0"/>
+          <a:chOff x="0" y="0"/>
+          <a:chExt cx="0" cy="0"/>
+        </a:xfrm>
+      </p:grpSpPr>
+      <p:sp>
+        <p:nvSpPr>
+          <p:cNvPr id="2" name="1 Título"/>
+          <p:cNvSpPr>
+            <a:spLocks noGrp="1"/>
+          </p:cNvSpPr>
+          <p:nvPr>
+            <p:ph type="ctrTitle"/>
+          </p:nvPr>
+        </p:nvSpPr>
+        <p:spPr/>
+        <p:txBody>
+          <a:bodyPr/>
+          <a:lstStyle/>
+          <a:p>
+            <a:r>
+              <a:rPr lang="es-ES" dirty="0" smtClean="0"/>
+              <a:t>GRACIAS POR LA ATENCION</a:t>
+            </a:r>
+            <a:endParaRPr lang="es-ES" dirty="0"/>
+          </a:p>
+        </p:txBody>
+      </p:sp>
+    </p:spTree>
+    <p:extLst>
+      <p:ext uri="{BB962C8B-B14F-4D97-AF65-F5344CB8AC3E}">
+        <p14:creationId xmlns:p14="http://schemas.microsoft.com/office/powerpoint/2010/main" val="1849125306"/>
       </p:ext>
     </p:extLst>
   </p:cSld>

--- a/presentacion/INFOCOMEDOR - PPT.pptx
+++ b/presentacion/INFOCOMEDOR - PPT.pptx
@@ -5,7 +5,7 @@
     <p:sldMasterId id="2147483672" r:id="rId1"/>
   </p:sldMasterIdLst>
   <p:notesMasterIdLst>
-    <p:notesMasterId r:id="rId36"/>
+    <p:notesMasterId r:id="rId44"/>
   </p:notesMasterIdLst>
   <p:sldIdLst>
     <p:sldId id="256" r:id="rId2"/>
@@ -23,25 +23,33 @@
     <p:sldId id="268" r:id="rId14"/>
     <p:sldId id="269" r:id="rId15"/>
     <p:sldId id="270" r:id="rId16"/>
-    <p:sldId id="271" r:id="rId17"/>
-    <p:sldId id="278" r:id="rId18"/>
-    <p:sldId id="279" r:id="rId19"/>
-    <p:sldId id="280" r:id="rId20"/>
-    <p:sldId id="281" r:id="rId21"/>
-    <p:sldId id="282" r:id="rId22"/>
-    <p:sldId id="287" r:id="rId23"/>
-    <p:sldId id="272" r:id="rId24"/>
-    <p:sldId id="288" r:id="rId25"/>
-    <p:sldId id="291" r:id="rId26"/>
-    <p:sldId id="289" r:id="rId27"/>
-    <p:sldId id="290" r:id="rId28"/>
-    <p:sldId id="273" r:id="rId29"/>
-    <p:sldId id="274" r:id="rId30"/>
-    <p:sldId id="284" r:id="rId31"/>
-    <p:sldId id="285" r:id="rId32"/>
-    <p:sldId id="286" r:id="rId33"/>
-    <p:sldId id="275" r:id="rId34"/>
-    <p:sldId id="276" r:id="rId35"/>
+    <p:sldId id="298" r:id="rId17"/>
+    <p:sldId id="299" r:id="rId18"/>
+    <p:sldId id="301" r:id="rId19"/>
+    <p:sldId id="300" r:id="rId20"/>
+    <p:sldId id="271" r:id="rId21"/>
+    <p:sldId id="279" r:id="rId22"/>
+    <p:sldId id="280" r:id="rId23"/>
+    <p:sldId id="281" r:id="rId24"/>
+    <p:sldId id="282" r:id="rId25"/>
+    <p:sldId id="287" r:id="rId26"/>
+    <p:sldId id="272" r:id="rId27"/>
+    <p:sldId id="288" r:id="rId28"/>
+    <p:sldId id="291" r:id="rId29"/>
+    <p:sldId id="289" r:id="rId30"/>
+    <p:sldId id="290" r:id="rId31"/>
+    <p:sldId id="273" r:id="rId32"/>
+    <p:sldId id="292" r:id="rId33"/>
+    <p:sldId id="293" r:id="rId34"/>
+    <p:sldId id="294" r:id="rId35"/>
+    <p:sldId id="295" r:id="rId36"/>
+    <p:sldId id="296" r:id="rId37"/>
+    <p:sldId id="274" r:id="rId38"/>
+    <p:sldId id="284" r:id="rId39"/>
+    <p:sldId id="285" r:id="rId40"/>
+    <p:sldId id="286" r:id="rId41"/>
+    <p:sldId id="275" r:id="rId42"/>
+    <p:sldId id="276" r:id="rId43"/>
   </p:sldIdLst>
   <p:sldSz cx="9144000" cy="6858000" type="screen4x3"/>
   <p:notesSz cx="6858000" cy="9144000"/>
@@ -642,7 +650,7 @@
           <a:p>
             <a:fld id="{79CCBA43-0A6D-49E2-A941-DE91C65E1DC2}" type="slidenum">
               <a:rPr lang="es-ES" smtClean="0"/>
-              <a:t>16</a:t>
+              <a:t>20</a:t>
             </a:fld>
             <a:endParaRPr lang="es-ES"/>
           </a:p>
@@ -726,7 +734,7 @@
           <a:p>
             <a:fld id="{79CCBA43-0A6D-49E2-A941-DE91C65E1DC2}" type="slidenum">
               <a:rPr lang="es-ES" smtClean="0"/>
-              <a:t>23</a:t>
+              <a:t>26</a:t>
             </a:fld>
             <a:endParaRPr lang="es-ES"/>
           </a:p>
@@ -810,7 +818,7 @@
           <a:p>
             <a:fld id="{79CCBA43-0A6D-49E2-A941-DE91C65E1DC2}" type="slidenum">
               <a:rPr lang="es-ES" smtClean="0"/>
-              <a:t>27</a:t>
+              <a:t>30</a:t>
             </a:fld>
             <a:endParaRPr lang="es-ES"/>
           </a:p>
@@ -894,7 +902,7 @@
           <a:p>
             <a:fld id="{79CCBA43-0A6D-49E2-A941-DE91C65E1DC2}" type="slidenum">
               <a:rPr lang="es-ES" smtClean="0"/>
-              <a:t>28</a:t>
+              <a:t>31</a:t>
             </a:fld>
             <a:endParaRPr lang="es-ES"/>
           </a:p>
@@ -978,7 +986,7 @@
           <a:p>
             <a:fld id="{79CCBA43-0A6D-49E2-A941-DE91C65E1DC2}" type="slidenum">
               <a:rPr lang="es-ES" smtClean="0"/>
-              <a:t>29</a:t>
+              <a:t>37</a:t>
             </a:fld>
             <a:endParaRPr lang="es-ES"/>
           </a:p>
@@ -1062,7 +1070,7 @@
           <a:p>
             <a:fld id="{79CCBA43-0A6D-49E2-A941-DE91C65E1DC2}" type="slidenum">
               <a:rPr lang="es-ES" smtClean="0"/>
-              <a:t>33</a:t>
+              <a:t>41</a:t>
             </a:fld>
             <a:endParaRPr lang="es-ES"/>
           </a:p>
@@ -1146,7 +1154,7 @@
           <a:p>
             <a:fld id="{79CCBA43-0A6D-49E2-A941-DE91C65E1DC2}" type="slidenum">
               <a:rPr lang="es-ES" smtClean="0"/>
-              <a:t>34</a:t>
+              <a:t>42</a:t>
             </a:fld>
             <a:endParaRPr lang="es-ES"/>
           </a:p>
@@ -16933,22 +16941,106 @@
       </p:grpSpPr>
       <p:sp>
         <p:nvSpPr>
-          <p:cNvPr id="2" name="1 Título"/>
+          <p:cNvPr id="3" name="2 Título"/>
           <p:cNvSpPr>
             <a:spLocks noGrp="1"/>
           </p:cNvSpPr>
           <p:nvPr>
-            <p:ph type="ctrTitle"/>
+            <p:ph type="title"/>
           </p:nvPr>
         </p:nvSpPr>
         <p:spPr/>
         <p:txBody>
-          <a:bodyPr/>
+          <a:bodyPr>
+            <a:normAutofit fontScale="90000"/>
+          </a:bodyPr>
+          <a:lstStyle/>
+          <a:p>
+            <a:r>
+              <a:rPr lang="es-ES" dirty="0">
+                <a:solidFill>
+                  <a:schemeClr val="bg1"/>
+                </a:solidFill>
+              </a:rPr>
+              <a:t>Requerimientos del Modulo de </a:t>
+            </a:r>
+            <a:r>
+              <a:rPr lang="es-ES" dirty="0" smtClean="0">
+                <a:solidFill>
+                  <a:schemeClr val="bg1"/>
+                </a:solidFill>
+              </a:rPr>
+              <a:t>Producción</a:t>
+            </a:r>
+            <a:endParaRPr lang="es-ES" dirty="0"/>
+          </a:p>
+        </p:txBody>
+      </p:sp>
+      <p:sp>
+        <p:nvSpPr>
+          <p:cNvPr id="5" name="1 Marcador de contenido"/>
+          <p:cNvSpPr>
+            <a:spLocks noGrp="1"/>
+          </p:cNvSpPr>
+          <p:nvPr>
+            <p:ph idx="1"/>
+          </p:nvPr>
+        </p:nvSpPr>
+        <p:spPr>
+          <a:xfrm>
+            <a:off x="872067" y="2675467"/>
+            <a:ext cx="7408333" cy="3450696"/>
+          </a:xfrm>
+        </p:spPr>
+        <p:txBody>
+          <a:bodyPr vert="horz" lIns="91440" tIns="45720" rIns="91440" bIns="45720" rtlCol="0">
+            <a:normAutofit/>
+          </a:bodyPr>
           <a:lstStyle/>
           <a:p>
             <a:r>
               <a:rPr lang="es-ES" dirty="0" smtClean="0"/>
-              <a:t>COMPRAS</a:t>
+              <a:t>Registrar </a:t>
+            </a:r>
+            <a:r>
+              <a:rPr lang="es-ES" dirty="0"/>
+              <a:t>Productos (Materia </a:t>
+            </a:r>
+            <a:r>
+              <a:rPr lang="es-ES" dirty="0" smtClean="0"/>
+              <a:t>Prima)</a:t>
+            </a:r>
+            <a:endParaRPr lang="es-ES" dirty="0"/>
+          </a:p>
+          <a:p>
+            <a:endParaRPr lang="es-ES" dirty="0"/>
+          </a:p>
+          <a:p>
+            <a:r>
+              <a:rPr lang="es-ES" dirty="0" smtClean="0"/>
+              <a:t>Registrar </a:t>
+            </a:r>
+            <a:r>
+              <a:rPr lang="es-ES" dirty="0"/>
+              <a:t>Recetas (Consumo Final)</a:t>
+            </a:r>
+          </a:p>
+          <a:p>
+            <a:endParaRPr lang="es-ES" dirty="0"/>
+          </a:p>
+          <a:p>
+            <a:r>
+              <a:rPr lang="es-ES" dirty="0"/>
+              <a:t>Aumenta STOCK (Consumo Final)</a:t>
+            </a:r>
+          </a:p>
+          <a:p>
+            <a:endParaRPr lang="es-ES" dirty="0"/>
+          </a:p>
+          <a:p>
+            <a:r>
+              <a:rPr lang="es-ES" dirty="0"/>
+              <a:t>Disminuye STOCK (Materia Prima)</a:t>
             </a:r>
             <a:endParaRPr lang="es-ES" dirty="0"/>
           </a:p>
@@ -16957,7 +17049,7 @@
     </p:spTree>
     <p:extLst>
       <p:ext uri="{BB962C8B-B14F-4D97-AF65-F5344CB8AC3E}">
-        <p14:creationId xmlns:p14="http://schemas.microsoft.com/office/powerpoint/2010/main" val="1528665979"/>
+        <p14:creationId xmlns:p14="http://schemas.microsoft.com/office/powerpoint/2010/main" val="4182396649"/>
       </p:ext>
     </p:extLst>
   </p:cSld>
@@ -17003,12 +17095,14 @@
         </p:nvSpPr>
         <p:spPr/>
         <p:txBody>
-          <a:bodyPr/>
+          <a:bodyPr>
+            <a:normAutofit/>
+          </a:bodyPr>
           <a:lstStyle/>
           <a:p>
             <a:r>
               <a:rPr lang="es-ES" dirty="0" smtClean="0"/>
-              <a:t>MENU</a:t>
+              <a:t>Diagrama de proceso</a:t>
             </a:r>
             <a:endParaRPr lang="es-ES" dirty="0"/>
           </a:p>
@@ -17016,9 +17110,9 @@
       </p:sp>
       <p:pic>
         <p:nvPicPr>
-          <p:cNvPr id="4" name="3 Imagen"/>
+          <p:cNvPr id="9219" name="Picture 3" descr="C:\Users\Ivan\Documents\Dropbox\infocomedor-final\DP_Produccion.jpg"/>
           <p:cNvPicPr>
-            <a:picLocks noChangeAspect="1"/>
+            <a:picLocks noChangeAspect="1" noChangeArrowheads="1"/>
           </p:cNvPicPr>
           <p:nvPr/>
         </p:nvPicPr>
@@ -17030,24 +17124,35 @@
               </a:ext>
             </a:extLst>
           </a:blip>
+          <a:srcRect/>
           <a:stretch>
             <a:fillRect/>
           </a:stretch>
         </p:blipFill>
-        <p:spPr>
+        <p:spPr bwMode="auto">
           <a:xfrm>
-            <a:off x="1259632" y="1484784"/>
-            <a:ext cx="6624736" cy="4968552"/>
+            <a:off x="1043608" y="1700807"/>
+            <a:ext cx="6912768" cy="4430901"/>
           </a:xfrm>
           <a:prstGeom prst="rect">
             <a:avLst/>
           </a:prstGeom>
+          <a:noFill/>
+          <a:extLst>
+            <a:ext uri="{909E8E84-426E-40DD-AFC4-6F175D3DCCD1}">
+              <a14:hiddenFill xmlns:a14="http://schemas.microsoft.com/office/drawing/2010/main">
+                <a:solidFill>
+                  <a:srgbClr val="FFFFFF"/>
+                </a:solidFill>
+              </a14:hiddenFill>
+            </a:ext>
+          </a:extLst>
         </p:spPr>
       </p:pic>
     </p:spTree>
     <p:extLst>
       <p:ext uri="{BB962C8B-B14F-4D97-AF65-F5344CB8AC3E}">
-        <p14:creationId xmlns:p14="http://schemas.microsoft.com/office/powerpoint/2010/main" val="3177420052"/>
+        <p14:creationId xmlns:p14="http://schemas.microsoft.com/office/powerpoint/2010/main" val="51123233"/>
       </p:ext>
     </p:extLst>
   </p:cSld>
@@ -17094,6 +17199,340 @@
         <p:spPr/>
         <p:txBody>
           <a:bodyPr>
+            <a:normAutofit/>
+          </a:bodyPr>
+          <a:lstStyle/>
+          <a:p>
+            <a:r>
+              <a:rPr lang="es-ES" dirty="0" smtClean="0"/>
+              <a:t>Flujo </a:t>
+            </a:r>
+            <a:r>
+              <a:rPr lang="es-ES" dirty="0" smtClean="0"/>
+              <a:t>producto</a:t>
+            </a:r>
+            <a:endParaRPr lang="es-ES" dirty="0"/>
+          </a:p>
+        </p:txBody>
+      </p:sp>
+      <p:pic>
+        <p:nvPicPr>
+          <p:cNvPr id="9218" name="Picture 2" descr="C:\Users\Ivan\Downloads\infocomedor\flujo producto.png"/>
+          <p:cNvPicPr>
+            <a:picLocks noChangeAspect="1" noChangeArrowheads="1"/>
+          </p:cNvPicPr>
+          <p:nvPr/>
+        </p:nvPicPr>
+        <p:blipFill>
+          <a:blip r:embed="rId2">
+            <a:extLst>
+              <a:ext uri="{28A0092B-C50C-407E-A947-70E740481C1C}">
+                <a14:useLocalDpi xmlns:a14="http://schemas.microsoft.com/office/drawing/2010/main" val="0"/>
+              </a:ext>
+            </a:extLst>
+          </a:blip>
+          <a:srcRect/>
+          <a:stretch>
+            <a:fillRect/>
+          </a:stretch>
+        </p:blipFill>
+        <p:spPr bwMode="auto">
+          <a:xfrm>
+            <a:off x="683568" y="1916832"/>
+            <a:ext cx="7743992" cy="3672408"/>
+          </a:xfrm>
+          <a:prstGeom prst="rect">
+            <a:avLst/>
+          </a:prstGeom>
+          <a:noFill/>
+          <a:extLst>
+            <a:ext uri="{909E8E84-426E-40DD-AFC4-6F175D3DCCD1}">
+              <a14:hiddenFill xmlns:a14="http://schemas.microsoft.com/office/drawing/2010/main">
+                <a:solidFill>
+                  <a:srgbClr val="FFFFFF"/>
+                </a:solidFill>
+              </a14:hiddenFill>
+            </a:ext>
+          </a:extLst>
+        </p:spPr>
+      </p:pic>
+    </p:spTree>
+    <p:extLst>
+      <p:ext uri="{BB962C8B-B14F-4D97-AF65-F5344CB8AC3E}">
+        <p14:creationId xmlns:p14="http://schemas.microsoft.com/office/powerpoint/2010/main" val="2735153443"/>
+      </p:ext>
+    </p:extLst>
+  </p:cSld>
+  <p:clrMapOvr>
+    <a:masterClrMapping/>
+  </p:clrMapOvr>
+  <p:timing>
+    <p:tnLst>
+      <p:par>
+        <p:cTn id="1" dur="indefinite" restart="never" nodeType="tmRoot"/>
+      </p:par>
+    </p:tnLst>
+  </p:timing>
+</p:sld>
+</file>
+
+<file path=ppt/slides/slide19.xml><?xml version="1.0" encoding="utf-8"?>
+<p:sld xmlns:a="http://schemas.openxmlformats.org/drawingml/2006/main" xmlns:r="http://schemas.openxmlformats.org/officeDocument/2006/relationships" xmlns:p="http://schemas.openxmlformats.org/presentationml/2006/main">
+  <p:cSld>
+    <p:spTree>
+      <p:nvGrpSpPr>
+        <p:cNvPr id="1" name=""/>
+        <p:cNvGrpSpPr/>
+        <p:nvPr/>
+      </p:nvGrpSpPr>
+      <p:grpSpPr>
+        <a:xfrm>
+          <a:off x="0" y="0"/>
+          <a:ext cx="0" cy="0"/>
+          <a:chOff x="0" y="0"/>
+          <a:chExt cx="0" cy="0"/>
+        </a:xfrm>
+      </p:grpSpPr>
+      <p:sp>
+        <p:nvSpPr>
+          <p:cNvPr id="3" name="2 Título"/>
+          <p:cNvSpPr>
+            <a:spLocks noGrp="1"/>
+          </p:cNvSpPr>
+          <p:nvPr>
+            <p:ph type="title"/>
+          </p:nvPr>
+        </p:nvSpPr>
+        <p:spPr/>
+        <p:txBody>
+          <a:bodyPr>
+            <a:normAutofit/>
+          </a:bodyPr>
+          <a:lstStyle/>
+          <a:p>
+            <a:r>
+              <a:rPr lang="es-ES" dirty="0" smtClean="0"/>
+              <a:t>Flujo </a:t>
+            </a:r>
+            <a:r>
+              <a:rPr lang="es-ES" dirty="0" smtClean="0"/>
+              <a:t>producción</a:t>
+            </a:r>
+            <a:endParaRPr lang="es-ES" dirty="0"/>
+          </a:p>
+        </p:txBody>
+      </p:sp>
+      <p:pic>
+        <p:nvPicPr>
+          <p:cNvPr id="10242" name="Picture 2" descr="C:\Users\Ivan\Downloads\infocomedor\produccion.png"/>
+          <p:cNvPicPr>
+            <a:picLocks noChangeAspect="1" noChangeArrowheads="1"/>
+          </p:cNvPicPr>
+          <p:nvPr/>
+        </p:nvPicPr>
+        <p:blipFill>
+          <a:blip r:embed="rId2">
+            <a:extLst>
+              <a:ext uri="{28A0092B-C50C-407E-A947-70E740481C1C}">
+                <a14:useLocalDpi xmlns:a14="http://schemas.microsoft.com/office/drawing/2010/main" val="0"/>
+              </a:ext>
+            </a:extLst>
+          </a:blip>
+          <a:srcRect/>
+          <a:stretch>
+            <a:fillRect/>
+          </a:stretch>
+        </p:blipFill>
+        <p:spPr bwMode="auto">
+          <a:xfrm>
+            <a:off x="429126" y="1628800"/>
+            <a:ext cx="8031306" cy="4464496"/>
+          </a:xfrm>
+          <a:prstGeom prst="rect">
+            <a:avLst/>
+          </a:prstGeom>
+          <a:noFill/>
+          <a:extLst>
+            <a:ext uri="{909E8E84-426E-40DD-AFC4-6F175D3DCCD1}">
+              <a14:hiddenFill xmlns:a14="http://schemas.microsoft.com/office/drawing/2010/main">
+                <a:solidFill>
+                  <a:srgbClr val="FFFFFF"/>
+                </a:solidFill>
+              </a14:hiddenFill>
+            </a:ext>
+          </a:extLst>
+        </p:spPr>
+      </p:pic>
+    </p:spTree>
+    <p:extLst>
+      <p:ext uri="{BB962C8B-B14F-4D97-AF65-F5344CB8AC3E}">
+        <p14:creationId xmlns:p14="http://schemas.microsoft.com/office/powerpoint/2010/main" val="3018244704"/>
+      </p:ext>
+    </p:extLst>
+  </p:cSld>
+  <p:clrMapOvr>
+    <a:masterClrMapping/>
+  </p:clrMapOvr>
+  <p:timing>
+    <p:tnLst>
+      <p:par>
+        <p:cTn id="1" dur="indefinite" restart="never" nodeType="tmRoot"/>
+      </p:par>
+    </p:tnLst>
+  </p:timing>
+</p:sld>
+</file>
+
+<file path=ppt/slides/slide2.xml><?xml version="1.0" encoding="utf-8"?>
+<p:sld xmlns:a="http://schemas.openxmlformats.org/drawingml/2006/main" xmlns:r="http://schemas.openxmlformats.org/officeDocument/2006/relationships" xmlns:p="http://schemas.openxmlformats.org/presentationml/2006/main">
+  <p:cSld>
+    <p:spTree>
+      <p:nvGrpSpPr>
+        <p:cNvPr id="1" name=""/>
+        <p:cNvGrpSpPr/>
+        <p:nvPr/>
+      </p:nvGrpSpPr>
+      <p:grpSpPr>
+        <a:xfrm>
+          <a:off x="0" y="0"/>
+          <a:ext cx="0" cy="0"/>
+          <a:chOff x="0" y="0"/>
+          <a:chExt cx="0" cy="0"/>
+        </a:xfrm>
+      </p:grpSpPr>
+      <p:sp>
+        <p:nvSpPr>
+          <p:cNvPr id="2" name="1 Título"/>
+          <p:cNvSpPr>
+            <a:spLocks noGrp="1"/>
+          </p:cNvSpPr>
+          <p:nvPr>
+            <p:ph type="ctrTitle"/>
+          </p:nvPr>
+        </p:nvSpPr>
+        <p:spPr/>
+        <p:txBody>
+          <a:bodyPr/>
+          <a:lstStyle/>
+          <a:p>
+            <a:r>
+              <a:rPr lang="es-ES" dirty="0" smtClean="0"/>
+              <a:t>INTRODUCCION</a:t>
+            </a:r>
+            <a:endParaRPr lang="es-ES" dirty="0"/>
+          </a:p>
+        </p:txBody>
+      </p:sp>
+    </p:spTree>
+    <p:extLst>
+      <p:ext uri="{BB962C8B-B14F-4D97-AF65-F5344CB8AC3E}">
+        <p14:creationId xmlns:p14="http://schemas.microsoft.com/office/powerpoint/2010/main" val="3292075344"/>
+      </p:ext>
+    </p:extLst>
+  </p:cSld>
+  <p:clrMapOvr>
+    <a:masterClrMapping/>
+  </p:clrMapOvr>
+  <p:timing>
+    <p:tnLst>
+      <p:par>
+        <p:cTn id="1" dur="indefinite" restart="never" nodeType="tmRoot"/>
+      </p:par>
+    </p:tnLst>
+  </p:timing>
+</p:sld>
+</file>
+
+<file path=ppt/slides/slide20.xml><?xml version="1.0" encoding="utf-8"?>
+<p:sld xmlns:a="http://schemas.openxmlformats.org/drawingml/2006/main" xmlns:r="http://schemas.openxmlformats.org/officeDocument/2006/relationships" xmlns:p="http://schemas.openxmlformats.org/presentationml/2006/main">
+  <p:cSld>
+    <p:spTree>
+      <p:nvGrpSpPr>
+        <p:cNvPr id="1" name=""/>
+        <p:cNvGrpSpPr/>
+        <p:nvPr/>
+      </p:nvGrpSpPr>
+      <p:grpSpPr>
+        <a:xfrm>
+          <a:off x="0" y="0"/>
+          <a:ext cx="0" cy="0"/>
+          <a:chOff x="0" y="0"/>
+          <a:chExt cx="0" cy="0"/>
+        </a:xfrm>
+      </p:grpSpPr>
+      <p:sp>
+        <p:nvSpPr>
+          <p:cNvPr id="2" name="1 Título"/>
+          <p:cNvSpPr>
+            <a:spLocks noGrp="1"/>
+          </p:cNvSpPr>
+          <p:nvPr>
+            <p:ph type="ctrTitle"/>
+          </p:nvPr>
+        </p:nvSpPr>
+        <p:spPr/>
+        <p:txBody>
+          <a:bodyPr/>
+          <a:lstStyle/>
+          <a:p>
+            <a:r>
+              <a:rPr lang="es-ES" dirty="0" smtClean="0"/>
+              <a:t>COMPRAS</a:t>
+            </a:r>
+            <a:endParaRPr lang="es-ES" dirty="0"/>
+          </a:p>
+        </p:txBody>
+      </p:sp>
+    </p:spTree>
+    <p:extLst>
+      <p:ext uri="{BB962C8B-B14F-4D97-AF65-F5344CB8AC3E}">
+        <p14:creationId xmlns:p14="http://schemas.microsoft.com/office/powerpoint/2010/main" val="1528665979"/>
+      </p:ext>
+    </p:extLst>
+  </p:cSld>
+  <p:clrMapOvr>
+    <a:masterClrMapping/>
+  </p:clrMapOvr>
+  <p:timing>
+    <p:tnLst>
+      <p:par>
+        <p:cTn id="1" dur="indefinite" restart="never" nodeType="tmRoot"/>
+      </p:par>
+    </p:tnLst>
+  </p:timing>
+</p:sld>
+</file>
+
+<file path=ppt/slides/slide21.xml><?xml version="1.0" encoding="utf-8"?>
+<p:sld xmlns:a="http://schemas.openxmlformats.org/drawingml/2006/main" xmlns:r="http://schemas.openxmlformats.org/officeDocument/2006/relationships" xmlns:p="http://schemas.openxmlformats.org/presentationml/2006/main">
+  <p:cSld>
+    <p:spTree>
+      <p:nvGrpSpPr>
+        <p:cNvPr id="1" name=""/>
+        <p:cNvGrpSpPr/>
+        <p:nvPr/>
+      </p:nvGrpSpPr>
+      <p:grpSpPr>
+        <a:xfrm>
+          <a:off x="0" y="0"/>
+          <a:ext cx="0" cy="0"/>
+          <a:chOff x="0" y="0"/>
+          <a:chExt cx="0" cy="0"/>
+        </a:xfrm>
+      </p:grpSpPr>
+      <p:sp>
+        <p:nvSpPr>
+          <p:cNvPr id="3" name="2 Título"/>
+          <p:cNvSpPr>
+            <a:spLocks noGrp="1"/>
+          </p:cNvSpPr>
+          <p:nvPr>
+            <p:ph type="title"/>
+          </p:nvPr>
+        </p:nvSpPr>
+        <p:spPr/>
+        <p:txBody>
+          <a:bodyPr>
             <a:normAutofit fontScale="90000"/>
           </a:bodyPr>
           <a:lstStyle/>
@@ -17238,7 +17677,7 @@
 </p:sld>
 </file>
 
-<file path=ppt/slides/slide19.xml><?xml version="1.0" encoding="utf-8"?>
+<file path=ppt/slides/slide22.xml><?xml version="1.0" encoding="utf-8"?>
 <p:sld xmlns:a="http://schemas.openxmlformats.org/drawingml/2006/main" xmlns:r="http://schemas.openxmlformats.org/officeDocument/2006/relationships" xmlns:p="http://schemas.openxmlformats.org/presentationml/2006/main">
   <p:cSld>
     <p:spTree>
@@ -17334,67 +17773,7 @@
 </p:sld>
 </file>
 
-<file path=ppt/slides/slide2.xml><?xml version="1.0" encoding="utf-8"?>
-<p:sld xmlns:a="http://schemas.openxmlformats.org/drawingml/2006/main" xmlns:r="http://schemas.openxmlformats.org/officeDocument/2006/relationships" xmlns:p="http://schemas.openxmlformats.org/presentationml/2006/main">
-  <p:cSld>
-    <p:spTree>
-      <p:nvGrpSpPr>
-        <p:cNvPr id="1" name=""/>
-        <p:cNvGrpSpPr/>
-        <p:nvPr/>
-      </p:nvGrpSpPr>
-      <p:grpSpPr>
-        <a:xfrm>
-          <a:off x="0" y="0"/>
-          <a:ext cx="0" cy="0"/>
-          <a:chOff x="0" y="0"/>
-          <a:chExt cx="0" cy="0"/>
-        </a:xfrm>
-      </p:grpSpPr>
-      <p:sp>
-        <p:nvSpPr>
-          <p:cNvPr id="2" name="1 Título"/>
-          <p:cNvSpPr>
-            <a:spLocks noGrp="1"/>
-          </p:cNvSpPr>
-          <p:nvPr>
-            <p:ph type="ctrTitle"/>
-          </p:nvPr>
-        </p:nvSpPr>
-        <p:spPr/>
-        <p:txBody>
-          <a:bodyPr/>
-          <a:lstStyle/>
-          <a:p>
-            <a:r>
-              <a:rPr lang="es-ES" dirty="0" smtClean="0"/>
-              <a:t>INTRODUCCION</a:t>
-            </a:r>
-            <a:endParaRPr lang="es-ES" dirty="0"/>
-          </a:p>
-        </p:txBody>
-      </p:sp>
-    </p:spTree>
-    <p:extLst>
-      <p:ext uri="{BB962C8B-B14F-4D97-AF65-F5344CB8AC3E}">
-        <p14:creationId xmlns:p14="http://schemas.microsoft.com/office/powerpoint/2010/main" val="3292075344"/>
-      </p:ext>
-    </p:extLst>
-  </p:cSld>
-  <p:clrMapOvr>
-    <a:masterClrMapping/>
-  </p:clrMapOvr>
-  <p:timing>
-    <p:tnLst>
-      <p:par>
-        <p:cTn id="1" dur="indefinite" restart="never" nodeType="tmRoot"/>
-      </p:par>
-    </p:tnLst>
-  </p:timing>
-</p:sld>
-</file>
-
-<file path=ppt/slides/slide20.xml><?xml version="1.0" encoding="utf-8"?>
+<file path=ppt/slides/slide23.xml><?xml version="1.0" encoding="utf-8"?>
 <p:sld xmlns:a="http://schemas.openxmlformats.org/drawingml/2006/main" xmlns:r="http://schemas.openxmlformats.org/officeDocument/2006/relationships" xmlns:p="http://schemas.openxmlformats.org/presentationml/2006/main">
   <p:cSld>
     <p:spTree>
@@ -17484,7 +17863,7 @@
 </p:sld>
 </file>
 
-<file path=ppt/slides/slide21.xml><?xml version="1.0" encoding="utf-8"?>
+<file path=ppt/slides/slide24.xml><?xml version="1.0" encoding="utf-8"?>
 <p:sld xmlns:a="http://schemas.openxmlformats.org/drawingml/2006/main" xmlns:r="http://schemas.openxmlformats.org/officeDocument/2006/relationships" xmlns:p="http://schemas.openxmlformats.org/presentationml/2006/main">
   <p:cSld>
     <p:spTree>
@@ -17578,7 +17957,7 @@
 </p:sld>
 </file>
 
-<file path=ppt/slides/slide22.xml><?xml version="1.0" encoding="utf-8"?>
+<file path=ppt/slides/slide25.xml><?xml version="1.0" encoding="utf-8"?>
 <p:sld xmlns:a="http://schemas.openxmlformats.org/drawingml/2006/main" xmlns:r="http://schemas.openxmlformats.org/officeDocument/2006/relationships" xmlns:p="http://schemas.openxmlformats.org/presentationml/2006/main">
   <p:cSld>
     <p:spTree>
@@ -17672,7 +18051,7 @@
 </p:sld>
 </file>
 
-<file path=ppt/slides/slide23.xml><?xml version="1.0" encoding="utf-8"?>
+<file path=ppt/slides/slide26.xml><?xml version="1.0" encoding="utf-8"?>
 <p:sld xmlns:a="http://schemas.openxmlformats.org/drawingml/2006/main" xmlns:r="http://schemas.openxmlformats.org/officeDocument/2006/relationships" xmlns:p="http://schemas.openxmlformats.org/presentationml/2006/main">
   <p:cSld>
     <p:spTree>
@@ -17732,7 +18111,7 @@
 </p:sld>
 </file>
 
-<file path=ppt/slides/slide24.xml><?xml version="1.0" encoding="utf-8"?>
+<file path=ppt/slides/slide27.xml><?xml version="1.0" encoding="utf-8"?>
 <p:sld xmlns:a="http://schemas.openxmlformats.org/drawingml/2006/main" xmlns:r="http://schemas.openxmlformats.org/officeDocument/2006/relationships" xmlns:p="http://schemas.openxmlformats.org/presentationml/2006/main">
   <p:cSld>
     <p:spTree>
@@ -17895,7 +18274,7 @@
 </p:sld>
 </file>
 
-<file path=ppt/slides/slide25.xml><?xml version="1.0" encoding="utf-8"?>
+<file path=ppt/slides/slide28.xml><?xml version="1.0" encoding="utf-8"?>
 <p:sld xmlns:a="http://schemas.openxmlformats.org/drawingml/2006/main" xmlns:r="http://schemas.openxmlformats.org/officeDocument/2006/relationships" xmlns:p="http://schemas.openxmlformats.org/presentationml/2006/main">
   <p:cSld>
     <p:spTree>
@@ -17998,7 +18377,7 @@
 </p:sld>
 </file>
 
-<file path=ppt/slides/slide26.xml><?xml version="1.0" encoding="utf-8"?>
+<file path=ppt/slides/slide29.xml><?xml version="1.0" encoding="utf-8"?>
 <p:sld xmlns:a="http://schemas.openxmlformats.org/drawingml/2006/main" xmlns:r="http://schemas.openxmlformats.org/officeDocument/2006/relationships" xmlns:p="http://schemas.openxmlformats.org/presentationml/2006/main">
   <p:cSld>
     <p:spTree>
@@ -18113,7 +18492,67 @@
 </p:sld>
 </file>
 
-<file path=ppt/slides/slide27.xml><?xml version="1.0" encoding="utf-8"?>
+<file path=ppt/slides/slide3.xml><?xml version="1.0" encoding="utf-8"?>
+<p:sld xmlns:a="http://schemas.openxmlformats.org/drawingml/2006/main" xmlns:r="http://schemas.openxmlformats.org/officeDocument/2006/relationships" xmlns:p="http://schemas.openxmlformats.org/presentationml/2006/main">
+  <p:cSld>
+    <p:spTree>
+      <p:nvGrpSpPr>
+        <p:cNvPr id="1" name=""/>
+        <p:cNvGrpSpPr/>
+        <p:nvPr/>
+      </p:nvGrpSpPr>
+      <p:grpSpPr>
+        <a:xfrm>
+          <a:off x="0" y="0"/>
+          <a:ext cx="0" cy="0"/>
+          <a:chOff x="0" y="0"/>
+          <a:chExt cx="0" cy="0"/>
+        </a:xfrm>
+      </p:grpSpPr>
+      <p:sp>
+        <p:nvSpPr>
+          <p:cNvPr id="2" name="1 Título"/>
+          <p:cNvSpPr>
+            <a:spLocks noGrp="1"/>
+          </p:cNvSpPr>
+          <p:nvPr>
+            <p:ph type="ctrTitle"/>
+          </p:nvPr>
+        </p:nvSpPr>
+        <p:spPr/>
+        <p:txBody>
+          <a:bodyPr/>
+          <a:lstStyle/>
+          <a:p>
+            <a:r>
+              <a:rPr lang="es-ES" dirty="0" smtClean="0"/>
+              <a:t>LA EMPRESA</a:t>
+            </a:r>
+            <a:endParaRPr lang="es-ES" dirty="0"/>
+          </a:p>
+        </p:txBody>
+      </p:sp>
+    </p:spTree>
+    <p:extLst>
+      <p:ext uri="{BB962C8B-B14F-4D97-AF65-F5344CB8AC3E}">
+        <p14:creationId xmlns:p14="http://schemas.microsoft.com/office/powerpoint/2010/main" val="3621897503"/>
+      </p:ext>
+    </p:extLst>
+  </p:cSld>
+  <p:clrMapOvr>
+    <a:masterClrMapping/>
+  </p:clrMapOvr>
+  <p:timing>
+    <p:tnLst>
+      <p:par>
+        <p:cTn id="1" dur="indefinite" restart="never" nodeType="tmRoot"/>
+      </p:par>
+    </p:tnLst>
+  </p:timing>
+</p:sld>
+</file>
+
+<file path=ppt/slides/slide30.xml><?xml version="1.0" encoding="utf-8"?>
 <p:sld xmlns:a="http://schemas.openxmlformats.org/drawingml/2006/main" xmlns:r="http://schemas.openxmlformats.org/officeDocument/2006/relationships" xmlns:p="http://schemas.openxmlformats.org/presentationml/2006/main">
   <p:cSld>
     <p:spTree>
@@ -18226,7 +18665,7 @@
 </p:sld>
 </file>
 
-<file path=ppt/slides/slide28.xml><?xml version="1.0" encoding="utf-8"?>
+<file path=ppt/slides/slide31.xml><?xml version="1.0" encoding="utf-8"?>
 <p:sld xmlns:a="http://schemas.openxmlformats.org/drawingml/2006/main" xmlns:r="http://schemas.openxmlformats.org/officeDocument/2006/relationships" xmlns:p="http://schemas.openxmlformats.org/presentationml/2006/main">
   <p:cSld>
     <p:spTree>
@@ -18286,127 +18725,7 @@
 </p:sld>
 </file>
 
-<file path=ppt/slides/slide29.xml><?xml version="1.0" encoding="utf-8"?>
-<p:sld xmlns:a="http://schemas.openxmlformats.org/drawingml/2006/main" xmlns:r="http://schemas.openxmlformats.org/officeDocument/2006/relationships" xmlns:p="http://schemas.openxmlformats.org/presentationml/2006/main">
-  <p:cSld>
-    <p:spTree>
-      <p:nvGrpSpPr>
-        <p:cNvPr id="1" name=""/>
-        <p:cNvGrpSpPr/>
-        <p:nvPr/>
-      </p:nvGrpSpPr>
-      <p:grpSpPr>
-        <a:xfrm>
-          <a:off x="0" y="0"/>
-          <a:ext cx="0" cy="0"/>
-          <a:chOff x="0" y="0"/>
-          <a:chExt cx="0" cy="0"/>
-        </a:xfrm>
-      </p:grpSpPr>
-      <p:sp>
-        <p:nvSpPr>
-          <p:cNvPr id="2" name="1 Título"/>
-          <p:cNvSpPr>
-            <a:spLocks noGrp="1"/>
-          </p:cNvSpPr>
-          <p:nvPr>
-            <p:ph type="ctrTitle"/>
-          </p:nvPr>
-        </p:nvSpPr>
-        <p:spPr/>
-        <p:txBody>
-          <a:bodyPr/>
-          <a:lstStyle/>
-          <a:p>
-            <a:r>
-              <a:rPr lang="es-ES" dirty="0" smtClean="0"/>
-              <a:t>CAJA</a:t>
-            </a:r>
-            <a:endParaRPr lang="es-ES" dirty="0"/>
-          </a:p>
-        </p:txBody>
-      </p:sp>
-    </p:spTree>
-    <p:extLst>
-      <p:ext uri="{BB962C8B-B14F-4D97-AF65-F5344CB8AC3E}">
-        <p14:creationId xmlns:p14="http://schemas.microsoft.com/office/powerpoint/2010/main" val="2019038403"/>
-      </p:ext>
-    </p:extLst>
-  </p:cSld>
-  <p:clrMapOvr>
-    <a:masterClrMapping/>
-  </p:clrMapOvr>
-  <p:timing>
-    <p:tnLst>
-      <p:par>
-        <p:cTn id="1" dur="indefinite" restart="never" nodeType="tmRoot"/>
-      </p:par>
-    </p:tnLst>
-  </p:timing>
-</p:sld>
-</file>
-
-<file path=ppt/slides/slide3.xml><?xml version="1.0" encoding="utf-8"?>
-<p:sld xmlns:a="http://schemas.openxmlformats.org/drawingml/2006/main" xmlns:r="http://schemas.openxmlformats.org/officeDocument/2006/relationships" xmlns:p="http://schemas.openxmlformats.org/presentationml/2006/main">
-  <p:cSld>
-    <p:spTree>
-      <p:nvGrpSpPr>
-        <p:cNvPr id="1" name=""/>
-        <p:cNvGrpSpPr/>
-        <p:nvPr/>
-      </p:nvGrpSpPr>
-      <p:grpSpPr>
-        <a:xfrm>
-          <a:off x="0" y="0"/>
-          <a:ext cx="0" cy="0"/>
-          <a:chOff x="0" y="0"/>
-          <a:chExt cx="0" cy="0"/>
-        </a:xfrm>
-      </p:grpSpPr>
-      <p:sp>
-        <p:nvSpPr>
-          <p:cNvPr id="2" name="1 Título"/>
-          <p:cNvSpPr>
-            <a:spLocks noGrp="1"/>
-          </p:cNvSpPr>
-          <p:nvPr>
-            <p:ph type="ctrTitle"/>
-          </p:nvPr>
-        </p:nvSpPr>
-        <p:spPr/>
-        <p:txBody>
-          <a:bodyPr/>
-          <a:lstStyle/>
-          <a:p>
-            <a:r>
-              <a:rPr lang="es-ES" dirty="0" smtClean="0"/>
-              <a:t>LA EMPRESA</a:t>
-            </a:r>
-            <a:endParaRPr lang="es-ES" dirty="0"/>
-          </a:p>
-        </p:txBody>
-      </p:sp>
-    </p:spTree>
-    <p:extLst>
-      <p:ext uri="{BB962C8B-B14F-4D97-AF65-F5344CB8AC3E}">
-        <p14:creationId xmlns:p14="http://schemas.microsoft.com/office/powerpoint/2010/main" val="3621897503"/>
-      </p:ext>
-    </p:extLst>
-  </p:cSld>
-  <p:clrMapOvr>
-    <a:masterClrMapping/>
-  </p:clrMapOvr>
-  <p:timing>
-    <p:tnLst>
-      <p:par>
-        <p:cTn id="1" dur="indefinite" restart="never" nodeType="tmRoot"/>
-      </p:par>
-    </p:tnLst>
-  </p:timing>
-</p:sld>
-</file>
-
-<file path=ppt/slides/slide30.xml><?xml version="1.0" encoding="utf-8"?>
+<file path=ppt/slides/slide32.xml><?xml version="1.0" encoding="utf-8"?>
 <p:sld xmlns:a="http://schemas.openxmlformats.org/drawingml/2006/main" xmlns:r="http://schemas.openxmlformats.org/officeDocument/2006/relationships" xmlns:p="http://schemas.openxmlformats.org/presentationml/2006/main">
   <p:cSld>
     <p:spTree>
@@ -18446,7 +18765,7 @@
                   <a:schemeClr val="bg1"/>
                 </a:solidFill>
               </a:rPr>
-              <a:t>Requerimientos del Modulo de </a:t>
+              <a:t>Requerimientos del Modulo </a:t>
             </a:r>
             <a:r>
               <a:rPr lang="es-ES" dirty="0" smtClean="0">
@@ -18454,7 +18773,7 @@
                   <a:schemeClr val="bg1"/>
                 </a:solidFill>
               </a:rPr>
-              <a:t>Caja</a:t>
+              <a:t>Inventario</a:t>
             </a:r>
             <a:endParaRPr lang="es-ES" dirty="0"/>
           </a:p>
@@ -18483,6 +18802,629 @@
           <a:lstStyle/>
           <a:p>
             <a:r>
+              <a:rPr lang="es-ES" dirty="0" smtClean="0"/>
+              <a:t>Registrar </a:t>
+            </a:r>
+            <a:r>
+              <a:rPr lang="es-ES" dirty="0"/>
+              <a:t>inventario por producto</a:t>
+            </a:r>
+          </a:p>
+          <a:p>
+            <a:endParaRPr lang="es-ES" dirty="0"/>
+          </a:p>
+          <a:p>
+            <a:r>
+              <a:rPr lang="es-ES" dirty="0" smtClean="0"/>
+              <a:t>Calcular </a:t>
+            </a:r>
+            <a:r>
+              <a:rPr lang="es-ES" dirty="0"/>
+              <a:t>la diferencia</a:t>
+            </a:r>
+          </a:p>
+          <a:p>
+            <a:endParaRPr lang="es-ES" dirty="0"/>
+          </a:p>
+          <a:p>
+            <a:r>
+              <a:rPr lang="es-ES" dirty="0" smtClean="0"/>
+              <a:t> </a:t>
+            </a:r>
+            <a:r>
+              <a:rPr lang="es-ES" dirty="0"/>
+              <a:t>Realizar ajuste</a:t>
+            </a:r>
+          </a:p>
+          <a:p>
+            <a:endParaRPr lang="es-ES" dirty="0"/>
+          </a:p>
+          <a:p>
+            <a:r>
+              <a:rPr lang="es-ES" dirty="0" smtClean="0"/>
+              <a:t> </a:t>
+            </a:r>
+            <a:r>
+              <a:rPr lang="es-ES" dirty="0"/>
+              <a:t>Dar de baja un producto</a:t>
+            </a:r>
+            <a:endParaRPr lang="es-ES" dirty="0"/>
+          </a:p>
+          <a:p>
+            <a:endParaRPr lang="es-ES" dirty="0"/>
+          </a:p>
+          <a:p>
+            <a:endParaRPr lang="es-ES" dirty="0"/>
+          </a:p>
+        </p:txBody>
+      </p:sp>
+    </p:spTree>
+    <p:extLst>
+      <p:ext uri="{BB962C8B-B14F-4D97-AF65-F5344CB8AC3E}">
+        <p14:creationId xmlns:p14="http://schemas.microsoft.com/office/powerpoint/2010/main" val="849577504"/>
+      </p:ext>
+    </p:extLst>
+  </p:cSld>
+  <p:clrMapOvr>
+    <a:masterClrMapping/>
+  </p:clrMapOvr>
+  <p:timing>
+    <p:tnLst>
+      <p:par>
+        <p:cTn id="1" dur="indefinite" restart="never" nodeType="tmRoot"/>
+      </p:par>
+    </p:tnLst>
+  </p:timing>
+</p:sld>
+</file>
+
+<file path=ppt/slides/slide33.xml><?xml version="1.0" encoding="utf-8"?>
+<p:sld xmlns:a="http://schemas.openxmlformats.org/drawingml/2006/main" xmlns:r="http://schemas.openxmlformats.org/officeDocument/2006/relationships" xmlns:p="http://schemas.openxmlformats.org/presentationml/2006/main">
+  <p:cSld>
+    <p:spTree>
+      <p:nvGrpSpPr>
+        <p:cNvPr id="1" name=""/>
+        <p:cNvGrpSpPr/>
+        <p:nvPr/>
+      </p:nvGrpSpPr>
+      <p:grpSpPr>
+        <a:xfrm>
+          <a:off x="0" y="0"/>
+          <a:ext cx="0" cy="0"/>
+          <a:chOff x="0" y="0"/>
+          <a:chExt cx="0" cy="0"/>
+        </a:xfrm>
+      </p:grpSpPr>
+      <p:sp>
+        <p:nvSpPr>
+          <p:cNvPr id="3" name="2 Título"/>
+          <p:cNvSpPr>
+            <a:spLocks noGrp="1"/>
+          </p:cNvSpPr>
+          <p:nvPr>
+            <p:ph type="title"/>
+          </p:nvPr>
+        </p:nvSpPr>
+        <p:spPr/>
+        <p:txBody>
+          <a:bodyPr>
+            <a:normAutofit/>
+          </a:bodyPr>
+          <a:lstStyle/>
+          <a:p>
+            <a:r>
+              <a:rPr lang="es-ES" dirty="0" smtClean="0"/>
+              <a:t>Diagrama de Proceso</a:t>
+            </a:r>
+            <a:endParaRPr lang="es-ES" dirty="0"/>
+          </a:p>
+        </p:txBody>
+      </p:sp>
+      <p:pic>
+        <p:nvPicPr>
+          <p:cNvPr id="5122" name="Picture 2" descr="C:\Users\Ivan\Documents\Dropbox\infocomedor-final\DP_Inventario.jpg"/>
+          <p:cNvPicPr>
+            <a:picLocks noChangeAspect="1" noChangeArrowheads="1"/>
+          </p:cNvPicPr>
+          <p:nvPr/>
+        </p:nvPicPr>
+        <p:blipFill rotWithShape="1">
+          <a:blip r:embed="rId2">
+            <a:extLst>
+              <a:ext uri="{28A0092B-C50C-407E-A947-70E740481C1C}">
+                <a14:useLocalDpi xmlns:a14="http://schemas.microsoft.com/office/drawing/2010/main" val="0"/>
+              </a:ext>
+            </a:extLst>
+          </a:blip>
+          <a:srcRect b="18305"/>
+          <a:stretch/>
+        </p:blipFill>
+        <p:spPr bwMode="auto">
+          <a:xfrm>
+            <a:off x="1259632" y="1556792"/>
+            <a:ext cx="6920933" cy="4392488"/>
+          </a:xfrm>
+          <a:prstGeom prst="rect">
+            <a:avLst/>
+          </a:prstGeom>
+          <a:noFill/>
+          <a:extLst>
+            <a:ext uri="{909E8E84-426E-40DD-AFC4-6F175D3DCCD1}">
+              <a14:hiddenFill xmlns:a14="http://schemas.microsoft.com/office/drawing/2010/main">
+                <a:solidFill>
+                  <a:srgbClr val="FFFFFF"/>
+                </a:solidFill>
+              </a14:hiddenFill>
+            </a:ext>
+          </a:extLst>
+        </p:spPr>
+      </p:pic>
+    </p:spTree>
+    <p:extLst>
+      <p:ext uri="{BB962C8B-B14F-4D97-AF65-F5344CB8AC3E}">
+        <p14:creationId xmlns:p14="http://schemas.microsoft.com/office/powerpoint/2010/main" val="1692221602"/>
+      </p:ext>
+    </p:extLst>
+  </p:cSld>
+  <p:clrMapOvr>
+    <a:masterClrMapping/>
+  </p:clrMapOvr>
+  <p:timing>
+    <p:tnLst>
+      <p:par>
+        <p:cTn id="1" dur="indefinite" restart="never" nodeType="tmRoot"/>
+      </p:par>
+    </p:tnLst>
+  </p:timing>
+</p:sld>
+</file>
+
+<file path=ppt/slides/slide34.xml><?xml version="1.0" encoding="utf-8"?>
+<p:sld xmlns:a="http://schemas.openxmlformats.org/drawingml/2006/main" xmlns:r="http://schemas.openxmlformats.org/officeDocument/2006/relationships" xmlns:p="http://schemas.openxmlformats.org/presentationml/2006/main">
+  <p:cSld>
+    <p:spTree>
+      <p:nvGrpSpPr>
+        <p:cNvPr id="1" name=""/>
+        <p:cNvGrpSpPr/>
+        <p:nvPr/>
+      </p:nvGrpSpPr>
+      <p:grpSpPr>
+        <a:xfrm>
+          <a:off x="0" y="0"/>
+          <a:ext cx="0" cy="0"/>
+          <a:chOff x="0" y="0"/>
+          <a:chExt cx="0" cy="0"/>
+        </a:xfrm>
+      </p:grpSpPr>
+      <p:sp>
+        <p:nvSpPr>
+          <p:cNvPr id="3" name="2 Título"/>
+          <p:cNvSpPr>
+            <a:spLocks noGrp="1"/>
+          </p:cNvSpPr>
+          <p:nvPr>
+            <p:ph type="title"/>
+          </p:nvPr>
+        </p:nvSpPr>
+        <p:spPr/>
+        <p:txBody>
+          <a:bodyPr>
+            <a:normAutofit/>
+          </a:bodyPr>
+          <a:lstStyle/>
+          <a:p>
+            <a:r>
+              <a:rPr lang="es-ES" dirty="0" smtClean="0"/>
+              <a:t>Flujo inventario</a:t>
+            </a:r>
+            <a:endParaRPr lang="es-ES" dirty="0"/>
+          </a:p>
+        </p:txBody>
+      </p:sp>
+      <p:pic>
+        <p:nvPicPr>
+          <p:cNvPr id="6146" name="Picture 2" descr="C:\Users\Ivan\Downloads\infocomedor\inventario.png"/>
+          <p:cNvPicPr>
+            <a:picLocks noChangeAspect="1" noChangeArrowheads="1"/>
+          </p:cNvPicPr>
+          <p:nvPr/>
+        </p:nvPicPr>
+        <p:blipFill>
+          <a:blip r:embed="rId2">
+            <a:extLst>
+              <a:ext uri="{28A0092B-C50C-407E-A947-70E740481C1C}">
+                <a14:useLocalDpi xmlns:a14="http://schemas.microsoft.com/office/drawing/2010/main" val="0"/>
+              </a:ext>
+            </a:extLst>
+          </a:blip>
+          <a:srcRect/>
+          <a:stretch>
+            <a:fillRect/>
+          </a:stretch>
+        </p:blipFill>
+        <p:spPr bwMode="auto">
+          <a:xfrm>
+            <a:off x="2339752" y="1412776"/>
+            <a:ext cx="4608512" cy="4952045"/>
+          </a:xfrm>
+          <a:prstGeom prst="rect">
+            <a:avLst/>
+          </a:prstGeom>
+          <a:noFill/>
+          <a:extLst>
+            <a:ext uri="{909E8E84-426E-40DD-AFC4-6F175D3DCCD1}">
+              <a14:hiddenFill xmlns:a14="http://schemas.microsoft.com/office/drawing/2010/main">
+                <a:solidFill>
+                  <a:srgbClr val="FFFFFF"/>
+                </a:solidFill>
+              </a14:hiddenFill>
+            </a:ext>
+          </a:extLst>
+        </p:spPr>
+      </p:pic>
+    </p:spTree>
+    <p:extLst>
+      <p:ext uri="{BB962C8B-B14F-4D97-AF65-F5344CB8AC3E}">
+        <p14:creationId xmlns:p14="http://schemas.microsoft.com/office/powerpoint/2010/main" val="2714216513"/>
+      </p:ext>
+    </p:extLst>
+  </p:cSld>
+  <p:clrMapOvr>
+    <a:masterClrMapping/>
+  </p:clrMapOvr>
+  <p:timing>
+    <p:tnLst>
+      <p:par>
+        <p:cTn id="1" dur="indefinite" restart="never" nodeType="tmRoot"/>
+      </p:par>
+    </p:tnLst>
+  </p:timing>
+</p:sld>
+</file>
+
+<file path=ppt/slides/slide35.xml><?xml version="1.0" encoding="utf-8"?>
+<p:sld xmlns:a="http://schemas.openxmlformats.org/drawingml/2006/main" xmlns:r="http://schemas.openxmlformats.org/officeDocument/2006/relationships" xmlns:p="http://schemas.openxmlformats.org/presentationml/2006/main">
+  <p:cSld>
+    <p:spTree>
+      <p:nvGrpSpPr>
+        <p:cNvPr id="1" name=""/>
+        <p:cNvGrpSpPr/>
+        <p:nvPr/>
+      </p:nvGrpSpPr>
+      <p:grpSpPr>
+        <a:xfrm>
+          <a:off x="0" y="0"/>
+          <a:ext cx="0" cy="0"/>
+          <a:chOff x="0" y="0"/>
+          <a:chExt cx="0" cy="0"/>
+        </a:xfrm>
+      </p:grpSpPr>
+      <p:sp>
+        <p:nvSpPr>
+          <p:cNvPr id="3" name="2 Título"/>
+          <p:cNvSpPr>
+            <a:spLocks noGrp="1"/>
+          </p:cNvSpPr>
+          <p:nvPr>
+            <p:ph type="title"/>
+          </p:nvPr>
+        </p:nvSpPr>
+        <p:spPr/>
+        <p:txBody>
+          <a:bodyPr>
+            <a:normAutofit/>
+          </a:bodyPr>
+          <a:lstStyle/>
+          <a:p>
+            <a:r>
+              <a:rPr lang="es-ES" dirty="0" smtClean="0"/>
+              <a:t>Flujo ajuste inventario</a:t>
+            </a:r>
+            <a:endParaRPr lang="es-ES" dirty="0"/>
+          </a:p>
+        </p:txBody>
+      </p:sp>
+      <p:pic>
+        <p:nvPicPr>
+          <p:cNvPr id="7170" name="Picture 2" descr="C:\Users\Ivan\Downloads\infocomedor\ajuste inventario.png"/>
+          <p:cNvPicPr>
+            <a:picLocks noChangeAspect="1" noChangeArrowheads="1"/>
+          </p:cNvPicPr>
+          <p:nvPr/>
+        </p:nvPicPr>
+        <p:blipFill>
+          <a:blip r:embed="rId2">
+            <a:extLst>
+              <a:ext uri="{28A0092B-C50C-407E-A947-70E740481C1C}">
+                <a14:useLocalDpi xmlns:a14="http://schemas.microsoft.com/office/drawing/2010/main" val="0"/>
+              </a:ext>
+            </a:extLst>
+          </a:blip>
+          <a:srcRect/>
+          <a:stretch>
+            <a:fillRect/>
+          </a:stretch>
+        </p:blipFill>
+        <p:spPr bwMode="auto">
+          <a:xfrm>
+            <a:off x="1547664" y="1293529"/>
+            <a:ext cx="6048672" cy="5357719"/>
+          </a:xfrm>
+          <a:prstGeom prst="rect">
+            <a:avLst/>
+          </a:prstGeom>
+          <a:noFill/>
+          <a:extLst>
+            <a:ext uri="{909E8E84-426E-40DD-AFC4-6F175D3DCCD1}">
+              <a14:hiddenFill xmlns:a14="http://schemas.microsoft.com/office/drawing/2010/main">
+                <a:solidFill>
+                  <a:srgbClr val="FFFFFF"/>
+                </a:solidFill>
+              </a14:hiddenFill>
+            </a:ext>
+          </a:extLst>
+        </p:spPr>
+      </p:pic>
+    </p:spTree>
+    <p:extLst>
+      <p:ext uri="{BB962C8B-B14F-4D97-AF65-F5344CB8AC3E}">
+        <p14:creationId xmlns:p14="http://schemas.microsoft.com/office/powerpoint/2010/main" val="3220332415"/>
+      </p:ext>
+    </p:extLst>
+  </p:cSld>
+  <p:clrMapOvr>
+    <a:masterClrMapping/>
+  </p:clrMapOvr>
+  <p:timing>
+    <p:tnLst>
+      <p:par>
+        <p:cTn id="1" dur="indefinite" restart="never" nodeType="tmRoot"/>
+      </p:par>
+    </p:tnLst>
+  </p:timing>
+</p:sld>
+</file>
+
+<file path=ppt/slides/slide36.xml><?xml version="1.0" encoding="utf-8"?>
+<p:sld xmlns:a="http://schemas.openxmlformats.org/drawingml/2006/main" xmlns:r="http://schemas.openxmlformats.org/officeDocument/2006/relationships" xmlns:p="http://schemas.openxmlformats.org/presentationml/2006/main">
+  <p:cSld>
+    <p:spTree>
+      <p:nvGrpSpPr>
+        <p:cNvPr id="1" name=""/>
+        <p:cNvGrpSpPr/>
+        <p:nvPr/>
+      </p:nvGrpSpPr>
+      <p:grpSpPr>
+        <a:xfrm>
+          <a:off x="0" y="0"/>
+          <a:ext cx="0" cy="0"/>
+          <a:chOff x="0" y="0"/>
+          <a:chExt cx="0" cy="0"/>
+        </a:xfrm>
+      </p:grpSpPr>
+      <p:sp>
+        <p:nvSpPr>
+          <p:cNvPr id="3" name="2 Título"/>
+          <p:cNvSpPr>
+            <a:spLocks noGrp="1"/>
+          </p:cNvSpPr>
+          <p:nvPr>
+            <p:ph type="title"/>
+          </p:nvPr>
+        </p:nvSpPr>
+        <p:spPr/>
+        <p:txBody>
+          <a:bodyPr>
+            <a:normAutofit/>
+          </a:bodyPr>
+          <a:lstStyle/>
+          <a:p>
+            <a:r>
+              <a:rPr lang="es-ES" dirty="0" smtClean="0"/>
+              <a:t>Flujo baja</a:t>
+            </a:r>
+            <a:endParaRPr lang="es-ES" dirty="0"/>
+          </a:p>
+        </p:txBody>
+      </p:sp>
+      <p:pic>
+        <p:nvPicPr>
+          <p:cNvPr id="8194" name="Picture 2" descr="C:\Users\Ivan\Downloads\infocomedor\baja stock.png"/>
+          <p:cNvPicPr>
+            <a:picLocks noChangeAspect="1" noChangeArrowheads="1"/>
+          </p:cNvPicPr>
+          <p:nvPr/>
+        </p:nvPicPr>
+        <p:blipFill>
+          <a:blip r:embed="rId2">
+            <a:extLst>
+              <a:ext uri="{28A0092B-C50C-407E-A947-70E740481C1C}">
+                <a14:useLocalDpi xmlns:a14="http://schemas.microsoft.com/office/drawing/2010/main" val="0"/>
+              </a:ext>
+            </a:extLst>
+          </a:blip>
+          <a:srcRect/>
+          <a:stretch>
+            <a:fillRect/>
+          </a:stretch>
+        </p:blipFill>
+        <p:spPr bwMode="auto">
+          <a:xfrm>
+            <a:off x="2339752" y="1484783"/>
+            <a:ext cx="4464496" cy="4868977"/>
+          </a:xfrm>
+          <a:prstGeom prst="rect">
+            <a:avLst/>
+          </a:prstGeom>
+          <a:noFill/>
+          <a:extLst>
+            <a:ext uri="{909E8E84-426E-40DD-AFC4-6F175D3DCCD1}">
+              <a14:hiddenFill xmlns:a14="http://schemas.microsoft.com/office/drawing/2010/main">
+                <a:solidFill>
+                  <a:srgbClr val="FFFFFF"/>
+                </a:solidFill>
+              </a14:hiddenFill>
+            </a:ext>
+          </a:extLst>
+        </p:spPr>
+      </p:pic>
+    </p:spTree>
+    <p:extLst>
+      <p:ext uri="{BB962C8B-B14F-4D97-AF65-F5344CB8AC3E}">
+        <p14:creationId xmlns:p14="http://schemas.microsoft.com/office/powerpoint/2010/main" val="4144972524"/>
+      </p:ext>
+    </p:extLst>
+  </p:cSld>
+  <p:clrMapOvr>
+    <a:masterClrMapping/>
+  </p:clrMapOvr>
+  <p:timing>
+    <p:tnLst>
+      <p:par>
+        <p:cTn id="1" dur="indefinite" restart="never" nodeType="tmRoot"/>
+      </p:par>
+    </p:tnLst>
+  </p:timing>
+</p:sld>
+</file>
+
+<file path=ppt/slides/slide37.xml><?xml version="1.0" encoding="utf-8"?>
+<p:sld xmlns:a="http://schemas.openxmlformats.org/drawingml/2006/main" xmlns:r="http://schemas.openxmlformats.org/officeDocument/2006/relationships" xmlns:p="http://schemas.openxmlformats.org/presentationml/2006/main">
+  <p:cSld>
+    <p:spTree>
+      <p:nvGrpSpPr>
+        <p:cNvPr id="1" name=""/>
+        <p:cNvGrpSpPr/>
+        <p:nvPr/>
+      </p:nvGrpSpPr>
+      <p:grpSpPr>
+        <a:xfrm>
+          <a:off x="0" y="0"/>
+          <a:ext cx="0" cy="0"/>
+          <a:chOff x="0" y="0"/>
+          <a:chExt cx="0" cy="0"/>
+        </a:xfrm>
+      </p:grpSpPr>
+      <p:sp>
+        <p:nvSpPr>
+          <p:cNvPr id="2" name="1 Título"/>
+          <p:cNvSpPr>
+            <a:spLocks noGrp="1"/>
+          </p:cNvSpPr>
+          <p:nvPr>
+            <p:ph type="ctrTitle"/>
+          </p:nvPr>
+        </p:nvSpPr>
+        <p:spPr/>
+        <p:txBody>
+          <a:bodyPr/>
+          <a:lstStyle/>
+          <a:p>
+            <a:r>
+              <a:rPr lang="es-ES" dirty="0" smtClean="0"/>
+              <a:t>CAJA</a:t>
+            </a:r>
+            <a:endParaRPr lang="es-ES" dirty="0"/>
+          </a:p>
+        </p:txBody>
+      </p:sp>
+    </p:spTree>
+    <p:extLst>
+      <p:ext uri="{BB962C8B-B14F-4D97-AF65-F5344CB8AC3E}">
+        <p14:creationId xmlns:p14="http://schemas.microsoft.com/office/powerpoint/2010/main" val="2019038403"/>
+      </p:ext>
+    </p:extLst>
+  </p:cSld>
+  <p:clrMapOvr>
+    <a:masterClrMapping/>
+  </p:clrMapOvr>
+  <p:timing>
+    <p:tnLst>
+      <p:par>
+        <p:cTn id="1" dur="indefinite" restart="never" nodeType="tmRoot"/>
+      </p:par>
+    </p:tnLst>
+  </p:timing>
+</p:sld>
+</file>
+
+<file path=ppt/slides/slide38.xml><?xml version="1.0" encoding="utf-8"?>
+<p:sld xmlns:a="http://schemas.openxmlformats.org/drawingml/2006/main" xmlns:r="http://schemas.openxmlformats.org/officeDocument/2006/relationships" xmlns:p="http://schemas.openxmlformats.org/presentationml/2006/main">
+  <p:cSld>
+    <p:spTree>
+      <p:nvGrpSpPr>
+        <p:cNvPr id="1" name=""/>
+        <p:cNvGrpSpPr/>
+        <p:nvPr/>
+      </p:nvGrpSpPr>
+      <p:grpSpPr>
+        <a:xfrm>
+          <a:off x="0" y="0"/>
+          <a:ext cx="0" cy="0"/>
+          <a:chOff x="0" y="0"/>
+          <a:chExt cx="0" cy="0"/>
+        </a:xfrm>
+      </p:grpSpPr>
+      <p:sp>
+        <p:nvSpPr>
+          <p:cNvPr id="3" name="2 Título"/>
+          <p:cNvSpPr>
+            <a:spLocks noGrp="1"/>
+          </p:cNvSpPr>
+          <p:nvPr>
+            <p:ph type="title"/>
+          </p:nvPr>
+        </p:nvSpPr>
+        <p:spPr/>
+        <p:txBody>
+          <a:bodyPr>
+            <a:normAutofit fontScale="90000"/>
+          </a:bodyPr>
+          <a:lstStyle/>
+          <a:p>
+            <a:r>
+              <a:rPr lang="es-ES" dirty="0">
+                <a:solidFill>
+                  <a:schemeClr val="bg1"/>
+                </a:solidFill>
+              </a:rPr>
+              <a:t>Requerimientos del Modulo de </a:t>
+            </a:r>
+            <a:r>
+              <a:rPr lang="es-ES" dirty="0" smtClean="0">
+                <a:solidFill>
+                  <a:schemeClr val="bg1"/>
+                </a:solidFill>
+              </a:rPr>
+              <a:t>Caja</a:t>
+            </a:r>
+            <a:endParaRPr lang="es-ES" dirty="0"/>
+          </a:p>
+        </p:txBody>
+      </p:sp>
+      <p:sp>
+        <p:nvSpPr>
+          <p:cNvPr id="5" name="1 Marcador de contenido"/>
+          <p:cNvSpPr>
+            <a:spLocks noGrp="1"/>
+          </p:cNvSpPr>
+          <p:nvPr>
+            <p:ph idx="1"/>
+          </p:nvPr>
+        </p:nvSpPr>
+        <p:spPr>
+          <a:xfrm>
+            <a:off x="872067" y="2675467"/>
+            <a:ext cx="7408333" cy="3450696"/>
+          </a:xfrm>
+        </p:spPr>
+        <p:txBody>
+          <a:bodyPr vert="horz" lIns="91440" tIns="45720" rIns="91440" bIns="45720" rtlCol="0">
+            <a:normAutofit/>
+          </a:bodyPr>
+          <a:lstStyle/>
+          <a:p>
+            <a:r>
               <a:rPr lang="es-PY" dirty="0"/>
               <a:t>1. Se registraran los datos relacionados al ingreso y el egreso de dinero.</a:t>
             </a:r>
@@ -18535,7 +19477,7 @@
 </p:sld>
 </file>
 
-<file path=ppt/slides/slide31.xml><?xml version="1.0" encoding="utf-8"?>
+<file path=ppt/slides/slide39.xml><?xml version="1.0" encoding="utf-8"?>
 <p:sld xmlns:a="http://schemas.openxmlformats.org/drawingml/2006/main" xmlns:r="http://schemas.openxmlformats.org/officeDocument/2006/relationships" xmlns:p="http://schemas.openxmlformats.org/presentationml/2006/main">
   <p:cSld>
     <p:spTree>
@@ -18642,7 +19584,67 @@
 </p:sld>
 </file>
 
-<file path=ppt/slides/slide32.xml><?xml version="1.0" encoding="utf-8"?>
+<file path=ppt/slides/slide4.xml><?xml version="1.0" encoding="utf-8"?>
+<p:sld xmlns:a="http://schemas.openxmlformats.org/drawingml/2006/main" xmlns:r="http://schemas.openxmlformats.org/officeDocument/2006/relationships" xmlns:p="http://schemas.openxmlformats.org/presentationml/2006/main">
+  <p:cSld>
+    <p:spTree>
+      <p:nvGrpSpPr>
+        <p:cNvPr id="1" name=""/>
+        <p:cNvGrpSpPr/>
+        <p:nvPr/>
+      </p:nvGrpSpPr>
+      <p:grpSpPr>
+        <a:xfrm>
+          <a:off x="0" y="0"/>
+          <a:ext cx="0" cy="0"/>
+          <a:chOff x="0" y="0"/>
+          <a:chExt cx="0" cy="0"/>
+        </a:xfrm>
+      </p:grpSpPr>
+      <p:sp>
+        <p:nvSpPr>
+          <p:cNvPr id="2" name="1 Título"/>
+          <p:cNvSpPr>
+            <a:spLocks noGrp="1"/>
+          </p:cNvSpPr>
+          <p:nvPr>
+            <p:ph type="ctrTitle"/>
+          </p:nvPr>
+        </p:nvSpPr>
+        <p:spPr/>
+        <p:txBody>
+          <a:bodyPr/>
+          <a:lstStyle/>
+          <a:p>
+            <a:r>
+              <a:rPr lang="es-ES" dirty="0" smtClean="0"/>
+              <a:t>COMO SURGIO INFOCOMEDOR?</a:t>
+            </a:r>
+            <a:endParaRPr lang="es-ES" dirty="0"/>
+          </a:p>
+        </p:txBody>
+      </p:sp>
+    </p:spTree>
+    <p:extLst>
+      <p:ext uri="{BB962C8B-B14F-4D97-AF65-F5344CB8AC3E}">
+        <p14:creationId xmlns:p14="http://schemas.microsoft.com/office/powerpoint/2010/main" val="968110672"/>
+      </p:ext>
+    </p:extLst>
+  </p:cSld>
+  <p:clrMapOvr>
+    <a:masterClrMapping/>
+  </p:clrMapOvr>
+  <p:timing>
+    <p:tnLst>
+      <p:par>
+        <p:cTn id="1" dur="indefinite" restart="never" nodeType="tmRoot"/>
+      </p:par>
+    </p:tnLst>
+  </p:timing>
+</p:sld>
+</file>
+
+<file path=ppt/slides/slide40.xml><?xml version="1.0" encoding="utf-8"?>
 <p:sld xmlns:a="http://schemas.openxmlformats.org/drawingml/2006/main" xmlns:r="http://schemas.openxmlformats.org/officeDocument/2006/relationships" xmlns:p="http://schemas.openxmlformats.org/presentationml/2006/main">
   <p:cSld>
     <p:spTree>
@@ -18736,7 +19738,7 @@
 </p:sld>
 </file>
 
-<file path=ppt/slides/slide33.xml><?xml version="1.0" encoding="utf-8"?>
+<file path=ppt/slides/slide41.xml><?xml version="1.0" encoding="utf-8"?>
 <p:sld xmlns:a="http://schemas.openxmlformats.org/drawingml/2006/main" xmlns:r="http://schemas.openxmlformats.org/officeDocument/2006/relationships" xmlns:p="http://schemas.openxmlformats.org/presentationml/2006/main">
   <p:cSld>
     <p:spTree>
@@ -18796,7 +19798,7 @@
 </p:sld>
 </file>
 
-<file path=ppt/slides/slide34.xml><?xml version="1.0" encoding="utf-8"?>
+<file path=ppt/slides/slide42.xml><?xml version="1.0" encoding="utf-8"?>
 <p:sld xmlns:a="http://schemas.openxmlformats.org/drawingml/2006/main" xmlns:r="http://schemas.openxmlformats.org/officeDocument/2006/relationships" xmlns:p="http://schemas.openxmlformats.org/presentationml/2006/main">
   <p:cSld>
     <p:spTree>
@@ -18840,66 +19842,6 @@
     <p:extLst>
       <p:ext uri="{BB962C8B-B14F-4D97-AF65-F5344CB8AC3E}">
         <p14:creationId xmlns:p14="http://schemas.microsoft.com/office/powerpoint/2010/main" val="1849125306"/>
-      </p:ext>
-    </p:extLst>
-  </p:cSld>
-  <p:clrMapOvr>
-    <a:masterClrMapping/>
-  </p:clrMapOvr>
-  <p:timing>
-    <p:tnLst>
-      <p:par>
-        <p:cTn id="1" dur="indefinite" restart="never" nodeType="tmRoot"/>
-      </p:par>
-    </p:tnLst>
-  </p:timing>
-</p:sld>
-</file>
-
-<file path=ppt/slides/slide4.xml><?xml version="1.0" encoding="utf-8"?>
-<p:sld xmlns:a="http://schemas.openxmlformats.org/drawingml/2006/main" xmlns:r="http://schemas.openxmlformats.org/officeDocument/2006/relationships" xmlns:p="http://schemas.openxmlformats.org/presentationml/2006/main">
-  <p:cSld>
-    <p:spTree>
-      <p:nvGrpSpPr>
-        <p:cNvPr id="1" name=""/>
-        <p:cNvGrpSpPr/>
-        <p:nvPr/>
-      </p:nvGrpSpPr>
-      <p:grpSpPr>
-        <a:xfrm>
-          <a:off x="0" y="0"/>
-          <a:ext cx="0" cy="0"/>
-          <a:chOff x="0" y="0"/>
-          <a:chExt cx="0" cy="0"/>
-        </a:xfrm>
-      </p:grpSpPr>
-      <p:sp>
-        <p:nvSpPr>
-          <p:cNvPr id="2" name="1 Título"/>
-          <p:cNvSpPr>
-            <a:spLocks noGrp="1"/>
-          </p:cNvSpPr>
-          <p:nvPr>
-            <p:ph type="ctrTitle"/>
-          </p:nvPr>
-        </p:nvSpPr>
-        <p:spPr/>
-        <p:txBody>
-          <a:bodyPr/>
-          <a:lstStyle/>
-          <a:p>
-            <a:r>
-              <a:rPr lang="es-ES" dirty="0" smtClean="0"/>
-              <a:t>COMO SURGIO INFOCOMEDOR?</a:t>
-            </a:r>
-            <a:endParaRPr lang="es-ES" dirty="0"/>
-          </a:p>
-        </p:txBody>
-      </p:sp>
-    </p:spTree>
-    <p:extLst>
-      <p:ext uri="{BB962C8B-B14F-4D97-AF65-F5344CB8AC3E}">
-        <p14:creationId xmlns:p14="http://schemas.microsoft.com/office/powerpoint/2010/main" val="968110672"/>
       </p:ext>
     </p:extLst>
   </p:cSld>
@@ -18945,10 +19887,71 @@
         </p:nvSpPr>
         <p:spPr/>
         <p:txBody>
-          <a:bodyPr/>
+          <a:bodyPr>
+            <a:normAutofit fontScale="85000" lnSpcReduction="20000"/>
+          </a:bodyPr>
           <a:lstStyle/>
           <a:p>
-            <a:endParaRPr lang="es-ES"/>
+            <a:r>
+              <a:rPr lang="es-ES" dirty="0"/>
+              <a:t>Mejorar el Proceso en caja con el objeto de hacerlo transparente y confiable.</a:t>
+            </a:r>
+          </a:p>
+          <a:p>
+            <a:endParaRPr lang="es-ES" dirty="0"/>
+          </a:p>
+          <a:p>
+            <a:r>
+              <a:rPr lang="es-ES" dirty="0" smtClean="0"/>
+              <a:t>Optimizar </a:t>
+            </a:r>
+            <a:r>
+              <a:rPr lang="es-ES" dirty="0"/>
+              <a:t>la calidad de atención a los clientes implementando una Base de Datos </a:t>
+            </a:r>
+            <a:r>
+              <a:rPr lang="es-ES" dirty="0" smtClean="0"/>
+              <a:t>con </a:t>
+            </a:r>
+            <a:r>
+              <a:rPr lang="es-ES" dirty="0"/>
+              <a:t>datos relevantes que sean de interés para el negocio.</a:t>
+            </a:r>
+          </a:p>
+          <a:p>
+            <a:endParaRPr lang="es-ES" dirty="0"/>
+          </a:p>
+          <a:p>
+            <a:r>
+              <a:rPr lang="es-ES" dirty="0" smtClean="0"/>
+              <a:t>Contar </a:t>
+            </a:r>
+            <a:r>
+              <a:rPr lang="es-ES" dirty="0"/>
+              <a:t>con un control de stock de materia prima y consumo final toda vez que se </a:t>
+            </a:r>
+            <a:r>
+              <a:rPr lang="es-ES" dirty="0" smtClean="0"/>
+              <a:t> precise</a:t>
+            </a:r>
+            <a:r>
+              <a:rPr lang="es-ES" dirty="0"/>
+              <a:t>.</a:t>
+            </a:r>
+          </a:p>
+          <a:p>
+            <a:endParaRPr lang="es-ES" dirty="0"/>
+          </a:p>
+          <a:p>
+            <a:r>
+              <a:rPr lang="es-ES" dirty="0" smtClean="0"/>
+              <a:t>Agilizar </a:t>
+            </a:r>
+            <a:r>
+              <a:rPr lang="es-ES" dirty="0"/>
+              <a:t>el proceso de facturación.</a:t>
+            </a:r>
+            <a:endParaRPr lang="es-ES" dirty="0"/>
           </a:p>
         </p:txBody>
       </p:sp>

--- a/presentacion/INFOCOMEDOR - PPT.pptx
+++ b/presentacion/INFOCOMEDOR - PPT.pptx
@@ -17004,13 +17004,8 @@
             </a:r>
             <a:r>
               <a:rPr lang="es-ES" dirty="0"/>
-              <a:t>Productos (Materia </a:t>
+              <a:t>Productos </a:t>
             </a:r>
-            <a:r>
-              <a:rPr lang="es-ES" dirty="0" smtClean="0"/>
-              <a:t>Prima)</a:t>
-            </a:r>
-            <a:endParaRPr lang="es-ES" dirty="0"/>
           </a:p>
           <a:p>
             <a:endParaRPr lang="es-ES" dirty="0"/>
@@ -17022,7 +17017,7 @@
             </a:r>
             <a:r>
               <a:rPr lang="es-ES" dirty="0"/>
-              <a:t>Recetas (Consumo Final)</a:t>
+              <a:t>Recetas </a:t>
             </a:r>
           </a:p>
           <a:p>
@@ -17030,18 +17025,12 @@
           </a:p>
           <a:p>
             <a:r>
-              <a:rPr lang="es-ES" dirty="0"/>
-              <a:t>Aumenta STOCK (Consumo Final)</a:t>
+              <a:rPr lang="es-ES" dirty="0" smtClean="0"/>
+              <a:t>Registrar elaboración de productos</a:t>
             </a:r>
-          </a:p>
-          <a:p>
             <a:endParaRPr lang="es-ES" dirty="0"/>
           </a:p>
           <a:p>
-            <a:r>
-              <a:rPr lang="es-ES" dirty="0"/>
-              <a:t>Disminuye STOCK (Materia Prima)</a:t>
-            </a:r>
             <a:endParaRPr lang="es-ES" dirty="0"/>
           </a:p>
         </p:txBody>
@@ -17205,11 +17194,7 @@
           <a:p>
             <a:r>
               <a:rPr lang="es-ES" dirty="0" smtClean="0"/>
-              <a:t>Flujo </a:t>
-            </a:r>
-            <a:r>
-              <a:rPr lang="es-ES" dirty="0" smtClean="0"/>
-              <a:t>producto</a:t>
+              <a:t>Flujo producto</a:t>
             </a:r>
             <a:endParaRPr lang="es-ES" dirty="0"/>
           </a:p>
@@ -17312,11 +17297,7 @@
           <a:p>
             <a:r>
               <a:rPr lang="es-ES" dirty="0" smtClean="0"/>
-              <a:t>Flujo </a:t>
-            </a:r>
-            <a:r>
-              <a:rPr lang="es-ES" dirty="0" smtClean="0"/>
-              <a:t>producción</a:t>
+              <a:t>Flujo producción</a:t>
             </a:r>
             <a:endParaRPr lang="es-ES" dirty="0"/>
           </a:p>
@@ -17567,13 +17548,27 @@
         </p:spPr>
         <p:txBody>
           <a:bodyPr vert="horz" lIns="91440" tIns="45720" rIns="91440" bIns="45720" rtlCol="0">
-            <a:normAutofit fontScale="77500" lnSpcReduction="20000"/>
+            <a:normAutofit lnSpcReduction="10000"/>
           </a:bodyPr>
           <a:lstStyle/>
           <a:p>
             <a:r>
+              <a:rPr lang="es-ES" dirty="0" smtClean="0"/>
+              <a:t> </a:t>
+            </a:r>
+            <a:r>
               <a:rPr lang="es-ES" dirty="0"/>
-              <a:t>1. Se registraran los datos relacionados al producto.</a:t>
+              <a:t>Se registran los datos de los proveedores.</a:t>
+            </a:r>
+          </a:p>
+          <a:p>
+            <a:r>
+              <a:rPr lang="es-ES" dirty="0" smtClean="0"/>
+              <a:t> </a:t>
+            </a:r>
+            <a:r>
+              <a:rPr lang="es-ES" dirty="0"/>
+              <a:t>Se registran los pagos</a:t>
             </a:r>
           </a:p>
           <a:p>
@@ -17587,19 +17582,17 @@
             <a:pPr lvl="2"/>
             <a:r>
               <a:rPr lang="es-ES" dirty="0"/>
-              <a:t>Tipo de producto- Unidad de medida.</a:t>
+              <a:t>Contado - Crédito</a:t>
             </a:r>
           </a:p>
           <a:p>
+            <a:r>
+              <a:rPr lang="es-ES" dirty="0" smtClean="0"/>
+              <a:t>Se </a:t>
+            </a:r>
             <a:r>
               <a:rPr lang="es-ES" dirty="0"/>
-              <a:t>2. Se registran los datos de los proveedores.</a:t>
-            </a:r>
-          </a:p>
-          <a:p>
-            <a:r>
-              <a:rPr lang="es-ES" dirty="0"/>
-              <a:t>3. Se registran los pagos</a:t>
+              <a:t>registran egresos de dinero por compras</a:t>
             </a:r>
           </a:p>
           <a:p>
@@ -17613,26 +17606,6 @@
             <a:pPr lvl="2"/>
             <a:r>
               <a:rPr lang="es-ES" dirty="0"/>
-              <a:t>Contado - Crédito</a:t>
-            </a:r>
-          </a:p>
-          <a:p>
-            <a:r>
-              <a:rPr lang="es-ES" dirty="0"/>
-              <a:t>4. Se registran egresos de dinero por compras</a:t>
-            </a:r>
-          </a:p>
-          <a:p>
-            <a:pPr lvl="1"/>
-            <a:r>
-              <a:rPr lang="es-ES" dirty="0"/>
-              <a:t>Aspectos adicionales a ser considerados</a:t>
-            </a:r>
-          </a:p>
-          <a:p>
-            <a:pPr lvl="2"/>
-            <a:r>
-              <a:rPr lang="es-ES" dirty="0"/>
               <a:t>Compras fuera del local</a:t>
             </a:r>
           </a:p>
@@ -17645,8 +17618,12 @@
           </a:p>
           <a:p>
             <a:r>
+              <a:rPr lang="es-ES" smtClean="0"/>
+              <a:t>Registrar </a:t>
+            </a:r>
+            <a:r>
               <a:rPr lang="es-ES" dirty="0"/>
-              <a:t>5. Registrar factura</a:t>
+              <a:t>factura</a:t>
             </a:r>
           </a:p>
           <a:p>
@@ -18417,15 +18394,7 @@
                   <a:schemeClr val="bg1"/>
                 </a:solidFill>
               </a:rPr>
-              <a:t>Flujo </a:t>
-            </a:r>
-            <a:r>
-              <a:rPr lang="es-ES" dirty="0" smtClean="0">
-                <a:solidFill>
-                  <a:schemeClr val="bg1"/>
-                </a:solidFill>
-              </a:rPr>
-              <a:t>pedido</a:t>
+              <a:t>Flujo pedido</a:t>
             </a:r>
             <a:endParaRPr lang="es-ES" dirty="0"/>
           </a:p>
@@ -18592,15 +18561,7 @@
                   <a:schemeClr val="bg1"/>
                 </a:solidFill>
               </a:rPr>
-              <a:t>Flujo </a:t>
-            </a:r>
-            <a:r>
-              <a:rPr lang="es-ES" dirty="0" smtClean="0">
-                <a:solidFill>
-                  <a:schemeClr val="bg1"/>
-                </a:solidFill>
-              </a:rPr>
-              <a:t>factura</a:t>
+              <a:t>Flujo factura</a:t>
             </a:r>
             <a:endParaRPr lang="es-ES" dirty="0"/>
           </a:p>
@@ -18848,7 +18809,6 @@
               <a:rPr lang="es-ES" dirty="0"/>
               <a:t>Dar de baja un producto</a:t>
             </a:r>
-            <a:endParaRPr lang="es-ES" dirty="0"/>
           </a:p>
           <a:p>
             <a:endParaRPr lang="es-ES" dirty="0"/>
@@ -19951,7 +19911,6 @@
               <a:rPr lang="es-ES" dirty="0"/>
               <a:t>el proceso de facturación.</a:t>
             </a:r>
-            <a:endParaRPr lang="es-ES" dirty="0"/>
           </a:p>
         </p:txBody>
       </p:sp>

--- a/presentacion/INFOCOMEDOR - PPT.pptx
+++ b/presentacion/INFOCOMEDOR - PPT.pptx
@@ -233,7 +233,7 @@
           <a:p>
             <a:fld id="{8CEDEA12-4663-479F-801E-E2AF3FAE5280}" type="datetimeFigureOut">
               <a:rPr lang="es-ES" smtClean="0"/>
-              <a:t>09/08/2014</a:t>
+              <a:t>16/08/2014</a:t>
             </a:fld>
             <a:endParaRPr lang="es-ES"/>
           </a:p>
@@ -3657,7 +3657,7 @@
           <a:p>
             <a:fld id="{A437B357-E818-445B-86EE-5B64E1381F9B}" type="datetimeFigureOut">
               <a:rPr lang="es-ES" smtClean="0"/>
-              <a:t>09/08/2014</a:t>
+              <a:t>16/08/2014</a:t>
             </a:fld>
             <a:endParaRPr lang="es-ES"/>
           </a:p>
@@ -3838,7 +3838,7 @@
           <a:p>
             <a:fld id="{A437B357-E818-445B-86EE-5B64E1381F9B}" type="datetimeFigureOut">
               <a:rPr lang="es-ES" smtClean="0"/>
-              <a:t>09/08/2014</a:t>
+              <a:t>16/08/2014</a:t>
             </a:fld>
             <a:endParaRPr lang="es-ES"/>
           </a:p>
@@ -3989,7 +3989,7 @@
           <a:p>
             <a:fld id="{A437B357-E818-445B-86EE-5B64E1381F9B}" type="datetimeFigureOut">
               <a:rPr lang="es-ES" smtClean="0"/>
-              <a:t>09/08/2014</a:t>
+              <a:t>16/08/2014</a:t>
             </a:fld>
             <a:endParaRPr lang="es-ES"/>
           </a:p>
@@ -5815,7 +5815,7 @@
           <a:p>
             <a:fld id="{A437B357-E818-445B-86EE-5B64E1381F9B}" type="datetimeFigureOut">
               <a:rPr lang="es-ES" smtClean="0"/>
-              <a:t>09/08/2014</a:t>
+              <a:t>16/08/2014</a:t>
             </a:fld>
             <a:endParaRPr lang="es-ES"/>
           </a:p>
@@ -7685,7 +7685,7 @@
           <a:p>
             <a:fld id="{A437B357-E818-445B-86EE-5B64E1381F9B}" type="datetimeFigureOut">
               <a:rPr lang="es-ES" smtClean="0"/>
-              <a:t>09/08/2014</a:t>
+              <a:t>16/08/2014</a:t>
             </a:fld>
             <a:endParaRPr lang="es-ES"/>
           </a:p>
@@ -7798,7 +7798,7 @@
           <a:p>
             <a:fld id="{A437B357-E818-445B-86EE-5B64E1381F9B}" type="datetimeFigureOut">
               <a:rPr lang="es-ES" smtClean="0"/>
-              <a:t>09/08/2014</a:t>
+              <a:t>16/08/2014</a:t>
             </a:fld>
             <a:endParaRPr lang="es-ES"/>
           </a:p>
@@ -8339,7 +8339,7 @@
           <a:p>
             <a:fld id="{A437B357-E818-445B-86EE-5B64E1381F9B}" type="datetimeFigureOut">
               <a:rPr lang="es-ES" smtClean="0"/>
-              <a:t>09/08/2014</a:t>
+              <a:t>16/08/2014</a:t>
             </a:fld>
             <a:endParaRPr lang="es-ES"/>
           </a:p>
@@ -8452,7 +8452,7 @@
           <a:p>
             <a:fld id="{A437B357-E818-445B-86EE-5B64E1381F9B}" type="datetimeFigureOut">
               <a:rPr lang="es-ES" smtClean="0"/>
-              <a:t>09/08/2014</a:t>
+              <a:t>16/08/2014</a:t>
             </a:fld>
             <a:endParaRPr lang="es-ES"/>
           </a:p>
@@ -10163,7 +10163,7 @@
           <a:p>
             <a:fld id="{A437B357-E818-445B-86EE-5B64E1381F9B}" type="datetimeFigureOut">
               <a:rPr lang="es-ES" smtClean="0"/>
-              <a:t>09/08/2014</a:t>
+              <a:t>16/08/2014</a:t>
             </a:fld>
             <a:endParaRPr lang="es-ES"/>
           </a:p>
@@ -10314,7 +10314,7 @@
           <a:p>
             <a:fld id="{A437B357-E818-445B-86EE-5B64E1381F9B}" type="datetimeFigureOut">
               <a:rPr lang="es-ES" smtClean="0"/>
-              <a:t>09/08/2014</a:t>
+              <a:t>16/08/2014</a:t>
             </a:fld>
             <a:endParaRPr lang="es-ES"/>
           </a:p>
@@ -13929,7 +13929,7 @@
           <a:p>
             <a:fld id="{A437B357-E818-445B-86EE-5B64E1381F9B}" type="datetimeFigureOut">
               <a:rPr lang="es-ES" smtClean="0"/>
-              <a:t>09/08/2014</a:t>
+              <a:t>16/08/2014</a:t>
             </a:fld>
             <a:endParaRPr lang="es-ES"/>
           </a:p>
@@ -15788,7 +15788,7 @@
           <a:p>
             <a:fld id="{A437B357-E818-445B-86EE-5B64E1381F9B}" type="datetimeFigureOut">
               <a:rPr lang="es-ES" smtClean="0"/>
-              <a:t>09/08/2014</a:t>
+              <a:t>16/08/2014</a:t>
             </a:fld>
             <a:endParaRPr lang="es-ES"/>
           </a:p>
@@ -17004,7 +17004,7 @@
             </a:r>
             <a:r>
               <a:rPr lang="es-ES" dirty="0"/>
-              <a:t>Productos </a:t>
+              <a:t>Productos (Materia Prima)</a:t>
             </a:r>
           </a:p>
           <a:p>
@@ -17017,7 +17017,7 @@
             </a:r>
             <a:r>
               <a:rPr lang="es-ES" dirty="0"/>
-              <a:t>Recetas </a:t>
+              <a:t>Recetas (Consumo Final)</a:t>
             </a:r>
           </a:p>
           <a:p>
@@ -17026,11 +17026,12 @@
           <a:p>
             <a:r>
               <a:rPr lang="es-ES" dirty="0" smtClean="0"/>
-              <a:t>Registrar elaboración de productos</a:t>
+              <a:t>Registrar </a:t>
             </a:r>
-            <a:endParaRPr lang="es-ES" dirty="0"/>
-          </a:p>
-          <a:p>
+            <a:r>
+              <a:rPr lang="es-ES" dirty="0"/>
+              <a:t>Producción</a:t>
+            </a:r>
             <a:endParaRPr lang="es-ES" dirty="0"/>
           </a:p>
         </p:txBody>
@@ -17202,7 +17203,7 @@
       </p:sp>
       <p:pic>
         <p:nvPicPr>
-          <p:cNvPr id="9218" name="Picture 2" descr="C:\Users\Ivan\Downloads\infocomedor\flujo producto.png"/>
+          <p:cNvPr id="1026" name="Picture 2" descr="C:\Users\Ivan\Downloads\Untitled(1).png"/>
           <p:cNvPicPr>
             <a:picLocks noChangeAspect="1" noChangeArrowheads="1"/>
           </p:cNvPicPr>
@@ -17223,8 +17224,8 @@
         </p:blipFill>
         <p:spPr bwMode="auto">
           <a:xfrm>
-            <a:off x="683568" y="1916832"/>
-            <a:ext cx="7743992" cy="3672408"/>
+            <a:off x="467544" y="1766135"/>
+            <a:ext cx="7560840" cy="4543185"/>
           </a:xfrm>
           <a:prstGeom prst="rect">
             <a:avLst/>

--- a/presentacion/INFOCOMEDOR - PPT.pptx
+++ b/presentacion/INFOCOMEDOR - PPT.pptx
@@ -5,51 +5,49 @@
     <p:sldMasterId id="2147483672" r:id="rId1"/>
   </p:sldMasterIdLst>
   <p:notesMasterIdLst>
-    <p:notesMasterId r:id="rId44"/>
+    <p:notesMasterId r:id="rId42"/>
   </p:notesMasterIdLst>
   <p:sldIdLst>
     <p:sldId id="256" r:id="rId2"/>
     <p:sldId id="257" r:id="rId3"/>
-    <p:sldId id="258" r:id="rId4"/>
-    <p:sldId id="259" r:id="rId5"/>
-    <p:sldId id="260" r:id="rId6"/>
-    <p:sldId id="261" r:id="rId7"/>
-    <p:sldId id="262" r:id="rId8"/>
-    <p:sldId id="263" r:id="rId9"/>
-    <p:sldId id="264" r:id="rId10"/>
-    <p:sldId id="265" r:id="rId11"/>
-    <p:sldId id="266" r:id="rId12"/>
-    <p:sldId id="267" r:id="rId13"/>
-    <p:sldId id="268" r:id="rId14"/>
-    <p:sldId id="269" r:id="rId15"/>
-    <p:sldId id="270" r:id="rId16"/>
-    <p:sldId id="298" r:id="rId17"/>
-    <p:sldId id="299" r:id="rId18"/>
-    <p:sldId id="301" r:id="rId19"/>
-    <p:sldId id="300" r:id="rId20"/>
-    <p:sldId id="271" r:id="rId21"/>
-    <p:sldId id="279" r:id="rId22"/>
-    <p:sldId id="280" r:id="rId23"/>
-    <p:sldId id="281" r:id="rId24"/>
-    <p:sldId id="282" r:id="rId25"/>
-    <p:sldId id="287" r:id="rId26"/>
-    <p:sldId id="272" r:id="rId27"/>
-    <p:sldId id="288" r:id="rId28"/>
-    <p:sldId id="291" r:id="rId29"/>
-    <p:sldId id="289" r:id="rId30"/>
-    <p:sldId id="290" r:id="rId31"/>
-    <p:sldId id="273" r:id="rId32"/>
-    <p:sldId id="292" r:id="rId33"/>
-    <p:sldId id="293" r:id="rId34"/>
-    <p:sldId id="294" r:id="rId35"/>
-    <p:sldId id="295" r:id="rId36"/>
-    <p:sldId id="296" r:id="rId37"/>
-    <p:sldId id="274" r:id="rId38"/>
-    <p:sldId id="284" r:id="rId39"/>
-    <p:sldId id="285" r:id="rId40"/>
-    <p:sldId id="286" r:id="rId41"/>
-    <p:sldId id="275" r:id="rId42"/>
-    <p:sldId id="276" r:id="rId43"/>
+    <p:sldId id="260" r:id="rId4"/>
+    <p:sldId id="261" r:id="rId5"/>
+    <p:sldId id="262" r:id="rId6"/>
+    <p:sldId id="263" r:id="rId7"/>
+    <p:sldId id="264" r:id="rId8"/>
+    <p:sldId id="265" r:id="rId9"/>
+    <p:sldId id="266" r:id="rId10"/>
+    <p:sldId id="267" r:id="rId11"/>
+    <p:sldId id="268" r:id="rId12"/>
+    <p:sldId id="269" r:id="rId13"/>
+    <p:sldId id="270" r:id="rId14"/>
+    <p:sldId id="298" r:id="rId15"/>
+    <p:sldId id="299" r:id="rId16"/>
+    <p:sldId id="301" r:id="rId17"/>
+    <p:sldId id="300" r:id="rId18"/>
+    <p:sldId id="271" r:id="rId19"/>
+    <p:sldId id="279" r:id="rId20"/>
+    <p:sldId id="280" r:id="rId21"/>
+    <p:sldId id="281" r:id="rId22"/>
+    <p:sldId id="282" r:id="rId23"/>
+    <p:sldId id="287" r:id="rId24"/>
+    <p:sldId id="272" r:id="rId25"/>
+    <p:sldId id="288" r:id="rId26"/>
+    <p:sldId id="291" r:id="rId27"/>
+    <p:sldId id="289" r:id="rId28"/>
+    <p:sldId id="290" r:id="rId29"/>
+    <p:sldId id="273" r:id="rId30"/>
+    <p:sldId id="292" r:id="rId31"/>
+    <p:sldId id="293" r:id="rId32"/>
+    <p:sldId id="294" r:id="rId33"/>
+    <p:sldId id="295" r:id="rId34"/>
+    <p:sldId id="296" r:id="rId35"/>
+    <p:sldId id="274" r:id="rId36"/>
+    <p:sldId id="284" r:id="rId37"/>
+    <p:sldId id="285" r:id="rId38"/>
+    <p:sldId id="286" r:id="rId39"/>
+    <p:sldId id="275" r:id="rId40"/>
+    <p:sldId id="276" r:id="rId41"/>
   </p:sldIdLst>
   <p:sldSz cx="9144000" cy="6858000" type="screen4x3"/>
   <p:notesSz cx="6858000" cy="9144000"/>
@@ -629,7 +627,7 @@
           <a:bodyPr/>
           <a:lstStyle/>
           <a:p>
-            <a:endParaRPr lang="es-ES" dirty="0"/>
+            <a:endParaRPr lang="es-ES"/>
           </a:p>
         </p:txBody>
       </p:sp>
@@ -650,7 +648,7 @@
           <a:p>
             <a:fld id="{79CCBA43-0A6D-49E2-A941-DE91C65E1DC2}" type="slidenum">
               <a:rPr lang="es-ES" smtClean="0"/>
-              <a:t>20</a:t>
+              <a:t>28</a:t>
             </a:fld>
             <a:endParaRPr lang="es-ES"/>
           </a:p>
@@ -659,7 +657,7 @@
     </p:spTree>
     <p:extLst>
       <p:ext uri="{BB962C8B-B14F-4D97-AF65-F5344CB8AC3E}">
-        <p14:creationId xmlns:p14="http://schemas.microsoft.com/office/powerpoint/2010/main" val="2427911329"/>
+        <p14:creationId xmlns:p14="http://schemas.microsoft.com/office/powerpoint/2010/main" val="410757533"/>
       </p:ext>
     </p:extLst>
   </p:cSld>
@@ -734,7 +732,7 @@
           <a:p>
             <a:fld id="{79CCBA43-0A6D-49E2-A941-DE91C65E1DC2}" type="slidenum">
               <a:rPr lang="es-ES" smtClean="0"/>
-              <a:t>26</a:t>
+              <a:t>29</a:t>
             </a:fld>
             <a:endParaRPr lang="es-ES"/>
           </a:p>
@@ -797,7 +795,7 @@
           <a:bodyPr/>
           <a:lstStyle/>
           <a:p>
-            <a:endParaRPr lang="es-ES"/>
+            <a:endParaRPr lang="es-ES" dirty="0"/>
           </a:p>
         </p:txBody>
       </p:sp>
@@ -818,7 +816,7 @@
           <a:p>
             <a:fld id="{79CCBA43-0A6D-49E2-A941-DE91C65E1DC2}" type="slidenum">
               <a:rPr lang="es-ES" smtClean="0"/>
-              <a:t>30</a:t>
+              <a:t>35</a:t>
             </a:fld>
             <a:endParaRPr lang="es-ES"/>
           </a:p>
@@ -827,7 +825,7 @@
     </p:spTree>
     <p:extLst>
       <p:ext uri="{BB962C8B-B14F-4D97-AF65-F5344CB8AC3E}">
-        <p14:creationId xmlns:p14="http://schemas.microsoft.com/office/powerpoint/2010/main" val="410757533"/>
+        <p14:creationId xmlns:p14="http://schemas.microsoft.com/office/powerpoint/2010/main" val="2427911329"/>
       </p:ext>
     </p:extLst>
   </p:cSld>
@@ -902,7 +900,7 @@
           <a:p>
             <a:fld id="{79CCBA43-0A6D-49E2-A941-DE91C65E1DC2}" type="slidenum">
               <a:rPr lang="es-ES" smtClean="0"/>
-              <a:t>31</a:t>
+              <a:t>39</a:t>
             </a:fld>
             <a:endParaRPr lang="es-ES"/>
           </a:p>
@@ -986,175 +984,7 @@
           <a:p>
             <a:fld id="{79CCBA43-0A6D-49E2-A941-DE91C65E1DC2}" type="slidenum">
               <a:rPr lang="es-ES" smtClean="0"/>
-              <a:t>37</a:t>
-            </a:fld>
-            <a:endParaRPr lang="es-ES"/>
-          </a:p>
-        </p:txBody>
-      </p:sp>
-    </p:spTree>
-    <p:extLst>
-      <p:ext uri="{BB962C8B-B14F-4D97-AF65-F5344CB8AC3E}">
-        <p14:creationId xmlns:p14="http://schemas.microsoft.com/office/powerpoint/2010/main" val="2427911329"/>
-      </p:ext>
-    </p:extLst>
-  </p:cSld>
-  <p:clrMapOvr>
-    <a:masterClrMapping/>
-  </p:clrMapOvr>
-</p:notes>
-</file>
-
-<file path=ppt/notesSlides/notesSlide15.xml><?xml version="1.0" encoding="utf-8"?>
-<p:notes xmlns:a="http://schemas.openxmlformats.org/drawingml/2006/main" xmlns:r="http://schemas.openxmlformats.org/officeDocument/2006/relationships" xmlns:p="http://schemas.openxmlformats.org/presentationml/2006/main">
-  <p:cSld>
-    <p:spTree>
-      <p:nvGrpSpPr>
-        <p:cNvPr id="1" name=""/>
-        <p:cNvGrpSpPr/>
-        <p:nvPr/>
-      </p:nvGrpSpPr>
-      <p:grpSpPr>
-        <a:xfrm>
-          <a:off x="0" y="0"/>
-          <a:ext cx="0" cy="0"/>
-          <a:chOff x="0" y="0"/>
-          <a:chExt cx="0" cy="0"/>
-        </a:xfrm>
-      </p:grpSpPr>
-      <p:sp>
-        <p:nvSpPr>
-          <p:cNvPr id="2" name="1 Marcador de imagen de diapositiva"/>
-          <p:cNvSpPr>
-            <a:spLocks noGrp="1" noRot="1" noChangeAspect="1"/>
-          </p:cNvSpPr>
-          <p:nvPr>
-            <p:ph type="sldImg"/>
-          </p:nvPr>
-        </p:nvSpPr>
-        <p:spPr/>
-      </p:sp>
-      <p:sp>
-        <p:nvSpPr>
-          <p:cNvPr id="3" name="2 Marcador de notas"/>
-          <p:cNvSpPr>
-            <a:spLocks noGrp="1"/>
-          </p:cNvSpPr>
-          <p:nvPr>
-            <p:ph type="body" idx="1"/>
-          </p:nvPr>
-        </p:nvSpPr>
-        <p:spPr/>
-        <p:txBody>
-          <a:bodyPr/>
-          <a:lstStyle/>
-          <a:p>
-            <a:endParaRPr lang="es-ES" dirty="0"/>
-          </a:p>
-        </p:txBody>
-      </p:sp>
-      <p:sp>
-        <p:nvSpPr>
-          <p:cNvPr id="4" name="3 Marcador de número de diapositiva"/>
-          <p:cNvSpPr>
-            <a:spLocks noGrp="1"/>
-          </p:cNvSpPr>
-          <p:nvPr>
-            <p:ph type="sldNum" sz="quarter" idx="10"/>
-          </p:nvPr>
-        </p:nvSpPr>
-        <p:spPr/>
-        <p:txBody>
-          <a:bodyPr/>
-          <a:lstStyle/>
-          <a:p>
-            <a:fld id="{79CCBA43-0A6D-49E2-A941-DE91C65E1DC2}" type="slidenum">
-              <a:rPr lang="es-ES" smtClean="0"/>
-              <a:t>41</a:t>
-            </a:fld>
-            <a:endParaRPr lang="es-ES"/>
-          </a:p>
-        </p:txBody>
-      </p:sp>
-    </p:spTree>
-    <p:extLst>
-      <p:ext uri="{BB962C8B-B14F-4D97-AF65-F5344CB8AC3E}">
-        <p14:creationId xmlns:p14="http://schemas.microsoft.com/office/powerpoint/2010/main" val="2427911329"/>
-      </p:ext>
-    </p:extLst>
-  </p:cSld>
-  <p:clrMapOvr>
-    <a:masterClrMapping/>
-  </p:clrMapOvr>
-</p:notes>
-</file>
-
-<file path=ppt/notesSlides/notesSlide16.xml><?xml version="1.0" encoding="utf-8"?>
-<p:notes xmlns:a="http://schemas.openxmlformats.org/drawingml/2006/main" xmlns:r="http://schemas.openxmlformats.org/officeDocument/2006/relationships" xmlns:p="http://schemas.openxmlformats.org/presentationml/2006/main">
-  <p:cSld>
-    <p:spTree>
-      <p:nvGrpSpPr>
-        <p:cNvPr id="1" name=""/>
-        <p:cNvGrpSpPr/>
-        <p:nvPr/>
-      </p:nvGrpSpPr>
-      <p:grpSpPr>
-        <a:xfrm>
-          <a:off x="0" y="0"/>
-          <a:ext cx="0" cy="0"/>
-          <a:chOff x="0" y="0"/>
-          <a:chExt cx="0" cy="0"/>
-        </a:xfrm>
-      </p:grpSpPr>
-      <p:sp>
-        <p:nvSpPr>
-          <p:cNvPr id="2" name="1 Marcador de imagen de diapositiva"/>
-          <p:cNvSpPr>
-            <a:spLocks noGrp="1" noRot="1" noChangeAspect="1"/>
-          </p:cNvSpPr>
-          <p:nvPr>
-            <p:ph type="sldImg"/>
-          </p:nvPr>
-        </p:nvSpPr>
-        <p:spPr/>
-      </p:sp>
-      <p:sp>
-        <p:nvSpPr>
-          <p:cNvPr id="3" name="2 Marcador de notas"/>
-          <p:cNvSpPr>
-            <a:spLocks noGrp="1"/>
-          </p:cNvSpPr>
-          <p:nvPr>
-            <p:ph type="body" idx="1"/>
-          </p:nvPr>
-        </p:nvSpPr>
-        <p:spPr/>
-        <p:txBody>
-          <a:bodyPr/>
-          <a:lstStyle/>
-          <a:p>
-            <a:endParaRPr lang="es-ES" dirty="0"/>
-          </a:p>
-        </p:txBody>
-      </p:sp>
-      <p:sp>
-        <p:nvSpPr>
-          <p:cNvPr id="4" name="3 Marcador de número de diapositiva"/>
-          <p:cNvSpPr>
-            <a:spLocks noGrp="1"/>
-          </p:cNvSpPr>
-          <p:nvPr>
-            <p:ph type="sldNum" sz="quarter" idx="10"/>
-          </p:nvPr>
-        </p:nvSpPr>
-        <p:spPr/>
-        <p:txBody>
-          <a:bodyPr/>
-          <a:lstStyle/>
-          <a:p>
-            <a:fld id="{79CCBA43-0A6D-49E2-A941-DE91C65E1DC2}" type="slidenum">
-              <a:rPr lang="es-ES" smtClean="0"/>
-              <a:t>42</a:t>
+              <a:t>40</a:t>
             </a:fld>
             <a:endParaRPr lang="es-ES"/>
           </a:p>
@@ -1322,7 +1152,7 @@
           <a:p>
             <a:fld id="{79CCBA43-0A6D-49E2-A941-DE91C65E1DC2}" type="slidenum">
               <a:rPr lang="es-ES" smtClean="0"/>
-              <a:t>3</a:t>
+              <a:t>4</a:t>
             </a:fld>
             <a:endParaRPr lang="es-ES"/>
           </a:p>
@@ -1406,7 +1236,7 @@
           <a:p>
             <a:fld id="{79CCBA43-0A6D-49E2-A941-DE91C65E1DC2}" type="slidenum">
               <a:rPr lang="es-ES" smtClean="0"/>
-              <a:t>4</a:t>
+              <a:t>6</a:t>
             </a:fld>
             <a:endParaRPr lang="es-ES"/>
           </a:p>
@@ -1490,7 +1320,7 @@
           <a:p>
             <a:fld id="{79CCBA43-0A6D-49E2-A941-DE91C65E1DC2}" type="slidenum">
               <a:rPr lang="es-ES" smtClean="0"/>
-              <a:t>6</a:t>
+              <a:t>11</a:t>
             </a:fld>
             <a:endParaRPr lang="es-ES"/>
           </a:p>
@@ -1574,7 +1404,7 @@
           <a:p>
             <a:fld id="{79CCBA43-0A6D-49E2-A941-DE91C65E1DC2}" type="slidenum">
               <a:rPr lang="es-ES" smtClean="0"/>
-              <a:t>8</a:t>
+              <a:t>12</a:t>
             </a:fld>
             <a:endParaRPr lang="es-ES"/>
           </a:p>
@@ -1742,7 +1572,7 @@
           <a:p>
             <a:fld id="{79CCBA43-0A6D-49E2-A941-DE91C65E1DC2}" type="slidenum">
               <a:rPr lang="es-ES" smtClean="0"/>
-              <a:t>14</a:t>
+              <a:t>18</a:t>
             </a:fld>
             <a:endParaRPr lang="es-ES"/>
           </a:p>
@@ -1826,7 +1656,7 @@
           <a:p>
             <a:fld id="{79CCBA43-0A6D-49E2-A941-DE91C65E1DC2}" type="slidenum">
               <a:rPr lang="es-ES" smtClean="0"/>
-              <a:t>15</a:t>
+              <a:t>24</a:t>
             </a:fld>
             <a:endParaRPr lang="es-ES"/>
           </a:p>
@@ -16412,6 +16242,3599 @@
       </p:sp>
       <p:pic>
         <p:nvPicPr>
+          <p:cNvPr id="4098" name="Picture 2"/>
+          <p:cNvPicPr>
+            <a:picLocks noChangeAspect="1" noChangeArrowheads="1"/>
+          </p:cNvPicPr>
+          <p:nvPr/>
+        </p:nvPicPr>
+        <p:blipFill>
+          <a:blip r:embed="rId2">
+            <a:extLst>
+              <a:ext uri="{28A0092B-C50C-407E-A947-70E740481C1C}">
+                <a14:useLocalDpi xmlns:a14="http://schemas.microsoft.com/office/drawing/2010/main" val="0"/>
+              </a:ext>
+            </a:extLst>
+          </a:blip>
+          <a:srcRect/>
+          <a:stretch>
+            <a:fillRect/>
+          </a:stretch>
+        </p:blipFill>
+        <p:spPr bwMode="auto">
+          <a:xfrm>
+            <a:off x="195661" y="2780928"/>
+            <a:ext cx="8840835" cy="2547810"/>
+          </a:xfrm>
+          <a:prstGeom prst="rect">
+            <a:avLst/>
+          </a:prstGeom>
+          <a:noFill/>
+          <a:ln>
+            <a:noFill/>
+          </a:ln>
+          <a:effectLst/>
+          <a:extLst>
+            <a:ext uri="{909E8E84-426E-40DD-AFC4-6F175D3DCCD1}">
+              <a14:hiddenFill xmlns:a14="http://schemas.microsoft.com/office/drawing/2010/main">
+                <a:solidFill>
+                  <a:schemeClr val="accent1"/>
+                </a:solidFill>
+              </a14:hiddenFill>
+            </a:ext>
+            <a:ext uri="{91240B29-F687-4F45-9708-019B960494DF}">
+              <a14:hiddenLine xmlns:a14="http://schemas.microsoft.com/office/drawing/2010/main" w="9525">
+                <a:solidFill>
+                  <a:schemeClr val="tx1"/>
+                </a:solidFill>
+                <a:miter lim="800000"/>
+                <a:headEnd/>
+                <a:tailEnd/>
+              </a14:hiddenLine>
+            </a:ext>
+            <a:ext uri="{AF507438-7753-43E0-B8FC-AC1667EBCBE1}">
+              <a14:hiddenEffects xmlns:a14="http://schemas.microsoft.com/office/drawing/2010/main">
+                <a:effectLst>
+                  <a:outerShdw dist="35921" dir="2700000" algn="ctr" rotWithShape="0">
+                    <a:schemeClr val="bg2"/>
+                  </a:outerShdw>
+                </a:effectLst>
+              </a14:hiddenEffects>
+            </a:ext>
+          </a:extLst>
+        </p:spPr>
+      </p:pic>
+    </p:spTree>
+    <p:extLst>
+      <p:ext uri="{BB962C8B-B14F-4D97-AF65-F5344CB8AC3E}">
+        <p14:creationId xmlns:p14="http://schemas.microsoft.com/office/powerpoint/2010/main" val="1456329869"/>
+      </p:ext>
+    </p:extLst>
+  </p:cSld>
+  <p:clrMapOvr>
+    <a:masterClrMapping/>
+  </p:clrMapOvr>
+  <p:timing>
+    <p:tnLst>
+      <p:par>
+        <p:cTn id="1" dur="indefinite" restart="never" nodeType="tmRoot"/>
+      </p:par>
+    </p:tnLst>
+  </p:timing>
+</p:sld>
+</file>
+
+<file path=ppt/slides/slide11.xml><?xml version="1.0" encoding="utf-8"?>
+<p:sld xmlns:a="http://schemas.openxmlformats.org/drawingml/2006/main" xmlns:r="http://schemas.openxmlformats.org/officeDocument/2006/relationships" xmlns:p="http://schemas.openxmlformats.org/presentationml/2006/main">
+  <p:cSld>
+    <p:spTree>
+      <p:nvGrpSpPr>
+        <p:cNvPr id="1" name=""/>
+        <p:cNvGrpSpPr/>
+        <p:nvPr/>
+      </p:nvGrpSpPr>
+      <p:grpSpPr>
+        <a:xfrm>
+          <a:off x="0" y="0"/>
+          <a:ext cx="0" cy="0"/>
+          <a:chOff x="0" y="0"/>
+          <a:chExt cx="0" cy="0"/>
+        </a:xfrm>
+      </p:grpSpPr>
+      <p:sp>
+        <p:nvSpPr>
+          <p:cNvPr id="2" name="1 Título"/>
+          <p:cNvSpPr>
+            <a:spLocks noGrp="1"/>
+          </p:cNvSpPr>
+          <p:nvPr>
+            <p:ph type="ctrTitle"/>
+          </p:nvPr>
+        </p:nvSpPr>
+        <p:spPr/>
+        <p:txBody>
+          <a:bodyPr/>
+          <a:lstStyle/>
+          <a:p>
+            <a:r>
+              <a:rPr lang="es-ES" dirty="0" smtClean="0"/>
+              <a:t>PRESENTACIÓN DEL SISTEMA</a:t>
+            </a:r>
+            <a:endParaRPr lang="es-ES" dirty="0"/>
+          </a:p>
+        </p:txBody>
+      </p:sp>
+    </p:spTree>
+    <p:extLst>
+      <p:ext uri="{BB962C8B-B14F-4D97-AF65-F5344CB8AC3E}">
+        <p14:creationId xmlns:p14="http://schemas.microsoft.com/office/powerpoint/2010/main" val="3263727729"/>
+      </p:ext>
+    </p:extLst>
+  </p:cSld>
+  <p:clrMapOvr>
+    <a:masterClrMapping/>
+  </p:clrMapOvr>
+  <p:timing>
+    <p:tnLst>
+      <p:par>
+        <p:cTn id="1" dur="indefinite" restart="never" nodeType="tmRoot"/>
+      </p:par>
+    </p:tnLst>
+  </p:timing>
+</p:sld>
+</file>
+
+<file path=ppt/slides/slide12.xml><?xml version="1.0" encoding="utf-8"?>
+<p:sld xmlns:a="http://schemas.openxmlformats.org/drawingml/2006/main" xmlns:r="http://schemas.openxmlformats.org/officeDocument/2006/relationships" xmlns:p="http://schemas.openxmlformats.org/presentationml/2006/main">
+  <p:cSld>
+    <p:spTree>
+      <p:nvGrpSpPr>
+        <p:cNvPr id="1" name=""/>
+        <p:cNvGrpSpPr/>
+        <p:nvPr/>
+      </p:nvGrpSpPr>
+      <p:grpSpPr>
+        <a:xfrm>
+          <a:off x="0" y="0"/>
+          <a:ext cx="0" cy="0"/>
+          <a:chOff x="0" y="0"/>
+          <a:chExt cx="0" cy="0"/>
+        </a:xfrm>
+      </p:grpSpPr>
+      <p:sp>
+        <p:nvSpPr>
+          <p:cNvPr id="2" name="1 Título"/>
+          <p:cNvSpPr>
+            <a:spLocks noGrp="1"/>
+          </p:cNvSpPr>
+          <p:nvPr>
+            <p:ph type="ctrTitle"/>
+          </p:nvPr>
+        </p:nvSpPr>
+        <p:spPr/>
+        <p:txBody>
+          <a:bodyPr/>
+          <a:lstStyle/>
+          <a:p>
+            <a:r>
+              <a:rPr lang="es-ES" dirty="0" smtClean="0"/>
+              <a:t>LOGIN</a:t>
+            </a:r>
+            <a:endParaRPr lang="es-ES" dirty="0"/>
+          </a:p>
+        </p:txBody>
+      </p:sp>
+    </p:spTree>
+    <p:extLst>
+      <p:ext uri="{BB962C8B-B14F-4D97-AF65-F5344CB8AC3E}">
+        <p14:creationId xmlns:p14="http://schemas.microsoft.com/office/powerpoint/2010/main" val="3182865394"/>
+      </p:ext>
+    </p:extLst>
+  </p:cSld>
+  <p:clrMapOvr>
+    <a:masterClrMapping/>
+  </p:clrMapOvr>
+  <p:timing>
+    <p:tnLst>
+      <p:par>
+        <p:cTn id="1" dur="indefinite" restart="never" nodeType="tmRoot"/>
+      </p:par>
+    </p:tnLst>
+  </p:timing>
+</p:sld>
+</file>
+
+<file path=ppt/slides/slide13.xml><?xml version="1.0" encoding="utf-8"?>
+<p:sld xmlns:a="http://schemas.openxmlformats.org/drawingml/2006/main" xmlns:r="http://schemas.openxmlformats.org/officeDocument/2006/relationships" xmlns:p="http://schemas.openxmlformats.org/presentationml/2006/main">
+  <p:cSld>
+    <p:spTree>
+      <p:nvGrpSpPr>
+        <p:cNvPr id="1" name=""/>
+        <p:cNvGrpSpPr/>
+        <p:nvPr/>
+      </p:nvGrpSpPr>
+      <p:grpSpPr>
+        <a:xfrm>
+          <a:off x="0" y="0"/>
+          <a:ext cx="0" cy="0"/>
+          <a:chOff x="0" y="0"/>
+          <a:chExt cx="0" cy="0"/>
+        </a:xfrm>
+      </p:grpSpPr>
+      <p:sp>
+        <p:nvSpPr>
+          <p:cNvPr id="2" name="1 Título"/>
+          <p:cNvSpPr>
+            <a:spLocks noGrp="1"/>
+          </p:cNvSpPr>
+          <p:nvPr>
+            <p:ph type="ctrTitle"/>
+          </p:nvPr>
+        </p:nvSpPr>
+        <p:spPr/>
+        <p:txBody>
+          <a:bodyPr/>
+          <a:lstStyle/>
+          <a:p>
+            <a:r>
+              <a:rPr lang="es-ES" dirty="0" smtClean="0"/>
+              <a:t>PRODUCCION</a:t>
+            </a:r>
+            <a:endParaRPr lang="es-ES" dirty="0"/>
+          </a:p>
+        </p:txBody>
+      </p:sp>
+    </p:spTree>
+    <p:extLst>
+      <p:ext uri="{BB962C8B-B14F-4D97-AF65-F5344CB8AC3E}">
+        <p14:creationId xmlns:p14="http://schemas.microsoft.com/office/powerpoint/2010/main" val="4150527410"/>
+      </p:ext>
+    </p:extLst>
+  </p:cSld>
+  <p:clrMapOvr>
+    <a:masterClrMapping/>
+  </p:clrMapOvr>
+  <p:timing>
+    <p:tnLst>
+      <p:par>
+        <p:cTn id="1" dur="indefinite" restart="never" nodeType="tmRoot"/>
+      </p:par>
+    </p:tnLst>
+  </p:timing>
+</p:sld>
+</file>
+
+<file path=ppt/slides/slide14.xml><?xml version="1.0" encoding="utf-8"?>
+<p:sld xmlns:a="http://schemas.openxmlformats.org/drawingml/2006/main" xmlns:r="http://schemas.openxmlformats.org/officeDocument/2006/relationships" xmlns:p="http://schemas.openxmlformats.org/presentationml/2006/main">
+  <p:cSld>
+    <p:spTree>
+      <p:nvGrpSpPr>
+        <p:cNvPr id="1" name=""/>
+        <p:cNvGrpSpPr/>
+        <p:nvPr/>
+      </p:nvGrpSpPr>
+      <p:grpSpPr>
+        <a:xfrm>
+          <a:off x="0" y="0"/>
+          <a:ext cx="0" cy="0"/>
+          <a:chOff x="0" y="0"/>
+          <a:chExt cx="0" cy="0"/>
+        </a:xfrm>
+      </p:grpSpPr>
+      <p:sp>
+        <p:nvSpPr>
+          <p:cNvPr id="3" name="2 Título"/>
+          <p:cNvSpPr>
+            <a:spLocks noGrp="1"/>
+          </p:cNvSpPr>
+          <p:nvPr>
+            <p:ph type="title"/>
+          </p:nvPr>
+        </p:nvSpPr>
+        <p:spPr/>
+        <p:txBody>
+          <a:bodyPr>
+            <a:normAutofit fontScale="90000"/>
+          </a:bodyPr>
+          <a:lstStyle/>
+          <a:p>
+            <a:r>
+              <a:rPr lang="es-ES" dirty="0">
+                <a:solidFill>
+                  <a:schemeClr val="bg1"/>
+                </a:solidFill>
+              </a:rPr>
+              <a:t>Requerimientos del Modulo de </a:t>
+            </a:r>
+            <a:r>
+              <a:rPr lang="es-ES" dirty="0" smtClean="0">
+                <a:solidFill>
+                  <a:schemeClr val="bg1"/>
+                </a:solidFill>
+              </a:rPr>
+              <a:t>Producción</a:t>
+            </a:r>
+            <a:endParaRPr lang="es-ES" dirty="0"/>
+          </a:p>
+        </p:txBody>
+      </p:sp>
+      <p:sp>
+        <p:nvSpPr>
+          <p:cNvPr id="5" name="1 Marcador de contenido"/>
+          <p:cNvSpPr>
+            <a:spLocks noGrp="1"/>
+          </p:cNvSpPr>
+          <p:nvPr>
+            <p:ph idx="1"/>
+          </p:nvPr>
+        </p:nvSpPr>
+        <p:spPr>
+          <a:xfrm>
+            <a:off x="872067" y="2675467"/>
+            <a:ext cx="7408333" cy="3450696"/>
+          </a:xfrm>
+        </p:spPr>
+        <p:txBody>
+          <a:bodyPr vert="horz" lIns="91440" tIns="45720" rIns="91440" bIns="45720" rtlCol="0">
+            <a:normAutofit/>
+          </a:bodyPr>
+          <a:lstStyle/>
+          <a:p>
+            <a:r>
+              <a:rPr lang="es-ES" dirty="0" smtClean="0"/>
+              <a:t>Registrar </a:t>
+            </a:r>
+            <a:r>
+              <a:rPr lang="es-ES" dirty="0"/>
+              <a:t>Productos (Materia Prima)</a:t>
+            </a:r>
+          </a:p>
+          <a:p>
+            <a:endParaRPr lang="es-ES" dirty="0"/>
+          </a:p>
+          <a:p>
+            <a:r>
+              <a:rPr lang="es-ES" dirty="0" smtClean="0"/>
+              <a:t>Registrar </a:t>
+            </a:r>
+            <a:r>
+              <a:rPr lang="es-ES" dirty="0"/>
+              <a:t>Recetas (Consumo Final)</a:t>
+            </a:r>
+          </a:p>
+          <a:p>
+            <a:endParaRPr lang="es-ES" dirty="0"/>
+          </a:p>
+          <a:p>
+            <a:r>
+              <a:rPr lang="es-ES" dirty="0" smtClean="0"/>
+              <a:t>Registrar </a:t>
+            </a:r>
+            <a:r>
+              <a:rPr lang="es-ES" dirty="0"/>
+              <a:t>Producción</a:t>
+            </a:r>
+          </a:p>
+        </p:txBody>
+      </p:sp>
+    </p:spTree>
+    <p:extLst>
+      <p:ext uri="{BB962C8B-B14F-4D97-AF65-F5344CB8AC3E}">
+        <p14:creationId xmlns:p14="http://schemas.microsoft.com/office/powerpoint/2010/main" val="4182396649"/>
+      </p:ext>
+    </p:extLst>
+  </p:cSld>
+  <p:clrMapOvr>
+    <a:masterClrMapping/>
+  </p:clrMapOvr>
+  <p:timing>
+    <p:tnLst>
+      <p:par>
+        <p:cTn id="1" dur="indefinite" restart="never" nodeType="tmRoot"/>
+      </p:par>
+    </p:tnLst>
+  </p:timing>
+</p:sld>
+</file>
+
+<file path=ppt/slides/slide15.xml><?xml version="1.0" encoding="utf-8"?>
+<p:sld xmlns:a="http://schemas.openxmlformats.org/drawingml/2006/main" xmlns:r="http://schemas.openxmlformats.org/officeDocument/2006/relationships" xmlns:p="http://schemas.openxmlformats.org/presentationml/2006/main">
+  <p:cSld>
+    <p:spTree>
+      <p:nvGrpSpPr>
+        <p:cNvPr id="1" name=""/>
+        <p:cNvGrpSpPr/>
+        <p:nvPr/>
+      </p:nvGrpSpPr>
+      <p:grpSpPr>
+        <a:xfrm>
+          <a:off x="0" y="0"/>
+          <a:ext cx="0" cy="0"/>
+          <a:chOff x="0" y="0"/>
+          <a:chExt cx="0" cy="0"/>
+        </a:xfrm>
+      </p:grpSpPr>
+      <p:sp>
+        <p:nvSpPr>
+          <p:cNvPr id="3" name="2 Título"/>
+          <p:cNvSpPr>
+            <a:spLocks noGrp="1"/>
+          </p:cNvSpPr>
+          <p:nvPr>
+            <p:ph type="title"/>
+          </p:nvPr>
+        </p:nvSpPr>
+        <p:spPr/>
+        <p:txBody>
+          <a:bodyPr>
+            <a:normAutofit/>
+          </a:bodyPr>
+          <a:lstStyle/>
+          <a:p>
+            <a:r>
+              <a:rPr lang="es-ES" dirty="0" smtClean="0"/>
+              <a:t>Diagrama de proceso</a:t>
+            </a:r>
+            <a:endParaRPr lang="es-ES" dirty="0"/>
+          </a:p>
+        </p:txBody>
+      </p:sp>
+      <p:pic>
+        <p:nvPicPr>
+          <p:cNvPr id="9219" name="Picture 3" descr="C:\Users\Ivan\Documents\Dropbox\infocomedor-final\DP_Produccion.jpg"/>
+          <p:cNvPicPr>
+            <a:picLocks noChangeAspect="1" noChangeArrowheads="1"/>
+          </p:cNvPicPr>
+          <p:nvPr/>
+        </p:nvPicPr>
+        <p:blipFill>
+          <a:blip r:embed="rId2">
+            <a:extLst>
+              <a:ext uri="{28A0092B-C50C-407E-A947-70E740481C1C}">
+                <a14:useLocalDpi xmlns:a14="http://schemas.microsoft.com/office/drawing/2010/main" val="0"/>
+              </a:ext>
+            </a:extLst>
+          </a:blip>
+          <a:srcRect/>
+          <a:stretch>
+            <a:fillRect/>
+          </a:stretch>
+        </p:blipFill>
+        <p:spPr bwMode="auto">
+          <a:xfrm>
+            <a:off x="1043608" y="1700807"/>
+            <a:ext cx="6912768" cy="4430901"/>
+          </a:xfrm>
+          <a:prstGeom prst="rect">
+            <a:avLst/>
+          </a:prstGeom>
+          <a:noFill/>
+          <a:extLst>
+            <a:ext uri="{909E8E84-426E-40DD-AFC4-6F175D3DCCD1}">
+              <a14:hiddenFill xmlns:a14="http://schemas.microsoft.com/office/drawing/2010/main">
+                <a:solidFill>
+                  <a:srgbClr val="FFFFFF"/>
+                </a:solidFill>
+              </a14:hiddenFill>
+            </a:ext>
+          </a:extLst>
+        </p:spPr>
+      </p:pic>
+    </p:spTree>
+    <p:extLst>
+      <p:ext uri="{BB962C8B-B14F-4D97-AF65-F5344CB8AC3E}">
+        <p14:creationId xmlns:p14="http://schemas.microsoft.com/office/powerpoint/2010/main" val="51123233"/>
+      </p:ext>
+    </p:extLst>
+  </p:cSld>
+  <p:clrMapOvr>
+    <a:masterClrMapping/>
+  </p:clrMapOvr>
+  <p:timing>
+    <p:tnLst>
+      <p:par>
+        <p:cTn id="1" dur="indefinite" restart="never" nodeType="tmRoot"/>
+      </p:par>
+    </p:tnLst>
+  </p:timing>
+</p:sld>
+</file>
+
+<file path=ppt/slides/slide16.xml><?xml version="1.0" encoding="utf-8"?>
+<p:sld xmlns:a="http://schemas.openxmlformats.org/drawingml/2006/main" xmlns:r="http://schemas.openxmlformats.org/officeDocument/2006/relationships" xmlns:p="http://schemas.openxmlformats.org/presentationml/2006/main">
+  <p:cSld>
+    <p:spTree>
+      <p:nvGrpSpPr>
+        <p:cNvPr id="1" name=""/>
+        <p:cNvGrpSpPr/>
+        <p:nvPr/>
+      </p:nvGrpSpPr>
+      <p:grpSpPr>
+        <a:xfrm>
+          <a:off x="0" y="0"/>
+          <a:ext cx="0" cy="0"/>
+          <a:chOff x="0" y="0"/>
+          <a:chExt cx="0" cy="0"/>
+        </a:xfrm>
+      </p:grpSpPr>
+      <p:sp>
+        <p:nvSpPr>
+          <p:cNvPr id="3" name="2 Título"/>
+          <p:cNvSpPr>
+            <a:spLocks noGrp="1"/>
+          </p:cNvSpPr>
+          <p:nvPr>
+            <p:ph type="title"/>
+          </p:nvPr>
+        </p:nvSpPr>
+        <p:spPr/>
+        <p:txBody>
+          <a:bodyPr>
+            <a:normAutofit/>
+          </a:bodyPr>
+          <a:lstStyle/>
+          <a:p>
+            <a:r>
+              <a:rPr lang="es-ES" dirty="0" smtClean="0"/>
+              <a:t>Flujo producto</a:t>
+            </a:r>
+            <a:endParaRPr lang="es-ES" dirty="0"/>
+          </a:p>
+        </p:txBody>
+      </p:sp>
+      <p:pic>
+        <p:nvPicPr>
+          <p:cNvPr id="1026" name="Picture 2" descr="C:\Users\Ivan\Downloads\Untitled(1).png"/>
+          <p:cNvPicPr>
+            <a:picLocks noChangeAspect="1" noChangeArrowheads="1"/>
+          </p:cNvPicPr>
+          <p:nvPr/>
+        </p:nvPicPr>
+        <p:blipFill>
+          <a:blip r:embed="rId2">
+            <a:extLst>
+              <a:ext uri="{28A0092B-C50C-407E-A947-70E740481C1C}">
+                <a14:useLocalDpi xmlns:a14="http://schemas.microsoft.com/office/drawing/2010/main" val="0"/>
+              </a:ext>
+            </a:extLst>
+          </a:blip>
+          <a:srcRect/>
+          <a:stretch>
+            <a:fillRect/>
+          </a:stretch>
+        </p:blipFill>
+        <p:spPr bwMode="auto">
+          <a:xfrm>
+            <a:off x="467544" y="1766135"/>
+            <a:ext cx="7560840" cy="4543185"/>
+          </a:xfrm>
+          <a:prstGeom prst="rect">
+            <a:avLst/>
+          </a:prstGeom>
+          <a:noFill/>
+          <a:extLst>
+            <a:ext uri="{909E8E84-426E-40DD-AFC4-6F175D3DCCD1}">
+              <a14:hiddenFill xmlns:a14="http://schemas.microsoft.com/office/drawing/2010/main">
+                <a:solidFill>
+                  <a:srgbClr val="FFFFFF"/>
+                </a:solidFill>
+              </a14:hiddenFill>
+            </a:ext>
+          </a:extLst>
+        </p:spPr>
+      </p:pic>
+    </p:spTree>
+    <p:extLst>
+      <p:ext uri="{BB962C8B-B14F-4D97-AF65-F5344CB8AC3E}">
+        <p14:creationId xmlns:p14="http://schemas.microsoft.com/office/powerpoint/2010/main" val="2735153443"/>
+      </p:ext>
+    </p:extLst>
+  </p:cSld>
+  <p:clrMapOvr>
+    <a:masterClrMapping/>
+  </p:clrMapOvr>
+  <p:timing>
+    <p:tnLst>
+      <p:par>
+        <p:cTn id="1" dur="indefinite" restart="never" nodeType="tmRoot"/>
+      </p:par>
+    </p:tnLst>
+  </p:timing>
+</p:sld>
+</file>
+
+<file path=ppt/slides/slide17.xml><?xml version="1.0" encoding="utf-8"?>
+<p:sld xmlns:a="http://schemas.openxmlformats.org/drawingml/2006/main" xmlns:r="http://schemas.openxmlformats.org/officeDocument/2006/relationships" xmlns:p="http://schemas.openxmlformats.org/presentationml/2006/main">
+  <p:cSld>
+    <p:spTree>
+      <p:nvGrpSpPr>
+        <p:cNvPr id="1" name=""/>
+        <p:cNvGrpSpPr/>
+        <p:nvPr/>
+      </p:nvGrpSpPr>
+      <p:grpSpPr>
+        <a:xfrm>
+          <a:off x="0" y="0"/>
+          <a:ext cx="0" cy="0"/>
+          <a:chOff x="0" y="0"/>
+          <a:chExt cx="0" cy="0"/>
+        </a:xfrm>
+      </p:grpSpPr>
+      <p:sp>
+        <p:nvSpPr>
+          <p:cNvPr id="3" name="2 Título"/>
+          <p:cNvSpPr>
+            <a:spLocks noGrp="1"/>
+          </p:cNvSpPr>
+          <p:nvPr>
+            <p:ph type="title"/>
+          </p:nvPr>
+        </p:nvSpPr>
+        <p:spPr/>
+        <p:txBody>
+          <a:bodyPr>
+            <a:normAutofit/>
+          </a:bodyPr>
+          <a:lstStyle/>
+          <a:p>
+            <a:r>
+              <a:rPr lang="es-ES" dirty="0" smtClean="0"/>
+              <a:t>Flujo producción</a:t>
+            </a:r>
+            <a:endParaRPr lang="es-ES" dirty="0"/>
+          </a:p>
+        </p:txBody>
+      </p:sp>
+      <p:pic>
+        <p:nvPicPr>
+          <p:cNvPr id="10242" name="Picture 2" descr="C:\Users\Ivan\Downloads\infocomedor\produccion.png"/>
+          <p:cNvPicPr>
+            <a:picLocks noChangeAspect="1" noChangeArrowheads="1"/>
+          </p:cNvPicPr>
+          <p:nvPr/>
+        </p:nvPicPr>
+        <p:blipFill>
+          <a:blip r:embed="rId2">
+            <a:extLst>
+              <a:ext uri="{28A0092B-C50C-407E-A947-70E740481C1C}">
+                <a14:useLocalDpi xmlns:a14="http://schemas.microsoft.com/office/drawing/2010/main" val="0"/>
+              </a:ext>
+            </a:extLst>
+          </a:blip>
+          <a:srcRect/>
+          <a:stretch>
+            <a:fillRect/>
+          </a:stretch>
+        </p:blipFill>
+        <p:spPr bwMode="auto">
+          <a:xfrm>
+            <a:off x="429126" y="1628800"/>
+            <a:ext cx="8031306" cy="4464496"/>
+          </a:xfrm>
+          <a:prstGeom prst="rect">
+            <a:avLst/>
+          </a:prstGeom>
+          <a:noFill/>
+          <a:extLst>
+            <a:ext uri="{909E8E84-426E-40DD-AFC4-6F175D3DCCD1}">
+              <a14:hiddenFill xmlns:a14="http://schemas.microsoft.com/office/drawing/2010/main">
+                <a:solidFill>
+                  <a:srgbClr val="FFFFFF"/>
+                </a:solidFill>
+              </a14:hiddenFill>
+            </a:ext>
+          </a:extLst>
+        </p:spPr>
+      </p:pic>
+    </p:spTree>
+    <p:extLst>
+      <p:ext uri="{BB962C8B-B14F-4D97-AF65-F5344CB8AC3E}">
+        <p14:creationId xmlns:p14="http://schemas.microsoft.com/office/powerpoint/2010/main" val="3018244704"/>
+      </p:ext>
+    </p:extLst>
+  </p:cSld>
+  <p:clrMapOvr>
+    <a:masterClrMapping/>
+  </p:clrMapOvr>
+  <p:timing>
+    <p:tnLst>
+      <p:par>
+        <p:cTn id="1" dur="indefinite" restart="never" nodeType="tmRoot"/>
+      </p:par>
+    </p:tnLst>
+  </p:timing>
+</p:sld>
+</file>
+
+<file path=ppt/slides/slide18.xml><?xml version="1.0" encoding="utf-8"?>
+<p:sld xmlns:a="http://schemas.openxmlformats.org/drawingml/2006/main" xmlns:r="http://schemas.openxmlformats.org/officeDocument/2006/relationships" xmlns:p="http://schemas.openxmlformats.org/presentationml/2006/main">
+  <p:cSld>
+    <p:spTree>
+      <p:nvGrpSpPr>
+        <p:cNvPr id="1" name=""/>
+        <p:cNvGrpSpPr/>
+        <p:nvPr/>
+      </p:nvGrpSpPr>
+      <p:grpSpPr>
+        <a:xfrm>
+          <a:off x="0" y="0"/>
+          <a:ext cx="0" cy="0"/>
+          <a:chOff x="0" y="0"/>
+          <a:chExt cx="0" cy="0"/>
+        </a:xfrm>
+      </p:grpSpPr>
+      <p:sp>
+        <p:nvSpPr>
+          <p:cNvPr id="2" name="1 Título"/>
+          <p:cNvSpPr>
+            <a:spLocks noGrp="1"/>
+          </p:cNvSpPr>
+          <p:nvPr>
+            <p:ph type="ctrTitle"/>
+          </p:nvPr>
+        </p:nvSpPr>
+        <p:spPr/>
+        <p:txBody>
+          <a:bodyPr/>
+          <a:lstStyle/>
+          <a:p>
+            <a:r>
+              <a:rPr lang="es-ES" dirty="0" smtClean="0"/>
+              <a:t>COMPRAS</a:t>
+            </a:r>
+            <a:endParaRPr lang="es-ES" dirty="0"/>
+          </a:p>
+        </p:txBody>
+      </p:sp>
+    </p:spTree>
+    <p:extLst>
+      <p:ext uri="{BB962C8B-B14F-4D97-AF65-F5344CB8AC3E}">
+        <p14:creationId xmlns:p14="http://schemas.microsoft.com/office/powerpoint/2010/main" val="1528665979"/>
+      </p:ext>
+    </p:extLst>
+  </p:cSld>
+  <p:clrMapOvr>
+    <a:masterClrMapping/>
+  </p:clrMapOvr>
+  <p:timing>
+    <p:tnLst>
+      <p:par>
+        <p:cTn id="1" dur="indefinite" restart="never" nodeType="tmRoot"/>
+      </p:par>
+    </p:tnLst>
+  </p:timing>
+</p:sld>
+</file>
+
+<file path=ppt/slides/slide19.xml><?xml version="1.0" encoding="utf-8"?>
+<p:sld xmlns:a="http://schemas.openxmlformats.org/drawingml/2006/main" xmlns:r="http://schemas.openxmlformats.org/officeDocument/2006/relationships" xmlns:p="http://schemas.openxmlformats.org/presentationml/2006/main">
+  <p:cSld>
+    <p:spTree>
+      <p:nvGrpSpPr>
+        <p:cNvPr id="1" name=""/>
+        <p:cNvGrpSpPr/>
+        <p:nvPr/>
+      </p:nvGrpSpPr>
+      <p:grpSpPr>
+        <a:xfrm>
+          <a:off x="0" y="0"/>
+          <a:ext cx="0" cy="0"/>
+          <a:chOff x="0" y="0"/>
+          <a:chExt cx="0" cy="0"/>
+        </a:xfrm>
+      </p:grpSpPr>
+      <p:sp>
+        <p:nvSpPr>
+          <p:cNvPr id="3" name="2 Título"/>
+          <p:cNvSpPr>
+            <a:spLocks noGrp="1"/>
+          </p:cNvSpPr>
+          <p:nvPr>
+            <p:ph type="title"/>
+          </p:nvPr>
+        </p:nvSpPr>
+        <p:spPr/>
+        <p:txBody>
+          <a:bodyPr>
+            <a:normAutofit fontScale="90000"/>
+          </a:bodyPr>
+          <a:lstStyle/>
+          <a:p>
+            <a:r>
+              <a:rPr lang="es-ES" dirty="0">
+                <a:solidFill>
+                  <a:schemeClr val="bg1"/>
+                </a:solidFill>
+              </a:rPr>
+              <a:t>Requerimientos del Modulo de Compras</a:t>
+            </a:r>
+            <a:endParaRPr lang="es-ES" dirty="0"/>
+          </a:p>
+        </p:txBody>
+      </p:sp>
+      <p:sp>
+        <p:nvSpPr>
+          <p:cNvPr id="5" name="1 Marcador de contenido"/>
+          <p:cNvSpPr>
+            <a:spLocks noGrp="1"/>
+          </p:cNvSpPr>
+          <p:nvPr>
+            <p:ph idx="1"/>
+          </p:nvPr>
+        </p:nvSpPr>
+        <p:spPr>
+          <a:xfrm>
+            <a:off x="872067" y="2675467"/>
+            <a:ext cx="7408333" cy="3450696"/>
+          </a:xfrm>
+        </p:spPr>
+        <p:txBody>
+          <a:bodyPr vert="horz" lIns="91440" tIns="45720" rIns="91440" bIns="45720" rtlCol="0">
+            <a:normAutofit lnSpcReduction="10000"/>
+          </a:bodyPr>
+          <a:lstStyle/>
+          <a:p>
+            <a:r>
+              <a:rPr lang="es-ES" dirty="0" smtClean="0"/>
+              <a:t> </a:t>
+            </a:r>
+            <a:r>
+              <a:rPr lang="es-ES" dirty="0"/>
+              <a:t>Se registran los datos de los proveedores.</a:t>
+            </a:r>
+          </a:p>
+          <a:p>
+            <a:r>
+              <a:rPr lang="es-ES" dirty="0" smtClean="0"/>
+              <a:t> </a:t>
+            </a:r>
+            <a:r>
+              <a:rPr lang="es-ES" dirty="0"/>
+              <a:t>Se registran los pagos</a:t>
+            </a:r>
+          </a:p>
+          <a:p>
+            <a:pPr lvl="1"/>
+            <a:r>
+              <a:rPr lang="es-ES" dirty="0"/>
+              <a:t>Aspectos adicionales a ser considerados</a:t>
+            </a:r>
+          </a:p>
+          <a:p>
+            <a:pPr lvl="2"/>
+            <a:r>
+              <a:rPr lang="es-ES" dirty="0"/>
+              <a:t>Contado - Crédito</a:t>
+            </a:r>
+          </a:p>
+          <a:p>
+            <a:r>
+              <a:rPr lang="es-ES" dirty="0" smtClean="0"/>
+              <a:t>Se </a:t>
+            </a:r>
+            <a:r>
+              <a:rPr lang="es-ES" dirty="0"/>
+              <a:t>registran egresos de dinero por compras</a:t>
+            </a:r>
+          </a:p>
+          <a:p>
+            <a:pPr lvl="1"/>
+            <a:r>
+              <a:rPr lang="es-ES" dirty="0"/>
+              <a:t>Aspectos adicionales a ser considerados</a:t>
+            </a:r>
+          </a:p>
+          <a:p>
+            <a:pPr lvl="2"/>
+            <a:r>
+              <a:rPr lang="es-ES" dirty="0"/>
+              <a:t>Compras fuera del local</a:t>
+            </a:r>
+          </a:p>
+          <a:p>
+            <a:pPr lvl="2"/>
+            <a:r>
+              <a:rPr lang="es-ES" dirty="0"/>
+              <a:t>Compras dentro del local</a:t>
+            </a:r>
+          </a:p>
+          <a:p>
+            <a:r>
+              <a:rPr lang="es-ES" smtClean="0"/>
+              <a:t>Registrar </a:t>
+            </a:r>
+            <a:r>
+              <a:rPr lang="es-ES" dirty="0"/>
+              <a:t>factura</a:t>
+            </a:r>
+          </a:p>
+          <a:p>
+            <a:endParaRPr lang="es-ES" dirty="0"/>
+          </a:p>
+          <a:p>
+            <a:endParaRPr lang="es-ES" dirty="0"/>
+          </a:p>
+        </p:txBody>
+      </p:sp>
+    </p:spTree>
+    <p:extLst>
+      <p:ext uri="{BB962C8B-B14F-4D97-AF65-F5344CB8AC3E}">
+        <p14:creationId xmlns:p14="http://schemas.microsoft.com/office/powerpoint/2010/main" val="1856263806"/>
+      </p:ext>
+    </p:extLst>
+  </p:cSld>
+  <p:clrMapOvr>
+    <a:masterClrMapping/>
+  </p:clrMapOvr>
+  <p:timing>
+    <p:tnLst>
+      <p:par>
+        <p:cTn id="1" dur="indefinite" restart="never" nodeType="tmRoot"/>
+      </p:par>
+    </p:tnLst>
+  </p:timing>
+</p:sld>
+</file>
+
+<file path=ppt/slides/slide2.xml><?xml version="1.0" encoding="utf-8"?>
+<p:sld xmlns:a="http://schemas.openxmlformats.org/drawingml/2006/main" xmlns:r="http://schemas.openxmlformats.org/officeDocument/2006/relationships" xmlns:p="http://schemas.openxmlformats.org/presentationml/2006/main">
+  <p:cSld>
+    <p:spTree>
+      <p:nvGrpSpPr>
+        <p:cNvPr id="1" name=""/>
+        <p:cNvGrpSpPr/>
+        <p:nvPr/>
+      </p:nvGrpSpPr>
+      <p:grpSpPr>
+        <a:xfrm>
+          <a:off x="0" y="0"/>
+          <a:ext cx="0" cy="0"/>
+          <a:chOff x="0" y="0"/>
+          <a:chExt cx="0" cy="0"/>
+        </a:xfrm>
+      </p:grpSpPr>
+      <p:sp>
+        <p:nvSpPr>
+          <p:cNvPr id="2" name="1 Título"/>
+          <p:cNvSpPr>
+            <a:spLocks noGrp="1"/>
+          </p:cNvSpPr>
+          <p:nvPr>
+            <p:ph type="ctrTitle"/>
+          </p:nvPr>
+        </p:nvSpPr>
+        <p:spPr/>
+        <p:txBody>
+          <a:bodyPr/>
+          <a:lstStyle/>
+          <a:p>
+            <a:r>
+              <a:rPr lang="es-ES" dirty="0" smtClean="0"/>
+              <a:t>INTRODUCCION</a:t>
+            </a:r>
+            <a:endParaRPr lang="es-ES" dirty="0"/>
+          </a:p>
+        </p:txBody>
+      </p:sp>
+    </p:spTree>
+    <p:extLst>
+      <p:ext uri="{BB962C8B-B14F-4D97-AF65-F5344CB8AC3E}">
+        <p14:creationId xmlns:p14="http://schemas.microsoft.com/office/powerpoint/2010/main" val="3292075344"/>
+      </p:ext>
+    </p:extLst>
+  </p:cSld>
+  <p:clrMapOvr>
+    <a:masterClrMapping/>
+  </p:clrMapOvr>
+  <p:timing>
+    <p:tnLst>
+      <p:par>
+        <p:cTn id="1" dur="indefinite" restart="never" nodeType="tmRoot"/>
+      </p:par>
+    </p:tnLst>
+  </p:timing>
+</p:sld>
+</file>
+
+<file path=ppt/slides/slide20.xml><?xml version="1.0" encoding="utf-8"?>
+<p:sld xmlns:a="http://schemas.openxmlformats.org/drawingml/2006/main" xmlns:r="http://schemas.openxmlformats.org/officeDocument/2006/relationships" xmlns:p="http://schemas.openxmlformats.org/presentationml/2006/main">
+  <p:cSld>
+    <p:spTree>
+      <p:nvGrpSpPr>
+        <p:cNvPr id="1" name=""/>
+        <p:cNvGrpSpPr/>
+        <p:nvPr/>
+      </p:nvGrpSpPr>
+      <p:grpSpPr>
+        <a:xfrm>
+          <a:off x="0" y="0"/>
+          <a:ext cx="0" cy="0"/>
+          <a:chOff x="0" y="0"/>
+          <a:chExt cx="0" cy="0"/>
+        </a:xfrm>
+      </p:grpSpPr>
+      <p:sp>
+        <p:nvSpPr>
+          <p:cNvPr id="3" name="2 Título"/>
+          <p:cNvSpPr>
+            <a:spLocks noGrp="1"/>
+          </p:cNvSpPr>
+          <p:nvPr>
+            <p:ph type="title"/>
+          </p:nvPr>
+        </p:nvSpPr>
+        <p:spPr/>
+        <p:txBody>
+          <a:bodyPr>
+            <a:normAutofit/>
+          </a:bodyPr>
+          <a:lstStyle/>
+          <a:p>
+            <a:r>
+              <a:rPr lang="es-ES" dirty="0" smtClean="0">
+                <a:solidFill>
+                  <a:schemeClr val="bg1"/>
+                </a:solidFill>
+              </a:rPr>
+              <a:t>Diagrama de proceso</a:t>
+            </a:r>
+            <a:endParaRPr lang="es-ES" dirty="0"/>
+          </a:p>
+        </p:txBody>
+      </p:sp>
+      <p:pic>
+        <p:nvPicPr>
+          <p:cNvPr id="6" name="3 Marcador de contenido"/>
+          <p:cNvPicPr>
+            <a:picLocks noChangeAspect="1"/>
+          </p:cNvPicPr>
+          <p:nvPr/>
+        </p:nvPicPr>
+        <p:blipFill>
+          <a:blip r:embed="rId2">
+            <a:extLst>
+              <a:ext uri="{28A0092B-C50C-407E-A947-70E740481C1C}">
+                <a14:useLocalDpi xmlns:a14="http://schemas.microsoft.com/office/drawing/2010/main" val="0"/>
+              </a:ext>
+            </a:extLst>
+          </a:blip>
+          <a:stretch>
+            <a:fillRect/>
+          </a:stretch>
+        </p:blipFill>
+        <p:spPr>
+          <a:xfrm>
+            <a:off x="971600" y="1651394"/>
+            <a:ext cx="6948264" cy="5122573"/>
+          </a:xfrm>
+          <a:prstGeom prst="rect">
+            <a:avLst/>
+          </a:prstGeom>
+        </p:spPr>
+      </p:pic>
+    </p:spTree>
+    <p:extLst>
+      <p:ext uri="{BB962C8B-B14F-4D97-AF65-F5344CB8AC3E}">
+        <p14:creationId xmlns:p14="http://schemas.microsoft.com/office/powerpoint/2010/main" val="246504266"/>
+      </p:ext>
+    </p:extLst>
+  </p:cSld>
+  <p:clrMapOvr>
+    <a:masterClrMapping/>
+  </p:clrMapOvr>
+  <p:timing>
+    <p:tnLst>
+      <p:par>
+        <p:cTn id="1" dur="indefinite" restart="never" nodeType="tmRoot"/>
+      </p:par>
+    </p:tnLst>
+  </p:timing>
+</p:sld>
+</file>
+
+<file path=ppt/slides/slide21.xml><?xml version="1.0" encoding="utf-8"?>
+<p:sld xmlns:a="http://schemas.openxmlformats.org/drawingml/2006/main" xmlns:r="http://schemas.openxmlformats.org/officeDocument/2006/relationships" xmlns:p="http://schemas.openxmlformats.org/presentationml/2006/main">
+  <p:cSld>
+    <p:spTree>
+      <p:nvGrpSpPr>
+        <p:cNvPr id="1" name=""/>
+        <p:cNvGrpSpPr/>
+        <p:nvPr/>
+      </p:nvGrpSpPr>
+      <p:grpSpPr>
+        <a:xfrm>
+          <a:off x="0" y="0"/>
+          <a:ext cx="0" cy="0"/>
+          <a:chOff x="0" y="0"/>
+          <a:chExt cx="0" cy="0"/>
+        </a:xfrm>
+      </p:grpSpPr>
+      <p:sp>
+        <p:nvSpPr>
+          <p:cNvPr id="3" name="2 Título"/>
+          <p:cNvSpPr>
+            <a:spLocks noGrp="1"/>
+          </p:cNvSpPr>
+          <p:nvPr>
+            <p:ph type="title"/>
+          </p:nvPr>
+        </p:nvSpPr>
+        <p:spPr/>
+        <p:txBody>
+          <a:bodyPr>
+            <a:normAutofit/>
+          </a:bodyPr>
+          <a:lstStyle/>
+          <a:p>
+            <a:r>
+              <a:rPr lang="es-ES" dirty="0" smtClean="0"/>
+              <a:t>Flujo compra</a:t>
+            </a:r>
+            <a:endParaRPr lang="es-ES" dirty="0"/>
+          </a:p>
+        </p:txBody>
+      </p:sp>
+      <p:pic>
+        <p:nvPicPr>
+          <p:cNvPr id="4" name="5 Marcador de contenido"/>
+          <p:cNvPicPr>
+            <a:picLocks noGrp="1" noChangeAspect="1"/>
+          </p:cNvPicPr>
+          <p:nvPr>
+            <p:ph idx="1"/>
+          </p:nvPr>
+        </p:nvPicPr>
+        <p:blipFill rotWithShape="1">
+          <a:blip r:embed="rId2">
+            <a:extLst>
+              <a:ext uri="{28A0092B-C50C-407E-A947-70E740481C1C}">
+                <a14:useLocalDpi xmlns:a14="http://schemas.microsoft.com/office/drawing/2010/main" val="0"/>
+              </a:ext>
+            </a:extLst>
+          </a:blip>
+          <a:srcRect t="4403" b="9306"/>
+          <a:stretch/>
+        </p:blipFill>
+        <p:spPr>
+          <a:xfrm>
+            <a:off x="251520" y="1602221"/>
+            <a:ext cx="8640960" cy="5139147"/>
+          </a:xfrm>
+        </p:spPr>
+      </p:pic>
+    </p:spTree>
+    <p:extLst>
+      <p:ext uri="{BB962C8B-B14F-4D97-AF65-F5344CB8AC3E}">
+        <p14:creationId xmlns:p14="http://schemas.microsoft.com/office/powerpoint/2010/main" val="2807143563"/>
+      </p:ext>
+    </p:extLst>
+  </p:cSld>
+  <p:clrMapOvr>
+    <a:masterClrMapping/>
+  </p:clrMapOvr>
+  <p:timing>
+    <p:tnLst>
+      <p:par>
+        <p:cTn id="1" dur="indefinite" restart="never" nodeType="tmRoot"/>
+      </p:par>
+    </p:tnLst>
+  </p:timing>
+</p:sld>
+</file>
+
+<file path=ppt/slides/slide22.xml><?xml version="1.0" encoding="utf-8"?>
+<p:sld xmlns:a="http://schemas.openxmlformats.org/drawingml/2006/main" xmlns:r="http://schemas.openxmlformats.org/officeDocument/2006/relationships" xmlns:p="http://schemas.openxmlformats.org/presentationml/2006/main">
+  <p:cSld>
+    <p:spTree>
+      <p:nvGrpSpPr>
+        <p:cNvPr id="1" name=""/>
+        <p:cNvGrpSpPr/>
+        <p:nvPr/>
+      </p:nvGrpSpPr>
+      <p:grpSpPr>
+        <a:xfrm>
+          <a:off x="0" y="0"/>
+          <a:ext cx="0" cy="0"/>
+          <a:chOff x="0" y="0"/>
+          <a:chExt cx="0" cy="0"/>
+        </a:xfrm>
+      </p:grpSpPr>
+      <p:sp>
+        <p:nvSpPr>
+          <p:cNvPr id="3" name="2 Título"/>
+          <p:cNvSpPr>
+            <a:spLocks noGrp="1"/>
+          </p:cNvSpPr>
+          <p:nvPr>
+            <p:ph type="title"/>
+          </p:nvPr>
+        </p:nvSpPr>
+        <p:spPr/>
+        <p:txBody>
+          <a:bodyPr>
+            <a:normAutofit/>
+          </a:bodyPr>
+          <a:lstStyle/>
+          <a:p>
+            <a:r>
+              <a:rPr lang="es-ES" dirty="0" smtClean="0">
+                <a:solidFill>
+                  <a:schemeClr val="bg1"/>
+                </a:solidFill>
+              </a:rPr>
+              <a:t>Flujo pago</a:t>
+            </a:r>
+            <a:endParaRPr lang="es-ES" dirty="0"/>
+          </a:p>
+        </p:txBody>
+      </p:sp>
+      <p:pic>
+        <p:nvPicPr>
+          <p:cNvPr id="5" name="5 Marcador de contenido"/>
+          <p:cNvPicPr>
+            <a:picLocks noGrp="1" noChangeAspect="1"/>
+          </p:cNvPicPr>
+          <p:nvPr>
+            <p:ph idx="1"/>
+          </p:nvPr>
+        </p:nvPicPr>
+        <p:blipFill rotWithShape="1">
+          <a:blip r:embed="rId2">
+            <a:extLst>
+              <a:ext uri="{28A0092B-C50C-407E-A947-70E740481C1C}">
+                <a14:useLocalDpi xmlns:a14="http://schemas.microsoft.com/office/drawing/2010/main" val="0"/>
+              </a:ext>
+            </a:extLst>
+          </a:blip>
+          <a:srcRect t="368" r="3467" b="3173"/>
+          <a:stretch/>
+        </p:blipFill>
+        <p:spPr>
+          <a:xfrm>
+            <a:off x="255224" y="1720700"/>
+            <a:ext cx="8637256" cy="4979157"/>
+          </a:xfrm>
+        </p:spPr>
+      </p:pic>
+    </p:spTree>
+    <p:extLst>
+      <p:ext uri="{BB962C8B-B14F-4D97-AF65-F5344CB8AC3E}">
+        <p14:creationId xmlns:p14="http://schemas.microsoft.com/office/powerpoint/2010/main" val="2389628800"/>
+      </p:ext>
+    </p:extLst>
+  </p:cSld>
+  <p:clrMapOvr>
+    <a:masterClrMapping/>
+  </p:clrMapOvr>
+  <p:timing>
+    <p:tnLst>
+      <p:par>
+        <p:cTn id="1" dur="indefinite" restart="never" nodeType="tmRoot"/>
+      </p:par>
+    </p:tnLst>
+  </p:timing>
+</p:sld>
+</file>
+
+<file path=ppt/slides/slide23.xml><?xml version="1.0" encoding="utf-8"?>
+<p:sld xmlns:a="http://schemas.openxmlformats.org/drawingml/2006/main" xmlns:r="http://schemas.openxmlformats.org/officeDocument/2006/relationships" xmlns:p="http://schemas.openxmlformats.org/presentationml/2006/main">
+  <p:cSld>
+    <p:spTree>
+      <p:nvGrpSpPr>
+        <p:cNvPr id="1" name=""/>
+        <p:cNvGrpSpPr/>
+        <p:nvPr/>
+      </p:nvGrpSpPr>
+      <p:grpSpPr>
+        <a:xfrm>
+          <a:off x="0" y="0"/>
+          <a:ext cx="0" cy="0"/>
+          <a:chOff x="0" y="0"/>
+          <a:chExt cx="0" cy="0"/>
+        </a:xfrm>
+      </p:grpSpPr>
+      <p:sp>
+        <p:nvSpPr>
+          <p:cNvPr id="3" name="2 Título"/>
+          <p:cNvSpPr>
+            <a:spLocks noGrp="1"/>
+          </p:cNvSpPr>
+          <p:nvPr>
+            <p:ph type="title"/>
+          </p:nvPr>
+        </p:nvSpPr>
+        <p:spPr/>
+        <p:txBody>
+          <a:bodyPr>
+            <a:normAutofit/>
+          </a:bodyPr>
+          <a:lstStyle/>
+          <a:p>
+            <a:r>
+              <a:rPr lang="es-ES" dirty="0" smtClean="0">
+                <a:solidFill>
+                  <a:schemeClr val="bg1"/>
+                </a:solidFill>
+              </a:rPr>
+              <a:t>Flujo pago</a:t>
+            </a:r>
+            <a:endParaRPr lang="es-ES" dirty="0"/>
+          </a:p>
+        </p:txBody>
+      </p:sp>
+      <p:pic>
+        <p:nvPicPr>
+          <p:cNvPr id="5" name="5 Marcador de contenido"/>
+          <p:cNvPicPr>
+            <a:picLocks noGrp="1" noChangeAspect="1"/>
+          </p:cNvPicPr>
+          <p:nvPr>
+            <p:ph idx="1"/>
+          </p:nvPr>
+        </p:nvPicPr>
+        <p:blipFill rotWithShape="1">
+          <a:blip r:embed="rId2">
+            <a:extLst>
+              <a:ext uri="{28A0092B-C50C-407E-A947-70E740481C1C}">
+                <a14:useLocalDpi xmlns:a14="http://schemas.microsoft.com/office/drawing/2010/main" val="0"/>
+              </a:ext>
+            </a:extLst>
+          </a:blip>
+          <a:srcRect t="368" r="3467" b="3173"/>
+          <a:stretch/>
+        </p:blipFill>
+        <p:spPr>
+          <a:xfrm>
+            <a:off x="255224" y="1720700"/>
+            <a:ext cx="8637256" cy="4979157"/>
+          </a:xfrm>
+        </p:spPr>
+      </p:pic>
+    </p:spTree>
+    <p:extLst>
+      <p:ext uri="{BB962C8B-B14F-4D97-AF65-F5344CB8AC3E}">
+        <p14:creationId xmlns:p14="http://schemas.microsoft.com/office/powerpoint/2010/main" val="924761619"/>
+      </p:ext>
+    </p:extLst>
+  </p:cSld>
+  <p:clrMapOvr>
+    <a:masterClrMapping/>
+  </p:clrMapOvr>
+  <p:timing>
+    <p:tnLst>
+      <p:par>
+        <p:cTn id="1" dur="indefinite" restart="never" nodeType="tmRoot"/>
+      </p:par>
+    </p:tnLst>
+  </p:timing>
+</p:sld>
+</file>
+
+<file path=ppt/slides/slide24.xml><?xml version="1.0" encoding="utf-8"?>
+<p:sld xmlns:a="http://schemas.openxmlformats.org/drawingml/2006/main" xmlns:r="http://schemas.openxmlformats.org/officeDocument/2006/relationships" xmlns:p="http://schemas.openxmlformats.org/presentationml/2006/main">
+  <p:cSld>
+    <p:spTree>
+      <p:nvGrpSpPr>
+        <p:cNvPr id="1" name=""/>
+        <p:cNvGrpSpPr/>
+        <p:nvPr/>
+      </p:nvGrpSpPr>
+      <p:grpSpPr>
+        <a:xfrm>
+          <a:off x="0" y="0"/>
+          <a:ext cx="0" cy="0"/>
+          <a:chOff x="0" y="0"/>
+          <a:chExt cx="0" cy="0"/>
+        </a:xfrm>
+      </p:grpSpPr>
+      <p:sp>
+        <p:nvSpPr>
+          <p:cNvPr id="2" name="1 Título"/>
+          <p:cNvSpPr>
+            <a:spLocks noGrp="1"/>
+          </p:cNvSpPr>
+          <p:nvPr>
+            <p:ph type="ctrTitle"/>
+          </p:nvPr>
+        </p:nvSpPr>
+        <p:spPr/>
+        <p:txBody>
+          <a:bodyPr/>
+          <a:lstStyle/>
+          <a:p>
+            <a:r>
+              <a:rPr lang="es-ES" dirty="0" smtClean="0"/>
+              <a:t>VENTAS</a:t>
+            </a:r>
+            <a:endParaRPr lang="es-ES" dirty="0"/>
+          </a:p>
+        </p:txBody>
+      </p:sp>
+    </p:spTree>
+    <p:extLst>
+      <p:ext uri="{BB962C8B-B14F-4D97-AF65-F5344CB8AC3E}">
+        <p14:creationId xmlns:p14="http://schemas.microsoft.com/office/powerpoint/2010/main" val="2916678532"/>
+      </p:ext>
+    </p:extLst>
+  </p:cSld>
+  <p:clrMapOvr>
+    <a:masterClrMapping/>
+  </p:clrMapOvr>
+  <p:timing>
+    <p:tnLst>
+      <p:par>
+        <p:cTn id="1" dur="indefinite" restart="never" nodeType="tmRoot"/>
+      </p:par>
+    </p:tnLst>
+  </p:timing>
+</p:sld>
+</file>
+
+<file path=ppt/slides/slide25.xml><?xml version="1.0" encoding="utf-8"?>
+<p:sld xmlns:a="http://schemas.openxmlformats.org/drawingml/2006/main" xmlns:r="http://schemas.openxmlformats.org/officeDocument/2006/relationships" xmlns:p="http://schemas.openxmlformats.org/presentationml/2006/main">
+  <p:cSld>
+    <p:spTree>
+      <p:nvGrpSpPr>
+        <p:cNvPr id="1" name=""/>
+        <p:cNvGrpSpPr/>
+        <p:nvPr/>
+      </p:nvGrpSpPr>
+      <p:grpSpPr>
+        <a:xfrm>
+          <a:off x="0" y="0"/>
+          <a:ext cx="0" cy="0"/>
+          <a:chOff x="0" y="0"/>
+          <a:chExt cx="0" cy="0"/>
+        </a:xfrm>
+      </p:grpSpPr>
+      <p:sp>
+        <p:nvSpPr>
+          <p:cNvPr id="3" name="2 Título"/>
+          <p:cNvSpPr>
+            <a:spLocks noGrp="1"/>
+          </p:cNvSpPr>
+          <p:nvPr>
+            <p:ph type="title"/>
+          </p:nvPr>
+        </p:nvSpPr>
+        <p:spPr/>
+        <p:txBody>
+          <a:bodyPr>
+            <a:normAutofit fontScale="90000"/>
+          </a:bodyPr>
+          <a:lstStyle/>
+          <a:p>
+            <a:r>
+              <a:rPr lang="es-ES" dirty="0">
+                <a:solidFill>
+                  <a:schemeClr val="bg1"/>
+                </a:solidFill>
+              </a:rPr>
+              <a:t>Requerimientos del Modulo de </a:t>
+            </a:r>
+            <a:r>
+              <a:rPr lang="es-ES" dirty="0" smtClean="0">
+                <a:solidFill>
+                  <a:schemeClr val="bg1"/>
+                </a:solidFill>
+              </a:rPr>
+              <a:t>Venta</a:t>
+            </a:r>
+            <a:endParaRPr lang="es-ES" dirty="0"/>
+          </a:p>
+        </p:txBody>
+      </p:sp>
+      <p:sp>
+        <p:nvSpPr>
+          <p:cNvPr id="5" name="1 Marcador de contenido"/>
+          <p:cNvSpPr>
+            <a:spLocks noGrp="1"/>
+          </p:cNvSpPr>
+          <p:nvPr>
+            <p:ph idx="1"/>
+          </p:nvPr>
+        </p:nvSpPr>
+        <p:spPr>
+          <a:xfrm>
+            <a:off x="872067" y="2675467"/>
+            <a:ext cx="7408333" cy="3450696"/>
+          </a:xfrm>
+        </p:spPr>
+        <p:txBody>
+          <a:bodyPr vert="horz" lIns="91440" tIns="45720" rIns="91440" bIns="45720" rtlCol="0">
+            <a:normAutofit fontScale="92500" lnSpcReduction="10000"/>
+          </a:bodyPr>
+          <a:lstStyle/>
+          <a:p>
+            <a:r>
+              <a:rPr lang="es-ES" dirty="0" smtClean="0"/>
+              <a:t>1</a:t>
+            </a:r>
+            <a:r>
+              <a:rPr lang="es-ES" dirty="0"/>
+              <a:t>. Se registraran los datos relacionados al cliente. </a:t>
+            </a:r>
+          </a:p>
+          <a:p>
+            <a:r>
+              <a:rPr lang="es-ES" dirty="0"/>
+              <a:t>2. Se registra los pedidos. </a:t>
+            </a:r>
+          </a:p>
+          <a:p>
+            <a:r>
+              <a:rPr lang="es-ES" dirty="0"/>
+              <a:t>3. Se realiza la facturación. </a:t>
+            </a:r>
+          </a:p>
+          <a:p>
+            <a:endParaRPr lang="es-ES" dirty="0"/>
+          </a:p>
+          <a:p>
+            <a:r>
+              <a:rPr lang="es-ES" dirty="0"/>
+              <a:t>_Selecciona pedidos. </a:t>
+            </a:r>
+          </a:p>
+          <a:p>
+            <a:r>
+              <a:rPr lang="es-ES" dirty="0"/>
+              <a:t>_Carga pedidos. </a:t>
+            </a:r>
+          </a:p>
+          <a:p>
+            <a:r>
+              <a:rPr lang="es-ES" b="1" dirty="0"/>
+              <a:t>Aspectos adicionales a ser considerados </a:t>
+            </a:r>
+            <a:endParaRPr lang="es-ES" dirty="0"/>
+          </a:p>
+          <a:p>
+            <a:r>
+              <a:rPr lang="es-ES" dirty="0" smtClean="0"/>
+              <a:t>- Contado</a:t>
+            </a:r>
+            <a:r>
+              <a:rPr lang="es-ES" dirty="0"/>
+              <a:t>. </a:t>
+            </a:r>
+          </a:p>
+          <a:p>
+            <a:r>
+              <a:rPr lang="es-ES" dirty="0"/>
+              <a:t>	</a:t>
+            </a:r>
+          </a:p>
+          <a:p>
+            <a:endParaRPr lang="es-ES" dirty="0"/>
+          </a:p>
+          <a:p>
+            <a:endParaRPr lang="es-ES" dirty="0"/>
+          </a:p>
+        </p:txBody>
+      </p:sp>
+    </p:spTree>
+    <p:extLst>
+      <p:ext uri="{BB962C8B-B14F-4D97-AF65-F5344CB8AC3E}">
+        <p14:creationId xmlns:p14="http://schemas.microsoft.com/office/powerpoint/2010/main" val="1127780079"/>
+      </p:ext>
+    </p:extLst>
+  </p:cSld>
+  <p:clrMapOvr>
+    <a:masterClrMapping/>
+  </p:clrMapOvr>
+  <p:timing>
+    <p:tnLst>
+      <p:par>
+        <p:cTn id="1" dur="indefinite" restart="never" nodeType="tmRoot"/>
+      </p:par>
+    </p:tnLst>
+  </p:timing>
+</p:sld>
+</file>
+
+<file path=ppt/slides/slide26.xml><?xml version="1.0" encoding="utf-8"?>
+<p:sld xmlns:a="http://schemas.openxmlformats.org/drawingml/2006/main" xmlns:r="http://schemas.openxmlformats.org/officeDocument/2006/relationships" xmlns:p="http://schemas.openxmlformats.org/presentationml/2006/main">
+  <p:cSld>
+    <p:spTree>
+      <p:nvGrpSpPr>
+        <p:cNvPr id="1" name=""/>
+        <p:cNvGrpSpPr/>
+        <p:nvPr/>
+      </p:nvGrpSpPr>
+      <p:grpSpPr>
+        <a:xfrm>
+          <a:off x="0" y="0"/>
+          <a:ext cx="0" cy="0"/>
+          <a:chOff x="0" y="0"/>
+          <a:chExt cx="0" cy="0"/>
+        </a:xfrm>
+      </p:grpSpPr>
+      <p:sp>
+        <p:nvSpPr>
+          <p:cNvPr id="3" name="2 Título"/>
+          <p:cNvSpPr>
+            <a:spLocks noGrp="1"/>
+          </p:cNvSpPr>
+          <p:nvPr>
+            <p:ph type="title"/>
+          </p:nvPr>
+        </p:nvSpPr>
+        <p:spPr/>
+        <p:txBody>
+          <a:bodyPr>
+            <a:normAutofit/>
+          </a:bodyPr>
+          <a:lstStyle/>
+          <a:p>
+            <a:r>
+              <a:rPr lang="es-ES" dirty="0" smtClean="0"/>
+              <a:t>Diagrama de Proceso</a:t>
+            </a:r>
+            <a:endParaRPr lang="es-ES" dirty="0"/>
+          </a:p>
+        </p:txBody>
+      </p:sp>
+      <p:pic>
+        <p:nvPicPr>
+          <p:cNvPr id="4098" name="Picture 2" descr="C:\Users\Ivan\Documents\Dropbox\infocomedor-final\DP_Venta.jpg"/>
+          <p:cNvPicPr>
+            <a:picLocks noChangeAspect="1" noChangeArrowheads="1"/>
+          </p:cNvPicPr>
+          <p:nvPr/>
+        </p:nvPicPr>
+        <p:blipFill>
+          <a:blip r:embed="rId2">
+            <a:extLst>
+              <a:ext uri="{28A0092B-C50C-407E-A947-70E740481C1C}">
+                <a14:useLocalDpi xmlns:a14="http://schemas.microsoft.com/office/drawing/2010/main" val="0"/>
+              </a:ext>
+            </a:extLst>
+          </a:blip>
+          <a:srcRect/>
+          <a:stretch>
+            <a:fillRect/>
+          </a:stretch>
+        </p:blipFill>
+        <p:spPr bwMode="auto">
+          <a:xfrm>
+            <a:off x="1126854" y="1767458"/>
+            <a:ext cx="6973538" cy="4469854"/>
+          </a:xfrm>
+          <a:prstGeom prst="rect">
+            <a:avLst/>
+          </a:prstGeom>
+          <a:noFill/>
+          <a:extLst>
+            <a:ext uri="{909E8E84-426E-40DD-AFC4-6F175D3DCCD1}">
+              <a14:hiddenFill xmlns:a14="http://schemas.microsoft.com/office/drawing/2010/main">
+                <a:solidFill>
+                  <a:srgbClr val="FFFFFF"/>
+                </a:solidFill>
+              </a14:hiddenFill>
+            </a:ext>
+          </a:extLst>
+        </p:spPr>
+      </p:pic>
+    </p:spTree>
+    <p:extLst>
+      <p:ext uri="{BB962C8B-B14F-4D97-AF65-F5344CB8AC3E}">
+        <p14:creationId xmlns:p14="http://schemas.microsoft.com/office/powerpoint/2010/main" val="2539620563"/>
+      </p:ext>
+    </p:extLst>
+  </p:cSld>
+  <p:clrMapOvr>
+    <a:masterClrMapping/>
+  </p:clrMapOvr>
+  <p:timing>
+    <p:tnLst>
+      <p:par>
+        <p:cTn id="1" dur="indefinite" restart="never" nodeType="tmRoot"/>
+      </p:par>
+    </p:tnLst>
+  </p:timing>
+</p:sld>
+</file>
+
+<file path=ppt/slides/slide27.xml><?xml version="1.0" encoding="utf-8"?>
+<p:sld xmlns:a="http://schemas.openxmlformats.org/drawingml/2006/main" xmlns:r="http://schemas.openxmlformats.org/officeDocument/2006/relationships" xmlns:p="http://schemas.openxmlformats.org/presentationml/2006/main">
+  <p:cSld>
+    <p:spTree>
+      <p:nvGrpSpPr>
+        <p:cNvPr id="1" name=""/>
+        <p:cNvGrpSpPr/>
+        <p:nvPr/>
+      </p:nvGrpSpPr>
+      <p:grpSpPr>
+        <a:xfrm>
+          <a:off x="0" y="0"/>
+          <a:ext cx="0" cy="0"/>
+          <a:chOff x="0" y="0"/>
+          <a:chExt cx="0" cy="0"/>
+        </a:xfrm>
+      </p:grpSpPr>
+      <p:sp>
+        <p:nvSpPr>
+          <p:cNvPr id="3" name="2 Título"/>
+          <p:cNvSpPr>
+            <a:spLocks noGrp="1"/>
+          </p:cNvSpPr>
+          <p:nvPr>
+            <p:ph type="title"/>
+          </p:nvPr>
+        </p:nvSpPr>
+        <p:spPr/>
+        <p:txBody>
+          <a:bodyPr>
+            <a:normAutofit/>
+          </a:bodyPr>
+          <a:lstStyle/>
+          <a:p>
+            <a:r>
+              <a:rPr lang="es-ES" dirty="0" smtClean="0">
+                <a:solidFill>
+                  <a:schemeClr val="bg1"/>
+                </a:solidFill>
+              </a:rPr>
+              <a:t>Flujo pedido</a:t>
+            </a:r>
+            <a:endParaRPr lang="es-ES" dirty="0"/>
+          </a:p>
+        </p:txBody>
+      </p:sp>
+      <p:pic>
+        <p:nvPicPr>
+          <p:cNvPr id="2051" name="Picture 3" descr="C:\Users\Ivan\Downloads\Untitled (2).png"/>
+          <p:cNvPicPr>
+            <a:picLocks noChangeAspect="1" noChangeArrowheads="1"/>
+          </p:cNvPicPr>
+          <p:nvPr/>
+        </p:nvPicPr>
+        <p:blipFill>
+          <a:blip r:embed="rId2">
+            <a:extLst>
+              <a:ext uri="{28A0092B-C50C-407E-A947-70E740481C1C}">
+                <a14:useLocalDpi xmlns:a14="http://schemas.microsoft.com/office/drawing/2010/main" val="0"/>
+              </a:ext>
+            </a:extLst>
+          </a:blip>
+          <a:srcRect/>
+          <a:stretch>
+            <a:fillRect/>
+          </a:stretch>
+        </p:blipFill>
+        <p:spPr bwMode="auto">
+          <a:xfrm>
+            <a:off x="2339752" y="1412776"/>
+            <a:ext cx="4608512" cy="5390613"/>
+          </a:xfrm>
+          <a:prstGeom prst="rect">
+            <a:avLst/>
+          </a:prstGeom>
+          <a:noFill/>
+          <a:extLst>
+            <a:ext uri="{909E8E84-426E-40DD-AFC4-6F175D3DCCD1}">
+              <a14:hiddenFill xmlns:a14="http://schemas.microsoft.com/office/drawing/2010/main">
+                <a:solidFill>
+                  <a:srgbClr val="FFFFFF"/>
+                </a:solidFill>
+              </a14:hiddenFill>
+            </a:ext>
+          </a:extLst>
+        </p:spPr>
+      </p:pic>
+    </p:spTree>
+    <p:extLst>
+      <p:ext uri="{BB962C8B-B14F-4D97-AF65-F5344CB8AC3E}">
+        <p14:creationId xmlns:p14="http://schemas.microsoft.com/office/powerpoint/2010/main" val="881439518"/>
+      </p:ext>
+    </p:extLst>
+  </p:cSld>
+  <p:clrMapOvr>
+    <a:masterClrMapping/>
+  </p:clrMapOvr>
+  <p:timing>
+    <p:tnLst>
+      <p:par>
+        <p:cTn id="1" dur="indefinite" restart="never" nodeType="tmRoot"/>
+      </p:par>
+    </p:tnLst>
+  </p:timing>
+</p:sld>
+</file>
+
+<file path=ppt/slides/slide28.xml><?xml version="1.0" encoding="utf-8"?>
+<p:sld xmlns:a="http://schemas.openxmlformats.org/drawingml/2006/main" xmlns:r="http://schemas.openxmlformats.org/officeDocument/2006/relationships" xmlns:p="http://schemas.openxmlformats.org/presentationml/2006/main">
+  <p:cSld>
+    <p:spTree>
+      <p:nvGrpSpPr>
+        <p:cNvPr id="1" name=""/>
+        <p:cNvGrpSpPr/>
+        <p:nvPr/>
+      </p:nvGrpSpPr>
+      <p:grpSpPr>
+        <a:xfrm>
+          <a:off x="0" y="0"/>
+          <a:ext cx="0" cy="0"/>
+          <a:chOff x="0" y="0"/>
+          <a:chExt cx="0" cy="0"/>
+        </a:xfrm>
+      </p:grpSpPr>
+      <p:sp>
+        <p:nvSpPr>
+          <p:cNvPr id="3" name="2 Título"/>
+          <p:cNvSpPr>
+            <a:spLocks noGrp="1"/>
+          </p:cNvSpPr>
+          <p:nvPr>
+            <p:ph type="title"/>
+          </p:nvPr>
+        </p:nvSpPr>
+        <p:spPr/>
+        <p:txBody>
+          <a:bodyPr>
+            <a:normAutofit/>
+          </a:bodyPr>
+          <a:lstStyle/>
+          <a:p>
+            <a:r>
+              <a:rPr lang="es-ES" dirty="0" smtClean="0">
+                <a:solidFill>
+                  <a:schemeClr val="bg1"/>
+                </a:solidFill>
+              </a:rPr>
+              <a:t>Flujo factura</a:t>
+            </a:r>
+            <a:endParaRPr lang="es-ES" dirty="0"/>
+          </a:p>
+        </p:txBody>
+      </p:sp>
+      <p:pic>
+        <p:nvPicPr>
+          <p:cNvPr id="3074" name="Picture 2" descr="C:\Users\Ivan\Downloads\Untitled (1).png"/>
+          <p:cNvPicPr>
+            <a:picLocks noChangeAspect="1" noChangeArrowheads="1"/>
+          </p:cNvPicPr>
+          <p:nvPr/>
+        </p:nvPicPr>
+        <p:blipFill rotWithShape="1">
+          <a:blip r:embed="rId3">
+            <a:extLst>
+              <a:ext uri="{28A0092B-C50C-407E-A947-70E740481C1C}">
+                <a14:useLocalDpi xmlns:a14="http://schemas.microsoft.com/office/drawing/2010/main" val="0"/>
+              </a:ext>
+            </a:extLst>
+          </a:blip>
+          <a:srcRect r="14178"/>
+          <a:stretch/>
+        </p:blipFill>
+        <p:spPr bwMode="auto">
+          <a:xfrm>
+            <a:off x="1907704" y="1196752"/>
+            <a:ext cx="5492873" cy="5518944"/>
+          </a:xfrm>
+          <a:prstGeom prst="rect">
+            <a:avLst/>
+          </a:prstGeom>
+          <a:noFill/>
+          <a:extLst>
+            <a:ext uri="{909E8E84-426E-40DD-AFC4-6F175D3DCCD1}">
+              <a14:hiddenFill xmlns:a14="http://schemas.microsoft.com/office/drawing/2010/main">
+                <a:solidFill>
+                  <a:srgbClr val="FFFFFF"/>
+                </a:solidFill>
+              </a14:hiddenFill>
+            </a:ext>
+          </a:extLst>
+        </p:spPr>
+      </p:pic>
+    </p:spTree>
+    <p:extLst>
+      <p:ext uri="{BB962C8B-B14F-4D97-AF65-F5344CB8AC3E}">
+        <p14:creationId xmlns:p14="http://schemas.microsoft.com/office/powerpoint/2010/main" val="2174467515"/>
+      </p:ext>
+    </p:extLst>
+  </p:cSld>
+  <p:clrMapOvr>
+    <a:masterClrMapping/>
+  </p:clrMapOvr>
+  <p:timing>
+    <p:tnLst>
+      <p:par>
+        <p:cTn id="1" dur="indefinite" restart="never" nodeType="tmRoot"/>
+      </p:par>
+    </p:tnLst>
+  </p:timing>
+</p:sld>
+</file>
+
+<file path=ppt/slides/slide29.xml><?xml version="1.0" encoding="utf-8"?>
+<p:sld xmlns:a="http://schemas.openxmlformats.org/drawingml/2006/main" xmlns:r="http://schemas.openxmlformats.org/officeDocument/2006/relationships" xmlns:p="http://schemas.openxmlformats.org/presentationml/2006/main">
+  <p:cSld>
+    <p:spTree>
+      <p:nvGrpSpPr>
+        <p:cNvPr id="1" name=""/>
+        <p:cNvGrpSpPr/>
+        <p:nvPr/>
+      </p:nvGrpSpPr>
+      <p:grpSpPr>
+        <a:xfrm>
+          <a:off x="0" y="0"/>
+          <a:ext cx="0" cy="0"/>
+          <a:chOff x="0" y="0"/>
+          <a:chExt cx="0" cy="0"/>
+        </a:xfrm>
+      </p:grpSpPr>
+      <p:sp>
+        <p:nvSpPr>
+          <p:cNvPr id="2" name="1 Título"/>
+          <p:cNvSpPr>
+            <a:spLocks noGrp="1"/>
+          </p:cNvSpPr>
+          <p:nvPr>
+            <p:ph type="ctrTitle"/>
+          </p:nvPr>
+        </p:nvSpPr>
+        <p:spPr/>
+        <p:txBody>
+          <a:bodyPr/>
+          <a:lstStyle/>
+          <a:p>
+            <a:r>
+              <a:rPr lang="es-ES" dirty="0" smtClean="0"/>
+              <a:t>INVENTARIO</a:t>
+            </a:r>
+            <a:endParaRPr lang="es-ES" dirty="0"/>
+          </a:p>
+        </p:txBody>
+      </p:sp>
+    </p:spTree>
+    <p:extLst>
+      <p:ext uri="{BB962C8B-B14F-4D97-AF65-F5344CB8AC3E}">
+        <p14:creationId xmlns:p14="http://schemas.microsoft.com/office/powerpoint/2010/main" val="3835046543"/>
+      </p:ext>
+    </p:extLst>
+  </p:cSld>
+  <p:clrMapOvr>
+    <a:masterClrMapping/>
+  </p:clrMapOvr>
+  <p:timing>
+    <p:tnLst>
+      <p:par>
+        <p:cTn id="1" dur="indefinite" restart="never" nodeType="tmRoot"/>
+      </p:par>
+    </p:tnLst>
+  </p:timing>
+</p:sld>
+</file>
+
+<file path=ppt/slides/slide3.xml><?xml version="1.0" encoding="utf-8"?>
+<p:sld xmlns:a="http://schemas.openxmlformats.org/drawingml/2006/main" xmlns:r="http://schemas.openxmlformats.org/officeDocument/2006/relationships" xmlns:p="http://schemas.openxmlformats.org/presentationml/2006/main">
+  <p:cSld>
+    <p:spTree>
+      <p:nvGrpSpPr>
+        <p:cNvPr id="1" name=""/>
+        <p:cNvGrpSpPr/>
+        <p:nvPr/>
+      </p:nvGrpSpPr>
+      <p:grpSpPr>
+        <a:xfrm>
+          <a:off x="0" y="0"/>
+          <a:ext cx="0" cy="0"/>
+          <a:chOff x="0" y="0"/>
+          <a:chExt cx="0" cy="0"/>
+        </a:xfrm>
+      </p:grpSpPr>
+      <p:sp>
+        <p:nvSpPr>
+          <p:cNvPr id="2" name="1 Marcador de contenido"/>
+          <p:cNvSpPr>
+            <a:spLocks noGrp="1"/>
+          </p:cNvSpPr>
+          <p:nvPr>
+            <p:ph idx="1"/>
+          </p:nvPr>
+        </p:nvSpPr>
+        <p:spPr/>
+        <p:txBody>
+          <a:bodyPr>
+            <a:normAutofit fontScale="85000" lnSpcReduction="20000"/>
+          </a:bodyPr>
+          <a:lstStyle/>
+          <a:p>
+            <a:r>
+              <a:rPr lang="es-ES" dirty="0"/>
+              <a:t>Mejorar el Proceso en caja con el objeto de hacerlo transparente y confiable.</a:t>
+            </a:r>
+          </a:p>
+          <a:p>
+            <a:endParaRPr lang="es-ES" dirty="0"/>
+          </a:p>
+          <a:p>
+            <a:r>
+              <a:rPr lang="es-ES" dirty="0" smtClean="0"/>
+              <a:t>Optimizar </a:t>
+            </a:r>
+            <a:r>
+              <a:rPr lang="es-ES" dirty="0"/>
+              <a:t>la calidad de atención a los clientes implementando una Base de Datos </a:t>
+            </a:r>
+            <a:r>
+              <a:rPr lang="es-ES" dirty="0" smtClean="0"/>
+              <a:t>con </a:t>
+            </a:r>
+            <a:r>
+              <a:rPr lang="es-ES" dirty="0"/>
+              <a:t>datos relevantes que sean de interés para el negocio.</a:t>
+            </a:r>
+          </a:p>
+          <a:p>
+            <a:endParaRPr lang="es-ES" dirty="0"/>
+          </a:p>
+          <a:p>
+            <a:r>
+              <a:rPr lang="es-ES" dirty="0" smtClean="0"/>
+              <a:t>Contar </a:t>
+            </a:r>
+            <a:r>
+              <a:rPr lang="es-ES" dirty="0"/>
+              <a:t>con un control de stock de materia prima y consumo final toda vez que se </a:t>
+            </a:r>
+            <a:r>
+              <a:rPr lang="es-ES" dirty="0" smtClean="0"/>
+              <a:t> precise</a:t>
+            </a:r>
+            <a:r>
+              <a:rPr lang="es-ES" dirty="0"/>
+              <a:t>.</a:t>
+            </a:r>
+          </a:p>
+          <a:p>
+            <a:endParaRPr lang="es-ES" dirty="0"/>
+          </a:p>
+          <a:p>
+            <a:r>
+              <a:rPr lang="es-ES" dirty="0" smtClean="0"/>
+              <a:t>Agilizar </a:t>
+            </a:r>
+            <a:r>
+              <a:rPr lang="es-ES" dirty="0"/>
+              <a:t>el proceso de facturación.</a:t>
+            </a:r>
+          </a:p>
+        </p:txBody>
+      </p:sp>
+      <p:sp>
+        <p:nvSpPr>
+          <p:cNvPr id="3" name="2 Título"/>
+          <p:cNvSpPr>
+            <a:spLocks noGrp="1"/>
+          </p:cNvSpPr>
+          <p:nvPr>
+            <p:ph type="title"/>
+          </p:nvPr>
+        </p:nvSpPr>
+        <p:spPr/>
+        <p:txBody>
+          <a:bodyPr/>
+          <a:lstStyle/>
+          <a:p>
+            <a:r>
+              <a:rPr lang="es-ES" dirty="0" smtClean="0"/>
+              <a:t>OBJETIVOS</a:t>
+            </a:r>
+            <a:endParaRPr lang="es-ES" dirty="0"/>
+          </a:p>
+        </p:txBody>
+      </p:sp>
+    </p:spTree>
+    <p:extLst>
+      <p:ext uri="{BB962C8B-B14F-4D97-AF65-F5344CB8AC3E}">
+        <p14:creationId xmlns:p14="http://schemas.microsoft.com/office/powerpoint/2010/main" val="2254799409"/>
+      </p:ext>
+    </p:extLst>
+  </p:cSld>
+  <p:clrMapOvr>
+    <a:masterClrMapping/>
+  </p:clrMapOvr>
+  <p:timing>
+    <p:tnLst>
+      <p:par>
+        <p:cTn id="1" dur="indefinite" restart="never" nodeType="tmRoot"/>
+      </p:par>
+    </p:tnLst>
+  </p:timing>
+</p:sld>
+</file>
+
+<file path=ppt/slides/slide30.xml><?xml version="1.0" encoding="utf-8"?>
+<p:sld xmlns:a="http://schemas.openxmlformats.org/drawingml/2006/main" xmlns:r="http://schemas.openxmlformats.org/officeDocument/2006/relationships" xmlns:p="http://schemas.openxmlformats.org/presentationml/2006/main">
+  <p:cSld>
+    <p:spTree>
+      <p:nvGrpSpPr>
+        <p:cNvPr id="1" name=""/>
+        <p:cNvGrpSpPr/>
+        <p:nvPr/>
+      </p:nvGrpSpPr>
+      <p:grpSpPr>
+        <a:xfrm>
+          <a:off x="0" y="0"/>
+          <a:ext cx="0" cy="0"/>
+          <a:chOff x="0" y="0"/>
+          <a:chExt cx="0" cy="0"/>
+        </a:xfrm>
+      </p:grpSpPr>
+      <p:sp>
+        <p:nvSpPr>
+          <p:cNvPr id="3" name="2 Título"/>
+          <p:cNvSpPr>
+            <a:spLocks noGrp="1"/>
+          </p:cNvSpPr>
+          <p:nvPr>
+            <p:ph type="title"/>
+          </p:nvPr>
+        </p:nvSpPr>
+        <p:spPr/>
+        <p:txBody>
+          <a:bodyPr>
+            <a:normAutofit fontScale="90000"/>
+          </a:bodyPr>
+          <a:lstStyle/>
+          <a:p>
+            <a:r>
+              <a:rPr lang="es-ES" dirty="0">
+                <a:solidFill>
+                  <a:schemeClr val="bg1"/>
+                </a:solidFill>
+              </a:rPr>
+              <a:t>Requerimientos del Modulo </a:t>
+            </a:r>
+            <a:r>
+              <a:rPr lang="es-ES" dirty="0" smtClean="0">
+                <a:solidFill>
+                  <a:schemeClr val="bg1"/>
+                </a:solidFill>
+              </a:rPr>
+              <a:t>Inventario</a:t>
+            </a:r>
+            <a:endParaRPr lang="es-ES" dirty="0"/>
+          </a:p>
+        </p:txBody>
+      </p:sp>
+      <p:sp>
+        <p:nvSpPr>
+          <p:cNvPr id="5" name="1 Marcador de contenido"/>
+          <p:cNvSpPr>
+            <a:spLocks noGrp="1"/>
+          </p:cNvSpPr>
+          <p:nvPr>
+            <p:ph idx="1"/>
+          </p:nvPr>
+        </p:nvSpPr>
+        <p:spPr>
+          <a:xfrm>
+            <a:off x="872067" y="2675467"/>
+            <a:ext cx="7408333" cy="3450696"/>
+          </a:xfrm>
+        </p:spPr>
+        <p:txBody>
+          <a:bodyPr vert="horz" lIns="91440" tIns="45720" rIns="91440" bIns="45720" rtlCol="0">
+            <a:normAutofit/>
+          </a:bodyPr>
+          <a:lstStyle/>
+          <a:p>
+            <a:r>
+              <a:rPr lang="es-ES" dirty="0" smtClean="0"/>
+              <a:t>Registrar </a:t>
+            </a:r>
+            <a:r>
+              <a:rPr lang="es-ES" dirty="0"/>
+              <a:t>inventario por producto</a:t>
+            </a:r>
+          </a:p>
+          <a:p>
+            <a:endParaRPr lang="es-ES" dirty="0"/>
+          </a:p>
+          <a:p>
+            <a:r>
+              <a:rPr lang="es-ES" dirty="0" smtClean="0"/>
+              <a:t>Calcular </a:t>
+            </a:r>
+            <a:r>
+              <a:rPr lang="es-ES" dirty="0"/>
+              <a:t>la diferencia</a:t>
+            </a:r>
+          </a:p>
+          <a:p>
+            <a:endParaRPr lang="es-ES" dirty="0"/>
+          </a:p>
+          <a:p>
+            <a:r>
+              <a:rPr lang="es-ES" dirty="0" smtClean="0"/>
+              <a:t> </a:t>
+            </a:r>
+            <a:r>
+              <a:rPr lang="es-ES" dirty="0"/>
+              <a:t>Realizar ajuste</a:t>
+            </a:r>
+          </a:p>
+          <a:p>
+            <a:endParaRPr lang="es-ES" dirty="0"/>
+          </a:p>
+          <a:p>
+            <a:r>
+              <a:rPr lang="es-ES" dirty="0" smtClean="0"/>
+              <a:t> </a:t>
+            </a:r>
+            <a:r>
+              <a:rPr lang="es-ES" dirty="0"/>
+              <a:t>Dar de baja un producto</a:t>
+            </a:r>
+          </a:p>
+          <a:p>
+            <a:endParaRPr lang="es-ES" dirty="0"/>
+          </a:p>
+          <a:p>
+            <a:endParaRPr lang="es-ES" dirty="0"/>
+          </a:p>
+        </p:txBody>
+      </p:sp>
+    </p:spTree>
+    <p:extLst>
+      <p:ext uri="{BB962C8B-B14F-4D97-AF65-F5344CB8AC3E}">
+        <p14:creationId xmlns:p14="http://schemas.microsoft.com/office/powerpoint/2010/main" val="849577504"/>
+      </p:ext>
+    </p:extLst>
+  </p:cSld>
+  <p:clrMapOvr>
+    <a:masterClrMapping/>
+  </p:clrMapOvr>
+  <p:timing>
+    <p:tnLst>
+      <p:par>
+        <p:cTn id="1" dur="indefinite" restart="never" nodeType="tmRoot"/>
+      </p:par>
+    </p:tnLst>
+  </p:timing>
+</p:sld>
+</file>
+
+<file path=ppt/slides/slide31.xml><?xml version="1.0" encoding="utf-8"?>
+<p:sld xmlns:a="http://schemas.openxmlformats.org/drawingml/2006/main" xmlns:r="http://schemas.openxmlformats.org/officeDocument/2006/relationships" xmlns:p="http://schemas.openxmlformats.org/presentationml/2006/main">
+  <p:cSld>
+    <p:spTree>
+      <p:nvGrpSpPr>
+        <p:cNvPr id="1" name=""/>
+        <p:cNvGrpSpPr/>
+        <p:nvPr/>
+      </p:nvGrpSpPr>
+      <p:grpSpPr>
+        <a:xfrm>
+          <a:off x="0" y="0"/>
+          <a:ext cx="0" cy="0"/>
+          <a:chOff x="0" y="0"/>
+          <a:chExt cx="0" cy="0"/>
+        </a:xfrm>
+      </p:grpSpPr>
+      <p:sp>
+        <p:nvSpPr>
+          <p:cNvPr id="3" name="2 Título"/>
+          <p:cNvSpPr>
+            <a:spLocks noGrp="1"/>
+          </p:cNvSpPr>
+          <p:nvPr>
+            <p:ph type="title"/>
+          </p:nvPr>
+        </p:nvSpPr>
+        <p:spPr/>
+        <p:txBody>
+          <a:bodyPr>
+            <a:normAutofit/>
+          </a:bodyPr>
+          <a:lstStyle/>
+          <a:p>
+            <a:r>
+              <a:rPr lang="es-ES" dirty="0" smtClean="0"/>
+              <a:t>Diagrama de Proceso</a:t>
+            </a:r>
+            <a:endParaRPr lang="es-ES" dirty="0"/>
+          </a:p>
+        </p:txBody>
+      </p:sp>
+      <p:pic>
+        <p:nvPicPr>
+          <p:cNvPr id="5122" name="Picture 2" descr="C:\Users\Ivan\Documents\Dropbox\infocomedor-final\DP_Inventario.jpg"/>
+          <p:cNvPicPr>
+            <a:picLocks noChangeAspect="1" noChangeArrowheads="1"/>
+          </p:cNvPicPr>
+          <p:nvPr/>
+        </p:nvPicPr>
+        <p:blipFill rotWithShape="1">
+          <a:blip r:embed="rId2">
+            <a:extLst>
+              <a:ext uri="{28A0092B-C50C-407E-A947-70E740481C1C}">
+                <a14:useLocalDpi xmlns:a14="http://schemas.microsoft.com/office/drawing/2010/main" val="0"/>
+              </a:ext>
+            </a:extLst>
+          </a:blip>
+          <a:srcRect b="18305"/>
+          <a:stretch/>
+        </p:blipFill>
+        <p:spPr bwMode="auto">
+          <a:xfrm>
+            <a:off x="1259632" y="1556792"/>
+            <a:ext cx="6920933" cy="4392488"/>
+          </a:xfrm>
+          <a:prstGeom prst="rect">
+            <a:avLst/>
+          </a:prstGeom>
+          <a:noFill/>
+          <a:extLst>
+            <a:ext uri="{909E8E84-426E-40DD-AFC4-6F175D3DCCD1}">
+              <a14:hiddenFill xmlns:a14="http://schemas.microsoft.com/office/drawing/2010/main">
+                <a:solidFill>
+                  <a:srgbClr val="FFFFFF"/>
+                </a:solidFill>
+              </a14:hiddenFill>
+            </a:ext>
+          </a:extLst>
+        </p:spPr>
+      </p:pic>
+    </p:spTree>
+    <p:extLst>
+      <p:ext uri="{BB962C8B-B14F-4D97-AF65-F5344CB8AC3E}">
+        <p14:creationId xmlns:p14="http://schemas.microsoft.com/office/powerpoint/2010/main" val="1692221602"/>
+      </p:ext>
+    </p:extLst>
+  </p:cSld>
+  <p:clrMapOvr>
+    <a:masterClrMapping/>
+  </p:clrMapOvr>
+  <p:timing>
+    <p:tnLst>
+      <p:par>
+        <p:cTn id="1" dur="indefinite" restart="never" nodeType="tmRoot"/>
+      </p:par>
+    </p:tnLst>
+  </p:timing>
+</p:sld>
+</file>
+
+<file path=ppt/slides/slide32.xml><?xml version="1.0" encoding="utf-8"?>
+<p:sld xmlns:a="http://schemas.openxmlformats.org/drawingml/2006/main" xmlns:r="http://schemas.openxmlformats.org/officeDocument/2006/relationships" xmlns:p="http://schemas.openxmlformats.org/presentationml/2006/main">
+  <p:cSld>
+    <p:spTree>
+      <p:nvGrpSpPr>
+        <p:cNvPr id="1" name=""/>
+        <p:cNvGrpSpPr/>
+        <p:nvPr/>
+      </p:nvGrpSpPr>
+      <p:grpSpPr>
+        <a:xfrm>
+          <a:off x="0" y="0"/>
+          <a:ext cx="0" cy="0"/>
+          <a:chOff x="0" y="0"/>
+          <a:chExt cx="0" cy="0"/>
+        </a:xfrm>
+      </p:grpSpPr>
+      <p:sp>
+        <p:nvSpPr>
+          <p:cNvPr id="3" name="2 Título"/>
+          <p:cNvSpPr>
+            <a:spLocks noGrp="1"/>
+          </p:cNvSpPr>
+          <p:nvPr>
+            <p:ph type="title"/>
+          </p:nvPr>
+        </p:nvSpPr>
+        <p:spPr/>
+        <p:txBody>
+          <a:bodyPr>
+            <a:normAutofit/>
+          </a:bodyPr>
+          <a:lstStyle/>
+          <a:p>
+            <a:r>
+              <a:rPr lang="es-ES" dirty="0" smtClean="0"/>
+              <a:t>Flujo inventario</a:t>
+            </a:r>
+            <a:endParaRPr lang="es-ES" dirty="0"/>
+          </a:p>
+        </p:txBody>
+      </p:sp>
+      <p:pic>
+        <p:nvPicPr>
+          <p:cNvPr id="6146" name="Picture 2" descr="C:\Users\Ivan\Downloads\infocomedor\inventario.png"/>
+          <p:cNvPicPr>
+            <a:picLocks noChangeAspect="1" noChangeArrowheads="1"/>
+          </p:cNvPicPr>
+          <p:nvPr/>
+        </p:nvPicPr>
+        <p:blipFill>
+          <a:blip r:embed="rId2">
+            <a:extLst>
+              <a:ext uri="{28A0092B-C50C-407E-A947-70E740481C1C}">
+                <a14:useLocalDpi xmlns:a14="http://schemas.microsoft.com/office/drawing/2010/main" val="0"/>
+              </a:ext>
+            </a:extLst>
+          </a:blip>
+          <a:srcRect/>
+          <a:stretch>
+            <a:fillRect/>
+          </a:stretch>
+        </p:blipFill>
+        <p:spPr bwMode="auto">
+          <a:xfrm>
+            <a:off x="2339752" y="1412776"/>
+            <a:ext cx="4608512" cy="4952045"/>
+          </a:xfrm>
+          <a:prstGeom prst="rect">
+            <a:avLst/>
+          </a:prstGeom>
+          <a:noFill/>
+          <a:extLst>
+            <a:ext uri="{909E8E84-426E-40DD-AFC4-6F175D3DCCD1}">
+              <a14:hiddenFill xmlns:a14="http://schemas.microsoft.com/office/drawing/2010/main">
+                <a:solidFill>
+                  <a:srgbClr val="FFFFFF"/>
+                </a:solidFill>
+              </a14:hiddenFill>
+            </a:ext>
+          </a:extLst>
+        </p:spPr>
+      </p:pic>
+    </p:spTree>
+    <p:extLst>
+      <p:ext uri="{BB962C8B-B14F-4D97-AF65-F5344CB8AC3E}">
+        <p14:creationId xmlns:p14="http://schemas.microsoft.com/office/powerpoint/2010/main" val="2714216513"/>
+      </p:ext>
+    </p:extLst>
+  </p:cSld>
+  <p:clrMapOvr>
+    <a:masterClrMapping/>
+  </p:clrMapOvr>
+  <p:timing>
+    <p:tnLst>
+      <p:par>
+        <p:cTn id="1" dur="indefinite" restart="never" nodeType="tmRoot"/>
+      </p:par>
+    </p:tnLst>
+  </p:timing>
+</p:sld>
+</file>
+
+<file path=ppt/slides/slide33.xml><?xml version="1.0" encoding="utf-8"?>
+<p:sld xmlns:a="http://schemas.openxmlformats.org/drawingml/2006/main" xmlns:r="http://schemas.openxmlformats.org/officeDocument/2006/relationships" xmlns:p="http://schemas.openxmlformats.org/presentationml/2006/main">
+  <p:cSld>
+    <p:spTree>
+      <p:nvGrpSpPr>
+        <p:cNvPr id="1" name=""/>
+        <p:cNvGrpSpPr/>
+        <p:nvPr/>
+      </p:nvGrpSpPr>
+      <p:grpSpPr>
+        <a:xfrm>
+          <a:off x="0" y="0"/>
+          <a:ext cx="0" cy="0"/>
+          <a:chOff x="0" y="0"/>
+          <a:chExt cx="0" cy="0"/>
+        </a:xfrm>
+      </p:grpSpPr>
+      <p:sp>
+        <p:nvSpPr>
+          <p:cNvPr id="3" name="2 Título"/>
+          <p:cNvSpPr>
+            <a:spLocks noGrp="1"/>
+          </p:cNvSpPr>
+          <p:nvPr>
+            <p:ph type="title"/>
+          </p:nvPr>
+        </p:nvSpPr>
+        <p:spPr/>
+        <p:txBody>
+          <a:bodyPr>
+            <a:normAutofit/>
+          </a:bodyPr>
+          <a:lstStyle/>
+          <a:p>
+            <a:r>
+              <a:rPr lang="es-ES" dirty="0" smtClean="0"/>
+              <a:t>Flujo ajuste inventario</a:t>
+            </a:r>
+            <a:endParaRPr lang="es-ES" dirty="0"/>
+          </a:p>
+        </p:txBody>
+      </p:sp>
+      <p:pic>
+        <p:nvPicPr>
+          <p:cNvPr id="7170" name="Picture 2" descr="C:\Users\Ivan\Downloads\infocomedor\ajuste inventario.png"/>
+          <p:cNvPicPr>
+            <a:picLocks noChangeAspect="1" noChangeArrowheads="1"/>
+          </p:cNvPicPr>
+          <p:nvPr/>
+        </p:nvPicPr>
+        <p:blipFill>
+          <a:blip r:embed="rId2">
+            <a:extLst>
+              <a:ext uri="{28A0092B-C50C-407E-A947-70E740481C1C}">
+                <a14:useLocalDpi xmlns:a14="http://schemas.microsoft.com/office/drawing/2010/main" val="0"/>
+              </a:ext>
+            </a:extLst>
+          </a:blip>
+          <a:srcRect/>
+          <a:stretch>
+            <a:fillRect/>
+          </a:stretch>
+        </p:blipFill>
+        <p:spPr bwMode="auto">
+          <a:xfrm>
+            <a:off x="1547664" y="1293529"/>
+            <a:ext cx="6048672" cy="5357719"/>
+          </a:xfrm>
+          <a:prstGeom prst="rect">
+            <a:avLst/>
+          </a:prstGeom>
+          <a:noFill/>
+          <a:extLst>
+            <a:ext uri="{909E8E84-426E-40DD-AFC4-6F175D3DCCD1}">
+              <a14:hiddenFill xmlns:a14="http://schemas.microsoft.com/office/drawing/2010/main">
+                <a:solidFill>
+                  <a:srgbClr val="FFFFFF"/>
+                </a:solidFill>
+              </a14:hiddenFill>
+            </a:ext>
+          </a:extLst>
+        </p:spPr>
+      </p:pic>
+    </p:spTree>
+    <p:extLst>
+      <p:ext uri="{BB962C8B-B14F-4D97-AF65-F5344CB8AC3E}">
+        <p14:creationId xmlns:p14="http://schemas.microsoft.com/office/powerpoint/2010/main" val="3220332415"/>
+      </p:ext>
+    </p:extLst>
+  </p:cSld>
+  <p:clrMapOvr>
+    <a:masterClrMapping/>
+  </p:clrMapOvr>
+  <p:timing>
+    <p:tnLst>
+      <p:par>
+        <p:cTn id="1" dur="indefinite" restart="never" nodeType="tmRoot"/>
+      </p:par>
+    </p:tnLst>
+  </p:timing>
+</p:sld>
+</file>
+
+<file path=ppt/slides/slide34.xml><?xml version="1.0" encoding="utf-8"?>
+<p:sld xmlns:a="http://schemas.openxmlformats.org/drawingml/2006/main" xmlns:r="http://schemas.openxmlformats.org/officeDocument/2006/relationships" xmlns:p="http://schemas.openxmlformats.org/presentationml/2006/main">
+  <p:cSld>
+    <p:spTree>
+      <p:nvGrpSpPr>
+        <p:cNvPr id="1" name=""/>
+        <p:cNvGrpSpPr/>
+        <p:nvPr/>
+      </p:nvGrpSpPr>
+      <p:grpSpPr>
+        <a:xfrm>
+          <a:off x="0" y="0"/>
+          <a:ext cx="0" cy="0"/>
+          <a:chOff x="0" y="0"/>
+          <a:chExt cx="0" cy="0"/>
+        </a:xfrm>
+      </p:grpSpPr>
+      <p:sp>
+        <p:nvSpPr>
+          <p:cNvPr id="3" name="2 Título"/>
+          <p:cNvSpPr>
+            <a:spLocks noGrp="1"/>
+          </p:cNvSpPr>
+          <p:nvPr>
+            <p:ph type="title"/>
+          </p:nvPr>
+        </p:nvSpPr>
+        <p:spPr/>
+        <p:txBody>
+          <a:bodyPr>
+            <a:normAutofit/>
+          </a:bodyPr>
+          <a:lstStyle/>
+          <a:p>
+            <a:r>
+              <a:rPr lang="es-ES" dirty="0" smtClean="0"/>
+              <a:t>Flujo baja</a:t>
+            </a:r>
+            <a:endParaRPr lang="es-ES" dirty="0"/>
+          </a:p>
+        </p:txBody>
+      </p:sp>
+      <p:pic>
+        <p:nvPicPr>
+          <p:cNvPr id="8194" name="Picture 2" descr="C:\Users\Ivan\Downloads\infocomedor\baja stock.png"/>
+          <p:cNvPicPr>
+            <a:picLocks noChangeAspect="1" noChangeArrowheads="1"/>
+          </p:cNvPicPr>
+          <p:nvPr/>
+        </p:nvPicPr>
+        <p:blipFill>
+          <a:blip r:embed="rId2">
+            <a:extLst>
+              <a:ext uri="{28A0092B-C50C-407E-A947-70E740481C1C}">
+                <a14:useLocalDpi xmlns:a14="http://schemas.microsoft.com/office/drawing/2010/main" val="0"/>
+              </a:ext>
+            </a:extLst>
+          </a:blip>
+          <a:srcRect/>
+          <a:stretch>
+            <a:fillRect/>
+          </a:stretch>
+        </p:blipFill>
+        <p:spPr bwMode="auto">
+          <a:xfrm>
+            <a:off x="2339752" y="1484783"/>
+            <a:ext cx="4464496" cy="4868977"/>
+          </a:xfrm>
+          <a:prstGeom prst="rect">
+            <a:avLst/>
+          </a:prstGeom>
+          <a:noFill/>
+          <a:extLst>
+            <a:ext uri="{909E8E84-426E-40DD-AFC4-6F175D3DCCD1}">
+              <a14:hiddenFill xmlns:a14="http://schemas.microsoft.com/office/drawing/2010/main">
+                <a:solidFill>
+                  <a:srgbClr val="FFFFFF"/>
+                </a:solidFill>
+              </a14:hiddenFill>
+            </a:ext>
+          </a:extLst>
+        </p:spPr>
+      </p:pic>
+    </p:spTree>
+    <p:extLst>
+      <p:ext uri="{BB962C8B-B14F-4D97-AF65-F5344CB8AC3E}">
+        <p14:creationId xmlns:p14="http://schemas.microsoft.com/office/powerpoint/2010/main" val="4144972524"/>
+      </p:ext>
+    </p:extLst>
+  </p:cSld>
+  <p:clrMapOvr>
+    <a:masterClrMapping/>
+  </p:clrMapOvr>
+  <p:timing>
+    <p:tnLst>
+      <p:par>
+        <p:cTn id="1" dur="indefinite" restart="never" nodeType="tmRoot"/>
+      </p:par>
+    </p:tnLst>
+  </p:timing>
+</p:sld>
+</file>
+
+<file path=ppt/slides/slide35.xml><?xml version="1.0" encoding="utf-8"?>
+<p:sld xmlns:a="http://schemas.openxmlformats.org/drawingml/2006/main" xmlns:r="http://schemas.openxmlformats.org/officeDocument/2006/relationships" xmlns:p="http://schemas.openxmlformats.org/presentationml/2006/main">
+  <p:cSld>
+    <p:spTree>
+      <p:nvGrpSpPr>
+        <p:cNvPr id="1" name=""/>
+        <p:cNvGrpSpPr/>
+        <p:nvPr/>
+      </p:nvGrpSpPr>
+      <p:grpSpPr>
+        <a:xfrm>
+          <a:off x="0" y="0"/>
+          <a:ext cx="0" cy="0"/>
+          <a:chOff x="0" y="0"/>
+          <a:chExt cx="0" cy="0"/>
+        </a:xfrm>
+      </p:grpSpPr>
+      <p:sp>
+        <p:nvSpPr>
+          <p:cNvPr id="2" name="1 Título"/>
+          <p:cNvSpPr>
+            <a:spLocks noGrp="1"/>
+          </p:cNvSpPr>
+          <p:nvPr>
+            <p:ph type="ctrTitle"/>
+          </p:nvPr>
+        </p:nvSpPr>
+        <p:spPr/>
+        <p:txBody>
+          <a:bodyPr/>
+          <a:lstStyle/>
+          <a:p>
+            <a:r>
+              <a:rPr lang="es-ES" dirty="0" smtClean="0"/>
+              <a:t>CAJA</a:t>
+            </a:r>
+            <a:endParaRPr lang="es-ES" dirty="0"/>
+          </a:p>
+        </p:txBody>
+      </p:sp>
+    </p:spTree>
+    <p:extLst>
+      <p:ext uri="{BB962C8B-B14F-4D97-AF65-F5344CB8AC3E}">
+        <p14:creationId xmlns:p14="http://schemas.microsoft.com/office/powerpoint/2010/main" val="2019038403"/>
+      </p:ext>
+    </p:extLst>
+  </p:cSld>
+  <p:clrMapOvr>
+    <a:masterClrMapping/>
+  </p:clrMapOvr>
+  <p:timing>
+    <p:tnLst>
+      <p:par>
+        <p:cTn id="1" dur="indefinite" restart="never" nodeType="tmRoot"/>
+      </p:par>
+    </p:tnLst>
+  </p:timing>
+</p:sld>
+</file>
+
+<file path=ppt/slides/slide36.xml><?xml version="1.0" encoding="utf-8"?>
+<p:sld xmlns:a="http://schemas.openxmlformats.org/drawingml/2006/main" xmlns:r="http://schemas.openxmlformats.org/officeDocument/2006/relationships" xmlns:p="http://schemas.openxmlformats.org/presentationml/2006/main">
+  <p:cSld>
+    <p:spTree>
+      <p:nvGrpSpPr>
+        <p:cNvPr id="1" name=""/>
+        <p:cNvGrpSpPr/>
+        <p:nvPr/>
+      </p:nvGrpSpPr>
+      <p:grpSpPr>
+        <a:xfrm>
+          <a:off x="0" y="0"/>
+          <a:ext cx="0" cy="0"/>
+          <a:chOff x="0" y="0"/>
+          <a:chExt cx="0" cy="0"/>
+        </a:xfrm>
+      </p:grpSpPr>
+      <p:sp>
+        <p:nvSpPr>
+          <p:cNvPr id="3" name="2 Título"/>
+          <p:cNvSpPr>
+            <a:spLocks noGrp="1"/>
+          </p:cNvSpPr>
+          <p:nvPr>
+            <p:ph type="title"/>
+          </p:nvPr>
+        </p:nvSpPr>
+        <p:spPr/>
+        <p:txBody>
+          <a:bodyPr>
+            <a:normAutofit fontScale="90000"/>
+          </a:bodyPr>
+          <a:lstStyle/>
+          <a:p>
+            <a:r>
+              <a:rPr lang="es-ES" dirty="0">
+                <a:solidFill>
+                  <a:schemeClr val="bg1"/>
+                </a:solidFill>
+              </a:rPr>
+              <a:t>Requerimientos del Modulo de </a:t>
+            </a:r>
+            <a:r>
+              <a:rPr lang="es-ES" dirty="0" smtClean="0">
+                <a:solidFill>
+                  <a:schemeClr val="bg1"/>
+                </a:solidFill>
+              </a:rPr>
+              <a:t>Caja</a:t>
+            </a:r>
+            <a:endParaRPr lang="es-ES" dirty="0"/>
+          </a:p>
+        </p:txBody>
+      </p:sp>
+      <p:sp>
+        <p:nvSpPr>
+          <p:cNvPr id="5" name="1 Marcador de contenido"/>
+          <p:cNvSpPr>
+            <a:spLocks noGrp="1"/>
+          </p:cNvSpPr>
+          <p:nvPr>
+            <p:ph idx="1"/>
+          </p:nvPr>
+        </p:nvSpPr>
+        <p:spPr>
+          <a:xfrm>
+            <a:off x="872067" y="2675467"/>
+            <a:ext cx="7408333" cy="3450696"/>
+          </a:xfrm>
+        </p:spPr>
+        <p:txBody>
+          <a:bodyPr vert="horz" lIns="91440" tIns="45720" rIns="91440" bIns="45720" rtlCol="0">
+            <a:normAutofit/>
+          </a:bodyPr>
+          <a:lstStyle/>
+          <a:p>
+            <a:r>
+              <a:rPr lang="es-PY" dirty="0"/>
+              <a:t>1. Se registraran los datos relacionados al ingreso y el egreso de dinero.</a:t>
+            </a:r>
+          </a:p>
+          <a:p>
+            <a:pPr lvl="1"/>
+            <a:r>
+              <a:rPr lang="es-PY" dirty="0"/>
+              <a:t>Aspectos adicionales a ser considerados</a:t>
+            </a:r>
+          </a:p>
+          <a:p>
+            <a:pPr lvl="2"/>
+            <a:r>
+              <a:rPr lang="es-PY" dirty="0"/>
+              <a:t>Se asociaran los egresos e ingresos si corresponden a la factura de compra y factura de venta.</a:t>
+            </a:r>
+          </a:p>
+          <a:p>
+            <a:r>
+              <a:rPr lang="es-PY" dirty="0"/>
+              <a:t>2. Se realizaran apertura , arqueo y cierre de caja</a:t>
+            </a:r>
+          </a:p>
+          <a:p>
+            <a:endParaRPr lang="es-ES" dirty="0"/>
+          </a:p>
+          <a:p>
+            <a:endParaRPr lang="es-ES" dirty="0"/>
+          </a:p>
+        </p:txBody>
+      </p:sp>
+    </p:spTree>
+    <p:extLst>
+      <p:ext uri="{BB962C8B-B14F-4D97-AF65-F5344CB8AC3E}">
+        <p14:creationId xmlns:p14="http://schemas.microsoft.com/office/powerpoint/2010/main" val="2120551304"/>
+      </p:ext>
+    </p:extLst>
+  </p:cSld>
+  <p:clrMapOvr>
+    <a:masterClrMapping/>
+  </p:clrMapOvr>
+  <p:timing>
+    <p:tnLst>
+      <p:par>
+        <p:cTn id="1" dur="indefinite" restart="never" nodeType="tmRoot"/>
+      </p:par>
+    </p:tnLst>
+  </p:timing>
+</p:sld>
+</file>
+
+<file path=ppt/slides/slide37.xml><?xml version="1.0" encoding="utf-8"?>
+<p:sld xmlns:a="http://schemas.openxmlformats.org/drawingml/2006/main" xmlns:r="http://schemas.openxmlformats.org/officeDocument/2006/relationships" xmlns:p="http://schemas.openxmlformats.org/presentationml/2006/main">
+  <p:cSld>
+    <p:spTree>
+      <p:nvGrpSpPr>
+        <p:cNvPr id="1" name=""/>
+        <p:cNvGrpSpPr/>
+        <p:nvPr/>
+      </p:nvGrpSpPr>
+      <p:grpSpPr>
+        <a:xfrm>
+          <a:off x="0" y="0"/>
+          <a:ext cx="0" cy="0"/>
+          <a:chOff x="0" y="0"/>
+          <a:chExt cx="0" cy="0"/>
+        </a:xfrm>
+      </p:grpSpPr>
+      <p:sp>
+        <p:nvSpPr>
+          <p:cNvPr id="3" name="2 Título"/>
+          <p:cNvSpPr>
+            <a:spLocks noGrp="1"/>
+          </p:cNvSpPr>
+          <p:nvPr>
+            <p:ph type="title"/>
+          </p:nvPr>
+        </p:nvSpPr>
+        <p:spPr/>
+        <p:txBody>
+          <a:bodyPr>
+            <a:normAutofit/>
+          </a:bodyPr>
+          <a:lstStyle/>
+          <a:p>
+            <a:r>
+              <a:rPr lang="es-ES" dirty="0" smtClean="0">
+                <a:solidFill>
+                  <a:schemeClr val="bg1"/>
+                </a:solidFill>
+              </a:rPr>
+              <a:t>Diagrama de proceso</a:t>
+            </a:r>
+            <a:endParaRPr lang="es-ES" dirty="0"/>
+          </a:p>
+        </p:txBody>
+      </p:sp>
+      <p:pic>
+        <p:nvPicPr>
+          <p:cNvPr id="4" name="Picture 2" descr="C:\Users\Ivan\Documents\infocomedorv1\presentacion\fede\diagrama_proceso_caja.png"/>
+          <p:cNvPicPr>
+            <a:picLocks noChangeAspect="1" noChangeArrowheads="1"/>
+          </p:cNvPicPr>
+          <p:nvPr/>
+        </p:nvPicPr>
+        <p:blipFill>
+          <a:blip r:embed="rId2">
+            <a:extLst>
+              <a:ext uri="{28A0092B-C50C-407E-A947-70E740481C1C}">
+                <a14:useLocalDpi xmlns:a14="http://schemas.microsoft.com/office/drawing/2010/main" val="0"/>
+              </a:ext>
+            </a:extLst>
+          </a:blip>
+          <a:srcRect/>
+          <a:stretch>
+            <a:fillRect/>
+          </a:stretch>
+        </p:blipFill>
+        <p:spPr bwMode="auto">
+          <a:xfrm>
+            <a:off x="992197" y="1711400"/>
+            <a:ext cx="7324219" cy="4885952"/>
+          </a:xfrm>
+          <a:prstGeom prst="rect">
+            <a:avLst/>
+          </a:prstGeom>
+          <a:noFill/>
+          <a:extLst>
+            <a:ext uri="{909E8E84-426E-40DD-AFC4-6F175D3DCCD1}">
+              <a14:hiddenFill xmlns:a14="http://schemas.microsoft.com/office/drawing/2010/main">
+                <a:solidFill>
+                  <a:srgbClr val="FFFFFF"/>
+                </a:solidFill>
+              </a14:hiddenFill>
+            </a:ext>
+          </a:extLst>
+        </p:spPr>
+      </p:pic>
+    </p:spTree>
+    <p:extLst>
+      <p:ext uri="{BB962C8B-B14F-4D97-AF65-F5344CB8AC3E}">
+        <p14:creationId xmlns:p14="http://schemas.microsoft.com/office/powerpoint/2010/main" val="3963311830"/>
+      </p:ext>
+    </p:extLst>
+  </p:cSld>
+  <p:clrMapOvr>
+    <a:masterClrMapping/>
+  </p:clrMapOvr>
+  <p:timing>
+    <p:tnLst>
+      <p:par>
+        <p:cTn id="1" dur="indefinite" restart="never" nodeType="tmRoot"/>
+      </p:par>
+    </p:tnLst>
+  </p:timing>
+</p:sld>
+</file>
+
+<file path=ppt/slides/slide38.xml><?xml version="1.0" encoding="utf-8"?>
+<p:sld xmlns:a="http://schemas.openxmlformats.org/drawingml/2006/main" xmlns:r="http://schemas.openxmlformats.org/officeDocument/2006/relationships" xmlns:p="http://schemas.openxmlformats.org/presentationml/2006/main">
+  <p:cSld>
+    <p:spTree>
+      <p:nvGrpSpPr>
+        <p:cNvPr id="1" name=""/>
+        <p:cNvGrpSpPr/>
+        <p:nvPr/>
+      </p:nvGrpSpPr>
+      <p:grpSpPr>
+        <a:xfrm>
+          <a:off x="0" y="0"/>
+          <a:ext cx="0" cy="0"/>
+          <a:chOff x="0" y="0"/>
+          <a:chExt cx="0" cy="0"/>
+        </a:xfrm>
+      </p:grpSpPr>
+      <p:sp>
+        <p:nvSpPr>
+          <p:cNvPr id="3" name="2 Título"/>
+          <p:cNvSpPr>
+            <a:spLocks noGrp="1"/>
+          </p:cNvSpPr>
+          <p:nvPr>
+            <p:ph type="title"/>
+          </p:nvPr>
+        </p:nvSpPr>
+        <p:spPr/>
+        <p:txBody>
+          <a:bodyPr>
+            <a:normAutofit/>
+          </a:bodyPr>
+          <a:lstStyle/>
+          <a:p>
+            <a:r>
+              <a:rPr lang="es-ES" dirty="0" smtClean="0">
+                <a:solidFill>
+                  <a:schemeClr val="bg1"/>
+                </a:solidFill>
+              </a:rPr>
+              <a:t>Flujo caja</a:t>
+            </a:r>
+            <a:endParaRPr lang="es-ES" dirty="0"/>
+          </a:p>
+        </p:txBody>
+      </p:sp>
+      <p:pic>
+        <p:nvPicPr>
+          <p:cNvPr id="4" name="7 Marcador de contenido"/>
+          <p:cNvPicPr>
+            <a:picLocks noGrp="1" noChangeAspect="1"/>
+          </p:cNvPicPr>
+          <p:nvPr>
+            <p:ph idx="1"/>
+          </p:nvPr>
+        </p:nvPicPr>
+        <p:blipFill rotWithShape="1">
+          <a:blip r:embed="rId2">
+            <a:extLst>
+              <a:ext uri="{28A0092B-C50C-407E-A947-70E740481C1C}">
+                <a14:useLocalDpi xmlns:a14="http://schemas.microsoft.com/office/drawing/2010/main" val="0"/>
+              </a:ext>
+            </a:extLst>
+          </a:blip>
+          <a:srcRect t="4457" r="10240" b="4733"/>
+          <a:stretch/>
+        </p:blipFill>
+        <p:spPr>
+          <a:xfrm>
+            <a:off x="246179" y="1104142"/>
+            <a:ext cx="8646301" cy="5601458"/>
+          </a:xfrm>
+        </p:spPr>
+      </p:pic>
+    </p:spTree>
+    <p:extLst>
+      <p:ext uri="{BB962C8B-B14F-4D97-AF65-F5344CB8AC3E}">
+        <p14:creationId xmlns:p14="http://schemas.microsoft.com/office/powerpoint/2010/main" val="3038991231"/>
+      </p:ext>
+    </p:extLst>
+  </p:cSld>
+  <p:clrMapOvr>
+    <a:masterClrMapping/>
+  </p:clrMapOvr>
+  <p:timing>
+    <p:tnLst>
+      <p:par>
+        <p:cTn id="1" dur="indefinite" restart="never" nodeType="tmRoot"/>
+      </p:par>
+    </p:tnLst>
+  </p:timing>
+</p:sld>
+</file>
+
+<file path=ppt/slides/slide39.xml><?xml version="1.0" encoding="utf-8"?>
+<p:sld xmlns:a="http://schemas.openxmlformats.org/drawingml/2006/main" xmlns:r="http://schemas.openxmlformats.org/officeDocument/2006/relationships" xmlns:p="http://schemas.openxmlformats.org/presentationml/2006/main">
+  <p:cSld>
+    <p:spTree>
+      <p:nvGrpSpPr>
+        <p:cNvPr id="1" name=""/>
+        <p:cNvGrpSpPr/>
+        <p:nvPr/>
+      </p:nvGrpSpPr>
+      <p:grpSpPr>
+        <a:xfrm>
+          <a:off x="0" y="0"/>
+          <a:ext cx="0" cy="0"/>
+          <a:chOff x="0" y="0"/>
+          <a:chExt cx="0" cy="0"/>
+        </a:xfrm>
+      </p:grpSpPr>
+      <p:sp>
+        <p:nvSpPr>
+          <p:cNvPr id="2" name="1 Título"/>
+          <p:cNvSpPr>
+            <a:spLocks noGrp="1"/>
+          </p:cNvSpPr>
+          <p:nvPr>
+            <p:ph type="ctrTitle"/>
+          </p:nvPr>
+        </p:nvSpPr>
+        <p:spPr/>
+        <p:txBody>
+          <a:bodyPr/>
+          <a:lstStyle/>
+          <a:p>
+            <a:r>
+              <a:rPr lang="es-ES" dirty="0" smtClean="0"/>
+              <a:t>CONCLUSION</a:t>
+            </a:r>
+            <a:endParaRPr lang="es-ES" dirty="0"/>
+          </a:p>
+        </p:txBody>
+      </p:sp>
+    </p:spTree>
+    <p:extLst>
+      <p:ext uri="{BB962C8B-B14F-4D97-AF65-F5344CB8AC3E}">
+        <p14:creationId xmlns:p14="http://schemas.microsoft.com/office/powerpoint/2010/main" val="3849437460"/>
+      </p:ext>
+    </p:extLst>
+  </p:cSld>
+  <p:clrMapOvr>
+    <a:masterClrMapping/>
+  </p:clrMapOvr>
+  <p:timing>
+    <p:tnLst>
+      <p:par>
+        <p:cTn id="1" dur="indefinite" restart="never" nodeType="tmRoot"/>
+      </p:par>
+    </p:tnLst>
+  </p:timing>
+</p:sld>
+</file>
+
+<file path=ppt/slides/slide4.xml><?xml version="1.0" encoding="utf-8"?>
+<p:sld xmlns:a="http://schemas.openxmlformats.org/drawingml/2006/main" xmlns:r="http://schemas.openxmlformats.org/officeDocument/2006/relationships" xmlns:p="http://schemas.openxmlformats.org/presentationml/2006/main">
+  <p:cSld>
+    <p:spTree>
+      <p:nvGrpSpPr>
+        <p:cNvPr id="1" name=""/>
+        <p:cNvGrpSpPr/>
+        <p:nvPr/>
+      </p:nvGrpSpPr>
+      <p:grpSpPr>
+        <a:xfrm>
+          <a:off x="0" y="0"/>
+          <a:ext cx="0" cy="0"/>
+          <a:chOff x="0" y="0"/>
+          <a:chExt cx="0" cy="0"/>
+        </a:xfrm>
+      </p:grpSpPr>
+      <p:sp>
+        <p:nvSpPr>
+          <p:cNvPr id="2" name="1 Título"/>
+          <p:cNvSpPr>
+            <a:spLocks noGrp="1"/>
+          </p:cNvSpPr>
+          <p:nvPr>
+            <p:ph type="ctrTitle"/>
+          </p:nvPr>
+        </p:nvSpPr>
+        <p:spPr/>
+        <p:txBody>
+          <a:bodyPr/>
+          <a:lstStyle/>
+          <a:p>
+            <a:r>
+              <a:rPr lang="es-ES" dirty="0" smtClean="0"/>
+              <a:t>ESTRUCTURA</a:t>
+            </a:r>
+            <a:endParaRPr lang="es-ES" dirty="0"/>
+          </a:p>
+        </p:txBody>
+      </p:sp>
+    </p:spTree>
+    <p:extLst>
+      <p:ext uri="{BB962C8B-B14F-4D97-AF65-F5344CB8AC3E}">
+        <p14:creationId xmlns:p14="http://schemas.microsoft.com/office/powerpoint/2010/main" val="1173691035"/>
+      </p:ext>
+    </p:extLst>
+  </p:cSld>
+  <p:clrMapOvr>
+    <a:masterClrMapping/>
+  </p:clrMapOvr>
+  <p:timing>
+    <p:tnLst>
+      <p:par>
+        <p:cTn id="1" dur="indefinite" restart="never" nodeType="tmRoot"/>
+      </p:par>
+    </p:tnLst>
+  </p:timing>
+</p:sld>
+</file>
+
+<file path=ppt/slides/slide40.xml><?xml version="1.0" encoding="utf-8"?>
+<p:sld xmlns:a="http://schemas.openxmlformats.org/drawingml/2006/main" xmlns:r="http://schemas.openxmlformats.org/officeDocument/2006/relationships" xmlns:p="http://schemas.openxmlformats.org/presentationml/2006/main">
+  <p:cSld>
+    <p:spTree>
+      <p:nvGrpSpPr>
+        <p:cNvPr id="1" name=""/>
+        <p:cNvGrpSpPr/>
+        <p:nvPr/>
+      </p:nvGrpSpPr>
+      <p:grpSpPr>
+        <a:xfrm>
+          <a:off x="0" y="0"/>
+          <a:ext cx="0" cy="0"/>
+          <a:chOff x="0" y="0"/>
+          <a:chExt cx="0" cy="0"/>
+        </a:xfrm>
+      </p:grpSpPr>
+      <p:sp>
+        <p:nvSpPr>
+          <p:cNvPr id="2" name="1 Título"/>
+          <p:cNvSpPr>
+            <a:spLocks noGrp="1"/>
+          </p:cNvSpPr>
+          <p:nvPr>
+            <p:ph type="ctrTitle"/>
+          </p:nvPr>
+        </p:nvSpPr>
+        <p:spPr/>
+        <p:txBody>
+          <a:bodyPr/>
+          <a:lstStyle/>
+          <a:p>
+            <a:r>
+              <a:rPr lang="es-ES" dirty="0" smtClean="0"/>
+              <a:t>GRACIAS POR LA ATENCION</a:t>
+            </a:r>
+            <a:endParaRPr lang="es-ES" dirty="0"/>
+          </a:p>
+        </p:txBody>
+      </p:sp>
+    </p:spTree>
+    <p:extLst>
+      <p:ext uri="{BB962C8B-B14F-4D97-AF65-F5344CB8AC3E}">
+        <p14:creationId xmlns:p14="http://schemas.microsoft.com/office/powerpoint/2010/main" val="1849125306"/>
+      </p:ext>
+    </p:extLst>
+  </p:cSld>
+  <p:clrMapOvr>
+    <a:masterClrMapping/>
+  </p:clrMapOvr>
+  <p:timing>
+    <p:tnLst>
+      <p:par>
+        <p:cTn id="1" dur="indefinite" restart="never" nodeType="tmRoot"/>
+      </p:par>
+    </p:tnLst>
+  </p:timing>
+</p:sld>
+</file>
+
+<file path=ppt/slides/slide5.xml><?xml version="1.0" encoding="utf-8"?>
+<p:sld xmlns:a="http://schemas.openxmlformats.org/drawingml/2006/main" xmlns:r="http://schemas.openxmlformats.org/officeDocument/2006/relationships" xmlns:p="http://schemas.openxmlformats.org/presentationml/2006/main">
+  <p:cSld>
+    <p:spTree>
+      <p:nvGrpSpPr>
+        <p:cNvPr id="1" name=""/>
+        <p:cNvGrpSpPr/>
+        <p:nvPr/>
+      </p:nvGrpSpPr>
+      <p:grpSpPr>
+        <a:xfrm>
+          <a:off x="0" y="0"/>
+          <a:ext cx="0" cy="0"/>
+          <a:chOff x="0" y="0"/>
+          <a:chExt cx="0" cy="0"/>
+        </a:xfrm>
+      </p:grpSpPr>
+      <p:sp>
+        <p:nvSpPr>
+          <p:cNvPr id="2" name="1 Marcador de contenido"/>
+          <p:cNvSpPr>
+            <a:spLocks noGrp="1"/>
+          </p:cNvSpPr>
+          <p:nvPr>
+            <p:ph idx="1"/>
+          </p:nvPr>
+        </p:nvSpPr>
+        <p:spPr/>
+        <p:txBody>
+          <a:bodyPr/>
+          <a:lstStyle/>
+          <a:p>
+            <a:r>
+              <a:rPr lang="es-ES" dirty="0"/>
+              <a:t>REPOSITORIO – </a:t>
+            </a:r>
+            <a:r>
+              <a:rPr lang="es-ES" dirty="0" smtClean="0"/>
+              <a:t>GOOGLE CODE</a:t>
+            </a:r>
+          </a:p>
+          <a:p>
+            <a:r>
+              <a:rPr lang="es-ES" dirty="0" smtClean="0"/>
+              <a:t>VERSIONADOR DE CODIGO - SVN</a:t>
+            </a:r>
+          </a:p>
+          <a:p>
+            <a:r>
+              <a:rPr lang="es-ES" dirty="0" smtClean="0"/>
+              <a:t>BASE DE DATOS – </a:t>
+            </a:r>
+            <a:r>
+              <a:rPr lang="es-ES" dirty="0" err="1" smtClean="0"/>
+              <a:t>MySql</a:t>
+            </a:r>
+            <a:r>
+              <a:rPr lang="es-ES" dirty="0" smtClean="0"/>
+              <a:t>.</a:t>
+            </a:r>
+          </a:p>
+          <a:p>
+            <a:r>
+              <a:rPr lang="es-ES" dirty="0" smtClean="0"/>
+              <a:t>SERVIDOR WEB – ZEND SERVER</a:t>
+            </a:r>
+          </a:p>
+          <a:p>
+            <a:r>
+              <a:rPr lang="es-ES" dirty="0" smtClean="0"/>
+              <a:t>BACKEND – PHP</a:t>
+            </a:r>
+          </a:p>
+          <a:p>
+            <a:r>
+              <a:rPr lang="es-ES" dirty="0" smtClean="0"/>
+              <a:t>FRONTEND – HTML;  JQUERY; AJAX; BOOTSTRAP.</a:t>
+            </a:r>
+          </a:p>
+          <a:p>
+            <a:pPr marL="0" indent="0">
+              <a:buNone/>
+            </a:pPr>
+            <a:endParaRPr lang="es-ES" dirty="0"/>
+          </a:p>
+        </p:txBody>
+      </p:sp>
+      <p:sp>
+        <p:nvSpPr>
+          <p:cNvPr id="3" name="2 Título"/>
+          <p:cNvSpPr>
+            <a:spLocks noGrp="1"/>
+          </p:cNvSpPr>
+          <p:nvPr>
+            <p:ph type="title"/>
+          </p:nvPr>
+        </p:nvSpPr>
+        <p:spPr/>
+        <p:txBody>
+          <a:bodyPr/>
+          <a:lstStyle/>
+          <a:p>
+            <a:r>
+              <a:rPr lang="es-ES" dirty="0" smtClean="0"/>
+              <a:t>HERRAMIENTAS</a:t>
+            </a:r>
+            <a:endParaRPr lang="es-ES" dirty="0"/>
+          </a:p>
+        </p:txBody>
+      </p:sp>
+    </p:spTree>
+    <p:extLst>
+      <p:ext uri="{BB962C8B-B14F-4D97-AF65-F5344CB8AC3E}">
+        <p14:creationId xmlns:p14="http://schemas.microsoft.com/office/powerpoint/2010/main" val="628171128"/>
+      </p:ext>
+    </p:extLst>
+  </p:cSld>
+  <p:clrMapOvr>
+    <a:masterClrMapping/>
+  </p:clrMapOvr>
+  <p:timing>
+    <p:tnLst>
+      <p:par>
+        <p:cTn id="1" dur="indefinite" restart="never" nodeType="tmRoot"/>
+      </p:par>
+    </p:tnLst>
+  </p:timing>
+</p:sld>
+</file>
+
+<file path=ppt/slides/slide6.xml><?xml version="1.0" encoding="utf-8"?>
+<p:sld xmlns:a="http://schemas.openxmlformats.org/drawingml/2006/main" xmlns:r="http://schemas.openxmlformats.org/officeDocument/2006/relationships" xmlns:p="http://schemas.openxmlformats.org/presentationml/2006/main">
+  <p:cSld>
+    <p:spTree>
+      <p:nvGrpSpPr>
+        <p:cNvPr id="1" name=""/>
+        <p:cNvGrpSpPr/>
+        <p:nvPr/>
+      </p:nvGrpSpPr>
+      <p:grpSpPr>
+        <a:xfrm>
+          <a:off x="0" y="0"/>
+          <a:ext cx="0" cy="0"/>
+          <a:chOff x="0" y="0"/>
+          <a:chExt cx="0" cy="0"/>
+        </a:xfrm>
+      </p:grpSpPr>
+      <p:sp>
+        <p:nvSpPr>
+          <p:cNvPr id="2" name="1 Título"/>
+          <p:cNvSpPr>
+            <a:spLocks noGrp="1"/>
+          </p:cNvSpPr>
+          <p:nvPr>
+            <p:ph type="ctrTitle"/>
+          </p:nvPr>
+        </p:nvSpPr>
+        <p:spPr/>
+        <p:txBody>
+          <a:bodyPr/>
+          <a:lstStyle/>
+          <a:p>
+            <a:r>
+              <a:rPr lang="es-ES" dirty="0" smtClean="0"/>
+              <a:t>COMPONENTES DEL SISTEMA</a:t>
+            </a:r>
+            <a:endParaRPr lang="es-ES" dirty="0"/>
+          </a:p>
+        </p:txBody>
+      </p:sp>
+    </p:spTree>
+    <p:extLst>
+      <p:ext uri="{BB962C8B-B14F-4D97-AF65-F5344CB8AC3E}">
+        <p14:creationId xmlns:p14="http://schemas.microsoft.com/office/powerpoint/2010/main" val="1443893108"/>
+      </p:ext>
+    </p:extLst>
+  </p:cSld>
+  <p:clrMapOvr>
+    <a:masterClrMapping/>
+  </p:clrMapOvr>
+  <p:timing>
+    <p:tnLst>
+      <p:par>
+        <p:cTn id="1" dur="indefinite" restart="never" nodeType="tmRoot"/>
+      </p:par>
+    </p:tnLst>
+  </p:timing>
+</p:sld>
+</file>
+
+<file path=ppt/slides/slide7.xml><?xml version="1.0" encoding="utf-8"?>
+<p:sld xmlns:a="http://schemas.openxmlformats.org/drawingml/2006/main" xmlns:r="http://schemas.openxmlformats.org/officeDocument/2006/relationships" xmlns:p="http://schemas.openxmlformats.org/presentationml/2006/main">
+  <p:cSld>
+    <p:spTree>
+      <p:nvGrpSpPr>
+        <p:cNvPr id="1" name=""/>
+        <p:cNvGrpSpPr/>
+        <p:nvPr/>
+      </p:nvGrpSpPr>
+      <p:grpSpPr>
+        <a:xfrm>
+          <a:off x="0" y="0"/>
+          <a:ext cx="0" cy="0"/>
+          <a:chOff x="0" y="0"/>
+          <a:chExt cx="0" cy="0"/>
+        </a:xfrm>
+      </p:grpSpPr>
+      <p:sp>
+        <p:nvSpPr>
+          <p:cNvPr id="3" name="2 Título"/>
+          <p:cNvSpPr>
+            <a:spLocks noGrp="1"/>
+          </p:cNvSpPr>
+          <p:nvPr>
+            <p:ph type="title"/>
+          </p:nvPr>
+        </p:nvSpPr>
+        <p:spPr/>
+        <p:txBody>
+          <a:bodyPr/>
+          <a:lstStyle/>
+          <a:p>
+            <a:r>
+              <a:rPr lang="es-ES" dirty="0" smtClean="0"/>
+              <a:t>MENU</a:t>
+            </a:r>
+            <a:endParaRPr lang="es-ES" dirty="0"/>
+          </a:p>
+        </p:txBody>
+      </p:sp>
+      <p:pic>
+        <p:nvPicPr>
+          <p:cNvPr id="1026" name="Picture 2"/>
+          <p:cNvPicPr>
+            <a:picLocks noChangeAspect="1" noChangeArrowheads="1"/>
+          </p:cNvPicPr>
+          <p:nvPr/>
+        </p:nvPicPr>
+        <p:blipFill>
+          <a:blip r:embed="rId2">
+            <a:extLst>
+              <a:ext uri="{28A0092B-C50C-407E-A947-70E740481C1C}">
+                <a14:useLocalDpi xmlns:a14="http://schemas.microsoft.com/office/drawing/2010/main" val="0"/>
+              </a:ext>
+            </a:extLst>
+          </a:blip>
+          <a:srcRect/>
+          <a:stretch>
+            <a:fillRect/>
+          </a:stretch>
+        </p:blipFill>
+        <p:spPr bwMode="auto">
+          <a:xfrm>
+            <a:off x="242740" y="1632992"/>
+            <a:ext cx="8721748" cy="4536504"/>
+          </a:xfrm>
+          <a:prstGeom prst="rect">
+            <a:avLst/>
+          </a:prstGeom>
+          <a:noFill/>
+          <a:ln>
+            <a:noFill/>
+          </a:ln>
+          <a:effectLst/>
+          <a:extLst>
+            <a:ext uri="{909E8E84-426E-40DD-AFC4-6F175D3DCCD1}">
+              <a14:hiddenFill xmlns:a14="http://schemas.microsoft.com/office/drawing/2010/main">
+                <a:solidFill>
+                  <a:schemeClr val="accent1"/>
+                </a:solidFill>
+              </a14:hiddenFill>
+            </a:ext>
+            <a:ext uri="{91240B29-F687-4F45-9708-019B960494DF}">
+              <a14:hiddenLine xmlns:a14="http://schemas.microsoft.com/office/drawing/2010/main" w="9525">
+                <a:solidFill>
+                  <a:schemeClr val="tx1"/>
+                </a:solidFill>
+                <a:miter lim="800000"/>
+                <a:headEnd/>
+                <a:tailEnd/>
+              </a14:hiddenLine>
+            </a:ext>
+            <a:ext uri="{AF507438-7753-43E0-B8FC-AC1667EBCBE1}">
+              <a14:hiddenEffects xmlns:a14="http://schemas.microsoft.com/office/drawing/2010/main">
+                <a:effectLst>
+                  <a:outerShdw dist="35921" dir="2700000" algn="ctr" rotWithShape="0">
+                    <a:schemeClr val="bg2"/>
+                  </a:outerShdw>
+                </a:effectLst>
+              </a14:hiddenEffects>
+            </a:ext>
+          </a:extLst>
+        </p:spPr>
+      </p:pic>
+    </p:spTree>
+    <p:extLst>
+      <p:ext uri="{BB962C8B-B14F-4D97-AF65-F5344CB8AC3E}">
+        <p14:creationId xmlns:p14="http://schemas.microsoft.com/office/powerpoint/2010/main" val="4055073124"/>
+      </p:ext>
+    </p:extLst>
+  </p:cSld>
+  <p:clrMapOvr>
+    <a:masterClrMapping/>
+  </p:clrMapOvr>
+  <p:timing>
+    <p:tnLst>
+      <p:par>
+        <p:cTn id="1" dur="indefinite" restart="never" nodeType="tmRoot"/>
+      </p:par>
+    </p:tnLst>
+  </p:timing>
+</p:sld>
+</file>
+
+<file path=ppt/slides/slide8.xml><?xml version="1.0" encoding="utf-8"?>
+<p:sld xmlns:a="http://schemas.openxmlformats.org/drawingml/2006/main" xmlns:r="http://schemas.openxmlformats.org/officeDocument/2006/relationships" xmlns:p="http://schemas.openxmlformats.org/presentationml/2006/main">
+  <p:cSld>
+    <p:spTree>
+      <p:nvGrpSpPr>
+        <p:cNvPr id="1" name=""/>
+        <p:cNvGrpSpPr/>
+        <p:nvPr/>
+      </p:nvGrpSpPr>
+      <p:grpSpPr>
+        <a:xfrm>
+          <a:off x="0" y="0"/>
+          <a:ext cx="0" cy="0"/>
+          <a:chOff x="0" y="0"/>
+          <a:chExt cx="0" cy="0"/>
+        </a:xfrm>
+      </p:grpSpPr>
+      <p:sp>
+        <p:nvSpPr>
+          <p:cNvPr id="3" name="2 Título"/>
+          <p:cNvSpPr>
+            <a:spLocks noGrp="1"/>
+          </p:cNvSpPr>
+          <p:nvPr>
+            <p:ph type="title"/>
+          </p:nvPr>
+        </p:nvSpPr>
+        <p:spPr/>
+        <p:txBody>
+          <a:bodyPr/>
+          <a:lstStyle/>
+          <a:p>
+            <a:r>
+              <a:rPr lang="es-ES" dirty="0" smtClean="0"/>
+              <a:t>INTERFAZ</a:t>
+            </a:r>
+            <a:endParaRPr lang="es-ES" dirty="0"/>
+          </a:p>
+        </p:txBody>
+      </p:sp>
+      <p:pic>
+        <p:nvPicPr>
           <p:cNvPr id="2050" name="Picture 2"/>
           <p:cNvPicPr>
             <a:picLocks noChangeAspect="1" noChangeArrowheads="1"/>
@@ -16494,7 +19917,7 @@
 </p:sld>
 </file>
 
-<file path=ppt/slides/slide11.xml><?xml version="1.0" encoding="utf-8"?>
+<file path=ppt/slides/slide9.xml><?xml version="1.0" encoding="utf-8"?>
 <p:sld xmlns:a="http://schemas.openxmlformats.org/drawingml/2006/main" xmlns:r="http://schemas.openxmlformats.org/officeDocument/2006/relationships" xmlns:p="http://schemas.openxmlformats.org/presentationml/2006/main">
   <p:cSld>
     <p:spTree>
@@ -16602,3720 +20025,6 @@
     <p:extLst>
       <p:ext uri="{BB962C8B-B14F-4D97-AF65-F5344CB8AC3E}">
         <p14:creationId xmlns:p14="http://schemas.microsoft.com/office/powerpoint/2010/main" val="73109145"/>
-      </p:ext>
-    </p:extLst>
-  </p:cSld>
-  <p:clrMapOvr>
-    <a:masterClrMapping/>
-  </p:clrMapOvr>
-  <p:timing>
-    <p:tnLst>
-      <p:par>
-        <p:cTn id="1" dur="indefinite" restart="never" nodeType="tmRoot"/>
-      </p:par>
-    </p:tnLst>
-  </p:timing>
-</p:sld>
-</file>
-
-<file path=ppt/slides/slide12.xml><?xml version="1.0" encoding="utf-8"?>
-<p:sld xmlns:a="http://schemas.openxmlformats.org/drawingml/2006/main" xmlns:r="http://schemas.openxmlformats.org/officeDocument/2006/relationships" xmlns:p="http://schemas.openxmlformats.org/presentationml/2006/main">
-  <p:cSld>
-    <p:spTree>
-      <p:nvGrpSpPr>
-        <p:cNvPr id="1" name=""/>
-        <p:cNvGrpSpPr/>
-        <p:nvPr/>
-      </p:nvGrpSpPr>
-      <p:grpSpPr>
-        <a:xfrm>
-          <a:off x="0" y="0"/>
-          <a:ext cx="0" cy="0"/>
-          <a:chOff x="0" y="0"/>
-          <a:chExt cx="0" cy="0"/>
-        </a:xfrm>
-      </p:grpSpPr>
-      <p:sp>
-        <p:nvSpPr>
-          <p:cNvPr id="3" name="2 Título"/>
-          <p:cNvSpPr>
-            <a:spLocks noGrp="1"/>
-          </p:cNvSpPr>
-          <p:nvPr>
-            <p:ph type="title"/>
-          </p:nvPr>
-        </p:nvSpPr>
-        <p:spPr/>
-        <p:txBody>
-          <a:bodyPr/>
-          <a:lstStyle/>
-          <a:p>
-            <a:r>
-              <a:rPr lang="es-ES" dirty="0" smtClean="0"/>
-              <a:t>INTERFAZ</a:t>
-            </a:r>
-            <a:endParaRPr lang="es-ES" dirty="0"/>
-          </a:p>
-        </p:txBody>
-      </p:sp>
-      <p:pic>
-        <p:nvPicPr>
-          <p:cNvPr id="4098" name="Picture 2"/>
-          <p:cNvPicPr>
-            <a:picLocks noChangeAspect="1" noChangeArrowheads="1"/>
-          </p:cNvPicPr>
-          <p:nvPr/>
-        </p:nvPicPr>
-        <p:blipFill>
-          <a:blip r:embed="rId2">
-            <a:extLst>
-              <a:ext uri="{28A0092B-C50C-407E-A947-70E740481C1C}">
-                <a14:useLocalDpi xmlns:a14="http://schemas.microsoft.com/office/drawing/2010/main" val="0"/>
-              </a:ext>
-            </a:extLst>
-          </a:blip>
-          <a:srcRect/>
-          <a:stretch>
-            <a:fillRect/>
-          </a:stretch>
-        </p:blipFill>
-        <p:spPr bwMode="auto">
-          <a:xfrm>
-            <a:off x="195661" y="2780928"/>
-            <a:ext cx="8840835" cy="2547810"/>
-          </a:xfrm>
-          <a:prstGeom prst="rect">
-            <a:avLst/>
-          </a:prstGeom>
-          <a:noFill/>
-          <a:ln>
-            <a:noFill/>
-          </a:ln>
-          <a:effectLst/>
-          <a:extLst>
-            <a:ext uri="{909E8E84-426E-40DD-AFC4-6F175D3DCCD1}">
-              <a14:hiddenFill xmlns:a14="http://schemas.microsoft.com/office/drawing/2010/main">
-                <a:solidFill>
-                  <a:schemeClr val="accent1"/>
-                </a:solidFill>
-              </a14:hiddenFill>
-            </a:ext>
-            <a:ext uri="{91240B29-F687-4F45-9708-019B960494DF}">
-              <a14:hiddenLine xmlns:a14="http://schemas.microsoft.com/office/drawing/2010/main" w="9525">
-                <a:solidFill>
-                  <a:schemeClr val="tx1"/>
-                </a:solidFill>
-                <a:miter lim="800000"/>
-                <a:headEnd/>
-                <a:tailEnd/>
-              </a14:hiddenLine>
-            </a:ext>
-            <a:ext uri="{AF507438-7753-43E0-B8FC-AC1667EBCBE1}">
-              <a14:hiddenEffects xmlns:a14="http://schemas.microsoft.com/office/drawing/2010/main">
-                <a:effectLst>
-                  <a:outerShdw dist="35921" dir="2700000" algn="ctr" rotWithShape="0">
-                    <a:schemeClr val="bg2"/>
-                  </a:outerShdw>
-                </a:effectLst>
-              </a14:hiddenEffects>
-            </a:ext>
-          </a:extLst>
-        </p:spPr>
-      </p:pic>
-    </p:spTree>
-    <p:extLst>
-      <p:ext uri="{BB962C8B-B14F-4D97-AF65-F5344CB8AC3E}">
-        <p14:creationId xmlns:p14="http://schemas.microsoft.com/office/powerpoint/2010/main" val="1456329869"/>
-      </p:ext>
-    </p:extLst>
-  </p:cSld>
-  <p:clrMapOvr>
-    <a:masterClrMapping/>
-  </p:clrMapOvr>
-  <p:timing>
-    <p:tnLst>
-      <p:par>
-        <p:cTn id="1" dur="indefinite" restart="never" nodeType="tmRoot"/>
-      </p:par>
-    </p:tnLst>
-  </p:timing>
-</p:sld>
-</file>
-
-<file path=ppt/slides/slide13.xml><?xml version="1.0" encoding="utf-8"?>
-<p:sld xmlns:a="http://schemas.openxmlformats.org/drawingml/2006/main" xmlns:r="http://schemas.openxmlformats.org/officeDocument/2006/relationships" xmlns:p="http://schemas.openxmlformats.org/presentationml/2006/main">
-  <p:cSld>
-    <p:spTree>
-      <p:nvGrpSpPr>
-        <p:cNvPr id="1" name=""/>
-        <p:cNvGrpSpPr/>
-        <p:nvPr/>
-      </p:nvGrpSpPr>
-      <p:grpSpPr>
-        <a:xfrm>
-          <a:off x="0" y="0"/>
-          <a:ext cx="0" cy="0"/>
-          <a:chOff x="0" y="0"/>
-          <a:chExt cx="0" cy="0"/>
-        </a:xfrm>
-      </p:grpSpPr>
-      <p:sp>
-        <p:nvSpPr>
-          <p:cNvPr id="2" name="1 Título"/>
-          <p:cNvSpPr>
-            <a:spLocks noGrp="1"/>
-          </p:cNvSpPr>
-          <p:nvPr>
-            <p:ph type="ctrTitle"/>
-          </p:nvPr>
-        </p:nvSpPr>
-        <p:spPr/>
-        <p:txBody>
-          <a:bodyPr/>
-          <a:lstStyle/>
-          <a:p>
-            <a:r>
-              <a:rPr lang="es-ES" dirty="0" smtClean="0"/>
-              <a:t>PRESENTACIÓN DEL SISTEMA</a:t>
-            </a:r>
-            <a:endParaRPr lang="es-ES" dirty="0"/>
-          </a:p>
-        </p:txBody>
-      </p:sp>
-    </p:spTree>
-    <p:extLst>
-      <p:ext uri="{BB962C8B-B14F-4D97-AF65-F5344CB8AC3E}">
-        <p14:creationId xmlns:p14="http://schemas.microsoft.com/office/powerpoint/2010/main" val="3263727729"/>
-      </p:ext>
-    </p:extLst>
-  </p:cSld>
-  <p:clrMapOvr>
-    <a:masterClrMapping/>
-  </p:clrMapOvr>
-  <p:timing>
-    <p:tnLst>
-      <p:par>
-        <p:cTn id="1" dur="indefinite" restart="never" nodeType="tmRoot"/>
-      </p:par>
-    </p:tnLst>
-  </p:timing>
-</p:sld>
-</file>
-
-<file path=ppt/slides/slide14.xml><?xml version="1.0" encoding="utf-8"?>
-<p:sld xmlns:a="http://schemas.openxmlformats.org/drawingml/2006/main" xmlns:r="http://schemas.openxmlformats.org/officeDocument/2006/relationships" xmlns:p="http://schemas.openxmlformats.org/presentationml/2006/main">
-  <p:cSld>
-    <p:spTree>
-      <p:nvGrpSpPr>
-        <p:cNvPr id="1" name=""/>
-        <p:cNvGrpSpPr/>
-        <p:nvPr/>
-      </p:nvGrpSpPr>
-      <p:grpSpPr>
-        <a:xfrm>
-          <a:off x="0" y="0"/>
-          <a:ext cx="0" cy="0"/>
-          <a:chOff x="0" y="0"/>
-          <a:chExt cx="0" cy="0"/>
-        </a:xfrm>
-      </p:grpSpPr>
-      <p:sp>
-        <p:nvSpPr>
-          <p:cNvPr id="2" name="1 Título"/>
-          <p:cNvSpPr>
-            <a:spLocks noGrp="1"/>
-          </p:cNvSpPr>
-          <p:nvPr>
-            <p:ph type="ctrTitle"/>
-          </p:nvPr>
-        </p:nvSpPr>
-        <p:spPr/>
-        <p:txBody>
-          <a:bodyPr/>
-          <a:lstStyle/>
-          <a:p>
-            <a:r>
-              <a:rPr lang="es-ES" dirty="0" smtClean="0"/>
-              <a:t>LOGIN</a:t>
-            </a:r>
-            <a:endParaRPr lang="es-ES" dirty="0"/>
-          </a:p>
-        </p:txBody>
-      </p:sp>
-    </p:spTree>
-    <p:extLst>
-      <p:ext uri="{BB962C8B-B14F-4D97-AF65-F5344CB8AC3E}">
-        <p14:creationId xmlns:p14="http://schemas.microsoft.com/office/powerpoint/2010/main" val="3182865394"/>
-      </p:ext>
-    </p:extLst>
-  </p:cSld>
-  <p:clrMapOvr>
-    <a:masterClrMapping/>
-  </p:clrMapOvr>
-  <p:timing>
-    <p:tnLst>
-      <p:par>
-        <p:cTn id="1" dur="indefinite" restart="never" nodeType="tmRoot"/>
-      </p:par>
-    </p:tnLst>
-  </p:timing>
-</p:sld>
-</file>
-
-<file path=ppt/slides/slide15.xml><?xml version="1.0" encoding="utf-8"?>
-<p:sld xmlns:a="http://schemas.openxmlformats.org/drawingml/2006/main" xmlns:r="http://schemas.openxmlformats.org/officeDocument/2006/relationships" xmlns:p="http://schemas.openxmlformats.org/presentationml/2006/main">
-  <p:cSld>
-    <p:spTree>
-      <p:nvGrpSpPr>
-        <p:cNvPr id="1" name=""/>
-        <p:cNvGrpSpPr/>
-        <p:nvPr/>
-      </p:nvGrpSpPr>
-      <p:grpSpPr>
-        <a:xfrm>
-          <a:off x="0" y="0"/>
-          <a:ext cx="0" cy="0"/>
-          <a:chOff x="0" y="0"/>
-          <a:chExt cx="0" cy="0"/>
-        </a:xfrm>
-      </p:grpSpPr>
-      <p:sp>
-        <p:nvSpPr>
-          <p:cNvPr id="2" name="1 Título"/>
-          <p:cNvSpPr>
-            <a:spLocks noGrp="1"/>
-          </p:cNvSpPr>
-          <p:nvPr>
-            <p:ph type="ctrTitle"/>
-          </p:nvPr>
-        </p:nvSpPr>
-        <p:spPr/>
-        <p:txBody>
-          <a:bodyPr/>
-          <a:lstStyle/>
-          <a:p>
-            <a:r>
-              <a:rPr lang="es-ES" dirty="0" smtClean="0"/>
-              <a:t>PRODUCCION</a:t>
-            </a:r>
-            <a:endParaRPr lang="es-ES" dirty="0"/>
-          </a:p>
-        </p:txBody>
-      </p:sp>
-    </p:spTree>
-    <p:extLst>
-      <p:ext uri="{BB962C8B-B14F-4D97-AF65-F5344CB8AC3E}">
-        <p14:creationId xmlns:p14="http://schemas.microsoft.com/office/powerpoint/2010/main" val="4150527410"/>
-      </p:ext>
-    </p:extLst>
-  </p:cSld>
-  <p:clrMapOvr>
-    <a:masterClrMapping/>
-  </p:clrMapOvr>
-  <p:timing>
-    <p:tnLst>
-      <p:par>
-        <p:cTn id="1" dur="indefinite" restart="never" nodeType="tmRoot"/>
-      </p:par>
-    </p:tnLst>
-  </p:timing>
-</p:sld>
-</file>
-
-<file path=ppt/slides/slide16.xml><?xml version="1.0" encoding="utf-8"?>
-<p:sld xmlns:a="http://schemas.openxmlformats.org/drawingml/2006/main" xmlns:r="http://schemas.openxmlformats.org/officeDocument/2006/relationships" xmlns:p="http://schemas.openxmlformats.org/presentationml/2006/main">
-  <p:cSld>
-    <p:spTree>
-      <p:nvGrpSpPr>
-        <p:cNvPr id="1" name=""/>
-        <p:cNvGrpSpPr/>
-        <p:nvPr/>
-      </p:nvGrpSpPr>
-      <p:grpSpPr>
-        <a:xfrm>
-          <a:off x="0" y="0"/>
-          <a:ext cx="0" cy="0"/>
-          <a:chOff x="0" y="0"/>
-          <a:chExt cx="0" cy="0"/>
-        </a:xfrm>
-      </p:grpSpPr>
-      <p:sp>
-        <p:nvSpPr>
-          <p:cNvPr id="3" name="2 Título"/>
-          <p:cNvSpPr>
-            <a:spLocks noGrp="1"/>
-          </p:cNvSpPr>
-          <p:nvPr>
-            <p:ph type="title"/>
-          </p:nvPr>
-        </p:nvSpPr>
-        <p:spPr/>
-        <p:txBody>
-          <a:bodyPr>
-            <a:normAutofit fontScale="90000"/>
-          </a:bodyPr>
-          <a:lstStyle/>
-          <a:p>
-            <a:r>
-              <a:rPr lang="es-ES" dirty="0">
-                <a:solidFill>
-                  <a:schemeClr val="bg1"/>
-                </a:solidFill>
-              </a:rPr>
-              <a:t>Requerimientos del Modulo de </a:t>
-            </a:r>
-            <a:r>
-              <a:rPr lang="es-ES" dirty="0" smtClean="0">
-                <a:solidFill>
-                  <a:schemeClr val="bg1"/>
-                </a:solidFill>
-              </a:rPr>
-              <a:t>Producción</a:t>
-            </a:r>
-            <a:endParaRPr lang="es-ES" dirty="0"/>
-          </a:p>
-        </p:txBody>
-      </p:sp>
-      <p:sp>
-        <p:nvSpPr>
-          <p:cNvPr id="5" name="1 Marcador de contenido"/>
-          <p:cNvSpPr>
-            <a:spLocks noGrp="1"/>
-          </p:cNvSpPr>
-          <p:nvPr>
-            <p:ph idx="1"/>
-          </p:nvPr>
-        </p:nvSpPr>
-        <p:spPr>
-          <a:xfrm>
-            <a:off x="872067" y="2675467"/>
-            <a:ext cx="7408333" cy="3450696"/>
-          </a:xfrm>
-        </p:spPr>
-        <p:txBody>
-          <a:bodyPr vert="horz" lIns="91440" tIns="45720" rIns="91440" bIns="45720" rtlCol="0">
-            <a:normAutofit/>
-          </a:bodyPr>
-          <a:lstStyle/>
-          <a:p>
-            <a:r>
-              <a:rPr lang="es-ES" dirty="0" smtClean="0"/>
-              <a:t>Registrar </a:t>
-            </a:r>
-            <a:r>
-              <a:rPr lang="es-ES" dirty="0"/>
-              <a:t>Productos (Materia Prima)</a:t>
-            </a:r>
-          </a:p>
-          <a:p>
-            <a:endParaRPr lang="es-ES" dirty="0"/>
-          </a:p>
-          <a:p>
-            <a:r>
-              <a:rPr lang="es-ES" dirty="0" smtClean="0"/>
-              <a:t>Registrar </a:t>
-            </a:r>
-            <a:r>
-              <a:rPr lang="es-ES" dirty="0"/>
-              <a:t>Recetas (Consumo Final)</a:t>
-            </a:r>
-          </a:p>
-          <a:p>
-            <a:endParaRPr lang="es-ES" dirty="0"/>
-          </a:p>
-          <a:p>
-            <a:r>
-              <a:rPr lang="es-ES" dirty="0" smtClean="0"/>
-              <a:t>Registrar </a:t>
-            </a:r>
-            <a:r>
-              <a:rPr lang="es-ES" dirty="0"/>
-              <a:t>Producción</a:t>
-            </a:r>
-            <a:endParaRPr lang="es-ES" dirty="0"/>
-          </a:p>
-        </p:txBody>
-      </p:sp>
-    </p:spTree>
-    <p:extLst>
-      <p:ext uri="{BB962C8B-B14F-4D97-AF65-F5344CB8AC3E}">
-        <p14:creationId xmlns:p14="http://schemas.microsoft.com/office/powerpoint/2010/main" val="4182396649"/>
-      </p:ext>
-    </p:extLst>
-  </p:cSld>
-  <p:clrMapOvr>
-    <a:masterClrMapping/>
-  </p:clrMapOvr>
-  <p:timing>
-    <p:tnLst>
-      <p:par>
-        <p:cTn id="1" dur="indefinite" restart="never" nodeType="tmRoot"/>
-      </p:par>
-    </p:tnLst>
-  </p:timing>
-</p:sld>
-</file>
-
-<file path=ppt/slides/slide17.xml><?xml version="1.0" encoding="utf-8"?>
-<p:sld xmlns:a="http://schemas.openxmlformats.org/drawingml/2006/main" xmlns:r="http://schemas.openxmlformats.org/officeDocument/2006/relationships" xmlns:p="http://schemas.openxmlformats.org/presentationml/2006/main">
-  <p:cSld>
-    <p:spTree>
-      <p:nvGrpSpPr>
-        <p:cNvPr id="1" name=""/>
-        <p:cNvGrpSpPr/>
-        <p:nvPr/>
-      </p:nvGrpSpPr>
-      <p:grpSpPr>
-        <a:xfrm>
-          <a:off x="0" y="0"/>
-          <a:ext cx="0" cy="0"/>
-          <a:chOff x="0" y="0"/>
-          <a:chExt cx="0" cy="0"/>
-        </a:xfrm>
-      </p:grpSpPr>
-      <p:sp>
-        <p:nvSpPr>
-          <p:cNvPr id="3" name="2 Título"/>
-          <p:cNvSpPr>
-            <a:spLocks noGrp="1"/>
-          </p:cNvSpPr>
-          <p:nvPr>
-            <p:ph type="title"/>
-          </p:nvPr>
-        </p:nvSpPr>
-        <p:spPr/>
-        <p:txBody>
-          <a:bodyPr>
-            <a:normAutofit/>
-          </a:bodyPr>
-          <a:lstStyle/>
-          <a:p>
-            <a:r>
-              <a:rPr lang="es-ES" dirty="0" smtClean="0"/>
-              <a:t>Diagrama de proceso</a:t>
-            </a:r>
-            <a:endParaRPr lang="es-ES" dirty="0"/>
-          </a:p>
-        </p:txBody>
-      </p:sp>
-      <p:pic>
-        <p:nvPicPr>
-          <p:cNvPr id="9219" name="Picture 3" descr="C:\Users\Ivan\Documents\Dropbox\infocomedor-final\DP_Produccion.jpg"/>
-          <p:cNvPicPr>
-            <a:picLocks noChangeAspect="1" noChangeArrowheads="1"/>
-          </p:cNvPicPr>
-          <p:nvPr/>
-        </p:nvPicPr>
-        <p:blipFill>
-          <a:blip r:embed="rId2">
-            <a:extLst>
-              <a:ext uri="{28A0092B-C50C-407E-A947-70E740481C1C}">
-                <a14:useLocalDpi xmlns:a14="http://schemas.microsoft.com/office/drawing/2010/main" val="0"/>
-              </a:ext>
-            </a:extLst>
-          </a:blip>
-          <a:srcRect/>
-          <a:stretch>
-            <a:fillRect/>
-          </a:stretch>
-        </p:blipFill>
-        <p:spPr bwMode="auto">
-          <a:xfrm>
-            <a:off x="1043608" y="1700807"/>
-            <a:ext cx="6912768" cy="4430901"/>
-          </a:xfrm>
-          <a:prstGeom prst="rect">
-            <a:avLst/>
-          </a:prstGeom>
-          <a:noFill/>
-          <a:extLst>
-            <a:ext uri="{909E8E84-426E-40DD-AFC4-6F175D3DCCD1}">
-              <a14:hiddenFill xmlns:a14="http://schemas.microsoft.com/office/drawing/2010/main">
-                <a:solidFill>
-                  <a:srgbClr val="FFFFFF"/>
-                </a:solidFill>
-              </a14:hiddenFill>
-            </a:ext>
-          </a:extLst>
-        </p:spPr>
-      </p:pic>
-    </p:spTree>
-    <p:extLst>
-      <p:ext uri="{BB962C8B-B14F-4D97-AF65-F5344CB8AC3E}">
-        <p14:creationId xmlns:p14="http://schemas.microsoft.com/office/powerpoint/2010/main" val="51123233"/>
-      </p:ext>
-    </p:extLst>
-  </p:cSld>
-  <p:clrMapOvr>
-    <a:masterClrMapping/>
-  </p:clrMapOvr>
-  <p:timing>
-    <p:tnLst>
-      <p:par>
-        <p:cTn id="1" dur="indefinite" restart="never" nodeType="tmRoot"/>
-      </p:par>
-    </p:tnLst>
-  </p:timing>
-</p:sld>
-</file>
-
-<file path=ppt/slides/slide18.xml><?xml version="1.0" encoding="utf-8"?>
-<p:sld xmlns:a="http://schemas.openxmlformats.org/drawingml/2006/main" xmlns:r="http://schemas.openxmlformats.org/officeDocument/2006/relationships" xmlns:p="http://schemas.openxmlformats.org/presentationml/2006/main">
-  <p:cSld>
-    <p:spTree>
-      <p:nvGrpSpPr>
-        <p:cNvPr id="1" name=""/>
-        <p:cNvGrpSpPr/>
-        <p:nvPr/>
-      </p:nvGrpSpPr>
-      <p:grpSpPr>
-        <a:xfrm>
-          <a:off x="0" y="0"/>
-          <a:ext cx="0" cy="0"/>
-          <a:chOff x="0" y="0"/>
-          <a:chExt cx="0" cy="0"/>
-        </a:xfrm>
-      </p:grpSpPr>
-      <p:sp>
-        <p:nvSpPr>
-          <p:cNvPr id="3" name="2 Título"/>
-          <p:cNvSpPr>
-            <a:spLocks noGrp="1"/>
-          </p:cNvSpPr>
-          <p:nvPr>
-            <p:ph type="title"/>
-          </p:nvPr>
-        </p:nvSpPr>
-        <p:spPr/>
-        <p:txBody>
-          <a:bodyPr>
-            <a:normAutofit/>
-          </a:bodyPr>
-          <a:lstStyle/>
-          <a:p>
-            <a:r>
-              <a:rPr lang="es-ES" dirty="0" smtClean="0"/>
-              <a:t>Flujo producto</a:t>
-            </a:r>
-            <a:endParaRPr lang="es-ES" dirty="0"/>
-          </a:p>
-        </p:txBody>
-      </p:sp>
-      <p:pic>
-        <p:nvPicPr>
-          <p:cNvPr id="1026" name="Picture 2" descr="C:\Users\Ivan\Downloads\Untitled(1).png"/>
-          <p:cNvPicPr>
-            <a:picLocks noChangeAspect="1" noChangeArrowheads="1"/>
-          </p:cNvPicPr>
-          <p:nvPr/>
-        </p:nvPicPr>
-        <p:blipFill>
-          <a:blip r:embed="rId2">
-            <a:extLst>
-              <a:ext uri="{28A0092B-C50C-407E-A947-70E740481C1C}">
-                <a14:useLocalDpi xmlns:a14="http://schemas.microsoft.com/office/drawing/2010/main" val="0"/>
-              </a:ext>
-            </a:extLst>
-          </a:blip>
-          <a:srcRect/>
-          <a:stretch>
-            <a:fillRect/>
-          </a:stretch>
-        </p:blipFill>
-        <p:spPr bwMode="auto">
-          <a:xfrm>
-            <a:off x="467544" y="1766135"/>
-            <a:ext cx="7560840" cy="4543185"/>
-          </a:xfrm>
-          <a:prstGeom prst="rect">
-            <a:avLst/>
-          </a:prstGeom>
-          <a:noFill/>
-          <a:extLst>
-            <a:ext uri="{909E8E84-426E-40DD-AFC4-6F175D3DCCD1}">
-              <a14:hiddenFill xmlns:a14="http://schemas.microsoft.com/office/drawing/2010/main">
-                <a:solidFill>
-                  <a:srgbClr val="FFFFFF"/>
-                </a:solidFill>
-              </a14:hiddenFill>
-            </a:ext>
-          </a:extLst>
-        </p:spPr>
-      </p:pic>
-    </p:spTree>
-    <p:extLst>
-      <p:ext uri="{BB962C8B-B14F-4D97-AF65-F5344CB8AC3E}">
-        <p14:creationId xmlns:p14="http://schemas.microsoft.com/office/powerpoint/2010/main" val="2735153443"/>
-      </p:ext>
-    </p:extLst>
-  </p:cSld>
-  <p:clrMapOvr>
-    <a:masterClrMapping/>
-  </p:clrMapOvr>
-  <p:timing>
-    <p:tnLst>
-      <p:par>
-        <p:cTn id="1" dur="indefinite" restart="never" nodeType="tmRoot"/>
-      </p:par>
-    </p:tnLst>
-  </p:timing>
-</p:sld>
-</file>
-
-<file path=ppt/slides/slide19.xml><?xml version="1.0" encoding="utf-8"?>
-<p:sld xmlns:a="http://schemas.openxmlformats.org/drawingml/2006/main" xmlns:r="http://schemas.openxmlformats.org/officeDocument/2006/relationships" xmlns:p="http://schemas.openxmlformats.org/presentationml/2006/main">
-  <p:cSld>
-    <p:spTree>
-      <p:nvGrpSpPr>
-        <p:cNvPr id="1" name=""/>
-        <p:cNvGrpSpPr/>
-        <p:nvPr/>
-      </p:nvGrpSpPr>
-      <p:grpSpPr>
-        <a:xfrm>
-          <a:off x="0" y="0"/>
-          <a:ext cx="0" cy="0"/>
-          <a:chOff x="0" y="0"/>
-          <a:chExt cx="0" cy="0"/>
-        </a:xfrm>
-      </p:grpSpPr>
-      <p:sp>
-        <p:nvSpPr>
-          <p:cNvPr id="3" name="2 Título"/>
-          <p:cNvSpPr>
-            <a:spLocks noGrp="1"/>
-          </p:cNvSpPr>
-          <p:nvPr>
-            <p:ph type="title"/>
-          </p:nvPr>
-        </p:nvSpPr>
-        <p:spPr/>
-        <p:txBody>
-          <a:bodyPr>
-            <a:normAutofit/>
-          </a:bodyPr>
-          <a:lstStyle/>
-          <a:p>
-            <a:r>
-              <a:rPr lang="es-ES" dirty="0" smtClean="0"/>
-              <a:t>Flujo producción</a:t>
-            </a:r>
-            <a:endParaRPr lang="es-ES" dirty="0"/>
-          </a:p>
-        </p:txBody>
-      </p:sp>
-      <p:pic>
-        <p:nvPicPr>
-          <p:cNvPr id="10242" name="Picture 2" descr="C:\Users\Ivan\Downloads\infocomedor\produccion.png"/>
-          <p:cNvPicPr>
-            <a:picLocks noChangeAspect="1" noChangeArrowheads="1"/>
-          </p:cNvPicPr>
-          <p:nvPr/>
-        </p:nvPicPr>
-        <p:blipFill>
-          <a:blip r:embed="rId2">
-            <a:extLst>
-              <a:ext uri="{28A0092B-C50C-407E-A947-70E740481C1C}">
-                <a14:useLocalDpi xmlns:a14="http://schemas.microsoft.com/office/drawing/2010/main" val="0"/>
-              </a:ext>
-            </a:extLst>
-          </a:blip>
-          <a:srcRect/>
-          <a:stretch>
-            <a:fillRect/>
-          </a:stretch>
-        </p:blipFill>
-        <p:spPr bwMode="auto">
-          <a:xfrm>
-            <a:off x="429126" y="1628800"/>
-            <a:ext cx="8031306" cy="4464496"/>
-          </a:xfrm>
-          <a:prstGeom prst="rect">
-            <a:avLst/>
-          </a:prstGeom>
-          <a:noFill/>
-          <a:extLst>
-            <a:ext uri="{909E8E84-426E-40DD-AFC4-6F175D3DCCD1}">
-              <a14:hiddenFill xmlns:a14="http://schemas.microsoft.com/office/drawing/2010/main">
-                <a:solidFill>
-                  <a:srgbClr val="FFFFFF"/>
-                </a:solidFill>
-              </a14:hiddenFill>
-            </a:ext>
-          </a:extLst>
-        </p:spPr>
-      </p:pic>
-    </p:spTree>
-    <p:extLst>
-      <p:ext uri="{BB962C8B-B14F-4D97-AF65-F5344CB8AC3E}">
-        <p14:creationId xmlns:p14="http://schemas.microsoft.com/office/powerpoint/2010/main" val="3018244704"/>
-      </p:ext>
-    </p:extLst>
-  </p:cSld>
-  <p:clrMapOvr>
-    <a:masterClrMapping/>
-  </p:clrMapOvr>
-  <p:timing>
-    <p:tnLst>
-      <p:par>
-        <p:cTn id="1" dur="indefinite" restart="never" nodeType="tmRoot"/>
-      </p:par>
-    </p:tnLst>
-  </p:timing>
-</p:sld>
-</file>
-
-<file path=ppt/slides/slide2.xml><?xml version="1.0" encoding="utf-8"?>
-<p:sld xmlns:a="http://schemas.openxmlformats.org/drawingml/2006/main" xmlns:r="http://schemas.openxmlformats.org/officeDocument/2006/relationships" xmlns:p="http://schemas.openxmlformats.org/presentationml/2006/main">
-  <p:cSld>
-    <p:spTree>
-      <p:nvGrpSpPr>
-        <p:cNvPr id="1" name=""/>
-        <p:cNvGrpSpPr/>
-        <p:nvPr/>
-      </p:nvGrpSpPr>
-      <p:grpSpPr>
-        <a:xfrm>
-          <a:off x="0" y="0"/>
-          <a:ext cx="0" cy="0"/>
-          <a:chOff x="0" y="0"/>
-          <a:chExt cx="0" cy="0"/>
-        </a:xfrm>
-      </p:grpSpPr>
-      <p:sp>
-        <p:nvSpPr>
-          <p:cNvPr id="2" name="1 Título"/>
-          <p:cNvSpPr>
-            <a:spLocks noGrp="1"/>
-          </p:cNvSpPr>
-          <p:nvPr>
-            <p:ph type="ctrTitle"/>
-          </p:nvPr>
-        </p:nvSpPr>
-        <p:spPr/>
-        <p:txBody>
-          <a:bodyPr/>
-          <a:lstStyle/>
-          <a:p>
-            <a:r>
-              <a:rPr lang="es-ES" dirty="0" smtClean="0"/>
-              <a:t>INTRODUCCION</a:t>
-            </a:r>
-            <a:endParaRPr lang="es-ES" dirty="0"/>
-          </a:p>
-        </p:txBody>
-      </p:sp>
-    </p:spTree>
-    <p:extLst>
-      <p:ext uri="{BB962C8B-B14F-4D97-AF65-F5344CB8AC3E}">
-        <p14:creationId xmlns:p14="http://schemas.microsoft.com/office/powerpoint/2010/main" val="3292075344"/>
-      </p:ext>
-    </p:extLst>
-  </p:cSld>
-  <p:clrMapOvr>
-    <a:masterClrMapping/>
-  </p:clrMapOvr>
-  <p:timing>
-    <p:tnLst>
-      <p:par>
-        <p:cTn id="1" dur="indefinite" restart="never" nodeType="tmRoot"/>
-      </p:par>
-    </p:tnLst>
-  </p:timing>
-</p:sld>
-</file>
-
-<file path=ppt/slides/slide20.xml><?xml version="1.0" encoding="utf-8"?>
-<p:sld xmlns:a="http://schemas.openxmlformats.org/drawingml/2006/main" xmlns:r="http://schemas.openxmlformats.org/officeDocument/2006/relationships" xmlns:p="http://schemas.openxmlformats.org/presentationml/2006/main">
-  <p:cSld>
-    <p:spTree>
-      <p:nvGrpSpPr>
-        <p:cNvPr id="1" name=""/>
-        <p:cNvGrpSpPr/>
-        <p:nvPr/>
-      </p:nvGrpSpPr>
-      <p:grpSpPr>
-        <a:xfrm>
-          <a:off x="0" y="0"/>
-          <a:ext cx="0" cy="0"/>
-          <a:chOff x="0" y="0"/>
-          <a:chExt cx="0" cy="0"/>
-        </a:xfrm>
-      </p:grpSpPr>
-      <p:sp>
-        <p:nvSpPr>
-          <p:cNvPr id="2" name="1 Título"/>
-          <p:cNvSpPr>
-            <a:spLocks noGrp="1"/>
-          </p:cNvSpPr>
-          <p:nvPr>
-            <p:ph type="ctrTitle"/>
-          </p:nvPr>
-        </p:nvSpPr>
-        <p:spPr/>
-        <p:txBody>
-          <a:bodyPr/>
-          <a:lstStyle/>
-          <a:p>
-            <a:r>
-              <a:rPr lang="es-ES" dirty="0" smtClean="0"/>
-              <a:t>COMPRAS</a:t>
-            </a:r>
-            <a:endParaRPr lang="es-ES" dirty="0"/>
-          </a:p>
-        </p:txBody>
-      </p:sp>
-    </p:spTree>
-    <p:extLst>
-      <p:ext uri="{BB962C8B-B14F-4D97-AF65-F5344CB8AC3E}">
-        <p14:creationId xmlns:p14="http://schemas.microsoft.com/office/powerpoint/2010/main" val="1528665979"/>
-      </p:ext>
-    </p:extLst>
-  </p:cSld>
-  <p:clrMapOvr>
-    <a:masterClrMapping/>
-  </p:clrMapOvr>
-  <p:timing>
-    <p:tnLst>
-      <p:par>
-        <p:cTn id="1" dur="indefinite" restart="never" nodeType="tmRoot"/>
-      </p:par>
-    </p:tnLst>
-  </p:timing>
-</p:sld>
-</file>
-
-<file path=ppt/slides/slide21.xml><?xml version="1.0" encoding="utf-8"?>
-<p:sld xmlns:a="http://schemas.openxmlformats.org/drawingml/2006/main" xmlns:r="http://schemas.openxmlformats.org/officeDocument/2006/relationships" xmlns:p="http://schemas.openxmlformats.org/presentationml/2006/main">
-  <p:cSld>
-    <p:spTree>
-      <p:nvGrpSpPr>
-        <p:cNvPr id="1" name=""/>
-        <p:cNvGrpSpPr/>
-        <p:nvPr/>
-      </p:nvGrpSpPr>
-      <p:grpSpPr>
-        <a:xfrm>
-          <a:off x="0" y="0"/>
-          <a:ext cx="0" cy="0"/>
-          <a:chOff x="0" y="0"/>
-          <a:chExt cx="0" cy="0"/>
-        </a:xfrm>
-      </p:grpSpPr>
-      <p:sp>
-        <p:nvSpPr>
-          <p:cNvPr id="3" name="2 Título"/>
-          <p:cNvSpPr>
-            <a:spLocks noGrp="1"/>
-          </p:cNvSpPr>
-          <p:nvPr>
-            <p:ph type="title"/>
-          </p:nvPr>
-        </p:nvSpPr>
-        <p:spPr/>
-        <p:txBody>
-          <a:bodyPr>
-            <a:normAutofit fontScale="90000"/>
-          </a:bodyPr>
-          <a:lstStyle/>
-          <a:p>
-            <a:r>
-              <a:rPr lang="es-ES" dirty="0">
-                <a:solidFill>
-                  <a:schemeClr val="bg1"/>
-                </a:solidFill>
-              </a:rPr>
-              <a:t>Requerimientos del Modulo de Compras</a:t>
-            </a:r>
-            <a:endParaRPr lang="es-ES" dirty="0"/>
-          </a:p>
-        </p:txBody>
-      </p:sp>
-      <p:sp>
-        <p:nvSpPr>
-          <p:cNvPr id="5" name="1 Marcador de contenido"/>
-          <p:cNvSpPr>
-            <a:spLocks noGrp="1"/>
-          </p:cNvSpPr>
-          <p:nvPr>
-            <p:ph idx="1"/>
-          </p:nvPr>
-        </p:nvSpPr>
-        <p:spPr>
-          <a:xfrm>
-            <a:off x="872067" y="2675467"/>
-            <a:ext cx="7408333" cy="3450696"/>
-          </a:xfrm>
-        </p:spPr>
-        <p:txBody>
-          <a:bodyPr vert="horz" lIns="91440" tIns="45720" rIns="91440" bIns="45720" rtlCol="0">
-            <a:normAutofit lnSpcReduction="10000"/>
-          </a:bodyPr>
-          <a:lstStyle/>
-          <a:p>
-            <a:r>
-              <a:rPr lang="es-ES" dirty="0" smtClean="0"/>
-              <a:t> </a:t>
-            </a:r>
-            <a:r>
-              <a:rPr lang="es-ES" dirty="0"/>
-              <a:t>Se registran los datos de los proveedores.</a:t>
-            </a:r>
-          </a:p>
-          <a:p>
-            <a:r>
-              <a:rPr lang="es-ES" dirty="0" smtClean="0"/>
-              <a:t> </a:t>
-            </a:r>
-            <a:r>
-              <a:rPr lang="es-ES" dirty="0"/>
-              <a:t>Se registran los pagos</a:t>
-            </a:r>
-          </a:p>
-          <a:p>
-            <a:pPr lvl="1"/>
-            <a:r>
-              <a:rPr lang="es-ES" dirty="0"/>
-              <a:t>Aspectos adicionales a ser considerados</a:t>
-            </a:r>
-          </a:p>
-          <a:p>
-            <a:pPr lvl="2"/>
-            <a:r>
-              <a:rPr lang="es-ES" dirty="0"/>
-              <a:t>Contado - Crédito</a:t>
-            </a:r>
-          </a:p>
-          <a:p>
-            <a:r>
-              <a:rPr lang="es-ES" dirty="0" smtClean="0"/>
-              <a:t>Se </a:t>
-            </a:r>
-            <a:r>
-              <a:rPr lang="es-ES" dirty="0"/>
-              <a:t>registran egresos de dinero por compras</a:t>
-            </a:r>
-          </a:p>
-          <a:p>
-            <a:pPr lvl="1"/>
-            <a:r>
-              <a:rPr lang="es-ES" dirty="0"/>
-              <a:t>Aspectos adicionales a ser considerados</a:t>
-            </a:r>
-          </a:p>
-          <a:p>
-            <a:pPr lvl="2"/>
-            <a:r>
-              <a:rPr lang="es-ES" dirty="0"/>
-              <a:t>Compras fuera del local</a:t>
-            </a:r>
-          </a:p>
-          <a:p>
-            <a:pPr lvl="2"/>
-            <a:r>
-              <a:rPr lang="es-ES" dirty="0"/>
-              <a:t>Compras dentro del local</a:t>
-            </a:r>
-          </a:p>
-          <a:p>
-            <a:r>
-              <a:rPr lang="es-ES" smtClean="0"/>
-              <a:t>Registrar </a:t>
-            </a:r>
-            <a:r>
-              <a:rPr lang="es-ES" dirty="0"/>
-              <a:t>factura</a:t>
-            </a:r>
-          </a:p>
-          <a:p>
-            <a:endParaRPr lang="es-ES" dirty="0"/>
-          </a:p>
-          <a:p>
-            <a:endParaRPr lang="es-ES" dirty="0"/>
-          </a:p>
-        </p:txBody>
-      </p:sp>
-    </p:spTree>
-    <p:extLst>
-      <p:ext uri="{BB962C8B-B14F-4D97-AF65-F5344CB8AC3E}">
-        <p14:creationId xmlns:p14="http://schemas.microsoft.com/office/powerpoint/2010/main" val="1856263806"/>
-      </p:ext>
-    </p:extLst>
-  </p:cSld>
-  <p:clrMapOvr>
-    <a:masterClrMapping/>
-  </p:clrMapOvr>
-  <p:timing>
-    <p:tnLst>
-      <p:par>
-        <p:cTn id="1" dur="indefinite" restart="never" nodeType="tmRoot"/>
-      </p:par>
-    </p:tnLst>
-  </p:timing>
-</p:sld>
-</file>
-
-<file path=ppt/slides/slide22.xml><?xml version="1.0" encoding="utf-8"?>
-<p:sld xmlns:a="http://schemas.openxmlformats.org/drawingml/2006/main" xmlns:r="http://schemas.openxmlformats.org/officeDocument/2006/relationships" xmlns:p="http://schemas.openxmlformats.org/presentationml/2006/main">
-  <p:cSld>
-    <p:spTree>
-      <p:nvGrpSpPr>
-        <p:cNvPr id="1" name=""/>
-        <p:cNvGrpSpPr/>
-        <p:nvPr/>
-      </p:nvGrpSpPr>
-      <p:grpSpPr>
-        <a:xfrm>
-          <a:off x="0" y="0"/>
-          <a:ext cx="0" cy="0"/>
-          <a:chOff x="0" y="0"/>
-          <a:chExt cx="0" cy="0"/>
-        </a:xfrm>
-      </p:grpSpPr>
-      <p:sp>
-        <p:nvSpPr>
-          <p:cNvPr id="3" name="2 Título"/>
-          <p:cNvSpPr>
-            <a:spLocks noGrp="1"/>
-          </p:cNvSpPr>
-          <p:nvPr>
-            <p:ph type="title"/>
-          </p:nvPr>
-        </p:nvSpPr>
-        <p:spPr/>
-        <p:txBody>
-          <a:bodyPr>
-            <a:normAutofit/>
-          </a:bodyPr>
-          <a:lstStyle/>
-          <a:p>
-            <a:r>
-              <a:rPr lang="es-ES" dirty="0" smtClean="0">
-                <a:solidFill>
-                  <a:schemeClr val="bg1"/>
-                </a:solidFill>
-              </a:rPr>
-              <a:t>Diagrama de proceso</a:t>
-            </a:r>
-            <a:endParaRPr lang="es-ES" dirty="0"/>
-          </a:p>
-        </p:txBody>
-      </p:sp>
-      <p:pic>
-        <p:nvPicPr>
-          <p:cNvPr id="6" name="3 Marcador de contenido"/>
-          <p:cNvPicPr>
-            <a:picLocks noChangeAspect="1"/>
-          </p:cNvPicPr>
-          <p:nvPr/>
-        </p:nvPicPr>
-        <p:blipFill>
-          <a:blip r:embed="rId2">
-            <a:extLst>
-              <a:ext uri="{28A0092B-C50C-407E-A947-70E740481C1C}">
-                <a14:useLocalDpi xmlns:a14="http://schemas.microsoft.com/office/drawing/2010/main" val="0"/>
-              </a:ext>
-            </a:extLst>
-          </a:blip>
-          <a:stretch>
-            <a:fillRect/>
-          </a:stretch>
-        </p:blipFill>
-        <p:spPr>
-          <a:xfrm>
-            <a:off x="971600" y="1651394"/>
-            <a:ext cx="6948264" cy="5122573"/>
-          </a:xfrm>
-          <a:prstGeom prst="rect">
-            <a:avLst/>
-          </a:prstGeom>
-        </p:spPr>
-      </p:pic>
-    </p:spTree>
-    <p:extLst>
-      <p:ext uri="{BB962C8B-B14F-4D97-AF65-F5344CB8AC3E}">
-        <p14:creationId xmlns:p14="http://schemas.microsoft.com/office/powerpoint/2010/main" val="246504266"/>
-      </p:ext>
-    </p:extLst>
-  </p:cSld>
-  <p:clrMapOvr>
-    <a:masterClrMapping/>
-  </p:clrMapOvr>
-  <p:timing>
-    <p:tnLst>
-      <p:par>
-        <p:cTn id="1" dur="indefinite" restart="never" nodeType="tmRoot"/>
-      </p:par>
-    </p:tnLst>
-  </p:timing>
-</p:sld>
-</file>
-
-<file path=ppt/slides/slide23.xml><?xml version="1.0" encoding="utf-8"?>
-<p:sld xmlns:a="http://schemas.openxmlformats.org/drawingml/2006/main" xmlns:r="http://schemas.openxmlformats.org/officeDocument/2006/relationships" xmlns:p="http://schemas.openxmlformats.org/presentationml/2006/main">
-  <p:cSld>
-    <p:spTree>
-      <p:nvGrpSpPr>
-        <p:cNvPr id="1" name=""/>
-        <p:cNvGrpSpPr/>
-        <p:nvPr/>
-      </p:nvGrpSpPr>
-      <p:grpSpPr>
-        <a:xfrm>
-          <a:off x="0" y="0"/>
-          <a:ext cx="0" cy="0"/>
-          <a:chOff x="0" y="0"/>
-          <a:chExt cx="0" cy="0"/>
-        </a:xfrm>
-      </p:grpSpPr>
-      <p:sp>
-        <p:nvSpPr>
-          <p:cNvPr id="3" name="2 Título"/>
-          <p:cNvSpPr>
-            <a:spLocks noGrp="1"/>
-          </p:cNvSpPr>
-          <p:nvPr>
-            <p:ph type="title"/>
-          </p:nvPr>
-        </p:nvSpPr>
-        <p:spPr/>
-        <p:txBody>
-          <a:bodyPr>
-            <a:normAutofit/>
-          </a:bodyPr>
-          <a:lstStyle/>
-          <a:p>
-            <a:r>
-              <a:rPr lang="es-ES" dirty="0" smtClean="0"/>
-              <a:t>Flujo compra</a:t>
-            </a:r>
-            <a:endParaRPr lang="es-ES" dirty="0"/>
-          </a:p>
-        </p:txBody>
-      </p:sp>
-      <p:pic>
-        <p:nvPicPr>
-          <p:cNvPr id="4" name="5 Marcador de contenido"/>
-          <p:cNvPicPr>
-            <a:picLocks noGrp="1" noChangeAspect="1"/>
-          </p:cNvPicPr>
-          <p:nvPr>
-            <p:ph idx="1"/>
-          </p:nvPr>
-        </p:nvPicPr>
-        <p:blipFill rotWithShape="1">
-          <a:blip r:embed="rId2">
-            <a:extLst>
-              <a:ext uri="{28A0092B-C50C-407E-A947-70E740481C1C}">
-                <a14:useLocalDpi xmlns:a14="http://schemas.microsoft.com/office/drawing/2010/main" val="0"/>
-              </a:ext>
-            </a:extLst>
-          </a:blip>
-          <a:srcRect t="4403" b="9306"/>
-          <a:stretch/>
-        </p:blipFill>
-        <p:spPr>
-          <a:xfrm>
-            <a:off x="251520" y="1602221"/>
-            <a:ext cx="8640960" cy="5139147"/>
-          </a:xfrm>
-        </p:spPr>
-      </p:pic>
-    </p:spTree>
-    <p:extLst>
-      <p:ext uri="{BB962C8B-B14F-4D97-AF65-F5344CB8AC3E}">
-        <p14:creationId xmlns:p14="http://schemas.microsoft.com/office/powerpoint/2010/main" val="2807143563"/>
-      </p:ext>
-    </p:extLst>
-  </p:cSld>
-  <p:clrMapOvr>
-    <a:masterClrMapping/>
-  </p:clrMapOvr>
-  <p:timing>
-    <p:tnLst>
-      <p:par>
-        <p:cTn id="1" dur="indefinite" restart="never" nodeType="tmRoot"/>
-      </p:par>
-    </p:tnLst>
-  </p:timing>
-</p:sld>
-</file>
-
-<file path=ppt/slides/slide24.xml><?xml version="1.0" encoding="utf-8"?>
-<p:sld xmlns:a="http://schemas.openxmlformats.org/drawingml/2006/main" xmlns:r="http://schemas.openxmlformats.org/officeDocument/2006/relationships" xmlns:p="http://schemas.openxmlformats.org/presentationml/2006/main">
-  <p:cSld>
-    <p:spTree>
-      <p:nvGrpSpPr>
-        <p:cNvPr id="1" name=""/>
-        <p:cNvGrpSpPr/>
-        <p:nvPr/>
-      </p:nvGrpSpPr>
-      <p:grpSpPr>
-        <a:xfrm>
-          <a:off x="0" y="0"/>
-          <a:ext cx="0" cy="0"/>
-          <a:chOff x="0" y="0"/>
-          <a:chExt cx="0" cy="0"/>
-        </a:xfrm>
-      </p:grpSpPr>
-      <p:sp>
-        <p:nvSpPr>
-          <p:cNvPr id="3" name="2 Título"/>
-          <p:cNvSpPr>
-            <a:spLocks noGrp="1"/>
-          </p:cNvSpPr>
-          <p:nvPr>
-            <p:ph type="title"/>
-          </p:nvPr>
-        </p:nvSpPr>
-        <p:spPr/>
-        <p:txBody>
-          <a:bodyPr>
-            <a:normAutofit/>
-          </a:bodyPr>
-          <a:lstStyle/>
-          <a:p>
-            <a:r>
-              <a:rPr lang="es-ES" dirty="0" smtClean="0">
-                <a:solidFill>
-                  <a:schemeClr val="bg1"/>
-                </a:solidFill>
-              </a:rPr>
-              <a:t>Flujo pago</a:t>
-            </a:r>
-            <a:endParaRPr lang="es-ES" dirty="0"/>
-          </a:p>
-        </p:txBody>
-      </p:sp>
-      <p:pic>
-        <p:nvPicPr>
-          <p:cNvPr id="5" name="5 Marcador de contenido"/>
-          <p:cNvPicPr>
-            <a:picLocks noGrp="1" noChangeAspect="1"/>
-          </p:cNvPicPr>
-          <p:nvPr>
-            <p:ph idx="1"/>
-          </p:nvPr>
-        </p:nvPicPr>
-        <p:blipFill rotWithShape="1">
-          <a:blip r:embed="rId2">
-            <a:extLst>
-              <a:ext uri="{28A0092B-C50C-407E-A947-70E740481C1C}">
-                <a14:useLocalDpi xmlns:a14="http://schemas.microsoft.com/office/drawing/2010/main" val="0"/>
-              </a:ext>
-            </a:extLst>
-          </a:blip>
-          <a:srcRect t="368" r="3467" b="3173"/>
-          <a:stretch/>
-        </p:blipFill>
-        <p:spPr>
-          <a:xfrm>
-            <a:off x="255224" y="1720700"/>
-            <a:ext cx="8637256" cy="4979157"/>
-          </a:xfrm>
-        </p:spPr>
-      </p:pic>
-    </p:spTree>
-    <p:extLst>
-      <p:ext uri="{BB962C8B-B14F-4D97-AF65-F5344CB8AC3E}">
-        <p14:creationId xmlns:p14="http://schemas.microsoft.com/office/powerpoint/2010/main" val="2389628800"/>
-      </p:ext>
-    </p:extLst>
-  </p:cSld>
-  <p:clrMapOvr>
-    <a:masterClrMapping/>
-  </p:clrMapOvr>
-  <p:timing>
-    <p:tnLst>
-      <p:par>
-        <p:cTn id="1" dur="indefinite" restart="never" nodeType="tmRoot"/>
-      </p:par>
-    </p:tnLst>
-  </p:timing>
-</p:sld>
-</file>
-
-<file path=ppt/slides/slide25.xml><?xml version="1.0" encoding="utf-8"?>
-<p:sld xmlns:a="http://schemas.openxmlformats.org/drawingml/2006/main" xmlns:r="http://schemas.openxmlformats.org/officeDocument/2006/relationships" xmlns:p="http://schemas.openxmlformats.org/presentationml/2006/main">
-  <p:cSld>
-    <p:spTree>
-      <p:nvGrpSpPr>
-        <p:cNvPr id="1" name=""/>
-        <p:cNvGrpSpPr/>
-        <p:nvPr/>
-      </p:nvGrpSpPr>
-      <p:grpSpPr>
-        <a:xfrm>
-          <a:off x="0" y="0"/>
-          <a:ext cx="0" cy="0"/>
-          <a:chOff x="0" y="0"/>
-          <a:chExt cx="0" cy="0"/>
-        </a:xfrm>
-      </p:grpSpPr>
-      <p:sp>
-        <p:nvSpPr>
-          <p:cNvPr id="3" name="2 Título"/>
-          <p:cNvSpPr>
-            <a:spLocks noGrp="1"/>
-          </p:cNvSpPr>
-          <p:nvPr>
-            <p:ph type="title"/>
-          </p:nvPr>
-        </p:nvSpPr>
-        <p:spPr/>
-        <p:txBody>
-          <a:bodyPr>
-            <a:normAutofit/>
-          </a:bodyPr>
-          <a:lstStyle/>
-          <a:p>
-            <a:r>
-              <a:rPr lang="es-ES" dirty="0" smtClean="0">
-                <a:solidFill>
-                  <a:schemeClr val="bg1"/>
-                </a:solidFill>
-              </a:rPr>
-              <a:t>Flujo pago</a:t>
-            </a:r>
-            <a:endParaRPr lang="es-ES" dirty="0"/>
-          </a:p>
-        </p:txBody>
-      </p:sp>
-      <p:pic>
-        <p:nvPicPr>
-          <p:cNvPr id="5" name="5 Marcador de contenido"/>
-          <p:cNvPicPr>
-            <a:picLocks noGrp="1" noChangeAspect="1"/>
-          </p:cNvPicPr>
-          <p:nvPr>
-            <p:ph idx="1"/>
-          </p:nvPr>
-        </p:nvPicPr>
-        <p:blipFill rotWithShape="1">
-          <a:blip r:embed="rId2">
-            <a:extLst>
-              <a:ext uri="{28A0092B-C50C-407E-A947-70E740481C1C}">
-                <a14:useLocalDpi xmlns:a14="http://schemas.microsoft.com/office/drawing/2010/main" val="0"/>
-              </a:ext>
-            </a:extLst>
-          </a:blip>
-          <a:srcRect t="368" r="3467" b="3173"/>
-          <a:stretch/>
-        </p:blipFill>
-        <p:spPr>
-          <a:xfrm>
-            <a:off x="255224" y="1720700"/>
-            <a:ext cx="8637256" cy="4979157"/>
-          </a:xfrm>
-        </p:spPr>
-      </p:pic>
-    </p:spTree>
-    <p:extLst>
-      <p:ext uri="{BB962C8B-B14F-4D97-AF65-F5344CB8AC3E}">
-        <p14:creationId xmlns:p14="http://schemas.microsoft.com/office/powerpoint/2010/main" val="924761619"/>
-      </p:ext>
-    </p:extLst>
-  </p:cSld>
-  <p:clrMapOvr>
-    <a:masterClrMapping/>
-  </p:clrMapOvr>
-  <p:timing>
-    <p:tnLst>
-      <p:par>
-        <p:cTn id="1" dur="indefinite" restart="never" nodeType="tmRoot"/>
-      </p:par>
-    </p:tnLst>
-  </p:timing>
-</p:sld>
-</file>
-
-<file path=ppt/slides/slide26.xml><?xml version="1.0" encoding="utf-8"?>
-<p:sld xmlns:a="http://schemas.openxmlformats.org/drawingml/2006/main" xmlns:r="http://schemas.openxmlformats.org/officeDocument/2006/relationships" xmlns:p="http://schemas.openxmlformats.org/presentationml/2006/main">
-  <p:cSld>
-    <p:spTree>
-      <p:nvGrpSpPr>
-        <p:cNvPr id="1" name=""/>
-        <p:cNvGrpSpPr/>
-        <p:nvPr/>
-      </p:nvGrpSpPr>
-      <p:grpSpPr>
-        <a:xfrm>
-          <a:off x="0" y="0"/>
-          <a:ext cx="0" cy="0"/>
-          <a:chOff x="0" y="0"/>
-          <a:chExt cx="0" cy="0"/>
-        </a:xfrm>
-      </p:grpSpPr>
-      <p:sp>
-        <p:nvSpPr>
-          <p:cNvPr id="2" name="1 Título"/>
-          <p:cNvSpPr>
-            <a:spLocks noGrp="1"/>
-          </p:cNvSpPr>
-          <p:nvPr>
-            <p:ph type="ctrTitle"/>
-          </p:nvPr>
-        </p:nvSpPr>
-        <p:spPr/>
-        <p:txBody>
-          <a:bodyPr/>
-          <a:lstStyle/>
-          <a:p>
-            <a:r>
-              <a:rPr lang="es-ES" dirty="0" smtClean="0"/>
-              <a:t>VENTAS</a:t>
-            </a:r>
-            <a:endParaRPr lang="es-ES" dirty="0"/>
-          </a:p>
-        </p:txBody>
-      </p:sp>
-    </p:spTree>
-    <p:extLst>
-      <p:ext uri="{BB962C8B-B14F-4D97-AF65-F5344CB8AC3E}">
-        <p14:creationId xmlns:p14="http://schemas.microsoft.com/office/powerpoint/2010/main" val="2916678532"/>
-      </p:ext>
-    </p:extLst>
-  </p:cSld>
-  <p:clrMapOvr>
-    <a:masterClrMapping/>
-  </p:clrMapOvr>
-  <p:timing>
-    <p:tnLst>
-      <p:par>
-        <p:cTn id="1" dur="indefinite" restart="never" nodeType="tmRoot"/>
-      </p:par>
-    </p:tnLst>
-  </p:timing>
-</p:sld>
-</file>
-
-<file path=ppt/slides/slide27.xml><?xml version="1.0" encoding="utf-8"?>
-<p:sld xmlns:a="http://schemas.openxmlformats.org/drawingml/2006/main" xmlns:r="http://schemas.openxmlformats.org/officeDocument/2006/relationships" xmlns:p="http://schemas.openxmlformats.org/presentationml/2006/main">
-  <p:cSld>
-    <p:spTree>
-      <p:nvGrpSpPr>
-        <p:cNvPr id="1" name=""/>
-        <p:cNvGrpSpPr/>
-        <p:nvPr/>
-      </p:nvGrpSpPr>
-      <p:grpSpPr>
-        <a:xfrm>
-          <a:off x="0" y="0"/>
-          <a:ext cx="0" cy="0"/>
-          <a:chOff x="0" y="0"/>
-          <a:chExt cx="0" cy="0"/>
-        </a:xfrm>
-      </p:grpSpPr>
-      <p:sp>
-        <p:nvSpPr>
-          <p:cNvPr id="3" name="2 Título"/>
-          <p:cNvSpPr>
-            <a:spLocks noGrp="1"/>
-          </p:cNvSpPr>
-          <p:nvPr>
-            <p:ph type="title"/>
-          </p:nvPr>
-        </p:nvSpPr>
-        <p:spPr/>
-        <p:txBody>
-          <a:bodyPr>
-            <a:normAutofit fontScale="90000"/>
-          </a:bodyPr>
-          <a:lstStyle/>
-          <a:p>
-            <a:r>
-              <a:rPr lang="es-ES" dirty="0">
-                <a:solidFill>
-                  <a:schemeClr val="bg1"/>
-                </a:solidFill>
-              </a:rPr>
-              <a:t>Requerimientos del Modulo de </a:t>
-            </a:r>
-            <a:r>
-              <a:rPr lang="es-ES" dirty="0" smtClean="0">
-                <a:solidFill>
-                  <a:schemeClr val="bg1"/>
-                </a:solidFill>
-              </a:rPr>
-              <a:t>Venta</a:t>
-            </a:r>
-            <a:endParaRPr lang="es-ES" dirty="0"/>
-          </a:p>
-        </p:txBody>
-      </p:sp>
-      <p:sp>
-        <p:nvSpPr>
-          <p:cNvPr id="5" name="1 Marcador de contenido"/>
-          <p:cNvSpPr>
-            <a:spLocks noGrp="1"/>
-          </p:cNvSpPr>
-          <p:nvPr>
-            <p:ph idx="1"/>
-          </p:nvPr>
-        </p:nvSpPr>
-        <p:spPr>
-          <a:xfrm>
-            <a:off x="872067" y="2675467"/>
-            <a:ext cx="7408333" cy="3450696"/>
-          </a:xfrm>
-        </p:spPr>
-        <p:txBody>
-          <a:bodyPr vert="horz" lIns="91440" tIns="45720" rIns="91440" bIns="45720" rtlCol="0">
-            <a:normAutofit fontScale="92500" lnSpcReduction="10000"/>
-          </a:bodyPr>
-          <a:lstStyle/>
-          <a:p>
-            <a:r>
-              <a:rPr lang="es-ES" dirty="0" smtClean="0"/>
-              <a:t>1</a:t>
-            </a:r>
-            <a:r>
-              <a:rPr lang="es-ES" dirty="0"/>
-              <a:t>. Se registraran los datos relacionados al cliente. </a:t>
-            </a:r>
-          </a:p>
-          <a:p>
-            <a:r>
-              <a:rPr lang="es-ES" dirty="0"/>
-              <a:t>2. Se registra los pedidos. </a:t>
-            </a:r>
-          </a:p>
-          <a:p>
-            <a:r>
-              <a:rPr lang="es-ES" dirty="0"/>
-              <a:t>3. Se realiza la facturación. </a:t>
-            </a:r>
-          </a:p>
-          <a:p>
-            <a:endParaRPr lang="es-ES" dirty="0"/>
-          </a:p>
-          <a:p>
-            <a:r>
-              <a:rPr lang="es-ES" dirty="0"/>
-              <a:t>_Selecciona pedidos. </a:t>
-            </a:r>
-          </a:p>
-          <a:p>
-            <a:r>
-              <a:rPr lang="es-ES" dirty="0"/>
-              <a:t>_Carga pedidos. </a:t>
-            </a:r>
-          </a:p>
-          <a:p>
-            <a:r>
-              <a:rPr lang="es-ES" b="1" dirty="0"/>
-              <a:t>Aspectos adicionales a ser considerados </a:t>
-            </a:r>
-            <a:endParaRPr lang="es-ES" dirty="0"/>
-          </a:p>
-          <a:p>
-            <a:r>
-              <a:rPr lang="es-ES" dirty="0" smtClean="0"/>
-              <a:t>- Contado</a:t>
-            </a:r>
-            <a:r>
-              <a:rPr lang="es-ES" dirty="0"/>
-              <a:t>. </a:t>
-            </a:r>
-          </a:p>
-          <a:p>
-            <a:r>
-              <a:rPr lang="es-ES" dirty="0"/>
-              <a:t>	</a:t>
-            </a:r>
-          </a:p>
-          <a:p>
-            <a:endParaRPr lang="es-ES" dirty="0"/>
-          </a:p>
-          <a:p>
-            <a:endParaRPr lang="es-ES" dirty="0"/>
-          </a:p>
-        </p:txBody>
-      </p:sp>
-    </p:spTree>
-    <p:extLst>
-      <p:ext uri="{BB962C8B-B14F-4D97-AF65-F5344CB8AC3E}">
-        <p14:creationId xmlns:p14="http://schemas.microsoft.com/office/powerpoint/2010/main" val="1127780079"/>
-      </p:ext>
-    </p:extLst>
-  </p:cSld>
-  <p:clrMapOvr>
-    <a:masterClrMapping/>
-  </p:clrMapOvr>
-  <p:timing>
-    <p:tnLst>
-      <p:par>
-        <p:cTn id="1" dur="indefinite" restart="never" nodeType="tmRoot"/>
-      </p:par>
-    </p:tnLst>
-  </p:timing>
-</p:sld>
-</file>
-
-<file path=ppt/slides/slide28.xml><?xml version="1.0" encoding="utf-8"?>
-<p:sld xmlns:a="http://schemas.openxmlformats.org/drawingml/2006/main" xmlns:r="http://schemas.openxmlformats.org/officeDocument/2006/relationships" xmlns:p="http://schemas.openxmlformats.org/presentationml/2006/main">
-  <p:cSld>
-    <p:spTree>
-      <p:nvGrpSpPr>
-        <p:cNvPr id="1" name=""/>
-        <p:cNvGrpSpPr/>
-        <p:nvPr/>
-      </p:nvGrpSpPr>
-      <p:grpSpPr>
-        <a:xfrm>
-          <a:off x="0" y="0"/>
-          <a:ext cx="0" cy="0"/>
-          <a:chOff x="0" y="0"/>
-          <a:chExt cx="0" cy="0"/>
-        </a:xfrm>
-      </p:grpSpPr>
-      <p:sp>
-        <p:nvSpPr>
-          <p:cNvPr id="3" name="2 Título"/>
-          <p:cNvSpPr>
-            <a:spLocks noGrp="1"/>
-          </p:cNvSpPr>
-          <p:nvPr>
-            <p:ph type="title"/>
-          </p:nvPr>
-        </p:nvSpPr>
-        <p:spPr/>
-        <p:txBody>
-          <a:bodyPr>
-            <a:normAutofit/>
-          </a:bodyPr>
-          <a:lstStyle/>
-          <a:p>
-            <a:r>
-              <a:rPr lang="es-ES" dirty="0" smtClean="0"/>
-              <a:t>Diagrama de Proceso</a:t>
-            </a:r>
-            <a:endParaRPr lang="es-ES" dirty="0"/>
-          </a:p>
-        </p:txBody>
-      </p:sp>
-      <p:pic>
-        <p:nvPicPr>
-          <p:cNvPr id="4098" name="Picture 2" descr="C:\Users\Ivan\Documents\Dropbox\infocomedor-final\DP_Venta.jpg"/>
-          <p:cNvPicPr>
-            <a:picLocks noChangeAspect="1" noChangeArrowheads="1"/>
-          </p:cNvPicPr>
-          <p:nvPr/>
-        </p:nvPicPr>
-        <p:blipFill>
-          <a:blip r:embed="rId2">
-            <a:extLst>
-              <a:ext uri="{28A0092B-C50C-407E-A947-70E740481C1C}">
-                <a14:useLocalDpi xmlns:a14="http://schemas.microsoft.com/office/drawing/2010/main" val="0"/>
-              </a:ext>
-            </a:extLst>
-          </a:blip>
-          <a:srcRect/>
-          <a:stretch>
-            <a:fillRect/>
-          </a:stretch>
-        </p:blipFill>
-        <p:spPr bwMode="auto">
-          <a:xfrm>
-            <a:off x="1126854" y="1767458"/>
-            <a:ext cx="6973538" cy="4469854"/>
-          </a:xfrm>
-          <a:prstGeom prst="rect">
-            <a:avLst/>
-          </a:prstGeom>
-          <a:noFill/>
-          <a:extLst>
-            <a:ext uri="{909E8E84-426E-40DD-AFC4-6F175D3DCCD1}">
-              <a14:hiddenFill xmlns:a14="http://schemas.microsoft.com/office/drawing/2010/main">
-                <a:solidFill>
-                  <a:srgbClr val="FFFFFF"/>
-                </a:solidFill>
-              </a14:hiddenFill>
-            </a:ext>
-          </a:extLst>
-        </p:spPr>
-      </p:pic>
-    </p:spTree>
-    <p:extLst>
-      <p:ext uri="{BB962C8B-B14F-4D97-AF65-F5344CB8AC3E}">
-        <p14:creationId xmlns:p14="http://schemas.microsoft.com/office/powerpoint/2010/main" val="2539620563"/>
-      </p:ext>
-    </p:extLst>
-  </p:cSld>
-  <p:clrMapOvr>
-    <a:masterClrMapping/>
-  </p:clrMapOvr>
-  <p:timing>
-    <p:tnLst>
-      <p:par>
-        <p:cTn id="1" dur="indefinite" restart="never" nodeType="tmRoot"/>
-      </p:par>
-    </p:tnLst>
-  </p:timing>
-</p:sld>
-</file>
-
-<file path=ppt/slides/slide29.xml><?xml version="1.0" encoding="utf-8"?>
-<p:sld xmlns:a="http://schemas.openxmlformats.org/drawingml/2006/main" xmlns:r="http://schemas.openxmlformats.org/officeDocument/2006/relationships" xmlns:p="http://schemas.openxmlformats.org/presentationml/2006/main">
-  <p:cSld>
-    <p:spTree>
-      <p:nvGrpSpPr>
-        <p:cNvPr id="1" name=""/>
-        <p:cNvGrpSpPr/>
-        <p:nvPr/>
-      </p:nvGrpSpPr>
-      <p:grpSpPr>
-        <a:xfrm>
-          <a:off x="0" y="0"/>
-          <a:ext cx="0" cy="0"/>
-          <a:chOff x="0" y="0"/>
-          <a:chExt cx="0" cy="0"/>
-        </a:xfrm>
-      </p:grpSpPr>
-      <p:sp>
-        <p:nvSpPr>
-          <p:cNvPr id="3" name="2 Título"/>
-          <p:cNvSpPr>
-            <a:spLocks noGrp="1"/>
-          </p:cNvSpPr>
-          <p:nvPr>
-            <p:ph type="title"/>
-          </p:nvPr>
-        </p:nvSpPr>
-        <p:spPr/>
-        <p:txBody>
-          <a:bodyPr>
-            <a:normAutofit/>
-          </a:bodyPr>
-          <a:lstStyle/>
-          <a:p>
-            <a:r>
-              <a:rPr lang="es-ES" dirty="0" smtClean="0">
-                <a:solidFill>
-                  <a:schemeClr val="bg1"/>
-                </a:solidFill>
-              </a:rPr>
-              <a:t>Flujo pedido</a:t>
-            </a:r>
-            <a:endParaRPr lang="es-ES" dirty="0"/>
-          </a:p>
-        </p:txBody>
-      </p:sp>
-      <p:pic>
-        <p:nvPicPr>
-          <p:cNvPr id="2051" name="Picture 3" descr="C:\Users\Ivan\Downloads\Untitled (2).png"/>
-          <p:cNvPicPr>
-            <a:picLocks noChangeAspect="1" noChangeArrowheads="1"/>
-          </p:cNvPicPr>
-          <p:nvPr/>
-        </p:nvPicPr>
-        <p:blipFill>
-          <a:blip r:embed="rId2">
-            <a:extLst>
-              <a:ext uri="{28A0092B-C50C-407E-A947-70E740481C1C}">
-                <a14:useLocalDpi xmlns:a14="http://schemas.microsoft.com/office/drawing/2010/main" val="0"/>
-              </a:ext>
-            </a:extLst>
-          </a:blip>
-          <a:srcRect/>
-          <a:stretch>
-            <a:fillRect/>
-          </a:stretch>
-        </p:blipFill>
-        <p:spPr bwMode="auto">
-          <a:xfrm>
-            <a:off x="2339752" y="1412776"/>
-            <a:ext cx="4608512" cy="5390613"/>
-          </a:xfrm>
-          <a:prstGeom prst="rect">
-            <a:avLst/>
-          </a:prstGeom>
-          <a:noFill/>
-          <a:extLst>
-            <a:ext uri="{909E8E84-426E-40DD-AFC4-6F175D3DCCD1}">
-              <a14:hiddenFill xmlns:a14="http://schemas.microsoft.com/office/drawing/2010/main">
-                <a:solidFill>
-                  <a:srgbClr val="FFFFFF"/>
-                </a:solidFill>
-              </a14:hiddenFill>
-            </a:ext>
-          </a:extLst>
-        </p:spPr>
-      </p:pic>
-    </p:spTree>
-    <p:extLst>
-      <p:ext uri="{BB962C8B-B14F-4D97-AF65-F5344CB8AC3E}">
-        <p14:creationId xmlns:p14="http://schemas.microsoft.com/office/powerpoint/2010/main" val="881439518"/>
-      </p:ext>
-    </p:extLst>
-  </p:cSld>
-  <p:clrMapOvr>
-    <a:masterClrMapping/>
-  </p:clrMapOvr>
-  <p:timing>
-    <p:tnLst>
-      <p:par>
-        <p:cTn id="1" dur="indefinite" restart="never" nodeType="tmRoot"/>
-      </p:par>
-    </p:tnLst>
-  </p:timing>
-</p:sld>
-</file>
-
-<file path=ppt/slides/slide3.xml><?xml version="1.0" encoding="utf-8"?>
-<p:sld xmlns:a="http://schemas.openxmlformats.org/drawingml/2006/main" xmlns:r="http://schemas.openxmlformats.org/officeDocument/2006/relationships" xmlns:p="http://schemas.openxmlformats.org/presentationml/2006/main">
-  <p:cSld>
-    <p:spTree>
-      <p:nvGrpSpPr>
-        <p:cNvPr id="1" name=""/>
-        <p:cNvGrpSpPr/>
-        <p:nvPr/>
-      </p:nvGrpSpPr>
-      <p:grpSpPr>
-        <a:xfrm>
-          <a:off x="0" y="0"/>
-          <a:ext cx="0" cy="0"/>
-          <a:chOff x="0" y="0"/>
-          <a:chExt cx="0" cy="0"/>
-        </a:xfrm>
-      </p:grpSpPr>
-      <p:sp>
-        <p:nvSpPr>
-          <p:cNvPr id="2" name="1 Título"/>
-          <p:cNvSpPr>
-            <a:spLocks noGrp="1"/>
-          </p:cNvSpPr>
-          <p:nvPr>
-            <p:ph type="ctrTitle"/>
-          </p:nvPr>
-        </p:nvSpPr>
-        <p:spPr/>
-        <p:txBody>
-          <a:bodyPr/>
-          <a:lstStyle/>
-          <a:p>
-            <a:r>
-              <a:rPr lang="es-ES" dirty="0" smtClean="0"/>
-              <a:t>LA EMPRESA</a:t>
-            </a:r>
-            <a:endParaRPr lang="es-ES" dirty="0"/>
-          </a:p>
-        </p:txBody>
-      </p:sp>
-    </p:spTree>
-    <p:extLst>
-      <p:ext uri="{BB962C8B-B14F-4D97-AF65-F5344CB8AC3E}">
-        <p14:creationId xmlns:p14="http://schemas.microsoft.com/office/powerpoint/2010/main" val="3621897503"/>
-      </p:ext>
-    </p:extLst>
-  </p:cSld>
-  <p:clrMapOvr>
-    <a:masterClrMapping/>
-  </p:clrMapOvr>
-  <p:timing>
-    <p:tnLst>
-      <p:par>
-        <p:cTn id="1" dur="indefinite" restart="never" nodeType="tmRoot"/>
-      </p:par>
-    </p:tnLst>
-  </p:timing>
-</p:sld>
-</file>
-
-<file path=ppt/slides/slide30.xml><?xml version="1.0" encoding="utf-8"?>
-<p:sld xmlns:a="http://schemas.openxmlformats.org/drawingml/2006/main" xmlns:r="http://schemas.openxmlformats.org/officeDocument/2006/relationships" xmlns:p="http://schemas.openxmlformats.org/presentationml/2006/main">
-  <p:cSld>
-    <p:spTree>
-      <p:nvGrpSpPr>
-        <p:cNvPr id="1" name=""/>
-        <p:cNvGrpSpPr/>
-        <p:nvPr/>
-      </p:nvGrpSpPr>
-      <p:grpSpPr>
-        <a:xfrm>
-          <a:off x="0" y="0"/>
-          <a:ext cx="0" cy="0"/>
-          <a:chOff x="0" y="0"/>
-          <a:chExt cx="0" cy="0"/>
-        </a:xfrm>
-      </p:grpSpPr>
-      <p:sp>
-        <p:nvSpPr>
-          <p:cNvPr id="3" name="2 Título"/>
-          <p:cNvSpPr>
-            <a:spLocks noGrp="1"/>
-          </p:cNvSpPr>
-          <p:nvPr>
-            <p:ph type="title"/>
-          </p:nvPr>
-        </p:nvSpPr>
-        <p:spPr/>
-        <p:txBody>
-          <a:bodyPr>
-            <a:normAutofit/>
-          </a:bodyPr>
-          <a:lstStyle/>
-          <a:p>
-            <a:r>
-              <a:rPr lang="es-ES" dirty="0" smtClean="0">
-                <a:solidFill>
-                  <a:schemeClr val="bg1"/>
-                </a:solidFill>
-              </a:rPr>
-              <a:t>Flujo factura</a:t>
-            </a:r>
-            <a:endParaRPr lang="es-ES" dirty="0"/>
-          </a:p>
-        </p:txBody>
-      </p:sp>
-      <p:pic>
-        <p:nvPicPr>
-          <p:cNvPr id="3074" name="Picture 2" descr="C:\Users\Ivan\Downloads\Untitled (1).png"/>
-          <p:cNvPicPr>
-            <a:picLocks noChangeAspect="1" noChangeArrowheads="1"/>
-          </p:cNvPicPr>
-          <p:nvPr/>
-        </p:nvPicPr>
-        <p:blipFill rotWithShape="1">
-          <a:blip r:embed="rId3">
-            <a:extLst>
-              <a:ext uri="{28A0092B-C50C-407E-A947-70E740481C1C}">
-                <a14:useLocalDpi xmlns:a14="http://schemas.microsoft.com/office/drawing/2010/main" val="0"/>
-              </a:ext>
-            </a:extLst>
-          </a:blip>
-          <a:srcRect r="14178"/>
-          <a:stretch/>
-        </p:blipFill>
-        <p:spPr bwMode="auto">
-          <a:xfrm>
-            <a:off x="1907704" y="1196752"/>
-            <a:ext cx="5492873" cy="5518944"/>
-          </a:xfrm>
-          <a:prstGeom prst="rect">
-            <a:avLst/>
-          </a:prstGeom>
-          <a:noFill/>
-          <a:extLst>
-            <a:ext uri="{909E8E84-426E-40DD-AFC4-6F175D3DCCD1}">
-              <a14:hiddenFill xmlns:a14="http://schemas.microsoft.com/office/drawing/2010/main">
-                <a:solidFill>
-                  <a:srgbClr val="FFFFFF"/>
-                </a:solidFill>
-              </a14:hiddenFill>
-            </a:ext>
-          </a:extLst>
-        </p:spPr>
-      </p:pic>
-    </p:spTree>
-    <p:extLst>
-      <p:ext uri="{BB962C8B-B14F-4D97-AF65-F5344CB8AC3E}">
-        <p14:creationId xmlns:p14="http://schemas.microsoft.com/office/powerpoint/2010/main" val="2174467515"/>
-      </p:ext>
-    </p:extLst>
-  </p:cSld>
-  <p:clrMapOvr>
-    <a:masterClrMapping/>
-  </p:clrMapOvr>
-  <p:timing>
-    <p:tnLst>
-      <p:par>
-        <p:cTn id="1" dur="indefinite" restart="never" nodeType="tmRoot"/>
-      </p:par>
-    </p:tnLst>
-  </p:timing>
-</p:sld>
-</file>
-
-<file path=ppt/slides/slide31.xml><?xml version="1.0" encoding="utf-8"?>
-<p:sld xmlns:a="http://schemas.openxmlformats.org/drawingml/2006/main" xmlns:r="http://schemas.openxmlformats.org/officeDocument/2006/relationships" xmlns:p="http://schemas.openxmlformats.org/presentationml/2006/main">
-  <p:cSld>
-    <p:spTree>
-      <p:nvGrpSpPr>
-        <p:cNvPr id="1" name=""/>
-        <p:cNvGrpSpPr/>
-        <p:nvPr/>
-      </p:nvGrpSpPr>
-      <p:grpSpPr>
-        <a:xfrm>
-          <a:off x="0" y="0"/>
-          <a:ext cx="0" cy="0"/>
-          <a:chOff x="0" y="0"/>
-          <a:chExt cx="0" cy="0"/>
-        </a:xfrm>
-      </p:grpSpPr>
-      <p:sp>
-        <p:nvSpPr>
-          <p:cNvPr id="2" name="1 Título"/>
-          <p:cNvSpPr>
-            <a:spLocks noGrp="1"/>
-          </p:cNvSpPr>
-          <p:nvPr>
-            <p:ph type="ctrTitle"/>
-          </p:nvPr>
-        </p:nvSpPr>
-        <p:spPr/>
-        <p:txBody>
-          <a:bodyPr/>
-          <a:lstStyle/>
-          <a:p>
-            <a:r>
-              <a:rPr lang="es-ES" dirty="0" smtClean="0"/>
-              <a:t>INVENTARIO</a:t>
-            </a:r>
-            <a:endParaRPr lang="es-ES" dirty="0"/>
-          </a:p>
-        </p:txBody>
-      </p:sp>
-    </p:spTree>
-    <p:extLst>
-      <p:ext uri="{BB962C8B-B14F-4D97-AF65-F5344CB8AC3E}">
-        <p14:creationId xmlns:p14="http://schemas.microsoft.com/office/powerpoint/2010/main" val="3835046543"/>
-      </p:ext>
-    </p:extLst>
-  </p:cSld>
-  <p:clrMapOvr>
-    <a:masterClrMapping/>
-  </p:clrMapOvr>
-  <p:timing>
-    <p:tnLst>
-      <p:par>
-        <p:cTn id="1" dur="indefinite" restart="never" nodeType="tmRoot"/>
-      </p:par>
-    </p:tnLst>
-  </p:timing>
-</p:sld>
-</file>
-
-<file path=ppt/slides/slide32.xml><?xml version="1.0" encoding="utf-8"?>
-<p:sld xmlns:a="http://schemas.openxmlformats.org/drawingml/2006/main" xmlns:r="http://schemas.openxmlformats.org/officeDocument/2006/relationships" xmlns:p="http://schemas.openxmlformats.org/presentationml/2006/main">
-  <p:cSld>
-    <p:spTree>
-      <p:nvGrpSpPr>
-        <p:cNvPr id="1" name=""/>
-        <p:cNvGrpSpPr/>
-        <p:nvPr/>
-      </p:nvGrpSpPr>
-      <p:grpSpPr>
-        <a:xfrm>
-          <a:off x="0" y="0"/>
-          <a:ext cx="0" cy="0"/>
-          <a:chOff x="0" y="0"/>
-          <a:chExt cx="0" cy="0"/>
-        </a:xfrm>
-      </p:grpSpPr>
-      <p:sp>
-        <p:nvSpPr>
-          <p:cNvPr id="3" name="2 Título"/>
-          <p:cNvSpPr>
-            <a:spLocks noGrp="1"/>
-          </p:cNvSpPr>
-          <p:nvPr>
-            <p:ph type="title"/>
-          </p:nvPr>
-        </p:nvSpPr>
-        <p:spPr/>
-        <p:txBody>
-          <a:bodyPr>
-            <a:normAutofit fontScale="90000"/>
-          </a:bodyPr>
-          <a:lstStyle/>
-          <a:p>
-            <a:r>
-              <a:rPr lang="es-ES" dirty="0">
-                <a:solidFill>
-                  <a:schemeClr val="bg1"/>
-                </a:solidFill>
-              </a:rPr>
-              <a:t>Requerimientos del Modulo </a:t>
-            </a:r>
-            <a:r>
-              <a:rPr lang="es-ES" dirty="0" smtClean="0">
-                <a:solidFill>
-                  <a:schemeClr val="bg1"/>
-                </a:solidFill>
-              </a:rPr>
-              <a:t>Inventario</a:t>
-            </a:r>
-            <a:endParaRPr lang="es-ES" dirty="0"/>
-          </a:p>
-        </p:txBody>
-      </p:sp>
-      <p:sp>
-        <p:nvSpPr>
-          <p:cNvPr id="5" name="1 Marcador de contenido"/>
-          <p:cNvSpPr>
-            <a:spLocks noGrp="1"/>
-          </p:cNvSpPr>
-          <p:nvPr>
-            <p:ph idx="1"/>
-          </p:nvPr>
-        </p:nvSpPr>
-        <p:spPr>
-          <a:xfrm>
-            <a:off x="872067" y="2675467"/>
-            <a:ext cx="7408333" cy="3450696"/>
-          </a:xfrm>
-        </p:spPr>
-        <p:txBody>
-          <a:bodyPr vert="horz" lIns="91440" tIns="45720" rIns="91440" bIns="45720" rtlCol="0">
-            <a:normAutofit/>
-          </a:bodyPr>
-          <a:lstStyle/>
-          <a:p>
-            <a:r>
-              <a:rPr lang="es-ES" dirty="0" smtClean="0"/>
-              <a:t>Registrar </a:t>
-            </a:r>
-            <a:r>
-              <a:rPr lang="es-ES" dirty="0"/>
-              <a:t>inventario por producto</a:t>
-            </a:r>
-          </a:p>
-          <a:p>
-            <a:endParaRPr lang="es-ES" dirty="0"/>
-          </a:p>
-          <a:p>
-            <a:r>
-              <a:rPr lang="es-ES" dirty="0" smtClean="0"/>
-              <a:t>Calcular </a:t>
-            </a:r>
-            <a:r>
-              <a:rPr lang="es-ES" dirty="0"/>
-              <a:t>la diferencia</a:t>
-            </a:r>
-          </a:p>
-          <a:p>
-            <a:endParaRPr lang="es-ES" dirty="0"/>
-          </a:p>
-          <a:p>
-            <a:r>
-              <a:rPr lang="es-ES" dirty="0" smtClean="0"/>
-              <a:t> </a:t>
-            </a:r>
-            <a:r>
-              <a:rPr lang="es-ES" dirty="0"/>
-              <a:t>Realizar ajuste</a:t>
-            </a:r>
-          </a:p>
-          <a:p>
-            <a:endParaRPr lang="es-ES" dirty="0"/>
-          </a:p>
-          <a:p>
-            <a:r>
-              <a:rPr lang="es-ES" dirty="0" smtClean="0"/>
-              <a:t> </a:t>
-            </a:r>
-            <a:r>
-              <a:rPr lang="es-ES" dirty="0"/>
-              <a:t>Dar de baja un producto</a:t>
-            </a:r>
-          </a:p>
-          <a:p>
-            <a:endParaRPr lang="es-ES" dirty="0"/>
-          </a:p>
-          <a:p>
-            <a:endParaRPr lang="es-ES" dirty="0"/>
-          </a:p>
-        </p:txBody>
-      </p:sp>
-    </p:spTree>
-    <p:extLst>
-      <p:ext uri="{BB962C8B-B14F-4D97-AF65-F5344CB8AC3E}">
-        <p14:creationId xmlns:p14="http://schemas.microsoft.com/office/powerpoint/2010/main" val="849577504"/>
-      </p:ext>
-    </p:extLst>
-  </p:cSld>
-  <p:clrMapOvr>
-    <a:masterClrMapping/>
-  </p:clrMapOvr>
-  <p:timing>
-    <p:tnLst>
-      <p:par>
-        <p:cTn id="1" dur="indefinite" restart="never" nodeType="tmRoot"/>
-      </p:par>
-    </p:tnLst>
-  </p:timing>
-</p:sld>
-</file>
-
-<file path=ppt/slides/slide33.xml><?xml version="1.0" encoding="utf-8"?>
-<p:sld xmlns:a="http://schemas.openxmlformats.org/drawingml/2006/main" xmlns:r="http://schemas.openxmlformats.org/officeDocument/2006/relationships" xmlns:p="http://schemas.openxmlformats.org/presentationml/2006/main">
-  <p:cSld>
-    <p:spTree>
-      <p:nvGrpSpPr>
-        <p:cNvPr id="1" name=""/>
-        <p:cNvGrpSpPr/>
-        <p:nvPr/>
-      </p:nvGrpSpPr>
-      <p:grpSpPr>
-        <a:xfrm>
-          <a:off x="0" y="0"/>
-          <a:ext cx="0" cy="0"/>
-          <a:chOff x="0" y="0"/>
-          <a:chExt cx="0" cy="0"/>
-        </a:xfrm>
-      </p:grpSpPr>
-      <p:sp>
-        <p:nvSpPr>
-          <p:cNvPr id="3" name="2 Título"/>
-          <p:cNvSpPr>
-            <a:spLocks noGrp="1"/>
-          </p:cNvSpPr>
-          <p:nvPr>
-            <p:ph type="title"/>
-          </p:nvPr>
-        </p:nvSpPr>
-        <p:spPr/>
-        <p:txBody>
-          <a:bodyPr>
-            <a:normAutofit/>
-          </a:bodyPr>
-          <a:lstStyle/>
-          <a:p>
-            <a:r>
-              <a:rPr lang="es-ES" dirty="0" smtClean="0"/>
-              <a:t>Diagrama de Proceso</a:t>
-            </a:r>
-            <a:endParaRPr lang="es-ES" dirty="0"/>
-          </a:p>
-        </p:txBody>
-      </p:sp>
-      <p:pic>
-        <p:nvPicPr>
-          <p:cNvPr id="5122" name="Picture 2" descr="C:\Users\Ivan\Documents\Dropbox\infocomedor-final\DP_Inventario.jpg"/>
-          <p:cNvPicPr>
-            <a:picLocks noChangeAspect="1" noChangeArrowheads="1"/>
-          </p:cNvPicPr>
-          <p:nvPr/>
-        </p:nvPicPr>
-        <p:blipFill rotWithShape="1">
-          <a:blip r:embed="rId2">
-            <a:extLst>
-              <a:ext uri="{28A0092B-C50C-407E-A947-70E740481C1C}">
-                <a14:useLocalDpi xmlns:a14="http://schemas.microsoft.com/office/drawing/2010/main" val="0"/>
-              </a:ext>
-            </a:extLst>
-          </a:blip>
-          <a:srcRect b="18305"/>
-          <a:stretch/>
-        </p:blipFill>
-        <p:spPr bwMode="auto">
-          <a:xfrm>
-            <a:off x="1259632" y="1556792"/>
-            <a:ext cx="6920933" cy="4392488"/>
-          </a:xfrm>
-          <a:prstGeom prst="rect">
-            <a:avLst/>
-          </a:prstGeom>
-          <a:noFill/>
-          <a:extLst>
-            <a:ext uri="{909E8E84-426E-40DD-AFC4-6F175D3DCCD1}">
-              <a14:hiddenFill xmlns:a14="http://schemas.microsoft.com/office/drawing/2010/main">
-                <a:solidFill>
-                  <a:srgbClr val="FFFFFF"/>
-                </a:solidFill>
-              </a14:hiddenFill>
-            </a:ext>
-          </a:extLst>
-        </p:spPr>
-      </p:pic>
-    </p:spTree>
-    <p:extLst>
-      <p:ext uri="{BB962C8B-B14F-4D97-AF65-F5344CB8AC3E}">
-        <p14:creationId xmlns:p14="http://schemas.microsoft.com/office/powerpoint/2010/main" val="1692221602"/>
-      </p:ext>
-    </p:extLst>
-  </p:cSld>
-  <p:clrMapOvr>
-    <a:masterClrMapping/>
-  </p:clrMapOvr>
-  <p:timing>
-    <p:tnLst>
-      <p:par>
-        <p:cTn id="1" dur="indefinite" restart="never" nodeType="tmRoot"/>
-      </p:par>
-    </p:tnLst>
-  </p:timing>
-</p:sld>
-</file>
-
-<file path=ppt/slides/slide34.xml><?xml version="1.0" encoding="utf-8"?>
-<p:sld xmlns:a="http://schemas.openxmlformats.org/drawingml/2006/main" xmlns:r="http://schemas.openxmlformats.org/officeDocument/2006/relationships" xmlns:p="http://schemas.openxmlformats.org/presentationml/2006/main">
-  <p:cSld>
-    <p:spTree>
-      <p:nvGrpSpPr>
-        <p:cNvPr id="1" name=""/>
-        <p:cNvGrpSpPr/>
-        <p:nvPr/>
-      </p:nvGrpSpPr>
-      <p:grpSpPr>
-        <a:xfrm>
-          <a:off x="0" y="0"/>
-          <a:ext cx="0" cy="0"/>
-          <a:chOff x="0" y="0"/>
-          <a:chExt cx="0" cy="0"/>
-        </a:xfrm>
-      </p:grpSpPr>
-      <p:sp>
-        <p:nvSpPr>
-          <p:cNvPr id="3" name="2 Título"/>
-          <p:cNvSpPr>
-            <a:spLocks noGrp="1"/>
-          </p:cNvSpPr>
-          <p:nvPr>
-            <p:ph type="title"/>
-          </p:nvPr>
-        </p:nvSpPr>
-        <p:spPr/>
-        <p:txBody>
-          <a:bodyPr>
-            <a:normAutofit/>
-          </a:bodyPr>
-          <a:lstStyle/>
-          <a:p>
-            <a:r>
-              <a:rPr lang="es-ES" dirty="0" smtClean="0"/>
-              <a:t>Flujo inventario</a:t>
-            </a:r>
-            <a:endParaRPr lang="es-ES" dirty="0"/>
-          </a:p>
-        </p:txBody>
-      </p:sp>
-      <p:pic>
-        <p:nvPicPr>
-          <p:cNvPr id="6146" name="Picture 2" descr="C:\Users\Ivan\Downloads\infocomedor\inventario.png"/>
-          <p:cNvPicPr>
-            <a:picLocks noChangeAspect="1" noChangeArrowheads="1"/>
-          </p:cNvPicPr>
-          <p:nvPr/>
-        </p:nvPicPr>
-        <p:blipFill>
-          <a:blip r:embed="rId2">
-            <a:extLst>
-              <a:ext uri="{28A0092B-C50C-407E-A947-70E740481C1C}">
-                <a14:useLocalDpi xmlns:a14="http://schemas.microsoft.com/office/drawing/2010/main" val="0"/>
-              </a:ext>
-            </a:extLst>
-          </a:blip>
-          <a:srcRect/>
-          <a:stretch>
-            <a:fillRect/>
-          </a:stretch>
-        </p:blipFill>
-        <p:spPr bwMode="auto">
-          <a:xfrm>
-            <a:off x="2339752" y="1412776"/>
-            <a:ext cx="4608512" cy="4952045"/>
-          </a:xfrm>
-          <a:prstGeom prst="rect">
-            <a:avLst/>
-          </a:prstGeom>
-          <a:noFill/>
-          <a:extLst>
-            <a:ext uri="{909E8E84-426E-40DD-AFC4-6F175D3DCCD1}">
-              <a14:hiddenFill xmlns:a14="http://schemas.microsoft.com/office/drawing/2010/main">
-                <a:solidFill>
-                  <a:srgbClr val="FFFFFF"/>
-                </a:solidFill>
-              </a14:hiddenFill>
-            </a:ext>
-          </a:extLst>
-        </p:spPr>
-      </p:pic>
-    </p:spTree>
-    <p:extLst>
-      <p:ext uri="{BB962C8B-B14F-4D97-AF65-F5344CB8AC3E}">
-        <p14:creationId xmlns:p14="http://schemas.microsoft.com/office/powerpoint/2010/main" val="2714216513"/>
-      </p:ext>
-    </p:extLst>
-  </p:cSld>
-  <p:clrMapOvr>
-    <a:masterClrMapping/>
-  </p:clrMapOvr>
-  <p:timing>
-    <p:tnLst>
-      <p:par>
-        <p:cTn id="1" dur="indefinite" restart="never" nodeType="tmRoot"/>
-      </p:par>
-    </p:tnLst>
-  </p:timing>
-</p:sld>
-</file>
-
-<file path=ppt/slides/slide35.xml><?xml version="1.0" encoding="utf-8"?>
-<p:sld xmlns:a="http://schemas.openxmlformats.org/drawingml/2006/main" xmlns:r="http://schemas.openxmlformats.org/officeDocument/2006/relationships" xmlns:p="http://schemas.openxmlformats.org/presentationml/2006/main">
-  <p:cSld>
-    <p:spTree>
-      <p:nvGrpSpPr>
-        <p:cNvPr id="1" name=""/>
-        <p:cNvGrpSpPr/>
-        <p:nvPr/>
-      </p:nvGrpSpPr>
-      <p:grpSpPr>
-        <a:xfrm>
-          <a:off x="0" y="0"/>
-          <a:ext cx="0" cy="0"/>
-          <a:chOff x="0" y="0"/>
-          <a:chExt cx="0" cy="0"/>
-        </a:xfrm>
-      </p:grpSpPr>
-      <p:sp>
-        <p:nvSpPr>
-          <p:cNvPr id="3" name="2 Título"/>
-          <p:cNvSpPr>
-            <a:spLocks noGrp="1"/>
-          </p:cNvSpPr>
-          <p:nvPr>
-            <p:ph type="title"/>
-          </p:nvPr>
-        </p:nvSpPr>
-        <p:spPr/>
-        <p:txBody>
-          <a:bodyPr>
-            <a:normAutofit/>
-          </a:bodyPr>
-          <a:lstStyle/>
-          <a:p>
-            <a:r>
-              <a:rPr lang="es-ES" dirty="0" smtClean="0"/>
-              <a:t>Flujo ajuste inventario</a:t>
-            </a:r>
-            <a:endParaRPr lang="es-ES" dirty="0"/>
-          </a:p>
-        </p:txBody>
-      </p:sp>
-      <p:pic>
-        <p:nvPicPr>
-          <p:cNvPr id="7170" name="Picture 2" descr="C:\Users\Ivan\Downloads\infocomedor\ajuste inventario.png"/>
-          <p:cNvPicPr>
-            <a:picLocks noChangeAspect="1" noChangeArrowheads="1"/>
-          </p:cNvPicPr>
-          <p:nvPr/>
-        </p:nvPicPr>
-        <p:blipFill>
-          <a:blip r:embed="rId2">
-            <a:extLst>
-              <a:ext uri="{28A0092B-C50C-407E-A947-70E740481C1C}">
-                <a14:useLocalDpi xmlns:a14="http://schemas.microsoft.com/office/drawing/2010/main" val="0"/>
-              </a:ext>
-            </a:extLst>
-          </a:blip>
-          <a:srcRect/>
-          <a:stretch>
-            <a:fillRect/>
-          </a:stretch>
-        </p:blipFill>
-        <p:spPr bwMode="auto">
-          <a:xfrm>
-            <a:off x="1547664" y="1293529"/>
-            <a:ext cx="6048672" cy="5357719"/>
-          </a:xfrm>
-          <a:prstGeom prst="rect">
-            <a:avLst/>
-          </a:prstGeom>
-          <a:noFill/>
-          <a:extLst>
-            <a:ext uri="{909E8E84-426E-40DD-AFC4-6F175D3DCCD1}">
-              <a14:hiddenFill xmlns:a14="http://schemas.microsoft.com/office/drawing/2010/main">
-                <a:solidFill>
-                  <a:srgbClr val="FFFFFF"/>
-                </a:solidFill>
-              </a14:hiddenFill>
-            </a:ext>
-          </a:extLst>
-        </p:spPr>
-      </p:pic>
-    </p:spTree>
-    <p:extLst>
-      <p:ext uri="{BB962C8B-B14F-4D97-AF65-F5344CB8AC3E}">
-        <p14:creationId xmlns:p14="http://schemas.microsoft.com/office/powerpoint/2010/main" val="3220332415"/>
-      </p:ext>
-    </p:extLst>
-  </p:cSld>
-  <p:clrMapOvr>
-    <a:masterClrMapping/>
-  </p:clrMapOvr>
-  <p:timing>
-    <p:tnLst>
-      <p:par>
-        <p:cTn id="1" dur="indefinite" restart="never" nodeType="tmRoot"/>
-      </p:par>
-    </p:tnLst>
-  </p:timing>
-</p:sld>
-</file>
-
-<file path=ppt/slides/slide36.xml><?xml version="1.0" encoding="utf-8"?>
-<p:sld xmlns:a="http://schemas.openxmlformats.org/drawingml/2006/main" xmlns:r="http://schemas.openxmlformats.org/officeDocument/2006/relationships" xmlns:p="http://schemas.openxmlformats.org/presentationml/2006/main">
-  <p:cSld>
-    <p:spTree>
-      <p:nvGrpSpPr>
-        <p:cNvPr id="1" name=""/>
-        <p:cNvGrpSpPr/>
-        <p:nvPr/>
-      </p:nvGrpSpPr>
-      <p:grpSpPr>
-        <a:xfrm>
-          <a:off x="0" y="0"/>
-          <a:ext cx="0" cy="0"/>
-          <a:chOff x="0" y="0"/>
-          <a:chExt cx="0" cy="0"/>
-        </a:xfrm>
-      </p:grpSpPr>
-      <p:sp>
-        <p:nvSpPr>
-          <p:cNvPr id="3" name="2 Título"/>
-          <p:cNvSpPr>
-            <a:spLocks noGrp="1"/>
-          </p:cNvSpPr>
-          <p:nvPr>
-            <p:ph type="title"/>
-          </p:nvPr>
-        </p:nvSpPr>
-        <p:spPr/>
-        <p:txBody>
-          <a:bodyPr>
-            <a:normAutofit/>
-          </a:bodyPr>
-          <a:lstStyle/>
-          <a:p>
-            <a:r>
-              <a:rPr lang="es-ES" dirty="0" smtClean="0"/>
-              <a:t>Flujo baja</a:t>
-            </a:r>
-            <a:endParaRPr lang="es-ES" dirty="0"/>
-          </a:p>
-        </p:txBody>
-      </p:sp>
-      <p:pic>
-        <p:nvPicPr>
-          <p:cNvPr id="8194" name="Picture 2" descr="C:\Users\Ivan\Downloads\infocomedor\baja stock.png"/>
-          <p:cNvPicPr>
-            <a:picLocks noChangeAspect="1" noChangeArrowheads="1"/>
-          </p:cNvPicPr>
-          <p:nvPr/>
-        </p:nvPicPr>
-        <p:blipFill>
-          <a:blip r:embed="rId2">
-            <a:extLst>
-              <a:ext uri="{28A0092B-C50C-407E-A947-70E740481C1C}">
-                <a14:useLocalDpi xmlns:a14="http://schemas.microsoft.com/office/drawing/2010/main" val="0"/>
-              </a:ext>
-            </a:extLst>
-          </a:blip>
-          <a:srcRect/>
-          <a:stretch>
-            <a:fillRect/>
-          </a:stretch>
-        </p:blipFill>
-        <p:spPr bwMode="auto">
-          <a:xfrm>
-            <a:off x="2339752" y="1484783"/>
-            <a:ext cx="4464496" cy="4868977"/>
-          </a:xfrm>
-          <a:prstGeom prst="rect">
-            <a:avLst/>
-          </a:prstGeom>
-          <a:noFill/>
-          <a:extLst>
-            <a:ext uri="{909E8E84-426E-40DD-AFC4-6F175D3DCCD1}">
-              <a14:hiddenFill xmlns:a14="http://schemas.microsoft.com/office/drawing/2010/main">
-                <a:solidFill>
-                  <a:srgbClr val="FFFFFF"/>
-                </a:solidFill>
-              </a14:hiddenFill>
-            </a:ext>
-          </a:extLst>
-        </p:spPr>
-      </p:pic>
-    </p:spTree>
-    <p:extLst>
-      <p:ext uri="{BB962C8B-B14F-4D97-AF65-F5344CB8AC3E}">
-        <p14:creationId xmlns:p14="http://schemas.microsoft.com/office/powerpoint/2010/main" val="4144972524"/>
-      </p:ext>
-    </p:extLst>
-  </p:cSld>
-  <p:clrMapOvr>
-    <a:masterClrMapping/>
-  </p:clrMapOvr>
-  <p:timing>
-    <p:tnLst>
-      <p:par>
-        <p:cTn id="1" dur="indefinite" restart="never" nodeType="tmRoot"/>
-      </p:par>
-    </p:tnLst>
-  </p:timing>
-</p:sld>
-</file>
-
-<file path=ppt/slides/slide37.xml><?xml version="1.0" encoding="utf-8"?>
-<p:sld xmlns:a="http://schemas.openxmlformats.org/drawingml/2006/main" xmlns:r="http://schemas.openxmlformats.org/officeDocument/2006/relationships" xmlns:p="http://schemas.openxmlformats.org/presentationml/2006/main">
-  <p:cSld>
-    <p:spTree>
-      <p:nvGrpSpPr>
-        <p:cNvPr id="1" name=""/>
-        <p:cNvGrpSpPr/>
-        <p:nvPr/>
-      </p:nvGrpSpPr>
-      <p:grpSpPr>
-        <a:xfrm>
-          <a:off x="0" y="0"/>
-          <a:ext cx="0" cy="0"/>
-          <a:chOff x="0" y="0"/>
-          <a:chExt cx="0" cy="0"/>
-        </a:xfrm>
-      </p:grpSpPr>
-      <p:sp>
-        <p:nvSpPr>
-          <p:cNvPr id="2" name="1 Título"/>
-          <p:cNvSpPr>
-            <a:spLocks noGrp="1"/>
-          </p:cNvSpPr>
-          <p:nvPr>
-            <p:ph type="ctrTitle"/>
-          </p:nvPr>
-        </p:nvSpPr>
-        <p:spPr/>
-        <p:txBody>
-          <a:bodyPr/>
-          <a:lstStyle/>
-          <a:p>
-            <a:r>
-              <a:rPr lang="es-ES" dirty="0" smtClean="0"/>
-              <a:t>CAJA</a:t>
-            </a:r>
-            <a:endParaRPr lang="es-ES" dirty="0"/>
-          </a:p>
-        </p:txBody>
-      </p:sp>
-    </p:spTree>
-    <p:extLst>
-      <p:ext uri="{BB962C8B-B14F-4D97-AF65-F5344CB8AC3E}">
-        <p14:creationId xmlns:p14="http://schemas.microsoft.com/office/powerpoint/2010/main" val="2019038403"/>
-      </p:ext>
-    </p:extLst>
-  </p:cSld>
-  <p:clrMapOvr>
-    <a:masterClrMapping/>
-  </p:clrMapOvr>
-  <p:timing>
-    <p:tnLst>
-      <p:par>
-        <p:cTn id="1" dur="indefinite" restart="never" nodeType="tmRoot"/>
-      </p:par>
-    </p:tnLst>
-  </p:timing>
-</p:sld>
-</file>
-
-<file path=ppt/slides/slide38.xml><?xml version="1.0" encoding="utf-8"?>
-<p:sld xmlns:a="http://schemas.openxmlformats.org/drawingml/2006/main" xmlns:r="http://schemas.openxmlformats.org/officeDocument/2006/relationships" xmlns:p="http://schemas.openxmlformats.org/presentationml/2006/main">
-  <p:cSld>
-    <p:spTree>
-      <p:nvGrpSpPr>
-        <p:cNvPr id="1" name=""/>
-        <p:cNvGrpSpPr/>
-        <p:nvPr/>
-      </p:nvGrpSpPr>
-      <p:grpSpPr>
-        <a:xfrm>
-          <a:off x="0" y="0"/>
-          <a:ext cx="0" cy="0"/>
-          <a:chOff x="0" y="0"/>
-          <a:chExt cx="0" cy="0"/>
-        </a:xfrm>
-      </p:grpSpPr>
-      <p:sp>
-        <p:nvSpPr>
-          <p:cNvPr id="3" name="2 Título"/>
-          <p:cNvSpPr>
-            <a:spLocks noGrp="1"/>
-          </p:cNvSpPr>
-          <p:nvPr>
-            <p:ph type="title"/>
-          </p:nvPr>
-        </p:nvSpPr>
-        <p:spPr/>
-        <p:txBody>
-          <a:bodyPr>
-            <a:normAutofit fontScale="90000"/>
-          </a:bodyPr>
-          <a:lstStyle/>
-          <a:p>
-            <a:r>
-              <a:rPr lang="es-ES" dirty="0">
-                <a:solidFill>
-                  <a:schemeClr val="bg1"/>
-                </a:solidFill>
-              </a:rPr>
-              <a:t>Requerimientos del Modulo de </a:t>
-            </a:r>
-            <a:r>
-              <a:rPr lang="es-ES" dirty="0" smtClean="0">
-                <a:solidFill>
-                  <a:schemeClr val="bg1"/>
-                </a:solidFill>
-              </a:rPr>
-              <a:t>Caja</a:t>
-            </a:r>
-            <a:endParaRPr lang="es-ES" dirty="0"/>
-          </a:p>
-        </p:txBody>
-      </p:sp>
-      <p:sp>
-        <p:nvSpPr>
-          <p:cNvPr id="5" name="1 Marcador de contenido"/>
-          <p:cNvSpPr>
-            <a:spLocks noGrp="1"/>
-          </p:cNvSpPr>
-          <p:nvPr>
-            <p:ph idx="1"/>
-          </p:nvPr>
-        </p:nvSpPr>
-        <p:spPr>
-          <a:xfrm>
-            <a:off x="872067" y="2675467"/>
-            <a:ext cx="7408333" cy="3450696"/>
-          </a:xfrm>
-        </p:spPr>
-        <p:txBody>
-          <a:bodyPr vert="horz" lIns="91440" tIns="45720" rIns="91440" bIns="45720" rtlCol="0">
-            <a:normAutofit/>
-          </a:bodyPr>
-          <a:lstStyle/>
-          <a:p>
-            <a:r>
-              <a:rPr lang="es-PY" dirty="0"/>
-              <a:t>1. Se registraran los datos relacionados al ingreso y el egreso de dinero.</a:t>
-            </a:r>
-          </a:p>
-          <a:p>
-            <a:pPr lvl="1"/>
-            <a:r>
-              <a:rPr lang="es-PY" dirty="0"/>
-              <a:t>Aspectos adicionales a ser considerados</a:t>
-            </a:r>
-          </a:p>
-          <a:p>
-            <a:pPr lvl="2"/>
-            <a:r>
-              <a:rPr lang="es-PY" dirty="0"/>
-              <a:t>Se asociaran los egresos e ingresos si corresponden a la factura de compra y factura de venta.</a:t>
-            </a:r>
-          </a:p>
-          <a:p>
-            <a:r>
-              <a:rPr lang="es-PY" dirty="0"/>
-              <a:t>2. Se realizaran apertura , arqueo y cierre de caja</a:t>
-            </a:r>
-          </a:p>
-          <a:p>
-            <a:endParaRPr lang="es-ES" dirty="0"/>
-          </a:p>
-          <a:p>
-            <a:endParaRPr lang="es-ES" dirty="0"/>
-          </a:p>
-        </p:txBody>
-      </p:sp>
-    </p:spTree>
-    <p:extLst>
-      <p:ext uri="{BB962C8B-B14F-4D97-AF65-F5344CB8AC3E}">
-        <p14:creationId xmlns:p14="http://schemas.microsoft.com/office/powerpoint/2010/main" val="2120551304"/>
-      </p:ext>
-    </p:extLst>
-  </p:cSld>
-  <p:clrMapOvr>
-    <a:masterClrMapping/>
-  </p:clrMapOvr>
-  <p:timing>
-    <p:tnLst>
-      <p:par>
-        <p:cTn id="1" dur="indefinite" restart="never" nodeType="tmRoot"/>
-      </p:par>
-    </p:tnLst>
-  </p:timing>
-</p:sld>
-</file>
-
-<file path=ppt/slides/slide39.xml><?xml version="1.0" encoding="utf-8"?>
-<p:sld xmlns:a="http://schemas.openxmlformats.org/drawingml/2006/main" xmlns:r="http://schemas.openxmlformats.org/officeDocument/2006/relationships" xmlns:p="http://schemas.openxmlformats.org/presentationml/2006/main">
-  <p:cSld>
-    <p:spTree>
-      <p:nvGrpSpPr>
-        <p:cNvPr id="1" name=""/>
-        <p:cNvGrpSpPr/>
-        <p:nvPr/>
-      </p:nvGrpSpPr>
-      <p:grpSpPr>
-        <a:xfrm>
-          <a:off x="0" y="0"/>
-          <a:ext cx="0" cy="0"/>
-          <a:chOff x="0" y="0"/>
-          <a:chExt cx="0" cy="0"/>
-        </a:xfrm>
-      </p:grpSpPr>
-      <p:sp>
-        <p:nvSpPr>
-          <p:cNvPr id="3" name="2 Título"/>
-          <p:cNvSpPr>
-            <a:spLocks noGrp="1"/>
-          </p:cNvSpPr>
-          <p:nvPr>
-            <p:ph type="title"/>
-          </p:nvPr>
-        </p:nvSpPr>
-        <p:spPr/>
-        <p:txBody>
-          <a:bodyPr>
-            <a:normAutofit/>
-          </a:bodyPr>
-          <a:lstStyle/>
-          <a:p>
-            <a:r>
-              <a:rPr lang="es-ES" dirty="0" smtClean="0">
-                <a:solidFill>
-                  <a:schemeClr val="bg1"/>
-                </a:solidFill>
-              </a:rPr>
-              <a:t>Diagrama de proceso</a:t>
-            </a:r>
-            <a:endParaRPr lang="es-ES" dirty="0"/>
-          </a:p>
-        </p:txBody>
-      </p:sp>
-      <p:pic>
-        <p:nvPicPr>
-          <p:cNvPr id="4" name="Picture 2" descr="C:\Users\Ivan\Documents\infocomedorv1\presentacion\fede\diagrama_proceso_caja.png"/>
-          <p:cNvPicPr>
-            <a:picLocks noChangeAspect="1" noChangeArrowheads="1"/>
-          </p:cNvPicPr>
-          <p:nvPr/>
-        </p:nvPicPr>
-        <p:blipFill>
-          <a:blip r:embed="rId2">
-            <a:extLst>
-              <a:ext uri="{28A0092B-C50C-407E-A947-70E740481C1C}">
-                <a14:useLocalDpi xmlns:a14="http://schemas.microsoft.com/office/drawing/2010/main" val="0"/>
-              </a:ext>
-            </a:extLst>
-          </a:blip>
-          <a:srcRect/>
-          <a:stretch>
-            <a:fillRect/>
-          </a:stretch>
-        </p:blipFill>
-        <p:spPr bwMode="auto">
-          <a:xfrm>
-            <a:off x="992197" y="1711400"/>
-            <a:ext cx="7324219" cy="4885952"/>
-          </a:xfrm>
-          <a:prstGeom prst="rect">
-            <a:avLst/>
-          </a:prstGeom>
-          <a:noFill/>
-          <a:extLst>
-            <a:ext uri="{909E8E84-426E-40DD-AFC4-6F175D3DCCD1}">
-              <a14:hiddenFill xmlns:a14="http://schemas.microsoft.com/office/drawing/2010/main">
-                <a:solidFill>
-                  <a:srgbClr val="FFFFFF"/>
-                </a:solidFill>
-              </a14:hiddenFill>
-            </a:ext>
-          </a:extLst>
-        </p:spPr>
-      </p:pic>
-    </p:spTree>
-    <p:extLst>
-      <p:ext uri="{BB962C8B-B14F-4D97-AF65-F5344CB8AC3E}">
-        <p14:creationId xmlns:p14="http://schemas.microsoft.com/office/powerpoint/2010/main" val="3963311830"/>
-      </p:ext>
-    </p:extLst>
-  </p:cSld>
-  <p:clrMapOvr>
-    <a:masterClrMapping/>
-  </p:clrMapOvr>
-  <p:timing>
-    <p:tnLst>
-      <p:par>
-        <p:cTn id="1" dur="indefinite" restart="never" nodeType="tmRoot"/>
-      </p:par>
-    </p:tnLst>
-  </p:timing>
-</p:sld>
-</file>
-
-<file path=ppt/slides/slide4.xml><?xml version="1.0" encoding="utf-8"?>
-<p:sld xmlns:a="http://schemas.openxmlformats.org/drawingml/2006/main" xmlns:r="http://schemas.openxmlformats.org/officeDocument/2006/relationships" xmlns:p="http://schemas.openxmlformats.org/presentationml/2006/main">
-  <p:cSld>
-    <p:spTree>
-      <p:nvGrpSpPr>
-        <p:cNvPr id="1" name=""/>
-        <p:cNvGrpSpPr/>
-        <p:nvPr/>
-      </p:nvGrpSpPr>
-      <p:grpSpPr>
-        <a:xfrm>
-          <a:off x="0" y="0"/>
-          <a:ext cx="0" cy="0"/>
-          <a:chOff x="0" y="0"/>
-          <a:chExt cx="0" cy="0"/>
-        </a:xfrm>
-      </p:grpSpPr>
-      <p:sp>
-        <p:nvSpPr>
-          <p:cNvPr id="2" name="1 Título"/>
-          <p:cNvSpPr>
-            <a:spLocks noGrp="1"/>
-          </p:cNvSpPr>
-          <p:nvPr>
-            <p:ph type="ctrTitle"/>
-          </p:nvPr>
-        </p:nvSpPr>
-        <p:spPr/>
-        <p:txBody>
-          <a:bodyPr/>
-          <a:lstStyle/>
-          <a:p>
-            <a:r>
-              <a:rPr lang="es-ES" dirty="0" smtClean="0"/>
-              <a:t>COMO SURGIO INFOCOMEDOR?</a:t>
-            </a:r>
-            <a:endParaRPr lang="es-ES" dirty="0"/>
-          </a:p>
-        </p:txBody>
-      </p:sp>
-    </p:spTree>
-    <p:extLst>
-      <p:ext uri="{BB962C8B-B14F-4D97-AF65-F5344CB8AC3E}">
-        <p14:creationId xmlns:p14="http://schemas.microsoft.com/office/powerpoint/2010/main" val="968110672"/>
-      </p:ext>
-    </p:extLst>
-  </p:cSld>
-  <p:clrMapOvr>
-    <a:masterClrMapping/>
-  </p:clrMapOvr>
-  <p:timing>
-    <p:tnLst>
-      <p:par>
-        <p:cTn id="1" dur="indefinite" restart="never" nodeType="tmRoot"/>
-      </p:par>
-    </p:tnLst>
-  </p:timing>
-</p:sld>
-</file>
-
-<file path=ppt/slides/slide40.xml><?xml version="1.0" encoding="utf-8"?>
-<p:sld xmlns:a="http://schemas.openxmlformats.org/drawingml/2006/main" xmlns:r="http://schemas.openxmlformats.org/officeDocument/2006/relationships" xmlns:p="http://schemas.openxmlformats.org/presentationml/2006/main">
-  <p:cSld>
-    <p:spTree>
-      <p:nvGrpSpPr>
-        <p:cNvPr id="1" name=""/>
-        <p:cNvGrpSpPr/>
-        <p:nvPr/>
-      </p:nvGrpSpPr>
-      <p:grpSpPr>
-        <a:xfrm>
-          <a:off x="0" y="0"/>
-          <a:ext cx="0" cy="0"/>
-          <a:chOff x="0" y="0"/>
-          <a:chExt cx="0" cy="0"/>
-        </a:xfrm>
-      </p:grpSpPr>
-      <p:sp>
-        <p:nvSpPr>
-          <p:cNvPr id="3" name="2 Título"/>
-          <p:cNvSpPr>
-            <a:spLocks noGrp="1"/>
-          </p:cNvSpPr>
-          <p:nvPr>
-            <p:ph type="title"/>
-          </p:nvPr>
-        </p:nvSpPr>
-        <p:spPr/>
-        <p:txBody>
-          <a:bodyPr>
-            <a:normAutofit/>
-          </a:bodyPr>
-          <a:lstStyle/>
-          <a:p>
-            <a:r>
-              <a:rPr lang="es-ES" dirty="0" smtClean="0">
-                <a:solidFill>
-                  <a:schemeClr val="bg1"/>
-                </a:solidFill>
-              </a:rPr>
-              <a:t>Flujo caja</a:t>
-            </a:r>
-            <a:endParaRPr lang="es-ES" dirty="0"/>
-          </a:p>
-        </p:txBody>
-      </p:sp>
-      <p:pic>
-        <p:nvPicPr>
-          <p:cNvPr id="4" name="7 Marcador de contenido"/>
-          <p:cNvPicPr>
-            <a:picLocks noGrp="1" noChangeAspect="1"/>
-          </p:cNvPicPr>
-          <p:nvPr>
-            <p:ph idx="1"/>
-          </p:nvPr>
-        </p:nvPicPr>
-        <p:blipFill rotWithShape="1">
-          <a:blip r:embed="rId2">
-            <a:extLst>
-              <a:ext uri="{28A0092B-C50C-407E-A947-70E740481C1C}">
-                <a14:useLocalDpi xmlns:a14="http://schemas.microsoft.com/office/drawing/2010/main" val="0"/>
-              </a:ext>
-            </a:extLst>
-          </a:blip>
-          <a:srcRect t="4457" r="10240" b="4733"/>
-          <a:stretch/>
-        </p:blipFill>
-        <p:spPr>
-          <a:xfrm>
-            <a:off x="246179" y="1104142"/>
-            <a:ext cx="8646301" cy="5601458"/>
-          </a:xfrm>
-        </p:spPr>
-      </p:pic>
-    </p:spTree>
-    <p:extLst>
-      <p:ext uri="{BB962C8B-B14F-4D97-AF65-F5344CB8AC3E}">
-        <p14:creationId xmlns:p14="http://schemas.microsoft.com/office/powerpoint/2010/main" val="3038991231"/>
-      </p:ext>
-    </p:extLst>
-  </p:cSld>
-  <p:clrMapOvr>
-    <a:masterClrMapping/>
-  </p:clrMapOvr>
-  <p:timing>
-    <p:tnLst>
-      <p:par>
-        <p:cTn id="1" dur="indefinite" restart="never" nodeType="tmRoot"/>
-      </p:par>
-    </p:tnLst>
-  </p:timing>
-</p:sld>
-</file>
-
-<file path=ppt/slides/slide41.xml><?xml version="1.0" encoding="utf-8"?>
-<p:sld xmlns:a="http://schemas.openxmlformats.org/drawingml/2006/main" xmlns:r="http://schemas.openxmlformats.org/officeDocument/2006/relationships" xmlns:p="http://schemas.openxmlformats.org/presentationml/2006/main">
-  <p:cSld>
-    <p:spTree>
-      <p:nvGrpSpPr>
-        <p:cNvPr id="1" name=""/>
-        <p:cNvGrpSpPr/>
-        <p:nvPr/>
-      </p:nvGrpSpPr>
-      <p:grpSpPr>
-        <a:xfrm>
-          <a:off x="0" y="0"/>
-          <a:ext cx="0" cy="0"/>
-          <a:chOff x="0" y="0"/>
-          <a:chExt cx="0" cy="0"/>
-        </a:xfrm>
-      </p:grpSpPr>
-      <p:sp>
-        <p:nvSpPr>
-          <p:cNvPr id="2" name="1 Título"/>
-          <p:cNvSpPr>
-            <a:spLocks noGrp="1"/>
-          </p:cNvSpPr>
-          <p:nvPr>
-            <p:ph type="ctrTitle"/>
-          </p:nvPr>
-        </p:nvSpPr>
-        <p:spPr/>
-        <p:txBody>
-          <a:bodyPr/>
-          <a:lstStyle/>
-          <a:p>
-            <a:r>
-              <a:rPr lang="es-ES" dirty="0" smtClean="0"/>
-              <a:t>CONCLUSION</a:t>
-            </a:r>
-            <a:endParaRPr lang="es-ES" dirty="0"/>
-          </a:p>
-        </p:txBody>
-      </p:sp>
-    </p:spTree>
-    <p:extLst>
-      <p:ext uri="{BB962C8B-B14F-4D97-AF65-F5344CB8AC3E}">
-        <p14:creationId xmlns:p14="http://schemas.microsoft.com/office/powerpoint/2010/main" val="3849437460"/>
-      </p:ext>
-    </p:extLst>
-  </p:cSld>
-  <p:clrMapOvr>
-    <a:masterClrMapping/>
-  </p:clrMapOvr>
-  <p:timing>
-    <p:tnLst>
-      <p:par>
-        <p:cTn id="1" dur="indefinite" restart="never" nodeType="tmRoot"/>
-      </p:par>
-    </p:tnLst>
-  </p:timing>
-</p:sld>
-</file>
-
-<file path=ppt/slides/slide42.xml><?xml version="1.0" encoding="utf-8"?>
-<p:sld xmlns:a="http://schemas.openxmlformats.org/drawingml/2006/main" xmlns:r="http://schemas.openxmlformats.org/officeDocument/2006/relationships" xmlns:p="http://schemas.openxmlformats.org/presentationml/2006/main">
-  <p:cSld>
-    <p:spTree>
-      <p:nvGrpSpPr>
-        <p:cNvPr id="1" name=""/>
-        <p:cNvGrpSpPr/>
-        <p:nvPr/>
-      </p:nvGrpSpPr>
-      <p:grpSpPr>
-        <a:xfrm>
-          <a:off x="0" y="0"/>
-          <a:ext cx="0" cy="0"/>
-          <a:chOff x="0" y="0"/>
-          <a:chExt cx="0" cy="0"/>
-        </a:xfrm>
-      </p:grpSpPr>
-      <p:sp>
-        <p:nvSpPr>
-          <p:cNvPr id="2" name="1 Título"/>
-          <p:cNvSpPr>
-            <a:spLocks noGrp="1"/>
-          </p:cNvSpPr>
-          <p:nvPr>
-            <p:ph type="ctrTitle"/>
-          </p:nvPr>
-        </p:nvSpPr>
-        <p:spPr/>
-        <p:txBody>
-          <a:bodyPr/>
-          <a:lstStyle/>
-          <a:p>
-            <a:r>
-              <a:rPr lang="es-ES" dirty="0" smtClean="0"/>
-              <a:t>GRACIAS POR LA ATENCION</a:t>
-            </a:r>
-            <a:endParaRPr lang="es-ES" dirty="0"/>
-          </a:p>
-        </p:txBody>
-      </p:sp>
-    </p:spTree>
-    <p:extLst>
-      <p:ext uri="{BB962C8B-B14F-4D97-AF65-F5344CB8AC3E}">
-        <p14:creationId xmlns:p14="http://schemas.microsoft.com/office/powerpoint/2010/main" val="1849125306"/>
-      </p:ext>
-    </p:extLst>
-  </p:cSld>
-  <p:clrMapOvr>
-    <a:masterClrMapping/>
-  </p:clrMapOvr>
-  <p:timing>
-    <p:tnLst>
-      <p:par>
-        <p:cTn id="1" dur="indefinite" restart="never" nodeType="tmRoot"/>
-      </p:par>
-    </p:tnLst>
-  </p:timing>
-</p:sld>
-</file>
-
-<file path=ppt/slides/slide5.xml><?xml version="1.0" encoding="utf-8"?>
-<p:sld xmlns:a="http://schemas.openxmlformats.org/drawingml/2006/main" xmlns:r="http://schemas.openxmlformats.org/officeDocument/2006/relationships" xmlns:p="http://schemas.openxmlformats.org/presentationml/2006/main">
-  <p:cSld>
-    <p:spTree>
-      <p:nvGrpSpPr>
-        <p:cNvPr id="1" name=""/>
-        <p:cNvGrpSpPr/>
-        <p:nvPr/>
-      </p:nvGrpSpPr>
-      <p:grpSpPr>
-        <a:xfrm>
-          <a:off x="0" y="0"/>
-          <a:ext cx="0" cy="0"/>
-          <a:chOff x="0" y="0"/>
-          <a:chExt cx="0" cy="0"/>
-        </a:xfrm>
-      </p:grpSpPr>
-      <p:sp>
-        <p:nvSpPr>
-          <p:cNvPr id="2" name="1 Marcador de contenido"/>
-          <p:cNvSpPr>
-            <a:spLocks noGrp="1"/>
-          </p:cNvSpPr>
-          <p:nvPr>
-            <p:ph idx="1"/>
-          </p:nvPr>
-        </p:nvSpPr>
-        <p:spPr/>
-        <p:txBody>
-          <a:bodyPr>
-            <a:normAutofit fontScale="85000" lnSpcReduction="20000"/>
-          </a:bodyPr>
-          <a:lstStyle/>
-          <a:p>
-            <a:r>
-              <a:rPr lang="es-ES" dirty="0"/>
-              <a:t>Mejorar el Proceso en caja con el objeto de hacerlo transparente y confiable.</a:t>
-            </a:r>
-          </a:p>
-          <a:p>
-            <a:endParaRPr lang="es-ES" dirty="0"/>
-          </a:p>
-          <a:p>
-            <a:r>
-              <a:rPr lang="es-ES" dirty="0" smtClean="0"/>
-              <a:t>Optimizar </a:t>
-            </a:r>
-            <a:r>
-              <a:rPr lang="es-ES" dirty="0"/>
-              <a:t>la calidad de atención a los clientes implementando una Base de Datos </a:t>
-            </a:r>
-            <a:r>
-              <a:rPr lang="es-ES" dirty="0" smtClean="0"/>
-              <a:t>con </a:t>
-            </a:r>
-            <a:r>
-              <a:rPr lang="es-ES" dirty="0"/>
-              <a:t>datos relevantes que sean de interés para el negocio.</a:t>
-            </a:r>
-          </a:p>
-          <a:p>
-            <a:endParaRPr lang="es-ES" dirty="0"/>
-          </a:p>
-          <a:p>
-            <a:r>
-              <a:rPr lang="es-ES" dirty="0" smtClean="0"/>
-              <a:t>Contar </a:t>
-            </a:r>
-            <a:r>
-              <a:rPr lang="es-ES" dirty="0"/>
-              <a:t>con un control de stock de materia prima y consumo final toda vez que se </a:t>
-            </a:r>
-            <a:r>
-              <a:rPr lang="es-ES" dirty="0" smtClean="0"/>
-              <a:t> precise</a:t>
-            </a:r>
-            <a:r>
-              <a:rPr lang="es-ES" dirty="0"/>
-              <a:t>.</a:t>
-            </a:r>
-          </a:p>
-          <a:p>
-            <a:endParaRPr lang="es-ES" dirty="0"/>
-          </a:p>
-          <a:p>
-            <a:r>
-              <a:rPr lang="es-ES" dirty="0" smtClean="0"/>
-              <a:t>Agilizar </a:t>
-            </a:r>
-            <a:r>
-              <a:rPr lang="es-ES" dirty="0"/>
-              <a:t>el proceso de facturación.</a:t>
-            </a:r>
-          </a:p>
-        </p:txBody>
-      </p:sp>
-      <p:sp>
-        <p:nvSpPr>
-          <p:cNvPr id="3" name="2 Título"/>
-          <p:cNvSpPr>
-            <a:spLocks noGrp="1"/>
-          </p:cNvSpPr>
-          <p:nvPr>
-            <p:ph type="title"/>
-          </p:nvPr>
-        </p:nvSpPr>
-        <p:spPr/>
-        <p:txBody>
-          <a:bodyPr/>
-          <a:lstStyle/>
-          <a:p>
-            <a:r>
-              <a:rPr lang="es-ES" dirty="0" smtClean="0"/>
-              <a:t>OBJETIVOS</a:t>
-            </a:r>
-            <a:endParaRPr lang="es-ES" dirty="0"/>
-          </a:p>
-        </p:txBody>
-      </p:sp>
-    </p:spTree>
-    <p:extLst>
-      <p:ext uri="{BB962C8B-B14F-4D97-AF65-F5344CB8AC3E}">
-        <p14:creationId xmlns:p14="http://schemas.microsoft.com/office/powerpoint/2010/main" val="2254799409"/>
-      </p:ext>
-    </p:extLst>
-  </p:cSld>
-  <p:clrMapOvr>
-    <a:masterClrMapping/>
-  </p:clrMapOvr>
-  <p:timing>
-    <p:tnLst>
-      <p:par>
-        <p:cTn id="1" dur="indefinite" restart="never" nodeType="tmRoot"/>
-      </p:par>
-    </p:tnLst>
-  </p:timing>
-</p:sld>
-</file>
-
-<file path=ppt/slides/slide6.xml><?xml version="1.0" encoding="utf-8"?>
-<p:sld xmlns:a="http://schemas.openxmlformats.org/drawingml/2006/main" xmlns:r="http://schemas.openxmlformats.org/officeDocument/2006/relationships" xmlns:p="http://schemas.openxmlformats.org/presentationml/2006/main">
-  <p:cSld>
-    <p:spTree>
-      <p:nvGrpSpPr>
-        <p:cNvPr id="1" name=""/>
-        <p:cNvGrpSpPr/>
-        <p:nvPr/>
-      </p:nvGrpSpPr>
-      <p:grpSpPr>
-        <a:xfrm>
-          <a:off x="0" y="0"/>
-          <a:ext cx="0" cy="0"/>
-          <a:chOff x="0" y="0"/>
-          <a:chExt cx="0" cy="0"/>
-        </a:xfrm>
-      </p:grpSpPr>
-      <p:sp>
-        <p:nvSpPr>
-          <p:cNvPr id="2" name="1 Título"/>
-          <p:cNvSpPr>
-            <a:spLocks noGrp="1"/>
-          </p:cNvSpPr>
-          <p:nvPr>
-            <p:ph type="ctrTitle"/>
-          </p:nvPr>
-        </p:nvSpPr>
-        <p:spPr/>
-        <p:txBody>
-          <a:bodyPr/>
-          <a:lstStyle/>
-          <a:p>
-            <a:r>
-              <a:rPr lang="es-ES" dirty="0" smtClean="0"/>
-              <a:t>ESTRUCTURA</a:t>
-            </a:r>
-            <a:endParaRPr lang="es-ES" dirty="0"/>
-          </a:p>
-        </p:txBody>
-      </p:sp>
-    </p:spTree>
-    <p:extLst>
-      <p:ext uri="{BB962C8B-B14F-4D97-AF65-F5344CB8AC3E}">
-        <p14:creationId xmlns:p14="http://schemas.microsoft.com/office/powerpoint/2010/main" val="1173691035"/>
-      </p:ext>
-    </p:extLst>
-  </p:cSld>
-  <p:clrMapOvr>
-    <a:masterClrMapping/>
-  </p:clrMapOvr>
-  <p:timing>
-    <p:tnLst>
-      <p:par>
-        <p:cTn id="1" dur="indefinite" restart="never" nodeType="tmRoot"/>
-      </p:par>
-    </p:tnLst>
-  </p:timing>
-</p:sld>
-</file>
-
-<file path=ppt/slides/slide7.xml><?xml version="1.0" encoding="utf-8"?>
-<p:sld xmlns:a="http://schemas.openxmlformats.org/drawingml/2006/main" xmlns:r="http://schemas.openxmlformats.org/officeDocument/2006/relationships" xmlns:p="http://schemas.openxmlformats.org/presentationml/2006/main">
-  <p:cSld>
-    <p:spTree>
-      <p:nvGrpSpPr>
-        <p:cNvPr id="1" name=""/>
-        <p:cNvGrpSpPr/>
-        <p:nvPr/>
-      </p:nvGrpSpPr>
-      <p:grpSpPr>
-        <a:xfrm>
-          <a:off x="0" y="0"/>
-          <a:ext cx="0" cy="0"/>
-          <a:chOff x="0" y="0"/>
-          <a:chExt cx="0" cy="0"/>
-        </a:xfrm>
-      </p:grpSpPr>
-      <p:sp>
-        <p:nvSpPr>
-          <p:cNvPr id="2" name="1 Marcador de contenido"/>
-          <p:cNvSpPr>
-            <a:spLocks noGrp="1"/>
-          </p:cNvSpPr>
-          <p:nvPr>
-            <p:ph idx="1"/>
-          </p:nvPr>
-        </p:nvSpPr>
-        <p:spPr/>
-        <p:txBody>
-          <a:bodyPr/>
-          <a:lstStyle/>
-          <a:p>
-            <a:r>
-              <a:rPr lang="es-ES" dirty="0"/>
-              <a:t>REPOSITORIO – </a:t>
-            </a:r>
-            <a:r>
-              <a:rPr lang="es-ES" dirty="0" smtClean="0"/>
-              <a:t>GOOGLE CODE</a:t>
-            </a:r>
-          </a:p>
-          <a:p>
-            <a:r>
-              <a:rPr lang="es-ES" dirty="0" smtClean="0"/>
-              <a:t>VERSIONADOR DE CODIGO - SVN</a:t>
-            </a:r>
-          </a:p>
-          <a:p>
-            <a:r>
-              <a:rPr lang="es-ES" dirty="0" smtClean="0"/>
-              <a:t>BASE DE DATOS – </a:t>
-            </a:r>
-            <a:r>
-              <a:rPr lang="es-ES" dirty="0" err="1" smtClean="0"/>
-              <a:t>MySql</a:t>
-            </a:r>
-            <a:r>
-              <a:rPr lang="es-ES" dirty="0" smtClean="0"/>
-              <a:t>.</a:t>
-            </a:r>
-          </a:p>
-          <a:p>
-            <a:r>
-              <a:rPr lang="es-ES" dirty="0" smtClean="0"/>
-              <a:t>SERVIDOR WEB – ZEND SERVER</a:t>
-            </a:r>
-          </a:p>
-          <a:p>
-            <a:r>
-              <a:rPr lang="es-ES" dirty="0" smtClean="0"/>
-              <a:t>BACKEND – PHP</a:t>
-            </a:r>
-          </a:p>
-          <a:p>
-            <a:r>
-              <a:rPr lang="es-ES" dirty="0" smtClean="0"/>
-              <a:t>FRONTEND – HTML;  JQUERY; AJAX; BOOTSTRAP.</a:t>
-            </a:r>
-          </a:p>
-          <a:p>
-            <a:pPr marL="0" indent="0">
-              <a:buNone/>
-            </a:pPr>
-            <a:endParaRPr lang="es-ES" dirty="0"/>
-          </a:p>
-        </p:txBody>
-      </p:sp>
-      <p:sp>
-        <p:nvSpPr>
-          <p:cNvPr id="3" name="2 Título"/>
-          <p:cNvSpPr>
-            <a:spLocks noGrp="1"/>
-          </p:cNvSpPr>
-          <p:nvPr>
-            <p:ph type="title"/>
-          </p:nvPr>
-        </p:nvSpPr>
-        <p:spPr/>
-        <p:txBody>
-          <a:bodyPr/>
-          <a:lstStyle/>
-          <a:p>
-            <a:r>
-              <a:rPr lang="es-ES" dirty="0" smtClean="0"/>
-              <a:t>HERRAMIENTAS</a:t>
-            </a:r>
-            <a:endParaRPr lang="es-ES" dirty="0"/>
-          </a:p>
-        </p:txBody>
-      </p:sp>
-    </p:spTree>
-    <p:extLst>
-      <p:ext uri="{BB962C8B-B14F-4D97-AF65-F5344CB8AC3E}">
-        <p14:creationId xmlns:p14="http://schemas.microsoft.com/office/powerpoint/2010/main" val="628171128"/>
-      </p:ext>
-    </p:extLst>
-  </p:cSld>
-  <p:clrMapOvr>
-    <a:masterClrMapping/>
-  </p:clrMapOvr>
-  <p:timing>
-    <p:tnLst>
-      <p:par>
-        <p:cTn id="1" dur="indefinite" restart="never" nodeType="tmRoot"/>
-      </p:par>
-    </p:tnLst>
-  </p:timing>
-</p:sld>
-</file>
-
-<file path=ppt/slides/slide8.xml><?xml version="1.0" encoding="utf-8"?>
-<p:sld xmlns:a="http://schemas.openxmlformats.org/drawingml/2006/main" xmlns:r="http://schemas.openxmlformats.org/officeDocument/2006/relationships" xmlns:p="http://schemas.openxmlformats.org/presentationml/2006/main">
-  <p:cSld>
-    <p:spTree>
-      <p:nvGrpSpPr>
-        <p:cNvPr id="1" name=""/>
-        <p:cNvGrpSpPr/>
-        <p:nvPr/>
-      </p:nvGrpSpPr>
-      <p:grpSpPr>
-        <a:xfrm>
-          <a:off x="0" y="0"/>
-          <a:ext cx="0" cy="0"/>
-          <a:chOff x="0" y="0"/>
-          <a:chExt cx="0" cy="0"/>
-        </a:xfrm>
-      </p:grpSpPr>
-      <p:sp>
-        <p:nvSpPr>
-          <p:cNvPr id="2" name="1 Título"/>
-          <p:cNvSpPr>
-            <a:spLocks noGrp="1"/>
-          </p:cNvSpPr>
-          <p:nvPr>
-            <p:ph type="ctrTitle"/>
-          </p:nvPr>
-        </p:nvSpPr>
-        <p:spPr/>
-        <p:txBody>
-          <a:bodyPr/>
-          <a:lstStyle/>
-          <a:p>
-            <a:r>
-              <a:rPr lang="es-ES" dirty="0" smtClean="0"/>
-              <a:t>COMPONENTES DEL SISTEMA</a:t>
-            </a:r>
-            <a:endParaRPr lang="es-ES" dirty="0"/>
-          </a:p>
-        </p:txBody>
-      </p:sp>
-    </p:spTree>
-    <p:extLst>
-      <p:ext uri="{BB962C8B-B14F-4D97-AF65-F5344CB8AC3E}">
-        <p14:creationId xmlns:p14="http://schemas.microsoft.com/office/powerpoint/2010/main" val="1443893108"/>
-      </p:ext>
-    </p:extLst>
-  </p:cSld>
-  <p:clrMapOvr>
-    <a:masterClrMapping/>
-  </p:clrMapOvr>
-  <p:timing>
-    <p:tnLst>
-      <p:par>
-        <p:cTn id="1" dur="indefinite" restart="never" nodeType="tmRoot"/>
-      </p:par>
-    </p:tnLst>
-  </p:timing>
-</p:sld>
-</file>
-
-<file path=ppt/slides/slide9.xml><?xml version="1.0" encoding="utf-8"?>
-<p:sld xmlns:a="http://schemas.openxmlformats.org/drawingml/2006/main" xmlns:r="http://schemas.openxmlformats.org/officeDocument/2006/relationships" xmlns:p="http://schemas.openxmlformats.org/presentationml/2006/main">
-  <p:cSld>
-    <p:spTree>
-      <p:nvGrpSpPr>
-        <p:cNvPr id="1" name=""/>
-        <p:cNvGrpSpPr/>
-        <p:nvPr/>
-      </p:nvGrpSpPr>
-      <p:grpSpPr>
-        <a:xfrm>
-          <a:off x="0" y="0"/>
-          <a:ext cx="0" cy="0"/>
-          <a:chOff x="0" y="0"/>
-          <a:chExt cx="0" cy="0"/>
-        </a:xfrm>
-      </p:grpSpPr>
-      <p:sp>
-        <p:nvSpPr>
-          <p:cNvPr id="3" name="2 Título"/>
-          <p:cNvSpPr>
-            <a:spLocks noGrp="1"/>
-          </p:cNvSpPr>
-          <p:nvPr>
-            <p:ph type="title"/>
-          </p:nvPr>
-        </p:nvSpPr>
-        <p:spPr/>
-        <p:txBody>
-          <a:bodyPr/>
-          <a:lstStyle/>
-          <a:p>
-            <a:r>
-              <a:rPr lang="es-ES" dirty="0" smtClean="0"/>
-              <a:t>MENU</a:t>
-            </a:r>
-            <a:endParaRPr lang="es-ES" dirty="0"/>
-          </a:p>
-        </p:txBody>
-      </p:sp>
-      <p:pic>
-        <p:nvPicPr>
-          <p:cNvPr id="1026" name="Picture 2"/>
-          <p:cNvPicPr>
-            <a:picLocks noChangeAspect="1" noChangeArrowheads="1"/>
-          </p:cNvPicPr>
-          <p:nvPr/>
-        </p:nvPicPr>
-        <p:blipFill>
-          <a:blip r:embed="rId2">
-            <a:extLst>
-              <a:ext uri="{28A0092B-C50C-407E-A947-70E740481C1C}">
-                <a14:useLocalDpi xmlns:a14="http://schemas.microsoft.com/office/drawing/2010/main" val="0"/>
-              </a:ext>
-            </a:extLst>
-          </a:blip>
-          <a:srcRect/>
-          <a:stretch>
-            <a:fillRect/>
-          </a:stretch>
-        </p:blipFill>
-        <p:spPr bwMode="auto">
-          <a:xfrm>
-            <a:off x="242740" y="1632992"/>
-            <a:ext cx="8721748" cy="4536504"/>
-          </a:xfrm>
-          <a:prstGeom prst="rect">
-            <a:avLst/>
-          </a:prstGeom>
-          <a:noFill/>
-          <a:ln>
-            <a:noFill/>
-          </a:ln>
-          <a:effectLst/>
-          <a:extLst>
-            <a:ext uri="{909E8E84-426E-40DD-AFC4-6F175D3DCCD1}">
-              <a14:hiddenFill xmlns:a14="http://schemas.microsoft.com/office/drawing/2010/main">
-                <a:solidFill>
-                  <a:schemeClr val="accent1"/>
-                </a:solidFill>
-              </a14:hiddenFill>
-            </a:ext>
-            <a:ext uri="{91240B29-F687-4F45-9708-019B960494DF}">
-              <a14:hiddenLine xmlns:a14="http://schemas.microsoft.com/office/drawing/2010/main" w="9525">
-                <a:solidFill>
-                  <a:schemeClr val="tx1"/>
-                </a:solidFill>
-                <a:miter lim="800000"/>
-                <a:headEnd/>
-                <a:tailEnd/>
-              </a14:hiddenLine>
-            </a:ext>
-            <a:ext uri="{AF507438-7753-43E0-B8FC-AC1667EBCBE1}">
-              <a14:hiddenEffects xmlns:a14="http://schemas.microsoft.com/office/drawing/2010/main">
-                <a:effectLst>
-                  <a:outerShdw dist="35921" dir="2700000" algn="ctr" rotWithShape="0">
-                    <a:schemeClr val="bg2"/>
-                  </a:outerShdw>
-                </a:effectLst>
-              </a14:hiddenEffects>
-            </a:ext>
-          </a:extLst>
-        </p:spPr>
-      </p:pic>
-    </p:spTree>
-    <p:extLst>
-      <p:ext uri="{BB962C8B-B14F-4D97-AF65-F5344CB8AC3E}">
-        <p14:creationId xmlns:p14="http://schemas.microsoft.com/office/powerpoint/2010/main" val="4055073124"/>
       </p:ext>
     </p:extLst>
   </p:cSld>

--- a/presentacion/INFOCOMEDOR - PPT.pptx
+++ b/presentacion/INFOCOMEDOR - PPT.pptx
@@ -231,7 +231,7 @@
           <a:p>
             <a:fld id="{8CEDEA12-4663-479F-801E-E2AF3FAE5280}" type="datetimeFigureOut">
               <a:rPr lang="es-ES" smtClean="0"/>
-              <a:t>16/08/2014</a:t>
+              <a:t>19/08/2014</a:t>
             </a:fld>
             <a:endParaRPr lang="es-ES"/>
           </a:p>
@@ -3487,7 +3487,7 @@
           <a:p>
             <a:fld id="{A437B357-E818-445B-86EE-5B64E1381F9B}" type="datetimeFigureOut">
               <a:rPr lang="es-ES" smtClean="0"/>
-              <a:t>16/08/2014</a:t>
+              <a:t>19/08/2014</a:t>
             </a:fld>
             <a:endParaRPr lang="es-ES"/>
           </a:p>
@@ -3668,7 +3668,7 @@
           <a:p>
             <a:fld id="{A437B357-E818-445B-86EE-5B64E1381F9B}" type="datetimeFigureOut">
               <a:rPr lang="es-ES" smtClean="0"/>
-              <a:t>16/08/2014</a:t>
+              <a:t>19/08/2014</a:t>
             </a:fld>
             <a:endParaRPr lang="es-ES"/>
           </a:p>
@@ -3819,7 +3819,7 @@
           <a:p>
             <a:fld id="{A437B357-E818-445B-86EE-5B64E1381F9B}" type="datetimeFigureOut">
               <a:rPr lang="es-ES" smtClean="0"/>
-              <a:t>16/08/2014</a:t>
+              <a:t>19/08/2014</a:t>
             </a:fld>
             <a:endParaRPr lang="es-ES"/>
           </a:p>
@@ -5645,7 +5645,7 @@
           <a:p>
             <a:fld id="{A437B357-E818-445B-86EE-5B64E1381F9B}" type="datetimeFigureOut">
               <a:rPr lang="es-ES" smtClean="0"/>
-              <a:t>16/08/2014</a:t>
+              <a:t>19/08/2014</a:t>
             </a:fld>
             <a:endParaRPr lang="es-ES"/>
           </a:p>
@@ -7515,7 +7515,7 @@
           <a:p>
             <a:fld id="{A437B357-E818-445B-86EE-5B64E1381F9B}" type="datetimeFigureOut">
               <a:rPr lang="es-ES" smtClean="0"/>
-              <a:t>16/08/2014</a:t>
+              <a:t>19/08/2014</a:t>
             </a:fld>
             <a:endParaRPr lang="es-ES"/>
           </a:p>
@@ -7628,7 +7628,7 @@
           <a:p>
             <a:fld id="{A437B357-E818-445B-86EE-5B64E1381F9B}" type="datetimeFigureOut">
               <a:rPr lang="es-ES" smtClean="0"/>
-              <a:t>16/08/2014</a:t>
+              <a:t>19/08/2014</a:t>
             </a:fld>
             <a:endParaRPr lang="es-ES"/>
           </a:p>
@@ -8169,7 +8169,7 @@
           <a:p>
             <a:fld id="{A437B357-E818-445B-86EE-5B64E1381F9B}" type="datetimeFigureOut">
               <a:rPr lang="es-ES" smtClean="0"/>
-              <a:t>16/08/2014</a:t>
+              <a:t>19/08/2014</a:t>
             </a:fld>
             <a:endParaRPr lang="es-ES"/>
           </a:p>
@@ -8282,7 +8282,7 @@
           <a:p>
             <a:fld id="{A437B357-E818-445B-86EE-5B64E1381F9B}" type="datetimeFigureOut">
               <a:rPr lang="es-ES" smtClean="0"/>
-              <a:t>16/08/2014</a:t>
+              <a:t>19/08/2014</a:t>
             </a:fld>
             <a:endParaRPr lang="es-ES"/>
           </a:p>
@@ -9993,7 +9993,7 @@
           <a:p>
             <a:fld id="{A437B357-E818-445B-86EE-5B64E1381F9B}" type="datetimeFigureOut">
               <a:rPr lang="es-ES" smtClean="0"/>
-              <a:t>16/08/2014</a:t>
+              <a:t>19/08/2014</a:t>
             </a:fld>
             <a:endParaRPr lang="es-ES"/>
           </a:p>
@@ -10144,7 +10144,7 @@
           <a:p>
             <a:fld id="{A437B357-E818-445B-86EE-5B64E1381F9B}" type="datetimeFigureOut">
               <a:rPr lang="es-ES" smtClean="0"/>
-              <a:t>16/08/2014</a:t>
+              <a:t>19/08/2014</a:t>
             </a:fld>
             <a:endParaRPr lang="es-ES"/>
           </a:p>
@@ -13759,7 +13759,7 @@
           <a:p>
             <a:fld id="{A437B357-E818-445B-86EE-5B64E1381F9B}" type="datetimeFigureOut">
               <a:rPr lang="es-ES" smtClean="0"/>
-              <a:t>16/08/2014</a:t>
+              <a:t>19/08/2014</a:t>
             </a:fld>
             <a:endParaRPr lang="es-ES"/>
           </a:p>
@@ -15618,7 +15618,7 @@
           <a:p>
             <a:fld id="{A437B357-E818-445B-86EE-5B64E1381F9B}" type="datetimeFigureOut">
               <a:rPr lang="es-ES" smtClean="0"/>
-              <a:t>16/08/2014</a:t>
+              <a:t>19/08/2014</a:t>
             </a:fld>
             <a:endParaRPr lang="es-ES"/>
           </a:p>
@@ -17984,7 +17984,7 @@
       </p:sp>
       <p:pic>
         <p:nvPicPr>
-          <p:cNvPr id="2051" name="Picture 3" descr="C:\Users\Ivan\Downloads\Untitled (2).png"/>
+          <p:cNvPr id="2050" name="Picture 2" descr="C:\Users\Ivan\Downloads\Untitled (6).png"/>
           <p:cNvPicPr>
             <a:picLocks noChangeAspect="1" noChangeArrowheads="1"/>
           </p:cNvPicPr>
@@ -18005,8 +18005,8 @@
         </p:blipFill>
         <p:spPr bwMode="auto">
           <a:xfrm>
-            <a:off x="2339752" y="1412776"/>
-            <a:ext cx="4608512" cy="5390613"/>
+            <a:off x="971600" y="1485900"/>
+            <a:ext cx="7128792" cy="4997504"/>
           </a:xfrm>
           <a:prstGeom prst="rect">
             <a:avLst/>
@@ -18091,13 +18091,13 @@
       </p:sp>
       <p:pic>
         <p:nvPicPr>
-          <p:cNvPr id="3074" name="Picture 2" descr="C:\Users\Ivan\Downloads\Untitled (1).png"/>
+          <p:cNvPr id="1028" name="Picture 4" descr="C:\Users\Ivan\Downloads\Untitled (5).png"/>
           <p:cNvPicPr>
             <a:picLocks noChangeAspect="1" noChangeArrowheads="1"/>
           </p:cNvPicPr>
           <p:nvPr/>
         </p:nvPicPr>
-        <p:blipFill rotWithShape="1">
+        <p:blipFill>
           <a:blip r:embed="rId3">
             <a:extLst>
               <a:ext uri="{28A0092B-C50C-407E-A947-70E740481C1C}">
@@ -18105,13 +18105,15 @@
               </a:ext>
             </a:extLst>
           </a:blip>
-          <a:srcRect r="14178"/>
-          <a:stretch/>
+          <a:srcRect/>
+          <a:stretch>
+            <a:fillRect/>
+          </a:stretch>
         </p:blipFill>
         <p:spPr bwMode="auto">
           <a:xfrm>
-            <a:off x="1907704" y="1196752"/>
-            <a:ext cx="5492873" cy="5518944"/>
+            <a:off x="971600" y="1412776"/>
+            <a:ext cx="7488832" cy="5256584"/>
           </a:xfrm>
           <a:prstGeom prst="rect">
             <a:avLst/>
